--- a/project.pptx
+++ b/project.pptx
@@ -12,6 +12,9 @@
     <p:sldId id="260" r:id="rId6"/>
     <p:sldId id="263" r:id="rId7"/>
     <p:sldId id="261" r:id="rId8"/>
+    <p:sldId id="265" r:id="rId9"/>
+    <p:sldId id="264" r:id="rId10"/>
+    <p:sldId id="266" r:id="rId11"/>
   </p:sldIdLst>
   <p:sldSz cx="12192000" cy="6858000"/>
   <p:notesSz cx="6858000" cy="9144000"/>
@@ -110,6 +113,11 @@
       </a:defRPr>
     </a:lvl9pPr>
   </p:defaultTextStyle>
+  <p:extLst>
+    <p:ext uri="{EFAFB233-063F-42B5-8137-9DF3F51BA10A}">
+      <p15:sldGuideLst xmlns:p15="http://schemas.microsoft.com/office/powerpoint/2012/main"/>
+    </p:ext>
+  </p:extLst>
 </p:presentation>
 </file>
 
@@ -3379,6 +3387,125 @@
 </p:sld>
 </file>
 
+<file path=ppt/slides/slide10.xml><?xml version="1.0" encoding="utf-8"?>
+<p:sld xmlns:a="http://schemas.openxmlformats.org/drawingml/2006/main" xmlns:r="http://schemas.openxmlformats.org/officeDocument/2006/relationships" xmlns:p="http://schemas.openxmlformats.org/presentationml/2006/main">
+  <p:cSld>
+    <p:spTree>
+      <p:nvGrpSpPr>
+        <p:cNvPr id="1" name=""/>
+        <p:cNvGrpSpPr/>
+        <p:nvPr/>
+      </p:nvGrpSpPr>
+      <p:grpSpPr>
+        <a:xfrm>
+          <a:off x="0" y="0"/>
+          <a:ext cx="0" cy="0"/>
+          <a:chOff x="0" y="0"/>
+          <a:chExt cx="0" cy="0"/>
+        </a:xfrm>
+      </p:grpSpPr>
+      <p:sp>
+        <p:nvSpPr>
+          <p:cNvPr id="2" name="Title 1">
+            <a:extLst>
+              <a:ext uri="{FF2B5EF4-FFF2-40B4-BE49-F238E27FC236}">
+                <a16:creationId xmlns:a16="http://schemas.microsoft.com/office/drawing/2014/main" id="{0EB15876-999F-09EB-2F5A-CE0211C0BC5C}"/>
+              </a:ext>
+            </a:extLst>
+          </p:cNvPr>
+          <p:cNvSpPr>
+            <a:spLocks noGrp="1"/>
+          </p:cNvSpPr>
+          <p:nvPr>
+            <p:ph type="title"/>
+          </p:nvPr>
+        </p:nvSpPr>
+        <p:spPr/>
+        <p:txBody>
+          <a:bodyPr/>
+          <a:lstStyle/>
+          <a:p>
+            <a:r>
+              <a:rPr lang="en-US" dirty="0">
+                <a:solidFill>
+                  <a:schemeClr val="accent4">
+                    <a:lumMod val="75000"/>
+                  </a:schemeClr>
+                </a:solidFill>
+              </a:rPr>
+              <a:t>The Movie Database</a:t>
+            </a:r>
+          </a:p>
+        </p:txBody>
+      </p:sp>
+      <p:sp>
+        <p:nvSpPr>
+          <p:cNvPr id="3" name="Content Placeholder 2">
+            <a:extLst>
+              <a:ext uri="{FF2B5EF4-FFF2-40B4-BE49-F238E27FC236}">
+                <a16:creationId xmlns:a16="http://schemas.microsoft.com/office/drawing/2014/main" id="{328663DC-29F6-41CB-5C92-0D2049ACEB82}"/>
+              </a:ext>
+            </a:extLst>
+          </p:cNvPr>
+          <p:cNvSpPr>
+            <a:spLocks noGrp="1"/>
+          </p:cNvSpPr>
+          <p:nvPr>
+            <p:ph idx="1"/>
+          </p:nvPr>
+        </p:nvSpPr>
+        <p:spPr/>
+        <p:txBody>
+          <a:bodyPr/>
+          <a:lstStyle/>
+          <a:p>
+            <a:r>
+              <a:rPr lang="en-US" dirty="0"/>
+              <a:t>The TMDB dataset provides detailed information about movies,</a:t>
+            </a:r>
+          </a:p>
+          <a:p>
+            <a:pPr marL="0" indent="0">
+              <a:buNone/>
+            </a:pPr>
+            <a:r>
+              <a:rPr lang="en-US" dirty="0"/>
+              <a:t> including popularity metrics and audience ratings.</a:t>
+            </a:r>
+          </a:p>
+          <a:p>
+            <a:r>
+              <a:rPr lang="en-US" dirty="0"/>
+              <a:t> This dataset perfectly complements the IMDB and Box Office Mojo</a:t>
+            </a:r>
+          </a:p>
+          <a:p>
+            <a:pPr marL="0" indent="0">
+              <a:buNone/>
+            </a:pPr>
+            <a:r>
+              <a:rPr lang="en-US" dirty="0"/>
+              <a:t> datasets.</a:t>
+            </a:r>
+          </a:p>
+          <a:p>
+            <a:endParaRPr lang="en-US" dirty="0"/>
+          </a:p>
+        </p:txBody>
+      </p:sp>
+    </p:spTree>
+    <p:extLst>
+      <p:ext uri="{BB962C8B-B14F-4D97-AF65-F5344CB8AC3E}">
+        <p14:creationId xmlns:p14="http://schemas.microsoft.com/office/powerpoint/2010/main" val="2000882888"/>
+      </p:ext>
+    </p:extLst>
+  </p:cSld>
+  <p:clrMapOvr>
+    <a:masterClrMapping/>
+  </p:clrMapOvr>
+</p:sld>
+</file>
+
 <file path=ppt/slides/slide2.xml><?xml version="1.0" encoding="utf-8"?>
 <p:sld xmlns:a="http://schemas.openxmlformats.org/drawingml/2006/main" xmlns:r="http://schemas.openxmlformats.org/officeDocument/2006/relationships" xmlns:p="http://schemas.openxmlformats.org/presentationml/2006/main">
   <p:cSld>
@@ -4025,6 +4152,259 @@
     <p:extLst>
       <p:ext uri="{BB962C8B-B14F-4D97-AF65-F5344CB8AC3E}">
         <p14:creationId xmlns:p14="http://schemas.microsoft.com/office/powerpoint/2010/main" val="1762537736"/>
+      </p:ext>
+    </p:extLst>
+  </p:cSld>
+  <p:clrMapOvr>
+    <a:masterClrMapping/>
+  </p:clrMapOvr>
+</p:sld>
+</file>
+
+<file path=ppt/slides/slide8.xml><?xml version="1.0" encoding="utf-8"?>
+<p:sld xmlns:a="http://schemas.openxmlformats.org/drawingml/2006/main" xmlns:r="http://schemas.openxmlformats.org/officeDocument/2006/relationships" xmlns:p="http://schemas.openxmlformats.org/presentationml/2006/main">
+  <p:cSld>
+    <p:spTree>
+      <p:nvGrpSpPr>
+        <p:cNvPr id="1" name=""/>
+        <p:cNvGrpSpPr/>
+        <p:nvPr/>
+      </p:nvGrpSpPr>
+      <p:grpSpPr>
+        <a:xfrm>
+          <a:off x="0" y="0"/>
+          <a:ext cx="0" cy="0"/>
+          <a:chOff x="0" y="0"/>
+          <a:chExt cx="0" cy="0"/>
+        </a:xfrm>
+      </p:grpSpPr>
+      <p:sp>
+        <p:nvSpPr>
+          <p:cNvPr id="2" name="Title 1">
+            <a:extLst>
+              <a:ext uri="{FF2B5EF4-FFF2-40B4-BE49-F238E27FC236}">
+                <a16:creationId xmlns:a16="http://schemas.microsoft.com/office/drawing/2014/main" id="{384DA0C1-7AE2-9B29-35B5-BE5D92F4E027}"/>
+              </a:ext>
+            </a:extLst>
+          </p:cNvPr>
+          <p:cNvSpPr>
+            <a:spLocks noGrp="1"/>
+          </p:cNvSpPr>
+          <p:nvPr>
+            <p:ph type="title"/>
+          </p:nvPr>
+        </p:nvSpPr>
+        <p:spPr/>
+        <p:txBody>
+          <a:bodyPr/>
+          <a:lstStyle/>
+          <a:p>
+            <a:r>
+              <a:rPr lang="en-US" dirty="0">
+                <a:solidFill>
+                  <a:schemeClr val="accent4">
+                    <a:lumMod val="75000"/>
+                  </a:schemeClr>
+                </a:solidFill>
+              </a:rPr>
+              <a:t>Box Office Mojo Dataset</a:t>
+            </a:r>
+          </a:p>
+        </p:txBody>
+      </p:sp>
+      <p:sp>
+        <p:nvSpPr>
+          <p:cNvPr id="3" name="Content Placeholder 2">
+            <a:extLst>
+              <a:ext uri="{FF2B5EF4-FFF2-40B4-BE49-F238E27FC236}">
+                <a16:creationId xmlns:a16="http://schemas.microsoft.com/office/drawing/2014/main" id="{E141AED1-A07C-9C66-9656-A4AB0B29A404}"/>
+              </a:ext>
+            </a:extLst>
+          </p:cNvPr>
+          <p:cNvSpPr>
+            <a:spLocks noGrp="1"/>
+          </p:cNvSpPr>
+          <p:nvPr>
+            <p:ph idx="1"/>
+          </p:nvPr>
+        </p:nvSpPr>
+        <p:spPr/>
+        <p:txBody>
+          <a:bodyPr/>
+          <a:lstStyle/>
+          <a:p>
+            <a:r>
+              <a:rPr lang="en-US" dirty="0"/>
+              <a:t>This dataset contains box office revenue data for movies.</a:t>
+            </a:r>
+          </a:p>
+          <a:p>
+            <a:pPr marL="0" indent="0">
+              <a:buNone/>
+            </a:pPr>
+            <a:endParaRPr lang="en-US" dirty="0"/>
+          </a:p>
+          <a:p>
+            <a:r>
+              <a:rPr lang="en-US" dirty="0"/>
+              <a:t>These are movies that were  released domestically and internationally.</a:t>
+            </a:r>
+          </a:p>
+          <a:p>
+            <a:endParaRPr lang="en-US" dirty="0"/>
+          </a:p>
+        </p:txBody>
+      </p:sp>
+    </p:spTree>
+    <p:extLst>
+      <p:ext uri="{BB962C8B-B14F-4D97-AF65-F5344CB8AC3E}">
+        <p14:creationId xmlns:p14="http://schemas.microsoft.com/office/powerpoint/2010/main" val="4009262248"/>
+      </p:ext>
+    </p:extLst>
+  </p:cSld>
+  <p:clrMapOvr>
+    <a:masterClrMapping/>
+  </p:clrMapOvr>
+</p:sld>
+</file>
+
+<file path=ppt/slides/slide9.xml><?xml version="1.0" encoding="utf-8"?>
+<p:sld xmlns:a="http://schemas.openxmlformats.org/drawingml/2006/main" xmlns:r="http://schemas.openxmlformats.org/officeDocument/2006/relationships" xmlns:p="http://schemas.openxmlformats.org/presentationml/2006/main">
+  <p:cSld>
+    <p:spTree>
+      <p:nvGrpSpPr>
+        <p:cNvPr id="1" name=""/>
+        <p:cNvGrpSpPr/>
+        <p:nvPr/>
+      </p:nvGrpSpPr>
+      <p:grpSpPr>
+        <a:xfrm>
+          <a:off x="0" y="0"/>
+          <a:ext cx="0" cy="0"/>
+          <a:chOff x="0" y="0"/>
+          <a:chExt cx="0" cy="0"/>
+        </a:xfrm>
+      </p:grpSpPr>
+      <p:sp>
+        <p:nvSpPr>
+          <p:cNvPr id="2" name="Title 1">
+            <a:extLst>
+              <a:ext uri="{FF2B5EF4-FFF2-40B4-BE49-F238E27FC236}">
+                <a16:creationId xmlns:a16="http://schemas.microsoft.com/office/drawing/2014/main" id="{4040E85B-F8B4-EC0B-DD03-CC31D08FAD95}"/>
+              </a:ext>
+            </a:extLst>
+          </p:cNvPr>
+          <p:cNvSpPr>
+            <a:spLocks noGrp="1"/>
+          </p:cNvSpPr>
+          <p:nvPr>
+            <p:ph type="title"/>
+          </p:nvPr>
+        </p:nvSpPr>
+        <p:spPr/>
+        <p:txBody>
+          <a:bodyPr/>
+          <a:lstStyle/>
+          <a:p>
+            <a:r>
+              <a:rPr lang="en-US" dirty="0">
+                <a:solidFill>
+                  <a:schemeClr val="accent4">
+                    <a:lumMod val="75000"/>
+                  </a:schemeClr>
+                </a:solidFill>
+              </a:rPr>
+              <a:t>IMDB dataset</a:t>
+            </a:r>
+          </a:p>
+        </p:txBody>
+      </p:sp>
+      <p:sp>
+        <p:nvSpPr>
+          <p:cNvPr id="3" name="Content Placeholder 2">
+            <a:extLst>
+              <a:ext uri="{FF2B5EF4-FFF2-40B4-BE49-F238E27FC236}">
+                <a16:creationId xmlns:a16="http://schemas.microsoft.com/office/drawing/2014/main" id="{CAB51DC1-78B7-A386-E8E8-EA609A4E32DB}"/>
+              </a:ext>
+            </a:extLst>
+          </p:cNvPr>
+          <p:cNvSpPr>
+            <a:spLocks noGrp="1"/>
+          </p:cNvSpPr>
+          <p:nvPr>
+            <p:ph idx="1"/>
+          </p:nvPr>
+        </p:nvSpPr>
+        <p:spPr/>
+        <p:txBody>
+          <a:bodyPr/>
+          <a:lstStyle/>
+          <a:p>
+            <a:r>
+              <a:rPr lang="en-US" dirty="0"/>
+              <a:t>The IMDB data is stored in a SQLite database. </a:t>
+            </a:r>
+          </a:p>
+          <a:p>
+            <a:pPr marL="0" indent="0">
+              <a:buNone/>
+            </a:pPr>
+            <a:endParaRPr lang="en-US" dirty="0"/>
+          </a:p>
+          <a:p>
+            <a:r>
+              <a:rPr lang="en-US" dirty="0"/>
+              <a:t>The database contains multiple </a:t>
+            </a:r>
+            <a:r>
+              <a:rPr lang="en-US" dirty="0" err="1"/>
+              <a:t>tables;however</a:t>
+            </a:r>
+            <a:r>
+              <a:rPr lang="en-US" dirty="0"/>
+              <a:t> this analysis focuses on:</a:t>
+            </a:r>
+          </a:p>
+          <a:p>
+            <a:pPr marL="0" indent="0">
+              <a:buNone/>
+            </a:pPr>
+            <a:endParaRPr lang="en-US" dirty="0"/>
+          </a:p>
+          <a:p>
+            <a:pPr marL="514350" indent="-514350">
+              <a:buFont typeface="+mj-lt"/>
+              <a:buAutoNum type="alphaLcParenR"/>
+            </a:pPr>
+            <a:r>
+              <a:rPr lang="en-US" dirty="0" err="1"/>
+              <a:t>movie_basics</a:t>
+            </a:r>
+            <a:endParaRPr lang="en-US" dirty="0"/>
+          </a:p>
+          <a:p>
+            <a:pPr marL="0" indent="0">
+              <a:buNone/>
+            </a:pPr>
+            <a:r>
+              <a:rPr lang="en-US" dirty="0"/>
+              <a:t>b)  </a:t>
+            </a:r>
+            <a:r>
+              <a:rPr lang="en-US" dirty="0" err="1"/>
+              <a:t>movie_ratings</a:t>
+            </a:r>
+            <a:endParaRPr lang="en-US" dirty="0"/>
+          </a:p>
+          <a:p>
+            <a:endParaRPr lang="en-US" dirty="0"/>
+          </a:p>
+        </p:txBody>
+      </p:sp>
+    </p:spTree>
+    <p:extLst>
+      <p:ext uri="{BB962C8B-B14F-4D97-AF65-F5344CB8AC3E}">
+        <p14:creationId xmlns:p14="http://schemas.microsoft.com/office/powerpoint/2010/main" val="3264592789"/>
       </p:ext>
     </p:extLst>
   </p:cSld>

--- a/project.pptx
+++ b/project.pptx
@@ -15,6 +15,13 @@
     <p:sldId id="265" r:id="rId9"/>
     <p:sldId id="264" r:id="rId10"/>
     <p:sldId id="266" r:id="rId11"/>
+    <p:sldId id="269" r:id="rId12"/>
+    <p:sldId id="267" r:id="rId13"/>
+    <p:sldId id="268" r:id="rId14"/>
+    <p:sldId id="270" r:id="rId15"/>
+    <p:sldId id="271" r:id="rId16"/>
+    <p:sldId id="273" r:id="rId17"/>
+    <p:sldId id="272" r:id="rId18"/>
   </p:sldIdLst>
   <p:sldSz cx="12192000" cy="6858000"/>
   <p:notesSz cx="6858000" cy="9144000"/>
@@ -268,7 +275,7 @@
           <a:p>
             <a:fld id="{BDC621AE-5B42-4648-A89A-32428412D878}" type="datetimeFigureOut">
               <a:rPr lang="en-US" smtClean="0"/>
-              <a:t>2/1/2026</a:t>
+              <a:t>2/2/2026</a:t>
             </a:fld>
             <a:endParaRPr lang="en-US"/>
           </a:p>
@@ -466,7 +473,7 @@
           <a:p>
             <a:fld id="{BDC621AE-5B42-4648-A89A-32428412D878}" type="datetimeFigureOut">
               <a:rPr lang="en-US" smtClean="0"/>
-              <a:t>2/1/2026</a:t>
+              <a:t>2/2/2026</a:t>
             </a:fld>
             <a:endParaRPr lang="en-US"/>
           </a:p>
@@ -674,7 +681,7 @@
           <a:p>
             <a:fld id="{BDC621AE-5B42-4648-A89A-32428412D878}" type="datetimeFigureOut">
               <a:rPr lang="en-US" smtClean="0"/>
-              <a:t>2/1/2026</a:t>
+              <a:t>2/2/2026</a:t>
             </a:fld>
             <a:endParaRPr lang="en-US"/>
           </a:p>
@@ -872,7 +879,7 @@
           <a:p>
             <a:fld id="{BDC621AE-5B42-4648-A89A-32428412D878}" type="datetimeFigureOut">
               <a:rPr lang="en-US" smtClean="0"/>
-              <a:t>2/1/2026</a:t>
+              <a:t>2/2/2026</a:t>
             </a:fld>
             <a:endParaRPr lang="en-US"/>
           </a:p>
@@ -1147,7 +1154,7 @@
           <a:p>
             <a:fld id="{BDC621AE-5B42-4648-A89A-32428412D878}" type="datetimeFigureOut">
               <a:rPr lang="en-US" smtClean="0"/>
-              <a:t>2/1/2026</a:t>
+              <a:t>2/2/2026</a:t>
             </a:fld>
             <a:endParaRPr lang="en-US"/>
           </a:p>
@@ -1412,7 +1419,7 @@
           <a:p>
             <a:fld id="{BDC621AE-5B42-4648-A89A-32428412D878}" type="datetimeFigureOut">
               <a:rPr lang="en-US" smtClean="0"/>
-              <a:t>2/1/2026</a:t>
+              <a:t>2/2/2026</a:t>
             </a:fld>
             <a:endParaRPr lang="en-US"/>
           </a:p>
@@ -1824,7 +1831,7 @@
           <a:p>
             <a:fld id="{BDC621AE-5B42-4648-A89A-32428412D878}" type="datetimeFigureOut">
               <a:rPr lang="en-US" smtClean="0"/>
-              <a:t>2/1/2026</a:t>
+              <a:t>2/2/2026</a:t>
             </a:fld>
             <a:endParaRPr lang="en-US"/>
           </a:p>
@@ -1965,7 +1972,7 @@
           <a:p>
             <a:fld id="{BDC621AE-5B42-4648-A89A-32428412D878}" type="datetimeFigureOut">
               <a:rPr lang="en-US" smtClean="0"/>
-              <a:t>2/1/2026</a:t>
+              <a:t>2/2/2026</a:t>
             </a:fld>
             <a:endParaRPr lang="en-US"/>
           </a:p>
@@ -2078,7 +2085,7 @@
           <a:p>
             <a:fld id="{BDC621AE-5B42-4648-A89A-32428412D878}" type="datetimeFigureOut">
               <a:rPr lang="en-US" smtClean="0"/>
-              <a:t>2/1/2026</a:t>
+              <a:t>2/2/2026</a:t>
             </a:fld>
             <a:endParaRPr lang="en-US"/>
           </a:p>
@@ -2389,7 +2396,7 @@
           <a:p>
             <a:fld id="{BDC621AE-5B42-4648-A89A-32428412D878}" type="datetimeFigureOut">
               <a:rPr lang="en-US" smtClean="0"/>
-              <a:t>2/1/2026</a:t>
+              <a:t>2/2/2026</a:t>
             </a:fld>
             <a:endParaRPr lang="en-US"/>
           </a:p>
@@ -2677,7 +2684,7 @@
           <a:p>
             <a:fld id="{BDC621AE-5B42-4648-A89A-32428412D878}" type="datetimeFigureOut">
               <a:rPr lang="en-US" smtClean="0"/>
-              <a:t>2/1/2026</a:t>
+              <a:t>2/2/2026</a:t>
             </a:fld>
             <a:endParaRPr lang="en-US"/>
           </a:p>
@@ -2918,7 +2925,7 @@
           <a:p>
             <a:fld id="{BDC621AE-5B42-4648-A89A-32428412D878}" type="datetimeFigureOut">
               <a:rPr lang="en-US" smtClean="0"/>
-              <a:t>2/1/2026</a:t>
+              <a:t>2/2/2026</a:t>
             </a:fld>
             <a:endParaRPr lang="en-US"/>
           </a:p>
@@ -3506,6 +3513,1059 @@
 </p:sld>
 </file>
 
+<file path=ppt/slides/slide11.xml><?xml version="1.0" encoding="utf-8"?>
+<p:sld xmlns:a="http://schemas.openxmlformats.org/drawingml/2006/main" xmlns:r="http://schemas.openxmlformats.org/officeDocument/2006/relationships" xmlns:p="http://schemas.openxmlformats.org/presentationml/2006/main">
+  <p:cSld>
+    <p:spTree>
+      <p:nvGrpSpPr>
+        <p:cNvPr id="1" name=""/>
+        <p:cNvGrpSpPr/>
+        <p:nvPr/>
+      </p:nvGrpSpPr>
+      <p:grpSpPr>
+        <a:xfrm>
+          <a:off x="0" y="0"/>
+          <a:ext cx="0" cy="0"/>
+          <a:chOff x="0" y="0"/>
+          <a:chExt cx="0" cy="0"/>
+        </a:xfrm>
+      </p:grpSpPr>
+      <p:sp>
+        <p:nvSpPr>
+          <p:cNvPr id="2" name="Title 1">
+            <a:extLst>
+              <a:ext uri="{FF2B5EF4-FFF2-40B4-BE49-F238E27FC236}">
+                <a16:creationId xmlns:a16="http://schemas.microsoft.com/office/drawing/2014/main" id="{ED5532C6-14E9-121C-12CC-3EF372DD404B}"/>
+              </a:ext>
+            </a:extLst>
+          </p:cNvPr>
+          <p:cNvSpPr>
+            <a:spLocks noGrp="1"/>
+          </p:cNvSpPr>
+          <p:nvPr>
+            <p:ph type="title"/>
+          </p:nvPr>
+        </p:nvSpPr>
+        <p:spPr>
+          <a:xfrm>
+            <a:off x="838200" y="283029"/>
+            <a:ext cx="10515600" cy="4985657"/>
+          </a:xfrm>
+        </p:spPr>
+        <p:txBody>
+          <a:bodyPr/>
+          <a:lstStyle/>
+          <a:p>
+            <a:r>
+              <a:rPr lang="en-US" dirty="0">
+                <a:solidFill>
+                  <a:schemeClr val="accent4">
+                    <a:lumMod val="75000"/>
+                  </a:schemeClr>
+                </a:solidFill>
+              </a:rPr>
+              <a:t>                      </a:t>
+            </a:r>
+            <a:r>
+              <a:rPr lang="en-US" sz="4800" dirty="0">
+                <a:solidFill>
+                  <a:schemeClr val="accent4">
+                    <a:lumMod val="75000"/>
+                  </a:schemeClr>
+                </a:solidFill>
+              </a:rPr>
+              <a:t>RECOMMENDATIONS</a:t>
+            </a:r>
+          </a:p>
+        </p:txBody>
+      </p:sp>
+    </p:spTree>
+    <p:extLst>
+      <p:ext uri="{BB962C8B-B14F-4D97-AF65-F5344CB8AC3E}">
+        <p14:creationId xmlns:p14="http://schemas.microsoft.com/office/powerpoint/2010/main" val="2526137038"/>
+      </p:ext>
+    </p:extLst>
+  </p:cSld>
+  <p:clrMapOvr>
+    <a:masterClrMapping/>
+  </p:clrMapOvr>
+</p:sld>
+</file>
+
+<file path=ppt/slides/slide12.xml><?xml version="1.0" encoding="utf-8"?>
+<p:sld xmlns:a="http://schemas.openxmlformats.org/drawingml/2006/main" xmlns:r="http://schemas.openxmlformats.org/officeDocument/2006/relationships" xmlns:p="http://schemas.openxmlformats.org/presentationml/2006/main">
+  <p:cSld>
+    <p:spTree>
+      <p:nvGrpSpPr>
+        <p:cNvPr id="1" name=""/>
+        <p:cNvGrpSpPr/>
+        <p:nvPr/>
+      </p:nvGrpSpPr>
+      <p:grpSpPr>
+        <a:xfrm>
+          <a:off x="0" y="0"/>
+          <a:ext cx="0" cy="0"/>
+          <a:chOff x="0" y="0"/>
+          <a:chExt cx="0" cy="0"/>
+        </a:xfrm>
+      </p:grpSpPr>
+      <p:sp>
+        <p:nvSpPr>
+          <p:cNvPr id="2" name="Title 1">
+            <a:extLst>
+              <a:ext uri="{FF2B5EF4-FFF2-40B4-BE49-F238E27FC236}">
+                <a16:creationId xmlns:a16="http://schemas.microsoft.com/office/drawing/2014/main" id="{EC012F02-B76B-411A-41A3-CFB779B747C3}"/>
+              </a:ext>
+            </a:extLst>
+          </p:cNvPr>
+          <p:cNvSpPr>
+            <a:spLocks noGrp="1"/>
+          </p:cNvSpPr>
+          <p:nvPr>
+            <p:ph type="title"/>
+          </p:nvPr>
+        </p:nvSpPr>
+        <p:spPr/>
+        <p:txBody>
+          <a:bodyPr/>
+          <a:lstStyle/>
+          <a:p>
+            <a:pPr marL="571500" indent="-571500">
+              <a:buFont typeface="Wingdings" panose="05000000000000000000" pitchFamily="2" charset="2"/>
+              <a:buChar char="q"/>
+            </a:pPr>
+            <a:r>
+              <a:rPr lang="en-US" dirty="0">
+                <a:solidFill>
+                  <a:schemeClr val="accent5">
+                    <a:lumMod val="75000"/>
+                  </a:schemeClr>
+                </a:solidFill>
+              </a:rPr>
+              <a:t>Prioritize High Grossing Genres</a:t>
+            </a:r>
+            <a:br>
+              <a:rPr lang="en-US" dirty="0"/>
+            </a:br>
+            <a:endParaRPr lang="en-US" dirty="0">
+              <a:solidFill>
+                <a:schemeClr val="accent4">
+                  <a:lumMod val="75000"/>
+                </a:schemeClr>
+              </a:solidFill>
+            </a:endParaRPr>
+          </a:p>
+        </p:txBody>
+      </p:sp>
+      <p:sp>
+        <p:nvSpPr>
+          <p:cNvPr id="3" name="Content Placeholder 2">
+            <a:extLst>
+              <a:ext uri="{FF2B5EF4-FFF2-40B4-BE49-F238E27FC236}">
+                <a16:creationId xmlns:a16="http://schemas.microsoft.com/office/drawing/2014/main" id="{63856592-4799-1B75-8AF4-01901E072B21}"/>
+              </a:ext>
+            </a:extLst>
+          </p:cNvPr>
+          <p:cNvSpPr>
+            <a:spLocks noGrp="1"/>
+          </p:cNvSpPr>
+          <p:nvPr>
+            <p:ph idx="1"/>
+          </p:nvPr>
+        </p:nvSpPr>
+        <p:spPr/>
+        <p:txBody>
+          <a:bodyPr/>
+          <a:lstStyle/>
+          <a:p>
+            <a:pPr marL="0" indent="0">
+              <a:buNone/>
+            </a:pPr>
+            <a:r>
+              <a:rPr lang="en-US" dirty="0">
+                <a:solidFill>
+                  <a:schemeClr val="tx2">
+                    <a:lumMod val="75000"/>
+                  </a:schemeClr>
+                </a:solidFill>
+              </a:rPr>
+              <a:t>The studio should prioritize producing films in these genres, particularly</a:t>
+            </a:r>
+          </a:p>
+          <a:p>
+            <a:pPr marL="0" indent="0">
+              <a:buNone/>
+            </a:pPr>
+            <a:endParaRPr lang="en-US" dirty="0">
+              <a:solidFill>
+                <a:schemeClr val="tx2">
+                  <a:lumMod val="75000"/>
+                </a:schemeClr>
+              </a:solidFill>
+            </a:endParaRPr>
+          </a:p>
+          <a:p>
+            <a:pPr marL="0" indent="0">
+              <a:buNone/>
+            </a:pPr>
+            <a:r>
+              <a:rPr lang="en-US" dirty="0">
+                <a:solidFill>
+                  <a:schemeClr val="tx2">
+                    <a:lumMod val="75000"/>
+                  </a:schemeClr>
+                </a:solidFill>
+              </a:rPr>
+              <a:t> for early releases, to maximize return on investment and attract </a:t>
+            </a:r>
+          </a:p>
+          <a:p>
+            <a:pPr marL="0" indent="0">
+              <a:buNone/>
+            </a:pPr>
+            <a:endParaRPr lang="en-US" dirty="0">
+              <a:solidFill>
+                <a:schemeClr val="tx2">
+                  <a:lumMod val="75000"/>
+                </a:schemeClr>
+              </a:solidFill>
+            </a:endParaRPr>
+          </a:p>
+          <a:p>
+            <a:pPr marL="0" indent="0">
+              <a:buNone/>
+            </a:pPr>
+            <a:r>
+              <a:rPr lang="en-US" dirty="0">
+                <a:solidFill>
+                  <a:schemeClr val="tx2">
+                    <a:lumMod val="75000"/>
+                  </a:schemeClr>
+                </a:solidFill>
+              </a:rPr>
+              <a:t> audiences.</a:t>
+            </a:r>
+          </a:p>
+          <a:p>
+            <a:pPr marL="0" indent="0">
+              <a:buNone/>
+            </a:pPr>
+            <a:endParaRPr lang="en-US" sz="2400" dirty="0">
+              <a:solidFill>
+                <a:schemeClr val="accent5">
+                  <a:lumMod val="75000"/>
+                </a:schemeClr>
+              </a:solidFill>
+            </a:endParaRPr>
+          </a:p>
+          <a:p>
+            <a:pPr marL="0" indent="0">
+              <a:buNone/>
+            </a:pPr>
+            <a:endParaRPr lang="en-US" dirty="0"/>
+          </a:p>
+        </p:txBody>
+      </p:sp>
+    </p:spTree>
+    <p:extLst>
+      <p:ext uri="{BB962C8B-B14F-4D97-AF65-F5344CB8AC3E}">
+        <p14:creationId xmlns:p14="http://schemas.microsoft.com/office/powerpoint/2010/main" val="2724402833"/>
+      </p:ext>
+    </p:extLst>
+  </p:cSld>
+  <p:clrMapOvr>
+    <a:masterClrMapping/>
+  </p:clrMapOvr>
+</p:sld>
+</file>
+
+<file path=ppt/slides/slide13.xml><?xml version="1.0" encoding="utf-8"?>
+<p:sld xmlns:a="http://schemas.openxmlformats.org/drawingml/2006/main" xmlns:r="http://schemas.openxmlformats.org/officeDocument/2006/relationships" xmlns:p="http://schemas.openxmlformats.org/presentationml/2006/main">
+  <p:cSld>
+    <p:spTree>
+      <p:nvGrpSpPr>
+        <p:cNvPr id="1" name=""/>
+        <p:cNvGrpSpPr/>
+        <p:nvPr/>
+      </p:nvGrpSpPr>
+      <p:grpSpPr>
+        <a:xfrm>
+          <a:off x="0" y="0"/>
+          <a:ext cx="0" cy="0"/>
+          <a:chOff x="0" y="0"/>
+          <a:chExt cx="0" cy="0"/>
+        </a:xfrm>
+      </p:grpSpPr>
+      <p:sp>
+        <p:nvSpPr>
+          <p:cNvPr id="2" name="Title 1">
+            <a:extLst>
+              <a:ext uri="{FF2B5EF4-FFF2-40B4-BE49-F238E27FC236}">
+                <a16:creationId xmlns:a16="http://schemas.microsoft.com/office/drawing/2014/main" id="{840B5D72-2416-B45F-B948-05A034179A71}"/>
+              </a:ext>
+            </a:extLst>
+          </p:cNvPr>
+          <p:cNvSpPr>
+            <a:spLocks noGrp="1"/>
+          </p:cNvSpPr>
+          <p:nvPr>
+            <p:ph type="title"/>
+          </p:nvPr>
+        </p:nvSpPr>
+        <p:spPr/>
+        <p:txBody>
+          <a:bodyPr/>
+          <a:lstStyle/>
+          <a:p>
+            <a:pPr marL="571500" indent="-571500">
+              <a:buFont typeface="Wingdings" panose="05000000000000000000" pitchFamily="2" charset="2"/>
+              <a:buChar char="q"/>
+            </a:pPr>
+            <a:r>
+              <a:rPr lang="en-US" dirty="0">
+                <a:solidFill>
+                  <a:schemeClr val="accent5">
+                    <a:lumMod val="75000"/>
+                  </a:schemeClr>
+                </a:solidFill>
+              </a:rPr>
+              <a:t>Invest in quality to drive revenue</a:t>
+            </a:r>
+            <a:br>
+              <a:rPr lang="en-US" dirty="0"/>
+            </a:br>
+            <a:endParaRPr lang="en-US" dirty="0"/>
+          </a:p>
+        </p:txBody>
+      </p:sp>
+      <p:sp>
+        <p:nvSpPr>
+          <p:cNvPr id="3" name="Content Placeholder 2">
+            <a:extLst>
+              <a:ext uri="{FF2B5EF4-FFF2-40B4-BE49-F238E27FC236}">
+                <a16:creationId xmlns:a16="http://schemas.microsoft.com/office/drawing/2014/main" id="{B2C93337-DB3A-8B05-5847-1984B6E26372}"/>
+              </a:ext>
+            </a:extLst>
+          </p:cNvPr>
+          <p:cNvSpPr>
+            <a:spLocks noGrp="1"/>
+          </p:cNvSpPr>
+          <p:nvPr>
+            <p:ph idx="1"/>
+          </p:nvPr>
+        </p:nvSpPr>
+        <p:spPr/>
+        <p:txBody>
+          <a:bodyPr/>
+          <a:lstStyle/>
+          <a:p>
+            <a:pPr marL="0" indent="0">
+              <a:buNone/>
+            </a:pPr>
+            <a:r>
+              <a:rPr lang="en-US" dirty="0">
+                <a:solidFill>
+                  <a:schemeClr val="tx2">
+                    <a:lumMod val="75000"/>
+                  </a:schemeClr>
+                </a:solidFill>
+              </a:rPr>
+              <a:t>Allocate budget toward strong scripts, experienced directors, and</a:t>
+            </a:r>
+          </a:p>
+          <a:p>
+            <a:pPr marL="0" indent="0">
+              <a:buNone/>
+            </a:pPr>
+            <a:endParaRPr lang="en-US" dirty="0">
+              <a:solidFill>
+                <a:schemeClr val="tx2">
+                  <a:lumMod val="75000"/>
+                </a:schemeClr>
+              </a:solidFill>
+            </a:endParaRPr>
+          </a:p>
+          <a:p>
+            <a:pPr marL="0" indent="0">
+              <a:buNone/>
+            </a:pPr>
+            <a:r>
+              <a:rPr lang="en-US" dirty="0">
+                <a:solidFill>
+                  <a:schemeClr val="tx2">
+                    <a:lumMod val="75000"/>
+                  </a:schemeClr>
+                </a:solidFill>
+              </a:rPr>
+              <a:t> higher production quality to improve audience satisfaction rather than</a:t>
+            </a:r>
+          </a:p>
+          <a:p>
+            <a:pPr marL="0" indent="0">
+              <a:buNone/>
+            </a:pPr>
+            <a:endParaRPr lang="en-US" dirty="0">
+              <a:solidFill>
+                <a:schemeClr val="tx2">
+                  <a:lumMod val="75000"/>
+                </a:schemeClr>
+              </a:solidFill>
+            </a:endParaRPr>
+          </a:p>
+          <a:p>
+            <a:pPr marL="0" indent="0">
+              <a:buNone/>
+            </a:pPr>
+            <a:r>
+              <a:rPr lang="en-US" dirty="0">
+                <a:solidFill>
+                  <a:schemeClr val="tx2">
+                    <a:lumMod val="75000"/>
+                  </a:schemeClr>
+                </a:solidFill>
+              </a:rPr>
+              <a:t> focusing solely on quantity of releases.</a:t>
+            </a:r>
+          </a:p>
+        </p:txBody>
+      </p:sp>
+    </p:spTree>
+    <p:extLst>
+      <p:ext uri="{BB962C8B-B14F-4D97-AF65-F5344CB8AC3E}">
+        <p14:creationId xmlns:p14="http://schemas.microsoft.com/office/powerpoint/2010/main" val="3286068616"/>
+      </p:ext>
+    </p:extLst>
+  </p:cSld>
+  <p:clrMapOvr>
+    <a:masterClrMapping/>
+  </p:clrMapOvr>
+</p:sld>
+</file>
+
+<file path=ppt/slides/slide14.xml><?xml version="1.0" encoding="utf-8"?>
+<p:sld xmlns:a="http://schemas.openxmlformats.org/drawingml/2006/main" xmlns:r="http://schemas.openxmlformats.org/officeDocument/2006/relationships" xmlns:p="http://schemas.openxmlformats.org/presentationml/2006/main">
+  <p:cSld>
+    <p:spTree>
+      <p:nvGrpSpPr>
+        <p:cNvPr id="1" name=""/>
+        <p:cNvGrpSpPr/>
+        <p:nvPr/>
+      </p:nvGrpSpPr>
+      <p:grpSpPr>
+        <a:xfrm>
+          <a:off x="0" y="0"/>
+          <a:ext cx="0" cy="0"/>
+          <a:chOff x="0" y="0"/>
+          <a:chExt cx="0" cy="0"/>
+        </a:xfrm>
+      </p:grpSpPr>
+      <p:sp>
+        <p:nvSpPr>
+          <p:cNvPr id="2" name="Title 1">
+            <a:extLst>
+              <a:ext uri="{FF2B5EF4-FFF2-40B4-BE49-F238E27FC236}">
+                <a16:creationId xmlns:a16="http://schemas.microsoft.com/office/drawing/2014/main" id="{AB02EB96-F72C-9C20-89D7-9F66B8907C05}"/>
+              </a:ext>
+            </a:extLst>
+          </p:cNvPr>
+          <p:cNvSpPr>
+            <a:spLocks noGrp="1"/>
+          </p:cNvSpPr>
+          <p:nvPr>
+            <p:ph type="title"/>
+          </p:nvPr>
+        </p:nvSpPr>
+        <p:spPr/>
+        <p:txBody>
+          <a:bodyPr/>
+          <a:lstStyle/>
+          <a:p>
+            <a:pPr marL="571500" indent="-571500">
+              <a:buFont typeface="Wingdings" panose="05000000000000000000" pitchFamily="2" charset="2"/>
+              <a:buChar char="q"/>
+            </a:pPr>
+            <a:r>
+              <a:rPr lang="en-US" dirty="0">
+                <a:solidFill>
+                  <a:schemeClr val="accent5">
+                    <a:lumMod val="75000"/>
+                  </a:schemeClr>
+                </a:solidFill>
+              </a:rPr>
+              <a:t> Target Optimal Movie Runtime</a:t>
+            </a:r>
+            <a:br>
+              <a:rPr lang="en-US" dirty="0"/>
+            </a:br>
+            <a:endParaRPr lang="en-US" dirty="0"/>
+          </a:p>
+        </p:txBody>
+      </p:sp>
+      <p:sp>
+        <p:nvSpPr>
+          <p:cNvPr id="3" name="Content Placeholder 2">
+            <a:extLst>
+              <a:ext uri="{FF2B5EF4-FFF2-40B4-BE49-F238E27FC236}">
+                <a16:creationId xmlns:a16="http://schemas.microsoft.com/office/drawing/2014/main" id="{5909B97E-EB9F-7D6F-6A36-C9F46B8839EC}"/>
+              </a:ext>
+            </a:extLst>
+          </p:cNvPr>
+          <p:cNvSpPr>
+            <a:spLocks noGrp="1"/>
+          </p:cNvSpPr>
+          <p:nvPr>
+            <p:ph idx="1"/>
+          </p:nvPr>
+        </p:nvSpPr>
+        <p:spPr/>
+        <p:txBody>
+          <a:bodyPr/>
+          <a:lstStyle/>
+          <a:p>
+            <a:pPr marL="0" indent="0">
+              <a:buNone/>
+            </a:pPr>
+            <a:r>
+              <a:rPr lang="en-US" dirty="0">
+                <a:solidFill>
+                  <a:schemeClr val="tx2">
+                    <a:lumMod val="75000"/>
+                  </a:schemeClr>
+                </a:solidFill>
+              </a:rPr>
+              <a:t>The studio should aim to keep most productions over the 120 minute</a:t>
+            </a:r>
+          </a:p>
+          <a:p>
+            <a:pPr marL="0" indent="0">
+              <a:buNone/>
+            </a:pPr>
+            <a:endParaRPr lang="en-US" dirty="0">
+              <a:solidFill>
+                <a:schemeClr val="tx2">
+                  <a:lumMod val="75000"/>
+                </a:schemeClr>
+              </a:solidFill>
+            </a:endParaRPr>
+          </a:p>
+          <a:p>
+            <a:pPr marL="0" indent="0">
+              <a:buNone/>
+            </a:pPr>
+            <a:r>
+              <a:rPr lang="en-US" dirty="0">
+                <a:solidFill>
+                  <a:schemeClr val="tx2">
+                    <a:lumMod val="75000"/>
+                  </a:schemeClr>
+                </a:solidFill>
+              </a:rPr>
+              <a:t> range to balance storytelling, viewer attention, and production costs.</a:t>
+            </a:r>
+          </a:p>
+        </p:txBody>
+      </p:sp>
+    </p:spTree>
+    <p:extLst>
+      <p:ext uri="{BB962C8B-B14F-4D97-AF65-F5344CB8AC3E}">
+        <p14:creationId xmlns:p14="http://schemas.microsoft.com/office/powerpoint/2010/main" val="1728616449"/>
+      </p:ext>
+    </p:extLst>
+  </p:cSld>
+  <p:clrMapOvr>
+    <a:masterClrMapping/>
+  </p:clrMapOvr>
+</p:sld>
+</file>
+
+<file path=ppt/slides/slide15.xml><?xml version="1.0" encoding="utf-8"?>
+<p:sld xmlns:a="http://schemas.openxmlformats.org/drawingml/2006/main" xmlns:r="http://schemas.openxmlformats.org/officeDocument/2006/relationships" xmlns:p="http://schemas.openxmlformats.org/presentationml/2006/main">
+  <p:cSld>
+    <p:spTree>
+      <p:nvGrpSpPr>
+        <p:cNvPr id="1" name=""/>
+        <p:cNvGrpSpPr/>
+        <p:nvPr/>
+      </p:nvGrpSpPr>
+      <p:grpSpPr>
+        <a:xfrm>
+          <a:off x="0" y="0"/>
+          <a:ext cx="0" cy="0"/>
+          <a:chOff x="0" y="0"/>
+          <a:chExt cx="0" cy="0"/>
+        </a:xfrm>
+      </p:grpSpPr>
+      <p:sp>
+        <p:nvSpPr>
+          <p:cNvPr id="2" name="Title 1">
+            <a:extLst>
+              <a:ext uri="{FF2B5EF4-FFF2-40B4-BE49-F238E27FC236}">
+                <a16:creationId xmlns:a16="http://schemas.microsoft.com/office/drawing/2014/main" id="{5FBF754A-ED9F-D10D-CEEA-B0D595B8D739}"/>
+              </a:ext>
+            </a:extLst>
+          </p:cNvPr>
+          <p:cNvSpPr>
+            <a:spLocks noGrp="1"/>
+          </p:cNvSpPr>
+          <p:nvPr>
+            <p:ph type="title"/>
+          </p:nvPr>
+        </p:nvSpPr>
+        <p:spPr/>
+        <p:txBody>
+          <a:bodyPr/>
+          <a:lstStyle/>
+          <a:p>
+            <a:pPr marL="571500" indent="-571500">
+              <a:buFont typeface="Wingdings" panose="05000000000000000000" pitchFamily="2" charset="2"/>
+              <a:buChar char="q"/>
+            </a:pPr>
+            <a:r>
+              <a:rPr lang="en-US" dirty="0">
+                <a:solidFill>
+                  <a:schemeClr val="accent5">
+                    <a:lumMod val="75000"/>
+                  </a:schemeClr>
+                </a:solidFill>
+              </a:rPr>
+              <a:t>Learning From Top Studios</a:t>
+            </a:r>
+            <a:br>
+              <a:rPr lang="en-US" dirty="0"/>
+            </a:br>
+            <a:endParaRPr lang="en-US" dirty="0"/>
+          </a:p>
+        </p:txBody>
+      </p:sp>
+      <p:sp>
+        <p:nvSpPr>
+          <p:cNvPr id="3" name="Content Placeholder 2">
+            <a:extLst>
+              <a:ext uri="{FF2B5EF4-FFF2-40B4-BE49-F238E27FC236}">
+                <a16:creationId xmlns:a16="http://schemas.microsoft.com/office/drawing/2014/main" id="{AEA9A0E9-8B33-9757-4622-3876C9F66E20}"/>
+              </a:ext>
+            </a:extLst>
+          </p:cNvPr>
+          <p:cNvSpPr>
+            <a:spLocks noGrp="1"/>
+          </p:cNvSpPr>
+          <p:nvPr>
+            <p:ph idx="1"/>
+          </p:nvPr>
+        </p:nvSpPr>
+        <p:spPr/>
+        <p:txBody>
+          <a:bodyPr/>
+          <a:lstStyle/>
+          <a:p>
+            <a:pPr marL="0" indent="0">
+              <a:buNone/>
+            </a:pPr>
+            <a:r>
+              <a:rPr lang="en-US" dirty="0">
+                <a:solidFill>
+                  <a:schemeClr val="tx2">
+                    <a:lumMod val="75000"/>
+                  </a:schemeClr>
+                </a:solidFill>
+              </a:rPr>
+              <a:t>The studio should study their genre focus, franchise development,</a:t>
+            </a:r>
+          </a:p>
+          <a:p>
+            <a:endParaRPr lang="en-US" dirty="0">
+              <a:solidFill>
+                <a:schemeClr val="tx2">
+                  <a:lumMod val="75000"/>
+                </a:schemeClr>
+              </a:solidFill>
+            </a:endParaRPr>
+          </a:p>
+          <a:p>
+            <a:pPr marL="0" indent="0">
+              <a:buNone/>
+            </a:pPr>
+            <a:r>
+              <a:rPr lang="en-US" dirty="0">
+                <a:solidFill>
+                  <a:schemeClr val="tx2">
+                    <a:lumMod val="75000"/>
+                  </a:schemeClr>
+                </a:solidFill>
+              </a:rPr>
+              <a:t> marketing tactics and consider even partnerships or niche</a:t>
+            </a:r>
+          </a:p>
+          <a:p>
+            <a:pPr marL="0" indent="0">
+              <a:buNone/>
+            </a:pPr>
+            <a:endParaRPr lang="en-US" dirty="0">
+              <a:solidFill>
+                <a:schemeClr val="tx2">
+                  <a:lumMod val="75000"/>
+                </a:schemeClr>
+              </a:solidFill>
+            </a:endParaRPr>
+          </a:p>
+          <a:p>
+            <a:pPr marL="0" indent="0">
+              <a:buNone/>
+            </a:pPr>
+            <a:r>
+              <a:rPr lang="en-US" dirty="0">
+                <a:solidFill>
+                  <a:schemeClr val="tx2">
+                    <a:lumMod val="75000"/>
+                  </a:schemeClr>
+                </a:solidFill>
+              </a:rPr>
+              <a:t> differentiation.</a:t>
+            </a:r>
+          </a:p>
+        </p:txBody>
+      </p:sp>
+    </p:spTree>
+    <p:extLst>
+      <p:ext uri="{BB962C8B-B14F-4D97-AF65-F5344CB8AC3E}">
+        <p14:creationId xmlns:p14="http://schemas.microsoft.com/office/powerpoint/2010/main" val="3162715454"/>
+      </p:ext>
+    </p:extLst>
+  </p:cSld>
+  <p:clrMapOvr>
+    <a:masterClrMapping/>
+  </p:clrMapOvr>
+</p:sld>
+</file>
+
+<file path=ppt/slides/slide16.xml><?xml version="1.0" encoding="utf-8"?>
+<p:sld xmlns:a="http://schemas.openxmlformats.org/drawingml/2006/main" xmlns:r="http://schemas.openxmlformats.org/officeDocument/2006/relationships" xmlns:p="http://schemas.openxmlformats.org/presentationml/2006/main">
+  <p:cSld>
+    <p:spTree>
+      <p:nvGrpSpPr>
+        <p:cNvPr id="1" name=""/>
+        <p:cNvGrpSpPr/>
+        <p:nvPr/>
+      </p:nvGrpSpPr>
+      <p:grpSpPr>
+        <a:xfrm>
+          <a:off x="0" y="0"/>
+          <a:ext cx="0" cy="0"/>
+          <a:chOff x="0" y="0"/>
+          <a:chExt cx="0" cy="0"/>
+        </a:xfrm>
+      </p:grpSpPr>
+      <p:sp>
+        <p:nvSpPr>
+          <p:cNvPr id="2" name="Title 1">
+            <a:extLst>
+              <a:ext uri="{FF2B5EF4-FFF2-40B4-BE49-F238E27FC236}">
+                <a16:creationId xmlns:a16="http://schemas.microsoft.com/office/drawing/2014/main" id="{37C99CE9-3446-EFCC-8AC3-AF877D9BC411}"/>
+              </a:ext>
+            </a:extLst>
+          </p:cNvPr>
+          <p:cNvSpPr>
+            <a:spLocks noGrp="1"/>
+          </p:cNvSpPr>
+          <p:nvPr>
+            <p:ph type="title"/>
+          </p:nvPr>
+        </p:nvSpPr>
+        <p:spPr/>
+        <p:txBody>
+          <a:bodyPr>
+            <a:normAutofit fontScale="90000"/>
+          </a:bodyPr>
+          <a:lstStyle/>
+          <a:p>
+            <a:pPr marL="571500" indent="-571500">
+              <a:buFont typeface="Wingdings" panose="05000000000000000000" pitchFamily="2" charset="2"/>
+              <a:buChar char="q"/>
+            </a:pPr>
+            <a:r>
+              <a:rPr lang="en-US" dirty="0">
+                <a:solidFill>
+                  <a:schemeClr val="accent5">
+                    <a:lumMod val="75000"/>
+                  </a:schemeClr>
+                </a:solidFill>
+              </a:rPr>
+              <a:t>Use Popularity Driven Data To Guide Greenlighting</a:t>
+            </a:r>
+            <a:br>
+              <a:rPr lang="en-US" dirty="0"/>
+            </a:br>
+            <a:endParaRPr lang="en-US" dirty="0"/>
+          </a:p>
+        </p:txBody>
+      </p:sp>
+      <p:sp>
+        <p:nvSpPr>
+          <p:cNvPr id="3" name="Content Placeholder 2">
+            <a:extLst>
+              <a:ext uri="{FF2B5EF4-FFF2-40B4-BE49-F238E27FC236}">
+                <a16:creationId xmlns:a16="http://schemas.microsoft.com/office/drawing/2014/main" id="{D927CA4F-1D4F-7C07-E1E5-6D2F83E2F487}"/>
+              </a:ext>
+            </a:extLst>
+          </p:cNvPr>
+          <p:cNvSpPr>
+            <a:spLocks noGrp="1"/>
+          </p:cNvSpPr>
+          <p:nvPr>
+            <p:ph idx="1"/>
+          </p:nvPr>
+        </p:nvSpPr>
+        <p:spPr/>
+        <p:txBody>
+          <a:bodyPr/>
+          <a:lstStyle/>
+          <a:p>
+            <a:pPr marL="0" indent="0">
+              <a:buNone/>
+            </a:pPr>
+            <a:r>
+              <a:rPr lang="en-US" dirty="0">
+                <a:solidFill>
+                  <a:schemeClr val="tx2">
+                    <a:lumMod val="75000"/>
+                  </a:schemeClr>
+                </a:solidFill>
+              </a:rPr>
+              <a:t>The studio should incorporate pre-release popularity signals (social</a:t>
+            </a:r>
+          </a:p>
+          <a:p>
+            <a:pPr marL="0" indent="0">
+              <a:buNone/>
+            </a:pPr>
+            <a:endParaRPr lang="en-US" dirty="0">
+              <a:solidFill>
+                <a:schemeClr val="tx2">
+                  <a:lumMod val="75000"/>
+                </a:schemeClr>
+              </a:solidFill>
+            </a:endParaRPr>
+          </a:p>
+          <a:p>
+            <a:pPr marL="0" indent="0">
+              <a:buNone/>
+            </a:pPr>
+            <a:r>
+              <a:rPr lang="en-US" dirty="0">
+                <a:solidFill>
+                  <a:schemeClr val="tx2">
+                    <a:lumMod val="75000"/>
+                  </a:schemeClr>
+                </a:solidFill>
+              </a:rPr>
+              <a:t> buzz, early screenings, trailers, online engagement) into decision</a:t>
+            </a:r>
+          </a:p>
+          <a:p>
+            <a:pPr marL="0" indent="0">
+              <a:buNone/>
+            </a:pPr>
+            <a:endParaRPr lang="en-US" dirty="0">
+              <a:solidFill>
+                <a:schemeClr val="tx2">
+                  <a:lumMod val="75000"/>
+                </a:schemeClr>
+              </a:solidFill>
+            </a:endParaRPr>
+          </a:p>
+          <a:p>
+            <a:pPr marL="0" indent="0">
+              <a:buNone/>
+            </a:pPr>
+            <a:r>
+              <a:rPr lang="en-US" dirty="0">
+                <a:solidFill>
+                  <a:schemeClr val="tx2">
+                    <a:lumMod val="75000"/>
+                  </a:schemeClr>
+                </a:solidFill>
+              </a:rPr>
+              <a:t>-making when selecting projects.</a:t>
+            </a:r>
+          </a:p>
+        </p:txBody>
+      </p:sp>
+    </p:spTree>
+    <p:extLst>
+      <p:ext uri="{BB962C8B-B14F-4D97-AF65-F5344CB8AC3E}">
+        <p14:creationId xmlns:p14="http://schemas.microsoft.com/office/powerpoint/2010/main" val="3037102945"/>
+      </p:ext>
+    </p:extLst>
+  </p:cSld>
+  <p:clrMapOvr>
+    <a:masterClrMapping/>
+  </p:clrMapOvr>
+</p:sld>
+</file>
+
+<file path=ppt/slides/slide17.xml><?xml version="1.0" encoding="utf-8"?>
+<p:sld xmlns:a="http://schemas.openxmlformats.org/drawingml/2006/main" xmlns:r="http://schemas.openxmlformats.org/officeDocument/2006/relationships" xmlns:p="http://schemas.openxmlformats.org/presentationml/2006/main">
+  <p:cSld>
+    <p:spTree>
+      <p:nvGrpSpPr>
+        <p:cNvPr id="1" name=""/>
+        <p:cNvGrpSpPr/>
+        <p:nvPr/>
+      </p:nvGrpSpPr>
+      <p:grpSpPr>
+        <a:xfrm>
+          <a:off x="0" y="0"/>
+          <a:ext cx="0" cy="0"/>
+          <a:chOff x="0" y="0"/>
+          <a:chExt cx="0" cy="0"/>
+        </a:xfrm>
+      </p:grpSpPr>
+      <p:sp>
+        <p:nvSpPr>
+          <p:cNvPr id="2" name="Title 1">
+            <a:extLst>
+              <a:ext uri="{FF2B5EF4-FFF2-40B4-BE49-F238E27FC236}">
+                <a16:creationId xmlns:a16="http://schemas.microsoft.com/office/drawing/2014/main" id="{6E0C14B4-E8B8-6C37-D786-A9DD692D98BB}"/>
+              </a:ext>
+            </a:extLst>
+          </p:cNvPr>
+          <p:cNvSpPr>
+            <a:spLocks noGrp="1"/>
+          </p:cNvSpPr>
+          <p:nvPr>
+            <p:ph type="title"/>
+          </p:nvPr>
+        </p:nvSpPr>
+        <p:spPr/>
+        <p:txBody>
+          <a:bodyPr/>
+          <a:lstStyle/>
+          <a:p>
+            <a:pPr marL="571500" indent="-571500">
+              <a:buFont typeface="Wingdings" panose="05000000000000000000" pitchFamily="2" charset="2"/>
+              <a:buChar char="q"/>
+            </a:pPr>
+            <a:r>
+              <a:rPr lang="en-US" dirty="0">
+                <a:solidFill>
+                  <a:schemeClr val="accent5">
+                    <a:lumMod val="75000"/>
+                  </a:schemeClr>
+                </a:solidFill>
+              </a:rPr>
+              <a:t>Align Genre With Production Planning</a:t>
+            </a:r>
+            <a:br>
+              <a:rPr lang="en-US" dirty="0"/>
+            </a:br>
+            <a:endParaRPr lang="en-US" dirty="0"/>
+          </a:p>
+        </p:txBody>
+      </p:sp>
+      <p:sp>
+        <p:nvSpPr>
+          <p:cNvPr id="3" name="Content Placeholder 2">
+            <a:extLst>
+              <a:ext uri="{FF2B5EF4-FFF2-40B4-BE49-F238E27FC236}">
+                <a16:creationId xmlns:a16="http://schemas.microsoft.com/office/drawing/2014/main" id="{F62450AB-4732-7BB1-D329-82552677C8EC}"/>
+              </a:ext>
+            </a:extLst>
+          </p:cNvPr>
+          <p:cNvSpPr>
+            <a:spLocks noGrp="1"/>
+          </p:cNvSpPr>
+          <p:nvPr>
+            <p:ph idx="1"/>
+          </p:nvPr>
+        </p:nvSpPr>
+        <p:spPr/>
+        <p:txBody>
+          <a:bodyPr/>
+          <a:lstStyle/>
+          <a:p>
+            <a:pPr marL="0" indent="0">
+              <a:buNone/>
+            </a:pPr>
+            <a:r>
+              <a:rPr lang="en-US" dirty="0">
+                <a:solidFill>
+                  <a:schemeClr val="tx2">
+                    <a:lumMod val="75000"/>
+                  </a:schemeClr>
+                </a:solidFill>
+              </a:rPr>
+              <a:t>The head of the studio and the executive should plan budgets and</a:t>
+            </a:r>
+          </a:p>
+          <a:p>
+            <a:pPr marL="0" indent="0">
+              <a:buNone/>
+            </a:pPr>
+            <a:endParaRPr lang="en-US" dirty="0">
+              <a:solidFill>
+                <a:schemeClr val="tx2">
+                  <a:lumMod val="75000"/>
+                </a:schemeClr>
+              </a:solidFill>
+            </a:endParaRPr>
+          </a:p>
+          <a:p>
+            <a:pPr marL="0" indent="0">
+              <a:buNone/>
+            </a:pPr>
+            <a:r>
+              <a:rPr lang="en-US" dirty="0">
+                <a:solidFill>
+                  <a:schemeClr val="tx2">
+                    <a:lumMod val="75000"/>
+                  </a:schemeClr>
+                </a:solidFill>
+              </a:rPr>
+              <a:t> schedules according to genre expectations (e.g., longer runtimes for</a:t>
+            </a:r>
+          </a:p>
+          <a:p>
+            <a:pPr marL="0" indent="0">
+              <a:buNone/>
+            </a:pPr>
+            <a:endParaRPr lang="en-US" dirty="0">
+              <a:solidFill>
+                <a:schemeClr val="tx2">
+                  <a:lumMod val="75000"/>
+                </a:schemeClr>
+              </a:solidFill>
+            </a:endParaRPr>
+          </a:p>
+          <a:p>
+            <a:pPr marL="0" indent="0">
+              <a:buNone/>
+            </a:pPr>
+            <a:r>
+              <a:rPr lang="en-US" dirty="0">
+                <a:solidFill>
+                  <a:schemeClr val="tx2">
+                    <a:lumMod val="75000"/>
+                  </a:schemeClr>
+                </a:solidFill>
+              </a:rPr>
+              <a:t> action, adventure and Sci-fi).</a:t>
+            </a:r>
+          </a:p>
+        </p:txBody>
+      </p:sp>
+    </p:spTree>
+    <p:extLst>
+      <p:ext uri="{BB962C8B-B14F-4D97-AF65-F5344CB8AC3E}">
+        <p14:creationId xmlns:p14="http://schemas.microsoft.com/office/powerpoint/2010/main" val="1724323312"/>
+      </p:ext>
+    </p:extLst>
+  </p:cSld>
+  <p:clrMapOvr>
+    <a:masterClrMapping/>
+  </p:clrMapOvr>
+</p:sld>
+</file>
+
 <file path=ppt/slides/slide2.xml><?xml version="1.0" encoding="utf-8"?>
 <p:sld xmlns:a="http://schemas.openxmlformats.org/drawingml/2006/main" xmlns:r="http://schemas.openxmlformats.org/officeDocument/2006/relationships" xmlns:p="http://schemas.openxmlformats.org/presentationml/2006/main">
   <p:cSld>
@@ -4124,6 +5184,33 @@
                 </a:schemeClr>
               </a:solidFill>
             </a:endParaRPr>
+          </a:p>
+          <a:p>
+            <a:r>
+              <a:rPr lang="en-US" dirty="0">
+                <a:solidFill>
+                  <a:schemeClr val="tx2">
+                    <a:lumMod val="75000"/>
+                  </a:schemeClr>
+                </a:solidFill>
+              </a:rPr>
+              <a:t>This well recognized sources of data ensured that different facets of</a:t>
+            </a:r>
+          </a:p>
+          <a:p>
+            <a:pPr marL="0" indent="0">
+              <a:buNone/>
+            </a:pPr>
+            <a:r>
+              <a:rPr lang="en-US" dirty="0">
+                <a:solidFill>
+                  <a:schemeClr val="tx2">
+                    <a:lumMod val="75000"/>
+                  </a:schemeClr>
+                </a:solidFill>
+              </a:rPr>
+              <a:t> film production were considered, hence a well-rounded analysis.</a:t>
+            </a:r>
           </a:p>
           <a:p>
             <a:pPr marL="0" indent="0">

--- a/project.pptx
+++ b/project.pptx
@@ -4709,7 +4709,83 @@
           <a:bodyPr/>
           <a:lstStyle/>
           <a:p>
-            <a:endParaRPr lang="en-US" dirty="0"/>
+            <a:pPr marL="0" indent="0">
+              <a:buNone/>
+            </a:pPr>
+            <a:r>
+              <a:rPr lang="en-US" dirty="0">
+                <a:solidFill>
+                  <a:schemeClr val="tx2">
+                    <a:lumMod val="75000"/>
+                  </a:schemeClr>
+                </a:solidFill>
+              </a:rPr>
+              <a:t>This is an analysis of </a:t>
+            </a:r>
+            <a:r>
+              <a:rPr lang="en-US" b="1" dirty="0">
+                <a:solidFill>
+                  <a:schemeClr val="tx2">
+                    <a:lumMod val="75000"/>
+                  </a:schemeClr>
+                </a:solidFill>
+              </a:rPr>
+              <a:t>historical movie data</a:t>
+            </a:r>
+            <a:r>
+              <a:rPr lang="en-US" dirty="0">
+                <a:solidFill>
+                  <a:schemeClr val="tx2">
+                    <a:lumMod val="75000"/>
+                  </a:schemeClr>
+                </a:solidFill>
+              </a:rPr>
+              <a:t> to identify patterns</a:t>
+            </a:r>
+          </a:p>
+          <a:p>
+            <a:pPr marL="0" indent="0">
+              <a:buNone/>
+            </a:pPr>
+            <a:endParaRPr lang="en-US" dirty="0">
+              <a:solidFill>
+                <a:schemeClr val="tx2">
+                  <a:lumMod val="75000"/>
+                </a:schemeClr>
+              </a:solidFill>
+            </a:endParaRPr>
+          </a:p>
+          <a:p>
+            <a:pPr marL="0" indent="0">
+              <a:buNone/>
+            </a:pPr>
+            <a:r>
+              <a:rPr lang="en-US" dirty="0">
+                <a:solidFill>
+                  <a:schemeClr val="tx2">
+                    <a:lumMod val="75000"/>
+                  </a:schemeClr>
+                </a:solidFill>
+              </a:rPr>
+              <a:t> associated with </a:t>
+            </a:r>
+            <a:r>
+              <a:rPr lang="en-US" b="1" dirty="0">
+                <a:solidFill>
+                  <a:schemeClr val="tx2">
+                    <a:lumMod val="75000"/>
+                  </a:schemeClr>
+                </a:solidFill>
+              </a:rPr>
+              <a:t>financial success and positive audience reception.</a:t>
+            </a:r>
+            <a:endParaRPr lang="en-US" dirty="0">
+              <a:solidFill>
+                <a:schemeClr val="tx2">
+                  <a:lumMod val="75000"/>
+                </a:schemeClr>
+              </a:solidFill>
+            </a:endParaRPr>
           </a:p>
         </p:txBody>
       </p:sp>
@@ -4798,6 +4874,39 @@
           <a:bodyPr/>
           <a:lstStyle/>
           <a:p>
+            <a:pPr marL="0" indent="0">
+              <a:buNone/>
+            </a:pPr>
+            <a:r>
+              <a:rPr lang="en-US" dirty="0">
+                <a:solidFill>
+                  <a:schemeClr val="tx2">
+                    <a:lumMod val="75000"/>
+                  </a:schemeClr>
+                </a:solidFill>
+              </a:rPr>
+              <a:t>A company has come up with a new studio where they intend to create</a:t>
+            </a:r>
+          </a:p>
+          <a:p>
+            <a:pPr marL="0" indent="0">
+              <a:buNone/>
+            </a:pPr>
+            <a:r>
+              <a:rPr lang="en-US" dirty="0">
+                <a:solidFill>
+                  <a:schemeClr val="tx2">
+                    <a:lumMod val="75000"/>
+                  </a:schemeClr>
+                </a:solidFill>
+              </a:rPr>
+              <a:t> movies.</a:t>
+            </a:r>
+          </a:p>
+          <a:p>
+            <a:pPr marL="0" indent="0">
+              <a:buNone/>
+            </a:pPr>
             <a:endParaRPr lang="en-US" dirty="0">
               <a:solidFill>
                 <a:schemeClr val="tx2">
@@ -4805,6 +4914,63 @@
                 </a:schemeClr>
               </a:solidFill>
             </a:endParaRPr>
+          </a:p>
+          <a:p>
+            <a:pPr marL="0" indent="0">
+              <a:buNone/>
+            </a:pPr>
+            <a:r>
+              <a:rPr lang="en-US" dirty="0">
+                <a:solidFill>
+                  <a:schemeClr val="tx2">
+                    <a:lumMod val="75000"/>
+                  </a:schemeClr>
+                </a:solidFill>
+              </a:rPr>
+              <a:t>They are new to the movie creation space and therefore need to know</a:t>
+            </a:r>
+          </a:p>
+          <a:p>
+            <a:pPr marL="0" indent="0">
+              <a:buNone/>
+            </a:pPr>
+            <a:r>
+              <a:rPr lang="en-US" dirty="0">
+                <a:solidFill>
+                  <a:schemeClr val="tx2">
+                    <a:lumMod val="75000"/>
+                  </a:schemeClr>
+                </a:solidFill>
+              </a:rPr>
+              <a:t> the type of films that are doing the best at the box office.</a:t>
+            </a:r>
+          </a:p>
+          <a:p>
+            <a:pPr marL="0" indent="0">
+              <a:buNone/>
+            </a:pPr>
+            <a:endParaRPr lang="en-US" dirty="0">
+              <a:solidFill>
+                <a:schemeClr val="tx2">
+                  <a:lumMod val="75000"/>
+                </a:schemeClr>
+              </a:solidFill>
+            </a:endParaRPr>
+          </a:p>
+          <a:p>
+            <a:pPr marL="0" indent="0">
+              <a:buNone/>
+            </a:pPr>
+            <a:r>
+              <a:rPr lang="en-US" dirty="0">
+                <a:solidFill>
+                  <a:schemeClr val="tx2">
+                    <a:lumMod val="75000"/>
+                  </a:schemeClr>
+                </a:solidFill>
+              </a:rPr>
+              <a:t>This will help the head of the company’s new studio decide on the type of films to create.</a:t>
+            </a:r>
           </a:p>
         </p:txBody>
       </p:sp>

--- a/project.pptx
+++ b/project.pptx
@@ -9,19 +9,20 @@
     <p:sldId id="259" r:id="rId3"/>
     <p:sldId id="258" r:id="rId4"/>
     <p:sldId id="262" r:id="rId5"/>
-    <p:sldId id="260" r:id="rId6"/>
-    <p:sldId id="263" r:id="rId7"/>
-    <p:sldId id="261" r:id="rId8"/>
-    <p:sldId id="265" r:id="rId9"/>
-    <p:sldId id="264" r:id="rId10"/>
-    <p:sldId id="266" r:id="rId11"/>
-    <p:sldId id="269" r:id="rId12"/>
-    <p:sldId id="267" r:id="rId13"/>
-    <p:sldId id="268" r:id="rId14"/>
-    <p:sldId id="270" r:id="rId15"/>
-    <p:sldId id="271" r:id="rId16"/>
-    <p:sldId id="273" r:id="rId17"/>
-    <p:sldId id="272" r:id="rId18"/>
+    <p:sldId id="274" r:id="rId6"/>
+    <p:sldId id="260" r:id="rId7"/>
+    <p:sldId id="263" r:id="rId8"/>
+    <p:sldId id="261" r:id="rId9"/>
+    <p:sldId id="265" r:id="rId10"/>
+    <p:sldId id="264" r:id="rId11"/>
+    <p:sldId id="266" r:id="rId12"/>
+    <p:sldId id="269" r:id="rId13"/>
+    <p:sldId id="267" r:id="rId14"/>
+    <p:sldId id="268" r:id="rId15"/>
+    <p:sldId id="270" r:id="rId16"/>
+    <p:sldId id="271" r:id="rId17"/>
+    <p:sldId id="273" r:id="rId18"/>
+    <p:sldId id="272" r:id="rId19"/>
   </p:sldIdLst>
   <p:sldSz cx="12192000" cy="6858000"/>
   <p:notesSz cx="6858000" cy="9144000"/>
@@ -3416,7 +3417,7 @@
           <p:cNvPr id="2" name="Title 1">
             <a:extLst>
               <a:ext uri="{FF2B5EF4-FFF2-40B4-BE49-F238E27FC236}">
-                <a16:creationId xmlns:a16="http://schemas.microsoft.com/office/drawing/2014/main" id="{0EB15876-999F-09EB-2F5A-CE0211C0BC5C}"/>
+                <a16:creationId xmlns:a16="http://schemas.microsoft.com/office/drawing/2014/main" id="{4040E85B-F8B4-EC0B-DD03-CC31D08FAD95}"/>
               </a:ext>
             </a:extLst>
           </p:cNvPr>
@@ -3440,7 +3441,7 @@
                   </a:schemeClr>
                 </a:solidFill>
               </a:rPr>
-              <a:t>The Movie Database</a:t>
+              <a:t>IMDB dataset</a:t>
             </a:r>
           </a:p>
         </p:txBody>
@@ -3450,7 +3451,7 @@
           <p:cNvPr id="3" name="Content Placeholder 2">
             <a:extLst>
               <a:ext uri="{FF2B5EF4-FFF2-40B4-BE49-F238E27FC236}">
-                <a16:creationId xmlns:a16="http://schemas.microsoft.com/office/drawing/2014/main" id="{328663DC-29F6-41CB-5C92-0D2049ACEB82}"/>
+                <a16:creationId xmlns:a16="http://schemas.microsoft.com/office/drawing/2014/main" id="{CAB51DC1-78B7-A386-E8E8-EA609A4E32DB}"/>
               </a:ext>
             </a:extLst>
           </p:cNvPr>
@@ -3468,32 +3469,59 @@
           <a:p>
             <a:r>
               <a:rPr lang="en-US" dirty="0"/>
-              <a:t>The TMDB dataset provides detailed information about movies,</a:t>
+              <a:t>The IMDB data is stored in a SQLite database. </a:t>
             </a:r>
           </a:p>
           <a:p>
             <a:pPr marL="0" indent="0">
               <a:buNone/>
             </a:pPr>
+            <a:endParaRPr lang="en-US" dirty="0"/>
+          </a:p>
+          <a:p>
             <a:r>
               <a:rPr lang="en-US" dirty="0"/>
-              <a:t> including popularity metrics and audience ratings.</a:t>
-            </a:r>
-          </a:p>
-          <a:p>
+              <a:t>The database contains multiple </a:t>
+            </a:r>
+            <a:r>
+              <a:rPr lang="en-US" dirty="0" err="1"/>
+              <a:t>tables;however</a:t>
+            </a:r>
             <a:r>
               <a:rPr lang="en-US" dirty="0"/>
-              <a:t> This dataset perfectly complements the IMDB and Box Office Mojo</a:t>
+              <a:t> this analysis focuses on:</a:t>
             </a:r>
           </a:p>
           <a:p>
             <a:pPr marL="0" indent="0">
               <a:buNone/>
             </a:pPr>
+            <a:endParaRPr lang="en-US" dirty="0"/>
+          </a:p>
+          <a:p>
+            <a:pPr marL="514350" indent="-514350">
+              <a:buFont typeface="+mj-lt"/>
+              <a:buAutoNum type="alphaLcParenR"/>
+            </a:pPr>
+            <a:r>
+              <a:rPr lang="en-US" dirty="0" err="1"/>
+              <a:t>movie_basics</a:t>
+            </a:r>
+            <a:endParaRPr lang="en-US" dirty="0"/>
+          </a:p>
+          <a:p>
+            <a:pPr marL="0" indent="0">
+              <a:buNone/>
+            </a:pPr>
             <a:r>
               <a:rPr lang="en-US" dirty="0"/>
-              <a:t> datasets.</a:t>
-            </a:r>
+              <a:t>b)  </a:t>
+            </a:r>
+            <a:r>
+              <a:rPr lang="en-US" dirty="0" err="1"/>
+              <a:t>movie_ratings</a:t>
+            </a:r>
+            <a:endParaRPr lang="en-US" dirty="0"/>
           </a:p>
           <a:p>
             <a:endParaRPr lang="en-US" dirty="0"/>
@@ -3503,7 +3531,7 @@
     </p:spTree>
     <p:extLst>
       <p:ext uri="{BB962C8B-B14F-4D97-AF65-F5344CB8AC3E}">
-        <p14:creationId xmlns:p14="http://schemas.microsoft.com/office/powerpoint/2010/main" val="2000882888"/>
+        <p14:creationId xmlns:p14="http://schemas.microsoft.com/office/powerpoint/2010/main" val="3264592789"/>
       </p:ext>
     </p:extLst>
   </p:cSld>
@@ -3535,7 +3563,7 @@
           <p:cNvPr id="2" name="Title 1">
             <a:extLst>
               <a:ext uri="{FF2B5EF4-FFF2-40B4-BE49-F238E27FC236}">
-                <a16:creationId xmlns:a16="http://schemas.microsoft.com/office/drawing/2014/main" id="{ED5532C6-14E9-121C-12CC-3EF372DD404B}"/>
+                <a16:creationId xmlns:a16="http://schemas.microsoft.com/office/drawing/2014/main" id="{0EB15876-999F-09EB-2F5A-CE0211C0BC5C}"/>
               </a:ext>
             </a:extLst>
           </p:cNvPr>
@@ -3546,12 +3574,7 @@
             <p:ph type="title"/>
           </p:nvPr>
         </p:nvSpPr>
-        <p:spPr>
-          <a:xfrm>
-            <a:off x="838200" y="283029"/>
-            <a:ext cx="10515600" cy="4985657"/>
-          </a:xfrm>
-        </p:spPr>
+        <p:spPr/>
         <p:txBody>
           <a:bodyPr/>
           <a:lstStyle/>
@@ -3564,25 +3587,70 @@
                   </a:schemeClr>
                 </a:solidFill>
               </a:rPr>
-              <a:t>                      </a:t>
-            </a:r>
-            <a:r>
-              <a:rPr lang="en-US" sz="4800" dirty="0">
-                <a:solidFill>
-                  <a:schemeClr val="accent4">
-                    <a:lumMod val="75000"/>
-                  </a:schemeClr>
-                </a:solidFill>
-              </a:rPr>
-              <a:t>RECOMMENDATIONS</a:t>
-            </a:r>
+              <a:t>The Movie Database</a:t>
+            </a:r>
+          </a:p>
+        </p:txBody>
+      </p:sp>
+      <p:sp>
+        <p:nvSpPr>
+          <p:cNvPr id="3" name="Content Placeholder 2">
+            <a:extLst>
+              <a:ext uri="{FF2B5EF4-FFF2-40B4-BE49-F238E27FC236}">
+                <a16:creationId xmlns:a16="http://schemas.microsoft.com/office/drawing/2014/main" id="{328663DC-29F6-41CB-5C92-0D2049ACEB82}"/>
+              </a:ext>
+            </a:extLst>
+          </p:cNvPr>
+          <p:cNvSpPr>
+            <a:spLocks noGrp="1"/>
+          </p:cNvSpPr>
+          <p:nvPr>
+            <p:ph idx="1"/>
+          </p:nvPr>
+        </p:nvSpPr>
+        <p:spPr/>
+        <p:txBody>
+          <a:bodyPr/>
+          <a:lstStyle/>
+          <a:p>
+            <a:r>
+              <a:rPr lang="en-US" dirty="0"/>
+              <a:t>The TMDB dataset provides detailed information about movies,</a:t>
+            </a:r>
+          </a:p>
+          <a:p>
+            <a:pPr marL="0" indent="0">
+              <a:buNone/>
+            </a:pPr>
+            <a:r>
+              <a:rPr lang="en-US" dirty="0"/>
+              <a:t> including popularity metrics and audience ratings.</a:t>
+            </a:r>
+          </a:p>
+          <a:p>
+            <a:r>
+              <a:rPr lang="en-US" dirty="0"/>
+              <a:t> This dataset perfectly complements the IMDB and Box Office Mojo</a:t>
+            </a:r>
+          </a:p>
+          <a:p>
+            <a:pPr marL="0" indent="0">
+              <a:buNone/>
+            </a:pPr>
+            <a:r>
+              <a:rPr lang="en-US" dirty="0"/>
+              <a:t> datasets.</a:t>
+            </a:r>
+          </a:p>
+          <a:p>
+            <a:endParaRPr lang="en-US" dirty="0"/>
           </a:p>
         </p:txBody>
       </p:sp>
     </p:spTree>
     <p:extLst>
       <p:ext uri="{BB962C8B-B14F-4D97-AF65-F5344CB8AC3E}">
-        <p14:creationId xmlns:p14="http://schemas.microsoft.com/office/powerpoint/2010/main" val="2526137038"/>
+        <p14:creationId xmlns:p14="http://schemas.microsoft.com/office/powerpoint/2010/main" val="2000882888"/>
       </p:ext>
     </p:extLst>
   </p:cSld>
@@ -3614,7 +3682,7 @@
           <p:cNvPr id="2" name="Title 1">
             <a:extLst>
               <a:ext uri="{FF2B5EF4-FFF2-40B4-BE49-F238E27FC236}">
-                <a16:creationId xmlns:a16="http://schemas.microsoft.com/office/drawing/2014/main" id="{EC012F02-B76B-411A-41A3-CFB779B747C3}"/>
+                <a16:creationId xmlns:a16="http://schemas.microsoft.com/office/drawing/2014/main" id="{ED5532C6-14E9-121C-12CC-3EF372DD404B}"/>
               </a:ext>
             </a:extLst>
           </p:cNvPr>
@@ -3625,151 +3693,43 @@
             <p:ph type="title"/>
           </p:nvPr>
         </p:nvSpPr>
-        <p:spPr/>
-        <p:txBody>
-          <a:bodyPr/>
-          <a:lstStyle/>
-          <a:p>
-            <a:pPr marL="571500" indent="-571500">
-              <a:buFont typeface="Wingdings" panose="05000000000000000000" pitchFamily="2" charset="2"/>
-              <a:buChar char="q"/>
-            </a:pPr>
+        <p:spPr>
+          <a:xfrm>
+            <a:off x="838200" y="283029"/>
+            <a:ext cx="10515600" cy="4985657"/>
+          </a:xfrm>
+        </p:spPr>
+        <p:txBody>
+          <a:bodyPr/>
+          <a:lstStyle/>
+          <a:p>
             <a:r>
               <a:rPr lang="en-US" dirty="0">
                 <a:solidFill>
-                  <a:schemeClr val="accent5">
+                  <a:schemeClr val="accent4">
                     <a:lumMod val="75000"/>
                   </a:schemeClr>
                 </a:solidFill>
               </a:rPr>
-              <a:t>Prioritize High Grossing Genres</a:t>
-            </a:r>
-            <a:br>
-              <a:rPr lang="en-US" dirty="0"/>
-            </a:br>
-            <a:endParaRPr lang="en-US" dirty="0">
-              <a:solidFill>
-                <a:schemeClr val="accent4">
-                  <a:lumMod val="75000"/>
-                </a:schemeClr>
-              </a:solidFill>
-            </a:endParaRPr>
-          </a:p>
-        </p:txBody>
-      </p:sp>
-      <p:sp>
-        <p:nvSpPr>
-          <p:cNvPr id="3" name="Content Placeholder 2">
-            <a:extLst>
-              <a:ext uri="{FF2B5EF4-FFF2-40B4-BE49-F238E27FC236}">
-                <a16:creationId xmlns:a16="http://schemas.microsoft.com/office/drawing/2014/main" id="{63856592-4799-1B75-8AF4-01901E072B21}"/>
-              </a:ext>
-            </a:extLst>
-          </p:cNvPr>
-          <p:cNvSpPr>
-            <a:spLocks noGrp="1"/>
-          </p:cNvSpPr>
-          <p:nvPr>
-            <p:ph idx="1"/>
-          </p:nvPr>
-        </p:nvSpPr>
-        <p:spPr/>
-        <p:txBody>
-          <a:bodyPr/>
-          <a:lstStyle/>
-          <a:p>
-            <a:pPr marL="0" indent="0">
-              <a:buNone/>
-            </a:pPr>
-            <a:r>
-              <a:rPr lang="en-US" dirty="0">
-                <a:solidFill>
-                  <a:schemeClr val="tx2">
+              <a:t>                      </a:t>
+            </a:r>
+            <a:r>
+              <a:rPr lang="en-US" sz="4800" dirty="0">
+                <a:solidFill>
+                  <a:schemeClr val="accent4">
                     <a:lumMod val="75000"/>
                   </a:schemeClr>
                 </a:solidFill>
               </a:rPr>
-              <a:t>The studio should prioritize producing films in these genres, particularly</a:t>
-            </a:r>
-          </a:p>
-          <a:p>
-            <a:pPr marL="0" indent="0">
-              <a:buNone/>
-            </a:pPr>
-            <a:endParaRPr lang="en-US" dirty="0">
-              <a:solidFill>
-                <a:schemeClr val="tx2">
-                  <a:lumMod val="75000"/>
-                </a:schemeClr>
-              </a:solidFill>
-            </a:endParaRPr>
-          </a:p>
-          <a:p>
-            <a:pPr marL="0" indent="0">
-              <a:buNone/>
-            </a:pPr>
-            <a:r>
-              <a:rPr lang="en-US" dirty="0">
-                <a:solidFill>
-                  <a:schemeClr val="tx2">
-                    <a:lumMod val="75000"/>
-                  </a:schemeClr>
-                </a:solidFill>
-              </a:rPr>
-              <a:t> for early releases, to maximize return on investment and attract </a:t>
-            </a:r>
-          </a:p>
-          <a:p>
-            <a:pPr marL="0" indent="0">
-              <a:buNone/>
-            </a:pPr>
-            <a:endParaRPr lang="en-US" dirty="0">
-              <a:solidFill>
-                <a:schemeClr val="tx2">
-                  <a:lumMod val="75000"/>
-                </a:schemeClr>
-              </a:solidFill>
-            </a:endParaRPr>
-          </a:p>
-          <a:p>
-            <a:pPr marL="0" indent="0">
-              <a:buNone/>
-            </a:pPr>
-            <a:r>
-              <a:rPr lang="en-US" dirty="0">
-                <a:solidFill>
-                  <a:schemeClr val="tx2">
-                    <a:lumMod val="75000"/>
-                  </a:schemeClr>
-                </a:solidFill>
-              </a:rPr>
-              <a:t> audiences.</a:t>
-            </a:r>
-          </a:p>
-          <a:p>
-            <a:pPr marL="0" indent="0">
-              <a:buNone/>
-            </a:pPr>
-            <a:endParaRPr lang="en-US" sz="2400" dirty="0">
-              <a:solidFill>
-                <a:schemeClr val="accent5">
-                  <a:lumMod val="75000"/>
-                </a:schemeClr>
-              </a:solidFill>
-            </a:endParaRPr>
-          </a:p>
-          <a:p>
-            <a:pPr marL="0" indent="0">
-              <a:buNone/>
-            </a:pPr>
-            <a:endParaRPr lang="en-US" dirty="0"/>
+              <a:t>RECOMMENDATIONS</a:t>
+            </a:r>
           </a:p>
         </p:txBody>
       </p:sp>
     </p:spTree>
     <p:extLst>
       <p:ext uri="{BB962C8B-B14F-4D97-AF65-F5344CB8AC3E}">
-        <p14:creationId xmlns:p14="http://schemas.microsoft.com/office/powerpoint/2010/main" val="2724402833"/>
+        <p14:creationId xmlns:p14="http://schemas.microsoft.com/office/powerpoint/2010/main" val="2526137038"/>
       </p:ext>
     </p:extLst>
   </p:cSld>
@@ -3801,7 +3761,7 @@
           <p:cNvPr id="2" name="Title 1">
             <a:extLst>
               <a:ext uri="{FF2B5EF4-FFF2-40B4-BE49-F238E27FC236}">
-                <a16:creationId xmlns:a16="http://schemas.microsoft.com/office/drawing/2014/main" id="{840B5D72-2416-B45F-B948-05A034179A71}"/>
+                <a16:creationId xmlns:a16="http://schemas.microsoft.com/office/drawing/2014/main" id="{EC012F02-B76B-411A-41A3-CFB779B747C3}"/>
               </a:ext>
             </a:extLst>
           </p:cNvPr>
@@ -3829,12 +3789,18 @@
                   </a:schemeClr>
                 </a:solidFill>
               </a:rPr>
-              <a:t>Invest in quality to drive revenue</a:t>
+              <a:t>Prioritize High Grossing Genres</a:t>
             </a:r>
             <a:br>
               <a:rPr lang="en-US" dirty="0"/>
             </a:br>
-            <a:endParaRPr lang="en-US" dirty="0"/>
+            <a:endParaRPr lang="en-US" dirty="0">
+              <a:solidFill>
+                <a:schemeClr val="accent4">
+                  <a:lumMod val="75000"/>
+                </a:schemeClr>
+              </a:solidFill>
+            </a:endParaRPr>
           </a:p>
         </p:txBody>
       </p:sp>
@@ -3843,7 +3809,7 @@
           <p:cNvPr id="3" name="Content Placeholder 2">
             <a:extLst>
               <a:ext uri="{FF2B5EF4-FFF2-40B4-BE49-F238E27FC236}">
-                <a16:creationId xmlns:a16="http://schemas.microsoft.com/office/drawing/2014/main" id="{B2C93337-DB3A-8B05-5847-1984B6E26372}"/>
+                <a16:creationId xmlns:a16="http://schemas.microsoft.com/office/drawing/2014/main" id="{63856592-4799-1B75-8AF4-01901E072B21}"/>
               </a:ext>
             </a:extLst>
           </p:cNvPr>
@@ -3870,7 +3836,7 @@
                   </a:schemeClr>
                 </a:solidFill>
               </a:rPr>
-              <a:t>Allocate budget toward strong scripts, experienced directors, and</a:t>
+              <a:t>The studio should prioritize producing films in these genres, particularly</a:t>
             </a:r>
           </a:p>
           <a:p>
@@ -3897,7 +3863,7 @@
                   </a:schemeClr>
                 </a:solidFill>
               </a:rPr>
-              <a:t> higher production quality to improve audience satisfaction rather than</a:t>
+              <a:t> for early releases, to maximize return on investment and attract </a:t>
             </a:r>
           </a:p>
           <a:p>
@@ -3924,15 +3890,33 @@
                   </a:schemeClr>
                 </a:solidFill>
               </a:rPr>
-              <a:t> focusing solely on quantity of releases.</a:t>
-            </a:r>
+              <a:t> audiences.</a:t>
+            </a:r>
+          </a:p>
+          <a:p>
+            <a:pPr marL="0" indent="0">
+              <a:buNone/>
+            </a:pPr>
+            <a:endParaRPr lang="en-US" sz="2400" dirty="0">
+              <a:solidFill>
+                <a:schemeClr val="accent5">
+                  <a:lumMod val="75000"/>
+                </a:schemeClr>
+              </a:solidFill>
+            </a:endParaRPr>
+          </a:p>
+          <a:p>
+            <a:pPr marL="0" indent="0">
+              <a:buNone/>
+            </a:pPr>
+            <a:endParaRPr lang="en-US" dirty="0"/>
           </a:p>
         </p:txBody>
       </p:sp>
     </p:spTree>
     <p:extLst>
       <p:ext uri="{BB962C8B-B14F-4D97-AF65-F5344CB8AC3E}">
-        <p14:creationId xmlns:p14="http://schemas.microsoft.com/office/powerpoint/2010/main" val="3286068616"/>
+        <p14:creationId xmlns:p14="http://schemas.microsoft.com/office/powerpoint/2010/main" val="2724402833"/>
       </p:ext>
     </p:extLst>
   </p:cSld>
@@ -3964,7 +3948,7 @@
           <p:cNvPr id="2" name="Title 1">
             <a:extLst>
               <a:ext uri="{FF2B5EF4-FFF2-40B4-BE49-F238E27FC236}">
-                <a16:creationId xmlns:a16="http://schemas.microsoft.com/office/drawing/2014/main" id="{AB02EB96-F72C-9C20-89D7-9F66B8907C05}"/>
+                <a16:creationId xmlns:a16="http://schemas.microsoft.com/office/drawing/2014/main" id="{840B5D72-2416-B45F-B948-05A034179A71}"/>
               </a:ext>
             </a:extLst>
           </p:cNvPr>
@@ -3992,7 +3976,7 @@
                   </a:schemeClr>
                 </a:solidFill>
               </a:rPr>
-              <a:t> Target Optimal Movie Runtime</a:t>
+              <a:t>Invest in quality to drive revenue</a:t>
             </a:r>
             <a:br>
               <a:rPr lang="en-US" dirty="0"/>
@@ -4006,7 +3990,7 @@
           <p:cNvPr id="3" name="Content Placeholder 2">
             <a:extLst>
               <a:ext uri="{FF2B5EF4-FFF2-40B4-BE49-F238E27FC236}">
-                <a16:creationId xmlns:a16="http://schemas.microsoft.com/office/drawing/2014/main" id="{5909B97E-EB9F-7D6F-6A36-C9F46B8839EC}"/>
+                <a16:creationId xmlns:a16="http://schemas.microsoft.com/office/drawing/2014/main" id="{B2C93337-DB3A-8B05-5847-1984B6E26372}"/>
               </a:ext>
             </a:extLst>
           </p:cNvPr>
@@ -4033,7 +4017,7 @@
                   </a:schemeClr>
                 </a:solidFill>
               </a:rPr>
-              <a:t>The studio should aim to keep most productions over the 120 minute</a:t>
+              <a:t>Allocate budget toward strong scripts, experienced directors, and</a:t>
             </a:r>
           </a:p>
           <a:p>
@@ -4060,7 +4044,34 @@
                   </a:schemeClr>
                 </a:solidFill>
               </a:rPr>
-              <a:t> range to balance storytelling, viewer attention, and production costs.</a:t>
+              <a:t> higher production quality to improve audience satisfaction rather than</a:t>
+            </a:r>
+          </a:p>
+          <a:p>
+            <a:pPr marL="0" indent="0">
+              <a:buNone/>
+            </a:pPr>
+            <a:endParaRPr lang="en-US" dirty="0">
+              <a:solidFill>
+                <a:schemeClr val="tx2">
+                  <a:lumMod val="75000"/>
+                </a:schemeClr>
+              </a:solidFill>
+            </a:endParaRPr>
+          </a:p>
+          <a:p>
+            <a:pPr marL="0" indent="0">
+              <a:buNone/>
+            </a:pPr>
+            <a:r>
+              <a:rPr lang="en-US" dirty="0">
+                <a:solidFill>
+                  <a:schemeClr val="tx2">
+                    <a:lumMod val="75000"/>
+                  </a:schemeClr>
+                </a:solidFill>
+              </a:rPr>
+              <a:t> focusing solely on quantity of releases.</a:t>
             </a:r>
           </a:p>
         </p:txBody>
@@ -4068,7 +4079,7 @@
     </p:spTree>
     <p:extLst>
       <p:ext uri="{BB962C8B-B14F-4D97-AF65-F5344CB8AC3E}">
-        <p14:creationId xmlns:p14="http://schemas.microsoft.com/office/powerpoint/2010/main" val="1728616449"/>
+        <p14:creationId xmlns:p14="http://schemas.microsoft.com/office/powerpoint/2010/main" val="3286068616"/>
       </p:ext>
     </p:extLst>
   </p:cSld>
@@ -4100,7 +4111,7 @@
           <p:cNvPr id="2" name="Title 1">
             <a:extLst>
               <a:ext uri="{FF2B5EF4-FFF2-40B4-BE49-F238E27FC236}">
-                <a16:creationId xmlns:a16="http://schemas.microsoft.com/office/drawing/2014/main" id="{5FBF754A-ED9F-D10D-CEEA-B0D595B8D739}"/>
+                <a16:creationId xmlns:a16="http://schemas.microsoft.com/office/drawing/2014/main" id="{AB02EB96-F72C-9C20-89D7-9F66B8907C05}"/>
               </a:ext>
             </a:extLst>
           </p:cNvPr>
@@ -4128,7 +4139,7 @@
                   </a:schemeClr>
                 </a:solidFill>
               </a:rPr>
-              <a:t>Learning From Top Studios</a:t>
+              <a:t> Target Optimal Movie Runtime</a:t>
             </a:r>
             <a:br>
               <a:rPr lang="en-US" dirty="0"/>
@@ -4142,7 +4153,7 @@
           <p:cNvPr id="3" name="Content Placeholder 2">
             <a:extLst>
               <a:ext uri="{FF2B5EF4-FFF2-40B4-BE49-F238E27FC236}">
-                <a16:creationId xmlns:a16="http://schemas.microsoft.com/office/drawing/2014/main" id="{AEA9A0E9-8B33-9757-4622-3876C9F66E20}"/>
+                <a16:creationId xmlns:a16="http://schemas.microsoft.com/office/drawing/2014/main" id="{5909B97E-EB9F-7D6F-6A36-C9F46B8839EC}"/>
               </a:ext>
             </a:extLst>
           </p:cNvPr>
@@ -4169,31 +4180,7 @@
                   </a:schemeClr>
                 </a:solidFill>
               </a:rPr>
-              <a:t>The studio should study their genre focus, franchise development,</a:t>
-            </a:r>
-          </a:p>
-          <a:p>
-            <a:endParaRPr lang="en-US" dirty="0">
-              <a:solidFill>
-                <a:schemeClr val="tx2">
-                  <a:lumMod val="75000"/>
-                </a:schemeClr>
-              </a:solidFill>
-            </a:endParaRPr>
-          </a:p>
-          <a:p>
-            <a:pPr marL="0" indent="0">
-              <a:buNone/>
-            </a:pPr>
-            <a:r>
-              <a:rPr lang="en-US" dirty="0">
-                <a:solidFill>
-                  <a:schemeClr val="tx2">
-                    <a:lumMod val="75000"/>
-                  </a:schemeClr>
-                </a:solidFill>
-              </a:rPr>
-              <a:t> marketing tactics and consider even partnerships or niche</a:t>
+              <a:t>The studio should aim to keep most productions over the 120 minute</a:t>
             </a:r>
           </a:p>
           <a:p>
@@ -4220,7 +4207,7 @@
                   </a:schemeClr>
                 </a:solidFill>
               </a:rPr>
-              <a:t> differentiation.</a:t>
+              <a:t> range to balance storytelling, viewer attention, and production costs.</a:t>
             </a:r>
           </a:p>
         </p:txBody>
@@ -4228,7 +4215,7 @@
     </p:spTree>
     <p:extLst>
       <p:ext uri="{BB962C8B-B14F-4D97-AF65-F5344CB8AC3E}">
-        <p14:creationId xmlns:p14="http://schemas.microsoft.com/office/powerpoint/2010/main" val="3162715454"/>
+        <p14:creationId xmlns:p14="http://schemas.microsoft.com/office/powerpoint/2010/main" val="1728616449"/>
       </p:ext>
     </p:extLst>
   </p:cSld>
@@ -4260,6 +4247,166 @@
           <p:cNvPr id="2" name="Title 1">
             <a:extLst>
               <a:ext uri="{FF2B5EF4-FFF2-40B4-BE49-F238E27FC236}">
+                <a16:creationId xmlns:a16="http://schemas.microsoft.com/office/drawing/2014/main" id="{5FBF754A-ED9F-D10D-CEEA-B0D595B8D739}"/>
+              </a:ext>
+            </a:extLst>
+          </p:cNvPr>
+          <p:cNvSpPr>
+            <a:spLocks noGrp="1"/>
+          </p:cNvSpPr>
+          <p:nvPr>
+            <p:ph type="title"/>
+          </p:nvPr>
+        </p:nvSpPr>
+        <p:spPr/>
+        <p:txBody>
+          <a:bodyPr/>
+          <a:lstStyle/>
+          <a:p>
+            <a:pPr marL="571500" indent="-571500">
+              <a:buFont typeface="Wingdings" panose="05000000000000000000" pitchFamily="2" charset="2"/>
+              <a:buChar char="q"/>
+            </a:pPr>
+            <a:r>
+              <a:rPr lang="en-US" dirty="0">
+                <a:solidFill>
+                  <a:schemeClr val="accent5">
+                    <a:lumMod val="75000"/>
+                  </a:schemeClr>
+                </a:solidFill>
+              </a:rPr>
+              <a:t>Learning From Top Studios</a:t>
+            </a:r>
+            <a:br>
+              <a:rPr lang="en-US" dirty="0"/>
+            </a:br>
+            <a:endParaRPr lang="en-US" dirty="0"/>
+          </a:p>
+        </p:txBody>
+      </p:sp>
+      <p:sp>
+        <p:nvSpPr>
+          <p:cNvPr id="3" name="Content Placeholder 2">
+            <a:extLst>
+              <a:ext uri="{FF2B5EF4-FFF2-40B4-BE49-F238E27FC236}">
+                <a16:creationId xmlns:a16="http://schemas.microsoft.com/office/drawing/2014/main" id="{AEA9A0E9-8B33-9757-4622-3876C9F66E20}"/>
+              </a:ext>
+            </a:extLst>
+          </p:cNvPr>
+          <p:cNvSpPr>
+            <a:spLocks noGrp="1"/>
+          </p:cNvSpPr>
+          <p:nvPr>
+            <p:ph idx="1"/>
+          </p:nvPr>
+        </p:nvSpPr>
+        <p:spPr/>
+        <p:txBody>
+          <a:bodyPr/>
+          <a:lstStyle/>
+          <a:p>
+            <a:pPr marL="0" indent="0">
+              <a:buNone/>
+            </a:pPr>
+            <a:r>
+              <a:rPr lang="en-US" dirty="0">
+                <a:solidFill>
+                  <a:schemeClr val="tx2">
+                    <a:lumMod val="75000"/>
+                  </a:schemeClr>
+                </a:solidFill>
+              </a:rPr>
+              <a:t>The studio should study their genre focus, franchise development,</a:t>
+            </a:r>
+          </a:p>
+          <a:p>
+            <a:endParaRPr lang="en-US" dirty="0">
+              <a:solidFill>
+                <a:schemeClr val="tx2">
+                  <a:lumMod val="75000"/>
+                </a:schemeClr>
+              </a:solidFill>
+            </a:endParaRPr>
+          </a:p>
+          <a:p>
+            <a:pPr marL="0" indent="0">
+              <a:buNone/>
+            </a:pPr>
+            <a:r>
+              <a:rPr lang="en-US" dirty="0">
+                <a:solidFill>
+                  <a:schemeClr val="tx2">
+                    <a:lumMod val="75000"/>
+                  </a:schemeClr>
+                </a:solidFill>
+              </a:rPr>
+              <a:t> marketing tactics and consider even partnerships or niche</a:t>
+            </a:r>
+          </a:p>
+          <a:p>
+            <a:pPr marL="0" indent="0">
+              <a:buNone/>
+            </a:pPr>
+            <a:endParaRPr lang="en-US" dirty="0">
+              <a:solidFill>
+                <a:schemeClr val="tx2">
+                  <a:lumMod val="75000"/>
+                </a:schemeClr>
+              </a:solidFill>
+            </a:endParaRPr>
+          </a:p>
+          <a:p>
+            <a:pPr marL="0" indent="0">
+              <a:buNone/>
+            </a:pPr>
+            <a:r>
+              <a:rPr lang="en-US" dirty="0">
+                <a:solidFill>
+                  <a:schemeClr val="tx2">
+                    <a:lumMod val="75000"/>
+                  </a:schemeClr>
+                </a:solidFill>
+              </a:rPr>
+              <a:t> differentiation.</a:t>
+            </a:r>
+          </a:p>
+        </p:txBody>
+      </p:sp>
+    </p:spTree>
+    <p:extLst>
+      <p:ext uri="{BB962C8B-B14F-4D97-AF65-F5344CB8AC3E}">
+        <p14:creationId xmlns:p14="http://schemas.microsoft.com/office/powerpoint/2010/main" val="3162715454"/>
+      </p:ext>
+    </p:extLst>
+  </p:cSld>
+  <p:clrMapOvr>
+    <a:masterClrMapping/>
+  </p:clrMapOvr>
+</p:sld>
+</file>
+
+<file path=ppt/slides/slide17.xml><?xml version="1.0" encoding="utf-8"?>
+<p:sld xmlns:a="http://schemas.openxmlformats.org/drawingml/2006/main" xmlns:r="http://schemas.openxmlformats.org/officeDocument/2006/relationships" xmlns:p="http://schemas.openxmlformats.org/presentationml/2006/main">
+  <p:cSld>
+    <p:spTree>
+      <p:nvGrpSpPr>
+        <p:cNvPr id="1" name=""/>
+        <p:cNvGrpSpPr/>
+        <p:nvPr/>
+      </p:nvGrpSpPr>
+      <p:grpSpPr>
+        <a:xfrm>
+          <a:off x="0" y="0"/>
+          <a:ext cx="0" cy="0"/>
+          <a:chOff x="0" y="0"/>
+          <a:chExt cx="0" cy="0"/>
+        </a:xfrm>
+      </p:grpSpPr>
+      <p:sp>
+        <p:nvSpPr>
+          <p:cNvPr id="2" name="Title 1">
+            <a:extLst>
+              <a:ext uri="{FF2B5EF4-FFF2-40B4-BE49-F238E27FC236}">
                 <a16:creationId xmlns:a16="http://schemas.microsoft.com/office/drawing/2014/main" id="{37C99CE9-3446-EFCC-8AC3-AF877D9BC411}"/>
               </a:ext>
             </a:extLst>
@@ -4403,7 +4550,7 @@
 </p:sld>
 </file>
 
-<file path=ppt/slides/slide17.xml><?xml version="1.0" encoding="utf-8"?>
+<file path=ppt/slides/slide18.xml><?xml version="1.0" encoding="utf-8"?>
 <p:sld xmlns:a="http://schemas.openxmlformats.org/drawingml/2006/main" xmlns:r="http://schemas.openxmlformats.org/officeDocument/2006/relationships" xmlns:p="http://schemas.openxmlformats.org/presentationml/2006/main">
   <p:cSld>
     <p:spTree>
@@ -5009,7 +5156,7 @@
           <p:cNvPr id="2" name="Title 1">
             <a:extLst>
               <a:ext uri="{FF2B5EF4-FFF2-40B4-BE49-F238E27FC236}">
-                <a16:creationId xmlns:a16="http://schemas.microsoft.com/office/drawing/2014/main" id="{EF2B72D6-3363-1B04-74DF-DE5E69DE08DC}"/>
+                <a16:creationId xmlns:a16="http://schemas.microsoft.com/office/drawing/2014/main" id="{DB5DF4D1-39F4-1E63-28FA-7F0FAC2A27AA}"/>
               </a:ext>
             </a:extLst>
           </p:cNvPr>
@@ -5033,7 +5180,7 @@
                   </a:schemeClr>
                 </a:solidFill>
               </a:rPr>
-              <a:t>Key questions</a:t>
+              <a:t>Objectives</a:t>
             </a:r>
           </a:p>
         </p:txBody>
@@ -5043,7 +5190,7 @@
           <p:cNvPr id="3" name="Content Placeholder 2">
             <a:extLst>
               <a:ext uri="{FF2B5EF4-FFF2-40B4-BE49-F238E27FC236}">
-                <a16:creationId xmlns:a16="http://schemas.microsoft.com/office/drawing/2014/main" id="{98698DB5-3EEA-19F1-5596-08077B02950A}"/>
+                <a16:creationId xmlns:a16="http://schemas.microsoft.com/office/drawing/2014/main" id="{92F20F88-1783-EE4B-3BD8-84CFD1BF5B87}"/>
               </a:ext>
             </a:extLst>
           </p:cNvPr>
@@ -5062,16 +5209,68 @@
             <a:r>
               <a:rPr lang="en-US" dirty="0">
                 <a:solidFill>
-                  <a:schemeClr val="tx2"/>
+                  <a:schemeClr val="tx2">
+                    <a:lumMod val="75000"/>
+                  </a:schemeClr>
                 </a:solidFill>
               </a:rPr>
-              <a:t>Which movie genres consistently perform best at the box office?</a:t>
-            </a:r>
-          </a:p>
-          <a:p>
+              <a:t>The project aims to </a:t>
+            </a:r>
+            <a:r>
+              <a:rPr lang="en-US" b="1" dirty="0">
+                <a:solidFill>
+                  <a:schemeClr val="tx2">
+                    <a:lumMod val="75000"/>
+                  </a:schemeClr>
+                </a:solidFill>
+              </a:rPr>
+              <a:t>analyze historical movie data</a:t>
+            </a:r>
+            <a:r>
+              <a:rPr lang="en-US" dirty="0">
+                <a:solidFill>
+                  <a:schemeClr val="tx2">
+                    <a:lumMod val="75000"/>
+                  </a:schemeClr>
+                </a:solidFill>
+              </a:rPr>
+              <a:t> to identify patterns</a:t>
+            </a:r>
+          </a:p>
+          <a:p>
+            <a:pPr marL="0" indent="0">
+              <a:buNone/>
+            </a:pPr>
+            <a:r>
+              <a:rPr lang="en-US" dirty="0">
+                <a:solidFill>
+                  <a:schemeClr val="tx2">
+                    <a:lumMod val="75000"/>
+                  </a:schemeClr>
+                </a:solidFill>
+              </a:rPr>
+              <a:t> associated with </a:t>
+            </a:r>
+            <a:r>
+              <a:rPr lang="en-US" b="1" dirty="0">
+                <a:solidFill>
+                  <a:schemeClr val="tx2">
+                    <a:lumMod val="75000"/>
+                  </a:schemeClr>
+                </a:solidFill>
+              </a:rPr>
+              <a:t>financial success and positive audience reception.</a:t>
+            </a:r>
+          </a:p>
+          <a:p>
+            <a:pPr marL="0" indent="0">
+              <a:buNone/>
+            </a:pPr>
             <a:endParaRPr lang="en-US" dirty="0">
               <a:solidFill>
-                <a:schemeClr val="tx2"/>
+                <a:schemeClr val="tx2">
+                  <a:lumMod val="75000"/>
+                </a:schemeClr>
               </a:solidFill>
             </a:endParaRPr>
           </a:p>
@@ -5079,38 +5278,35 @@
             <a:r>
               <a:rPr lang="en-US" dirty="0">
                 <a:solidFill>
-                  <a:schemeClr val="tx2"/>
+                  <a:schemeClr val="tx2">
+                    <a:lumMod val="75000"/>
+                  </a:schemeClr>
                 </a:solidFill>
               </a:rPr>
-              <a:t>How does audience reception (ratings and engagement) relate to financial success?</a:t>
-            </a:r>
-          </a:p>
-          <a:p>
-            <a:endParaRPr lang="en-US" dirty="0">
-              <a:solidFill>
-                <a:schemeClr val="tx2"/>
-              </a:solidFill>
-            </a:endParaRPr>
-          </a:p>
-          <a:p>
+              <a:t>This will be through the use of  box office performance and audience</a:t>
+            </a:r>
+          </a:p>
+          <a:p>
+            <a:pPr marL="0" indent="0">
+              <a:buNone/>
+            </a:pPr>
             <a:r>
               <a:rPr lang="en-US" dirty="0">
                 <a:solidFill>
-                  <a:schemeClr val="tx2"/>
+                  <a:schemeClr val="tx2">
+                    <a:lumMod val="75000"/>
+                  </a:schemeClr>
                 </a:solidFill>
               </a:rPr>
-              <a:t>What movie characteristics (such as runtime or release trends) are most associated with successful films?</a:t>
-            </a:r>
-          </a:p>
-          <a:p>
-            <a:endParaRPr lang="en-US" dirty="0"/>
+              <a:t> ratings.</a:t>
+            </a:r>
           </a:p>
         </p:txBody>
       </p:sp>
     </p:spTree>
     <p:extLst>
       <p:ext uri="{BB962C8B-B14F-4D97-AF65-F5344CB8AC3E}">
-        <p14:creationId xmlns:p14="http://schemas.microsoft.com/office/powerpoint/2010/main" val="344846261"/>
+        <p14:creationId xmlns:p14="http://schemas.microsoft.com/office/powerpoint/2010/main" val="2045292854"/>
       </p:ext>
     </p:extLst>
   </p:cSld>
@@ -5142,15 +5338,15 @@
           <p:cNvPr id="2" name="Title 1">
             <a:extLst>
               <a:ext uri="{FF2B5EF4-FFF2-40B4-BE49-F238E27FC236}">
-                <a16:creationId xmlns:a16="http://schemas.microsoft.com/office/drawing/2014/main" id="{16BB40EC-EC06-F0DC-D881-96E402A0AE3B}"/>
-              </a:ext>
-            </a:extLst>
-          </p:cNvPr>
-          <p:cNvSpPr>
-            <a:spLocks noGrp="1"/>
-          </p:cNvSpPr>
-          <p:nvPr>
-            <p:ph type="ctrTitle"/>
+                <a16:creationId xmlns:a16="http://schemas.microsoft.com/office/drawing/2014/main" id="{EF2B72D6-3363-1B04-74DF-DE5E69DE08DC}"/>
+              </a:ext>
+            </a:extLst>
+          </p:cNvPr>
+          <p:cNvSpPr>
+            <a:spLocks noGrp="1"/>
+          </p:cNvSpPr>
+          <p:nvPr>
+            <p:ph type="title"/>
           </p:nvPr>
         </p:nvSpPr>
         <p:spPr/>
@@ -5166,15 +5362,84 @@
                   </a:schemeClr>
                 </a:solidFill>
               </a:rPr>
-              <a:t>Data Understanding</a:t>
-            </a:r>
+              <a:t>Key questions</a:t>
+            </a:r>
+          </a:p>
+        </p:txBody>
+      </p:sp>
+      <p:sp>
+        <p:nvSpPr>
+          <p:cNvPr id="3" name="Content Placeholder 2">
+            <a:extLst>
+              <a:ext uri="{FF2B5EF4-FFF2-40B4-BE49-F238E27FC236}">
+                <a16:creationId xmlns:a16="http://schemas.microsoft.com/office/drawing/2014/main" id="{98698DB5-3EEA-19F1-5596-08077B02950A}"/>
+              </a:ext>
+            </a:extLst>
+          </p:cNvPr>
+          <p:cNvSpPr>
+            <a:spLocks noGrp="1"/>
+          </p:cNvSpPr>
+          <p:nvPr>
+            <p:ph idx="1"/>
+          </p:nvPr>
+        </p:nvSpPr>
+        <p:spPr/>
+        <p:txBody>
+          <a:bodyPr/>
+          <a:lstStyle/>
+          <a:p>
+            <a:r>
+              <a:rPr lang="en-US" dirty="0">
+                <a:solidFill>
+                  <a:schemeClr val="tx2"/>
+                </a:solidFill>
+              </a:rPr>
+              <a:t>Which movie genres consistently perform best at the box office?</a:t>
+            </a:r>
+          </a:p>
+          <a:p>
+            <a:endParaRPr lang="en-US" dirty="0">
+              <a:solidFill>
+                <a:schemeClr val="tx2"/>
+              </a:solidFill>
+            </a:endParaRPr>
+          </a:p>
+          <a:p>
+            <a:r>
+              <a:rPr lang="en-US" dirty="0">
+                <a:solidFill>
+                  <a:schemeClr val="tx2"/>
+                </a:solidFill>
+              </a:rPr>
+              <a:t>How does audience reception (ratings and engagement) relate to financial success?</a:t>
+            </a:r>
+          </a:p>
+          <a:p>
+            <a:endParaRPr lang="en-US" dirty="0">
+              <a:solidFill>
+                <a:schemeClr val="tx2"/>
+              </a:solidFill>
+            </a:endParaRPr>
+          </a:p>
+          <a:p>
+            <a:r>
+              <a:rPr lang="en-US" dirty="0">
+                <a:solidFill>
+                  <a:schemeClr val="tx2"/>
+                </a:solidFill>
+              </a:rPr>
+              <a:t>What movie characteristics (such as runtime or release trends) are most associated with successful films?</a:t>
+            </a:r>
+          </a:p>
+          <a:p>
+            <a:endParaRPr lang="en-US" dirty="0"/>
           </a:p>
         </p:txBody>
       </p:sp>
     </p:spTree>
     <p:extLst>
       <p:ext uri="{BB962C8B-B14F-4D97-AF65-F5344CB8AC3E}">
-        <p14:creationId xmlns:p14="http://schemas.microsoft.com/office/powerpoint/2010/main" val="4019687101"/>
+        <p14:creationId xmlns:p14="http://schemas.microsoft.com/office/powerpoint/2010/main" val="344846261"/>
       </p:ext>
     </p:extLst>
   </p:cSld>
@@ -5206,15 +5471,15 @@
           <p:cNvPr id="2" name="Title 1">
             <a:extLst>
               <a:ext uri="{FF2B5EF4-FFF2-40B4-BE49-F238E27FC236}">
-                <a16:creationId xmlns:a16="http://schemas.microsoft.com/office/drawing/2014/main" id="{E9B7B792-4B1C-524A-7937-279E4F5E82B6}"/>
-              </a:ext>
-            </a:extLst>
-          </p:cNvPr>
-          <p:cNvSpPr>
-            <a:spLocks noGrp="1"/>
-          </p:cNvSpPr>
-          <p:nvPr>
-            <p:ph type="title"/>
+                <a16:creationId xmlns:a16="http://schemas.microsoft.com/office/drawing/2014/main" id="{16BB40EC-EC06-F0DC-D881-96E402A0AE3B}"/>
+              </a:ext>
+            </a:extLst>
+          </p:cNvPr>
+          <p:cNvSpPr>
+            <a:spLocks noGrp="1"/>
+          </p:cNvSpPr>
+          <p:nvPr>
+            <p:ph type="ctrTitle"/>
           </p:nvPr>
         </p:nvSpPr>
         <p:spPr/>
@@ -5230,181 +5495,15 @@
                   </a:schemeClr>
                 </a:solidFill>
               </a:rPr>
-              <a:t>Data overview</a:t>
-            </a:r>
-          </a:p>
-        </p:txBody>
-      </p:sp>
-      <p:sp>
-        <p:nvSpPr>
-          <p:cNvPr id="3" name="Content Placeholder 2">
-            <a:extLst>
-              <a:ext uri="{FF2B5EF4-FFF2-40B4-BE49-F238E27FC236}">
-                <a16:creationId xmlns:a16="http://schemas.microsoft.com/office/drawing/2014/main" id="{7C2B7F5A-2490-5A08-25F9-613BC4EC57AA}"/>
-              </a:ext>
-            </a:extLst>
-          </p:cNvPr>
-          <p:cNvSpPr>
-            <a:spLocks noGrp="1"/>
-          </p:cNvSpPr>
-          <p:nvPr>
-            <p:ph idx="1"/>
-          </p:nvPr>
-        </p:nvSpPr>
-        <p:spPr/>
-        <p:txBody>
-          <a:bodyPr/>
-          <a:lstStyle/>
-          <a:p>
-            <a:r>
-              <a:rPr lang="en-US" dirty="0">
-                <a:solidFill>
-                  <a:schemeClr val="tx2">
-                    <a:lumMod val="75000"/>
-                  </a:schemeClr>
-                </a:solidFill>
-              </a:rPr>
-              <a:t>This analysis made use of 3 key datasets;</a:t>
-            </a:r>
-          </a:p>
-          <a:p>
-            <a:pPr marL="0" indent="0">
-              <a:buNone/>
-            </a:pPr>
-            <a:endParaRPr lang="en-US" dirty="0">
-              <a:solidFill>
-                <a:schemeClr val="tx2">
-                  <a:lumMod val="75000"/>
-                </a:schemeClr>
-              </a:solidFill>
-            </a:endParaRPr>
-          </a:p>
-          <a:p>
-            <a:pPr>
-              <a:buFont typeface="Wingdings" panose="05000000000000000000" pitchFamily="2" charset="2"/>
-              <a:buChar char="q"/>
-            </a:pPr>
-            <a:r>
-              <a:rPr lang="en-US" dirty="0">
-                <a:solidFill>
-                  <a:schemeClr val="tx2">
-                    <a:lumMod val="75000"/>
-                  </a:schemeClr>
-                </a:solidFill>
-                <a:hlinkClick r:id="rId2"/>
-              </a:rPr>
-              <a:t>https://www.boxofficemojo.com/</a:t>
-            </a:r>
-            <a:endParaRPr lang="en-US" dirty="0">
-              <a:solidFill>
-                <a:schemeClr val="tx2">
-                  <a:lumMod val="75000"/>
-                </a:schemeClr>
-              </a:solidFill>
-            </a:endParaRPr>
-          </a:p>
-          <a:p>
-            <a:pPr>
-              <a:buFont typeface="Wingdings" panose="05000000000000000000" pitchFamily="2" charset="2"/>
-              <a:buChar char="q"/>
-            </a:pPr>
-            <a:r>
-              <a:rPr lang="en-US" dirty="0">
-                <a:solidFill>
-                  <a:schemeClr val="tx2">
-                    <a:lumMod val="75000"/>
-                  </a:schemeClr>
-                </a:solidFill>
-                <a:hlinkClick r:id="rId3"/>
-              </a:rPr>
-              <a:t>https://www.imdb.com/</a:t>
-            </a:r>
-            <a:endParaRPr lang="en-US" dirty="0">
-              <a:solidFill>
-                <a:schemeClr val="tx2">
-                  <a:lumMod val="75000"/>
-                </a:schemeClr>
-              </a:solidFill>
-            </a:endParaRPr>
-          </a:p>
-          <a:p>
-            <a:pPr>
-              <a:buFont typeface="Wingdings" panose="05000000000000000000" pitchFamily="2" charset="2"/>
-              <a:buChar char="q"/>
-            </a:pPr>
-            <a:r>
-              <a:rPr lang="en-US" dirty="0">
-                <a:solidFill>
-                  <a:schemeClr val="tx2">
-                    <a:lumMod val="75000"/>
-                  </a:schemeClr>
-                </a:solidFill>
-                <a:hlinkClick r:id="rId4"/>
-              </a:rPr>
-              <a:t>https://www.themoviedb.org/</a:t>
-            </a:r>
-            <a:endParaRPr lang="en-US" dirty="0">
-              <a:solidFill>
-                <a:schemeClr val="tx2">
-                  <a:lumMod val="75000"/>
-                </a:schemeClr>
-              </a:solidFill>
-            </a:endParaRPr>
-          </a:p>
-          <a:p>
-            <a:r>
-              <a:rPr lang="en-US" dirty="0">
-                <a:solidFill>
-                  <a:schemeClr val="tx2">
-                    <a:lumMod val="75000"/>
-                  </a:schemeClr>
-                </a:solidFill>
-              </a:rPr>
-              <a:t>This well recognized sources of data ensured that different facets of</a:t>
-            </a:r>
-          </a:p>
-          <a:p>
-            <a:pPr marL="0" indent="0">
-              <a:buNone/>
-            </a:pPr>
-            <a:r>
-              <a:rPr lang="en-US" dirty="0">
-                <a:solidFill>
-                  <a:schemeClr val="tx2">
-                    <a:lumMod val="75000"/>
-                  </a:schemeClr>
-                </a:solidFill>
-              </a:rPr>
-              <a:t> film production were considered, hence a well-rounded analysis.</a:t>
-            </a:r>
-          </a:p>
-          <a:p>
-            <a:pPr marL="0" indent="0">
-              <a:buNone/>
-            </a:pPr>
-            <a:endParaRPr lang="en-US" dirty="0">
-              <a:solidFill>
-                <a:schemeClr val="tx2">
-                  <a:lumMod val="75000"/>
-                </a:schemeClr>
-              </a:solidFill>
-            </a:endParaRPr>
-          </a:p>
-          <a:p>
-            <a:endParaRPr lang="en-US" dirty="0">
-              <a:solidFill>
-                <a:schemeClr val="tx2">
-                  <a:lumMod val="75000"/>
-                </a:schemeClr>
-              </a:solidFill>
-            </a:endParaRPr>
+              <a:t>Data Understanding</a:t>
+            </a:r>
           </a:p>
         </p:txBody>
       </p:sp>
     </p:spTree>
     <p:extLst>
       <p:ext uri="{BB962C8B-B14F-4D97-AF65-F5344CB8AC3E}">
-        <p14:creationId xmlns:p14="http://schemas.microsoft.com/office/powerpoint/2010/main" val="1762537736"/>
+        <p14:creationId xmlns:p14="http://schemas.microsoft.com/office/powerpoint/2010/main" val="4019687101"/>
       </p:ext>
     </p:extLst>
   </p:cSld>
@@ -5436,7 +5535,7 @@
           <p:cNvPr id="2" name="Title 1">
             <a:extLst>
               <a:ext uri="{FF2B5EF4-FFF2-40B4-BE49-F238E27FC236}">
-                <a16:creationId xmlns:a16="http://schemas.microsoft.com/office/drawing/2014/main" id="{384DA0C1-7AE2-9B29-35B5-BE5D92F4E027}"/>
+                <a16:creationId xmlns:a16="http://schemas.microsoft.com/office/drawing/2014/main" id="{E9B7B792-4B1C-524A-7937-279E4F5E82B6}"/>
               </a:ext>
             </a:extLst>
           </p:cNvPr>
@@ -5460,7 +5559,7 @@
                   </a:schemeClr>
                 </a:solidFill>
               </a:rPr>
-              <a:t>Box Office Mojo Dataset</a:t>
+              <a:t>Data overview</a:t>
             </a:r>
           </a:p>
         </p:txBody>
@@ -5470,7 +5569,7 @@
           <p:cNvPr id="3" name="Content Placeholder 2">
             <a:extLst>
               <a:ext uri="{FF2B5EF4-FFF2-40B4-BE49-F238E27FC236}">
-                <a16:creationId xmlns:a16="http://schemas.microsoft.com/office/drawing/2014/main" id="{E141AED1-A07C-9C66-9656-A4AB0B29A404}"/>
+                <a16:creationId xmlns:a16="http://schemas.microsoft.com/office/drawing/2014/main" id="{7C2B7F5A-2490-5A08-25F9-613BC4EC57AA}"/>
               </a:ext>
             </a:extLst>
           </p:cNvPr>
@@ -5487,31 +5586,154 @@
           <a:lstStyle/>
           <a:p>
             <a:r>
-              <a:rPr lang="en-US" dirty="0"/>
-              <a:t>This dataset contains box office revenue data for movies.</a:t>
+              <a:rPr lang="en-US" dirty="0">
+                <a:solidFill>
+                  <a:schemeClr val="tx2">
+                    <a:lumMod val="75000"/>
+                  </a:schemeClr>
+                </a:solidFill>
+              </a:rPr>
+              <a:t>This analysis made use of 3 key datasets;</a:t>
             </a:r>
           </a:p>
           <a:p>
             <a:pPr marL="0" indent="0">
               <a:buNone/>
             </a:pPr>
-            <a:endParaRPr lang="en-US" dirty="0"/>
-          </a:p>
-          <a:p>
-            <a:r>
-              <a:rPr lang="en-US" dirty="0"/>
-              <a:t>These are movies that were  released domestically and internationally.</a:t>
-            </a:r>
-          </a:p>
-          <a:p>
-            <a:endParaRPr lang="en-US" dirty="0"/>
+            <a:endParaRPr lang="en-US" dirty="0">
+              <a:solidFill>
+                <a:schemeClr val="tx2">
+                  <a:lumMod val="75000"/>
+                </a:schemeClr>
+              </a:solidFill>
+            </a:endParaRPr>
+          </a:p>
+          <a:p>
+            <a:pPr>
+              <a:buFont typeface="Wingdings" panose="05000000000000000000" pitchFamily="2" charset="2"/>
+              <a:buChar char="q"/>
+            </a:pPr>
+            <a:r>
+              <a:rPr lang="en-US" dirty="0">
+                <a:solidFill>
+                  <a:schemeClr val="tx2">
+                    <a:lumMod val="75000"/>
+                  </a:schemeClr>
+                </a:solidFill>
+                <a:hlinkClick r:id="rId2"/>
+              </a:rPr>
+              <a:t>https://www.boxofficemojo.com/</a:t>
+            </a:r>
+            <a:endParaRPr lang="en-US" dirty="0">
+              <a:solidFill>
+                <a:schemeClr val="tx2">
+                  <a:lumMod val="75000"/>
+                </a:schemeClr>
+              </a:solidFill>
+            </a:endParaRPr>
+          </a:p>
+          <a:p>
+            <a:pPr>
+              <a:buFont typeface="Wingdings" panose="05000000000000000000" pitchFamily="2" charset="2"/>
+              <a:buChar char="q"/>
+            </a:pPr>
+            <a:r>
+              <a:rPr lang="en-US" dirty="0">
+                <a:solidFill>
+                  <a:schemeClr val="tx2">
+                    <a:lumMod val="75000"/>
+                  </a:schemeClr>
+                </a:solidFill>
+                <a:hlinkClick r:id="rId3"/>
+              </a:rPr>
+              <a:t>https://www.imdb.com/</a:t>
+            </a:r>
+            <a:endParaRPr lang="en-US" dirty="0">
+              <a:solidFill>
+                <a:schemeClr val="tx2">
+                  <a:lumMod val="75000"/>
+                </a:schemeClr>
+              </a:solidFill>
+            </a:endParaRPr>
+          </a:p>
+          <a:p>
+            <a:pPr>
+              <a:buFont typeface="Wingdings" panose="05000000000000000000" pitchFamily="2" charset="2"/>
+              <a:buChar char="q"/>
+            </a:pPr>
+            <a:r>
+              <a:rPr lang="en-US" dirty="0">
+                <a:solidFill>
+                  <a:schemeClr val="tx2">
+                    <a:lumMod val="75000"/>
+                  </a:schemeClr>
+                </a:solidFill>
+                <a:hlinkClick r:id="rId4"/>
+              </a:rPr>
+              <a:t>https://www.themoviedb.org/</a:t>
+            </a:r>
+            <a:endParaRPr lang="en-US" dirty="0">
+              <a:solidFill>
+                <a:schemeClr val="tx2">
+                  <a:lumMod val="75000"/>
+                </a:schemeClr>
+              </a:solidFill>
+            </a:endParaRPr>
+          </a:p>
+          <a:p>
+            <a:r>
+              <a:rPr lang="en-US" dirty="0">
+                <a:solidFill>
+                  <a:schemeClr val="tx2">
+                    <a:lumMod val="75000"/>
+                  </a:schemeClr>
+                </a:solidFill>
+              </a:rPr>
+              <a:t>This well recognized sources of data ensured that different facets of</a:t>
+            </a:r>
+          </a:p>
+          <a:p>
+            <a:pPr marL="0" indent="0">
+              <a:buNone/>
+            </a:pPr>
+            <a:r>
+              <a:rPr lang="en-US" dirty="0">
+                <a:solidFill>
+                  <a:schemeClr val="tx2">
+                    <a:lumMod val="75000"/>
+                  </a:schemeClr>
+                </a:solidFill>
+              </a:rPr>
+              <a:t> film production were considered, hence a well-rounded analysis.</a:t>
+            </a:r>
+          </a:p>
+          <a:p>
+            <a:pPr marL="0" indent="0">
+              <a:buNone/>
+            </a:pPr>
+            <a:endParaRPr lang="en-US" dirty="0">
+              <a:solidFill>
+                <a:schemeClr val="tx2">
+                  <a:lumMod val="75000"/>
+                </a:schemeClr>
+              </a:solidFill>
+            </a:endParaRPr>
+          </a:p>
+          <a:p>
+            <a:endParaRPr lang="en-US" dirty="0">
+              <a:solidFill>
+                <a:schemeClr val="tx2">
+                  <a:lumMod val="75000"/>
+                </a:schemeClr>
+              </a:solidFill>
+            </a:endParaRPr>
           </a:p>
         </p:txBody>
       </p:sp>
     </p:spTree>
     <p:extLst>
       <p:ext uri="{BB962C8B-B14F-4D97-AF65-F5344CB8AC3E}">
-        <p14:creationId xmlns:p14="http://schemas.microsoft.com/office/powerpoint/2010/main" val="4009262248"/>
+        <p14:creationId xmlns:p14="http://schemas.microsoft.com/office/powerpoint/2010/main" val="1762537736"/>
       </p:ext>
     </p:extLst>
   </p:cSld>
@@ -5543,7 +5765,7 @@
           <p:cNvPr id="2" name="Title 1">
             <a:extLst>
               <a:ext uri="{FF2B5EF4-FFF2-40B4-BE49-F238E27FC236}">
-                <a16:creationId xmlns:a16="http://schemas.microsoft.com/office/drawing/2014/main" id="{4040E85B-F8B4-EC0B-DD03-CC31D08FAD95}"/>
+                <a16:creationId xmlns:a16="http://schemas.microsoft.com/office/drawing/2014/main" id="{384DA0C1-7AE2-9B29-35B5-BE5D92F4E027}"/>
               </a:ext>
             </a:extLst>
           </p:cNvPr>
@@ -5567,7 +5789,7 @@
                   </a:schemeClr>
                 </a:solidFill>
               </a:rPr>
-              <a:t>IMDB dataset</a:t>
+              <a:t>Box Office Mojo Dataset</a:t>
             </a:r>
           </a:p>
         </p:txBody>
@@ -5577,7 +5799,7 @@
           <p:cNvPr id="3" name="Content Placeholder 2">
             <a:extLst>
               <a:ext uri="{FF2B5EF4-FFF2-40B4-BE49-F238E27FC236}">
-                <a16:creationId xmlns:a16="http://schemas.microsoft.com/office/drawing/2014/main" id="{CAB51DC1-78B7-A386-E8E8-EA609A4E32DB}"/>
+                <a16:creationId xmlns:a16="http://schemas.microsoft.com/office/drawing/2014/main" id="{E141AED1-A07C-9C66-9656-A4AB0B29A404}"/>
               </a:ext>
             </a:extLst>
           </p:cNvPr>
@@ -5595,7 +5817,7 @@
           <a:p>
             <a:r>
               <a:rPr lang="en-US" dirty="0"/>
-              <a:t>The IMDB data is stored in a SQLite database. </a:t>
+              <a:t>This dataset contains box office revenue data for movies.</a:t>
             </a:r>
           </a:p>
           <a:p>
@@ -5607,47 +5829,8 @@
           <a:p>
             <a:r>
               <a:rPr lang="en-US" dirty="0"/>
-              <a:t>The database contains multiple </a:t>
-            </a:r>
-            <a:r>
-              <a:rPr lang="en-US" dirty="0" err="1"/>
-              <a:t>tables;however</a:t>
-            </a:r>
-            <a:r>
-              <a:rPr lang="en-US" dirty="0"/>
-              <a:t> this analysis focuses on:</a:t>
-            </a:r>
-          </a:p>
-          <a:p>
-            <a:pPr marL="0" indent="0">
-              <a:buNone/>
-            </a:pPr>
-            <a:endParaRPr lang="en-US" dirty="0"/>
-          </a:p>
-          <a:p>
-            <a:pPr marL="514350" indent="-514350">
-              <a:buFont typeface="+mj-lt"/>
-              <a:buAutoNum type="alphaLcParenR"/>
-            </a:pPr>
-            <a:r>
-              <a:rPr lang="en-US" dirty="0" err="1"/>
-              <a:t>movie_basics</a:t>
-            </a:r>
-            <a:endParaRPr lang="en-US" dirty="0"/>
-          </a:p>
-          <a:p>
-            <a:pPr marL="0" indent="0">
-              <a:buNone/>
-            </a:pPr>
-            <a:r>
-              <a:rPr lang="en-US" dirty="0"/>
-              <a:t>b)  </a:t>
-            </a:r>
-            <a:r>
-              <a:rPr lang="en-US" dirty="0" err="1"/>
-              <a:t>movie_ratings</a:t>
-            </a:r>
-            <a:endParaRPr lang="en-US" dirty="0"/>
+              <a:t>These are movies that were  released domestically and internationally.</a:t>
+            </a:r>
           </a:p>
           <a:p>
             <a:endParaRPr lang="en-US" dirty="0"/>
@@ -5657,7 +5840,7 @@
     </p:spTree>
     <p:extLst>
       <p:ext uri="{BB962C8B-B14F-4D97-AF65-F5344CB8AC3E}">
-        <p14:creationId xmlns:p14="http://schemas.microsoft.com/office/powerpoint/2010/main" val="3264592789"/>
+        <p14:creationId xmlns:p14="http://schemas.microsoft.com/office/powerpoint/2010/main" val="4009262248"/>
       </p:ext>
     </p:extLst>
   </p:cSld>

--- a/project.pptx
+++ b/project.pptx
@@ -21,13 +21,25 @@
     <p:sldId id="277" r:id="rId15"/>
     <p:sldId id="278" r:id="rId16"/>
     <p:sldId id="279" r:id="rId17"/>
-    <p:sldId id="269" r:id="rId18"/>
-    <p:sldId id="267" r:id="rId19"/>
-    <p:sldId id="268" r:id="rId20"/>
-    <p:sldId id="270" r:id="rId21"/>
-    <p:sldId id="271" r:id="rId22"/>
-    <p:sldId id="273" r:id="rId23"/>
-    <p:sldId id="272" r:id="rId24"/>
+    <p:sldId id="280" r:id="rId18"/>
+    <p:sldId id="281" r:id="rId19"/>
+    <p:sldId id="282" r:id="rId20"/>
+    <p:sldId id="283" r:id="rId21"/>
+    <p:sldId id="284" r:id="rId22"/>
+    <p:sldId id="285" r:id="rId23"/>
+    <p:sldId id="286" r:id="rId24"/>
+    <p:sldId id="287" r:id="rId25"/>
+    <p:sldId id="288" r:id="rId26"/>
+    <p:sldId id="289" r:id="rId27"/>
+    <p:sldId id="290" r:id="rId28"/>
+    <p:sldId id="291" r:id="rId29"/>
+    <p:sldId id="269" r:id="rId30"/>
+    <p:sldId id="267" r:id="rId31"/>
+    <p:sldId id="268" r:id="rId32"/>
+    <p:sldId id="270" r:id="rId33"/>
+    <p:sldId id="271" r:id="rId34"/>
+    <p:sldId id="273" r:id="rId35"/>
+    <p:sldId id="272" r:id="rId36"/>
   </p:sldIdLst>
   <p:sldSz cx="12192000" cy="6858000"/>
   <p:notesSz cx="6858000" cy="9144000"/>
@@ -4410,7 +4422,7 @@
           <p:cNvPr id="2" name="Title 1">
             <a:extLst>
               <a:ext uri="{FF2B5EF4-FFF2-40B4-BE49-F238E27FC236}">
-                <a16:creationId xmlns:a16="http://schemas.microsoft.com/office/drawing/2014/main" id="{ED5532C6-14E9-121C-12CC-3EF372DD404B}"/>
+                <a16:creationId xmlns:a16="http://schemas.microsoft.com/office/drawing/2014/main" id="{AD53F1B3-C7F3-E578-5D5F-90D5CA232549}"/>
               </a:ext>
             </a:extLst>
           </p:cNvPr>
@@ -4423,8 +4435,8 @@
         </p:nvSpPr>
         <p:spPr>
           <a:xfrm>
-            <a:off x="838200" y="283029"/>
-            <a:ext cx="10515600" cy="4985657"/>
+            <a:off x="1025486" y="2612566"/>
+            <a:ext cx="10515600" cy="1325563"/>
           </a:xfrm>
         </p:spPr>
         <p:txBody>
@@ -4439,17 +4451,7 @@
                   </a:schemeClr>
                 </a:solidFill>
               </a:rPr>
-              <a:t>                      </a:t>
-            </a:r>
-            <a:r>
-              <a:rPr lang="en-US" sz="4800" dirty="0">
-                <a:solidFill>
-                  <a:schemeClr val="accent4">
-                    <a:lumMod val="75000"/>
-                  </a:schemeClr>
-                </a:solidFill>
-              </a:rPr>
-              <a:t>RECOMMENDATIONS</a:t>
+              <a:t>                    VISUALIZATIONS</a:t>
             </a:r>
           </a:p>
         </p:txBody>
@@ -4457,7 +4459,7 @@
     </p:spTree>
     <p:extLst>
       <p:ext uri="{BB962C8B-B14F-4D97-AF65-F5344CB8AC3E}">
-        <p14:creationId xmlns:p14="http://schemas.microsoft.com/office/powerpoint/2010/main" val="2526137038"/>
+        <p14:creationId xmlns:p14="http://schemas.microsoft.com/office/powerpoint/2010/main" val="2202033602"/>
       </p:ext>
     </p:extLst>
   </p:cSld>
@@ -4486,18 +4488,18 @@
       </p:grpSpPr>
       <p:sp>
         <p:nvSpPr>
-          <p:cNvPr id="2" name="Title 1">
-            <a:extLst>
-              <a:ext uri="{FF2B5EF4-FFF2-40B4-BE49-F238E27FC236}">
-                <a16:creationId xmlns:a16="http://schemas.microsoft.com/office/drawing/2014/main" id="{EC012F02-B76B-411A-41A3-CFB779B747C3}"/>
-              </a:ext>
-            </a:extLst>
-          </p:cNvPr>
-          <p:cNvSpPr>
-            <a:spLocks noGrp="1"/>
-          </p:cNvSpPr>
-          <p:nvPr>
-            <p:ph type="title"/>
+          <p:cNvPr id="3" name="Content Placeholder 2">
+            <a:extLst>
+              <a:ext uri="{FF2B5EF4-FFF2-40B4-BE49-F238E27FC236}">
+                <a16:creationId xmlns:a16="http://schemas.microsoft.com/office/drawing/2014/main" id="{B4255186-29B0-ABAF-44B1-ADB4268DE38D}"/>
+              </a:ext>
+            </a:extLst>
+          </p:cNvPr>
+          <p:cNvSpPr>
+            <a:spLocks noGrp="1"/>
+          </p:cNvSpPr>
+          <p:nvPr>
+            <p:ph idx="1"/>
           </p:nvPr>
         </p:nvSpPr>
         <p:spPr/>
@@ -4505,57 +4507,6 @@
           <a:bodyPr/>
           <a:lstStyle/>
           <a:p>
-            <a:pPr marL="571500" indent="-571500">
-              <a:buFont typeface="Wingdings" panose="05000000000000000000" pitchFamily="2" charset="2"/>
-              <a:buChar char="q"/>
-            </a:pPr>
-            <a:r>
-              <a:rPr lang="en-US" dirty="0">
-                <a:solidFill>
-                  <a:schemeClr val="accent5">
-                    <a:lumMod val="75000"/>
-                  </a:schemeClr>
-                </a:solidFill>
-              </a:rPr>
-              <a:t>Prioritize High Grossing Genres</a:t>
-            </a:r>
-            <a:br>
-              <a:rPr lang="en-US" dirty="0"/>
-            </a:br>
-            <a:endParaRPr lang="en-US" dirty="0">
-              <a:solidFill>
-                <a:schemeClr val="accent4">
-                  <a:lumMod val="75000"/>
-                </a:schemeClr>
-              </a:solidFill>
-            </a:endParaRPr>
-          </a:p>
-        </p:txBody>
-      </p:sp>
-      <p:sp>
-        <p:nvSpPr>
-          <p:cNvPr id="3" name="Content Placeholder 2">
-            <a:extLst>
-              <a:ext uri="{FF2B5EF4-FFF2-40B4-BE49-F238E27FC236}">
-                <a16:creationId xmlns:a16="http://schemas.microsoft.com/office/drawing/2014/main" id="{63856592-4799-1B75-8AF4-01901E072B21}"/>
-              </a:ext>
-            </a:extLst>
-          </p:cNvPr>
-          <p:cNvSpPr>
-            <a:spLocks noGrp="1"/>
-          </p:cNvSpPr>
-          <p:nvPr>
-            <p:ph idx="1"/>
-          </p:nvPr>
-        </p:nvSpPr>
-        <p:spPr/>
-        <p:txBody>
-          <a:bodyPr/>
-          <a:lstStyle/>
-          <a:p>
-            <a:pPr marL="0" indent="0">
-              <a:buNone/>
-            </a:pPr>
             <a:r>
               <a:rPr lang="en-US" dirty="0">
                 <a:solidFill>
@@ -4564,12 +4515,13 @@
                   </a:schemeClr>
                 </a:solidFill>
               </a:rPr>
-              <a:t>The studio should prioritize producing films in these genres, particularly</a:t>
-            </a:r>
-          </a:p>
-          <a:p>
-            <a:pPr marL="0" indent="0">
-              <a:buNone/>
+              <a:t>The visualizations are classified into 2 :</a:t>
+            </a:r>
+          </a:p>
+          <a:p>
+            <a:pPr>
+              <a:buFont typeface="Wingdings" panose="05000000000000000000" pitchFamily="2" charset="2"/>
+              <a:buChar char="v"/>
             </a:pPr>
             <a:endParaRPr lang="en-US" dirty="0">
               <a:solidFill>
@@ -4580,8 +4532,9 @@
             </a:endParaRPr>
           </a:p>
           <a:p>
-            <a:pPr marL="0" indent="0">
-              <a:buNone/>
+            <a:pPr>
+              <a:buFont typeface="Wingdings" panose="05000000000000000000" pitchFamily="2" charset="2"/>
+              <a:buChar char="v"/>
             </a:pPr>
             <a:r>
               <a:rPr lang="en-US" dirty="0">
@@ -4591,12 +4544,13 @@
                   </a:schemeClr>
                 </a:solidFill>
               </a:rPr>
-              <a:t> for early releases, to maximize return on investment and attract </a:t>
-            </a:r>
-          </a:p>
-          <a:p>
-            <a:pPr marL="0" indent="0">
-              <a:buNone/>
+              <a:t>Financial performance</a:t>
+            </a:r>
+          </a:p>
+          <a:p>
+            <a:pPr>
+              <a:buFont typeface="Wingdings" panose="05000000000000000000" pitchFamily="2" charset="2"/>
+              <a:buChar char="v"/>
             </a:pPr>
             <a:endParaRPr lang="en-US" dirty="0">
               <a:solidFill>
@@ -4607,8 +4561,9 @@
             </a:endParaRPr>
           </a:p>
           <a:p>
-            <a:pPr marL="0" indent="0">
-              <a:buNone/>
+            <a:pPr>
+              <a:buFont typeface="Wingdings" panose="05000000000000000000" pitchFamily="2" charset="2"/>
+              <a:buChar char="v"/>
             </a:pPr>
             <a:r>
               <a:rPr lang="en-US" dirty="0">
@@ -4618,33 +4573,15 @@
                   </a:schemeClr>
                 </a:solidFill>
               </a:rPr>
-              <a:t> audiences.</a:t>
-            </a:r>
-          </a:p>
-          <a:p>
-            <a:pPr marL="0" indent="0">
-              <a:buNone/>
-            </a:pPr>
-            <a:endParaRPr lang="en-US" sz="2400" dirty="0">
-              <a:solidFill>
-                <a:schemeClr val="accent5">
-                  <a:lumMod val="75000"/>
-                </a:schemeClr>
-              </a:solidFill>
-            </a:endParaRPr>
-          </a:p>
-          <a:p>
-            <a:pPr marL="0" indent="0">
-              <a:buNone/>
-            </a:pPr>
-            <a:endParaRPr lang="en-US" dirty="0"/>
+              <a:t>Market demand</a:t>
+            </a:r>
           </a:p>
         </p:txBody>
       </p:sp>
     </p:spTree>
     <p:extLst>
       <p:ext uri="{BB962C8B-B14F-4D97-AF65-F5344CB8AC3E}">
-        <p14:creationId xmlns:p14="http://schemas.microsoft.com/office/powerpoint/2010/main" val="2724402833"/>
+        <p14:creationId xmlns:p14="http://schemas.microsoft.com/office/powerpoint/2010/main" val="4243491307"/>
       </p:ext>
     </p:extLst>
   </p:cSld>
@@ -4676,7 +4613,7 @@
           <p:cNvPr id="2" name="Title 1">
             <a:extLst>
               <a:ext uri="{FF2B5EF4-FFF2-40B4-BE49-F238E27FC236}">
-                <a16:creationId xmlns:a16="http://schemas.microsoft.com/office/drawing/2014/main" id="{840B5D72-2416-B45F-B948-05A034179A71}"/>
+                <a16:creationId xmlns:a16="http://schemas.microsoft.com/office/drawing/2014/main" id="{69352E68-A570-1030-3799-416419CD811D}"/>
               </a:ext>
             </a:extLst>
           </p:cNvPr>
@@ -4687,24 +4624,47 @@
             <p:ph type="title"/>
           </p:nvPr>
         </p:nvSpPr>
-        <p:spPr/>
-        <p:txBody>
-          <a:bodyPr/>
-          <a:lstStyle/>
-          <a:p>
-            <a:pPr marL="571500" indent="-571500">
-              <a:buFont typeface="Wingdings" panose="05000000000000000000" pitchFamily="2" charset="2"/>
-              <a:buChar char="q"/>
-            </a:pPr>
+        <p:spPr>
+          <a:xfrm>
+            <a:off x="889612" y="166822"/>
+            <a:ext cx="10515600" cy="1325563"/>
+          </a:xfrm>
+        </p:spPr>
+        <p:txBody>
+          <a:bodyPr>
+            <a:normAutofit fontScale="90000"/>
+          </a:bodyPr>
+          <a:lstStyle/>
+          <a:p>
             <a:r>
               <a:rPr lang="en-US" dirty="0">
                 <a:solidFill>
-                  <a:schemeClr val="accent5">
+                  <a:schemeClr val="accent1">
+                    <a:lumMod val="60000"/>
+                    <a:lumOff val="40000"/>
+                  </a:schemeClr>
+                </a:solidFill>
+              </a:rPr>
+              <a:t>Financial performance</a:t>
+            </a:r>
+            <a:br>
+              <a:rPr lang="en-US" dirty="0">
+                <a:solidFill>
+                  <a:schemeClr val="accent4">
                     <a:lumMod val="75000"/>
                   </a:schemeClr>
                 </a:solidFill>
               </a:rPr>
-              <a:t>Invest in quality to drive revenue</a:t>
+            </a:br>
+            <a:r>
+              <a:rPr lang="en-US" dirty="0">
+                <a:solidFill>
+                  <a:schemeClr val="accent4">
+                    <a:lumMod val="75000"/>
+                  </a:schemeClr>
+                </a:solidFill>
+              </a:rPr>
+              <a:t>Ratings Against Gross</a:t>
             </a:r>
             <a:br>
               <a:rPr lang="en-US" dirty="0"/>
@@ -4713,101 +4673,59 @@
           </a:p>
         </p:txBody>
       </p:sp>
-      <p:sp>
-        <p:nvSpPr>
-          <p:cNvPr id="3" name="Content Placeholder 2">
-            <a:extLst>
-              <a:ext uri="{FF2B5EF4-FFF2-40B4-BE49-F238E27FC236}">
-                <a16:creationId xmlns:a16="http://schemas.microsoft.com/office/drawing/2014/main" id="{B2C93337-DB3A-8B05-5847-1984B6E26372}"/>
-              </a:ext>
-            </a:extLst>
-          </p:cNvPr>
-          <p:cNvSpPr>
-            <a:spLocks noGrp="1"/>
-          </p:cNvSpPr>
+      <p:pic>
+        <p:nvPicPr>
+          <p:cNvPr id="1026" name="Picture 2">
+            <a:extLst>
+              <a:ext uri="{FF2B5EF4-FFF2-40B4-BE49-F238E27FC236}">
+                <a16:creationId xmlns:a16="http://schemas.microsoft.com/office/drawing/2014/main" id="{33BDD81D-ED18-56AE-A1C8-B46F9FFDD07D}"/>
+              </a:ext>
+            </a:extLst>
+          </p:cNvPr>
+          <p:cNvPicPr>
+            <a:picLocks noGrp="1" noChangeAspect="1" noChangeArrowheads="1"/>
+          </p:cNvPicPr>
           <p:nvPr>
             <p:ph idx="1"/>
           </p:nvPr>
-        </p:nvSpPr>
-        <p:spPr/>
-        <p:txBody>
-          <a:bodyPr/>
-          <a:lstStyle/>
-          <a:p>
-            <a:pPr marL="0" indent="0">
-              <a:buNone/>
-            </a:pPr>
-            <a:r>
-              <a:rPr lang="en-US" dirty="0">
-                <a:solidFill>
-                  <a:schemeClr val="tx2">
-                    <a:lumMod val="75000"/>
-                  </a:schemeClr>
-                </a:solidFill>
-              </a:rPr>
-              <a:t>Allocate budget toward strong scripts, experienced directors, and</a:t>
-            </a:r>
-          </a:p>
-          <a:p>
-            <a:pPr marL="0" indent="0">
-              <a:buNone/>
-            </a:pPr>
-            <a:endParaRPr lang="en-US" dirty="0">
-              <a:solidFill>
-                <a:schemeClr val="tx2">
-                  <a:lumMod val="75000"/>
-                </a:schemeClr>
-              </a:solidFill>
-            </a:endParaRPr>
-          </a:p>
-          <a:p>
-            <a:pPr marL="0" indent="0">
-              <a:buNone/>
-            </a:pPr>
-            <a:r>
-              <a:rPr lang="en-US" dirty="0">
-                <a:solidFill>
-                  <a:schemeClr val="tx2">
-                    <a:lumMod val="75000"/>
-                  </a:schemeClr>
-                </a:solidFill>
-              </a:rPr>
-              <a:t> higher production quality to improve audience satisfaction rather than</a:t>
-            </a:r>
-          </a:p>
-          <a:p>
-            <a:pPr marL="0" indent="0">
-              <a:buNone/>
-            </a:pPr>
-            <a:endParaRPr lang="en-US" dirty="0">
-              <a:solidFill>
-                <a:schemeClr val="tx2">
-                  <a:lumMod val="75000"/>
-                </a:schemeClr>
-              </a:solidFill>
-            </a:endParaRPr>
-          </a:p>
-          <a:p>
-            <a:pPr marL="0" indent="0">
-              <a:buNone/>
-            </a:pPr>
-            <a:r>
-              <a:rPr lang="en-US" dirty="0">
-                <a:solidFill>
-                  <a:schemeClr val="tx2">
-                    <a:lumMod val="75000"/>
-                  </a:schemeClr>
-                </a:solidFill>
-              </a:rPr>
-              <a:t> focusing solely on quantity of releases.</a:t>
-            </a:r>
-          </a:p>
-        </p:txBody>
-      </p:sp>
+        </p:nvPicPr>
+        <p:blipFill>
+          <a:blip r:embed="rId2">
+            <a:extLst>
+              <a:ext uri="{28A0092B-C50C-407E-A947-70E740481C1C}">
+                <a14:useLocalDpi xmlns:a14="http://schemas.microsoft.com/office/drawing/2010/main" val="0"/>
+              </a:ext>
+            </a:extLst>
+          </a:blip>
+          <a:srcRect/>
+          <a:stretch>
+            <a:fillRect/>
+          </a:stretch>
+        </p:blipFill>
+        <p:spPr bwMode="auto">
+          <a:xfrm>
+            <a:off x="2544896" y="1151643"/>
+            <a:ext cx="7205032" cy="5341232"/>
+          </a:xfrm>
+          <a:prstGeom prst="rect">
+            <a:avLst/>
+          </a:prstGeom>
+          <a:noFill/>
+          <a:extLst>
+            <a:ext uri="{909E8E84-426E-40DD-AFC4-6F175D3DCCD1}">
+              <a14:hiddenFill xmlns:a14="http://schemas.microsoft.com/office/drawing/2010/main">
+                <a:solidFill>
+                  <a:srgbClr val="FFFFFF"/>
+                </a:solidFill>
+              </a14:hiddenFill>
+            </a:ext>
+          </a:extLst>
+        </p:spPr>
+      </p:pic>
     </p:spTree>
     <p:extLst>
       <p:ext uri="{BB962C8B-B14F-4D97-AF65-F5344CB8AC3E}">
-        <p14:creationId xmlns:p14="http://schemas.microsoft.com/office/powerpoint/2010/main" val="3286068616"/>
+        <p14:creationId xmlns:p14="http://schemas.microsoft.com/office/powerpoint/2010/main" val="3117705315"/>
       </p:ext>
     </p:extLst>
   </p:cSld>
@@ -4910,7 +4828,7 @@
           <p:cNvPr id="2" name="Title 1">
             <a:extLst>
               <a:ext uri="{FF2B5EF4-FFF2-40B4-BE49-F238E27FC236}">
-                <a16:creationId xmlns:a16="http://schemas.microsoft.com/office/drawing/2014/main" id="{AB02EB96-F72C-9C20-89D7-9F66B8907C05}"/>
+                <a16:creationId xmlns:a16="http://schemas.microsoft.com/office/drawing/2014/main" id="{2A475C49-C1C2-9E36-D560-9DE82BF40407}"/>
               </a:ext>
             </a:extLst>
           </p:cNvPr>
@@ -4926,19 +4844,15 @@
           <a:bodyPr/>
           <a:lstStyle/>
           <a:p>
-            <a:pPr marL="571500" indent="-571500">
-              <a:buFont typeface="Wingdings" panose="05000000000000000000" pitchFamily="2" charset="2"/>
-              <a:buChar char="q"/>
-            </a:pPr>
             <a:r>
               <a:rPr lang="en-US" dirty="0">
                 <a:solidFill>
-                  <a:schemeClr val="accent5">
+                  <a:schemeClr val="accent4">
                     <a:lumMod val="75000"/>
                   </a:schemeClr>
                 </a:solidFill>
               </a:rPr>
-              <a:t> Target Optimal Movie Runtime</a:t>
+              <a:t>Genre against gross</a:t>
             </a:r>
             <a:br>
               <a:rPr lang="en-US" dirty="0"/>
@@ -4947,74 +4861,59 @@
           </a:p>
         </p:txBody>
       </p:sp>
-      <p:sp>
-        <p:nvSpPr>
-          <p:cNvPr id="3" name="Content Placeholder 2">
-            <a:extLst>
-              <a:ext uri="{FF2B5EF4-FFF2-40B4-BE49-F238E27FC236}">
-                <a16:creationId xmlns:a16="http://schemas.microsoft.com/office/drawing/2014/main" id="{5909B97E-EB9F-7D6F-6A36-C9F46B8839EC}"/>
-              </a:ext>
-            </a:extLst>
-          </p:cNvPr>
-          <p:cNvSpPr>
-            <a:spLocks noGrp="1"/>
-          </p:cNvSpPr>
+      <p:pic>
+        <p:nvPicPr>
+          <p:cNvPr id="2050" name="Picture 2">
+            <a:extLst>
+              <a:ext uri="{FF2B5EF4-FFF2-40B4-BE49-F238E27FC236}">
+                <a16:creationId xmlns:a16="http://schemas.microsoft.com/office/drawing/2014/main" id="{1906EAAA-FB19-2204-0A50-D9AC5D907DAD}"/>
+              </a:ext>
+            </a:extLst>
+          </p:cNvPr>
+          <p:cNvPicPr>
+            <a:picLocks noGrp="1" noChangeAspect="1" noChangeArrowheads="1"/>
+          </p:cNvPicPr>
           <p:nvPr>
             <p:ph idx="1"/>
           </p:nvPr>
-        </p:nvSpPr>
-        <p:spPr/>
-        <p:txBody>
-          <a:bodyPr/>
-          <a:lstStyle/>
-          <a:p>
-            <a:pPr marL="0" indent="0">
-              <a:buNone/>
-            </a:pPr>
-            <a:r>
-              <a:rPr lang="en-US" dirty="0">
-                <a:solidFill>
-                  <a:schemeClr val="tx2">
-                    <a:lumMod val="75000"/>
-                  </a:schemeClr>
-                </a:solidFill>
-              </a:rPr>
-              <a:t>The studio should aim to keep most productions over the 120 minute</a:t>
-            </a:r>
-          </a:p>
-          <a:p>
-            <a:pPr marL="0" indent="0">
-              <a:buNone/>
-            </a:pPr>
-            <a:endParaRPr lang="en-US" dirty="0">
-              <a:solidFill>
-                <a:schemeClr val="tx2">
-                  <a:lumMod val="75000"/>
-                </a:schemeClr>
-              </a:solidFill>
-            </a:endParaRPr>
-          </a:p>
-          <a:p>
-            <a:pPr marL="0" indent="0">
-              <a:buNone/>
-            </a:pPr>
-            <a:r>
-              <a:rPr lang="en-US" dirty="0">
-                <a:solidFill>
-                  <a:schemeClr val="tx2">
-                    <a:lumMod val="75000"/>
-                  </a:schemeClr>
-                </a:solidFill>
-              </a:rPr>
-              <a:t> range to balance storytelling, viewer attention, and production costs.</a:t>
-            </a:r>
-          </a:p>
-        </p:txBody>
-      </p:sp>
+        </p:nvPicPr>
+        <p:blipFill>
+          <a:blip r:embed="rId2">
+            <a:extLst>
+              <a:ext uri="{28A0092B-C50C-407E-A947-70E740481C1C}">
+                <a14:useLocalDpi xmlns:a14="http://schemas.microsoft.com/office/drawing/2010/main" val="0"/>
+              </a:ext>
+            </a:extLst>
+          </a:blip>
+          <a:srcRect/>
+          <a:stretch>
+            <a:fillRect/>
+          </a:stretch>
+        </p:blipFill>
+        <p:spPr bwMode="auto">
+          <a:xfrm>
+            <a:off x="2005582" y="1377108"/>
+            <a:ext cx="9024080" cy="4799855"/>
+          </a:xfrm>
+          <a:prstGeom prst="rect">
+            <a:avLst/>
+          </a:prstGeom>
+          <a:noFill/>
+          <a:extLst>
+            <a:ext uri="{909E8E84-426E-40DD-AFC4-6F175D3DCCD1}">
+              <a14:hiddenFill xmlns:a14="http://schemas.microsoft.com/office/drawing/2010/main">
+                <a:solidFill>
+                  <a:srgbClr val="FFFFFF"/>
+                </a:solidFill>
+              </a14:hiddenFill>
+            </a:ext>
+          </a:extLst>
+        </p:spPr>
+      </p:pic>
     </p:spTree>
     <p:extLst>
       <p:ext uri="{BB962C8B-B14F-4D97-AF65-F5344CB8AC3E}">
-        <p14:creationId xmlns:p14="http://schemas.microsoft.com/office/powerpoint/2010/main" val="1728616449"/>
+        <p14:creationId xmlns:p14="http://schemas.microsoft.com/office/powerpoint/2010/main" val="2764557826"/>
       </p:ext>
     </p:extLst>
   </p:cSld>
@@ -5046,7 +4945,7 @@
           <p:cNvPr id="2" name="Title 1">
             <a:extLst>
               <a:ext uri="{FF2B5EF4-FFF2-40B4-BE49-F238E27FC236}">
-                <a16:creationId xmlns:a16="http://schemas.microsoft.com/office/drawing/2014/main" id="{5FBF754A-ED9F-D10D-CEEA-B0D595B8D739}"/>
+                <a16:creationId xmlns:a16="http://schemas.microsoft.com/office/drawing/2014/main" id="{53382040-9276-357B-F06B-7D818EBF9A23}"/>
               </a:ext>
             </a:extLst>
           </p:cNvPr>
@@ -5062,19 +4961,15 @@
           <a:bodyPr/>
           <a:lstStyle/>
           <a:p>
-            <a:pPr marL="571500" indent="-571500">
-              <a:buFont typeface="Wingdings" panose="05000000000000000000" pitchFamily="2" charset="2"/>
-              <a:buChar char="q"/>
-            </a:pPr>
             <a:r>
               <a:rPr lang="en-US" dirty="0">
                 <a:solidFill>
-                  <a:schemeClr val="accent5">
+                  <a:schemeClr val="accent4">
                     <a:lumMod val="75000"/>
                   </a:schemeClr>
                 </a:solidFill>
               </a:rPr>
-              <a:t>Learning From Top Studios</a:t>
+              <a:t>Runtime against Gross</a:t>
             </a:r>
             <a:br>
               <a:rPr lang="en-US" dirty="0"/>
@@ -5083,98 +4978,59 @@
           </a:p>
         </p:txBody>
       </p:sp>
-      <p:sp>
-        <p:nvSpPr>
-          <p:cNvPr id="3" name="Content Placeholder 2">
-            <a:extLst>
-              <a:ext uri="{FF2B5EF4-FFF2-40B4-BE49-F238E27FC236}">
-                <a16:creationId xmlns:a16="http://schemas.microsoft.com/office/drawing/2014/main" id="{AEA9A0E9-8B33-9757-4622-3876C9F66E20}"/>
-              </a:ext>
-            </a:extLst>
-          </p:cNvPr>
-          <p:cNvSpPr>
-            <a:spLocks noGrp="1"/>
-          </p:cNvSpPr>
+      <p:pic>
+        <p:nvPicPr>
+          <p:cNvPr id="3074" name="Picture 2">
+            <a:extLst>
+              <a:ext uri="{FF2B5EF4-FFF2-40B4-BE49-F238E27FC236}">
+                <a16:creationId xmlns:a16="http://schemas.microsoft.com/office/drawing/2014/main" id="{49E8B760-68B7-348B-EF1D-ADE028525787}"/>
+              </a:ext>
+            </a:extLst>
+          </p:cNvPr>
+          <p:cNvPicPr>
+            <a:picLocks noGrp="1" noChangeAspect="1" noChangeArrowheads="1"/>
+          </p:cNvPicPr>
           <p:nvPr>
             <p:ph idx="1"/>
           </p:nvPr>
-        </p:nvSpPr>
-        <p:spPr/>
-        <p:txBody>
-          <a:bodyPr/>
-          <a:lstStyle/>
-          <a:p>
-            <a:pPr marL="0" indent="0">
-              <a:buNone/>
-            </a:pPr>
-            <a:r>
-              <a:rPr lang="en-US" dirty="0">
-                <a:solidFill>
-                  <a:schemeClr val="tx2">
-                    <a:lumMod val="75000"/>
-                  </a:schemeClr>
-                </a:solidFill>
-              </a:rPr>
-              <a:t>The studio should study their genre focus, franchise development,</a:t>
-            </a:r>
-          </a:p>
-          <a:p>
-            <a:endParaRPr lang="en-US" dirty="0">
-              <a:solidFill>
-                <a:schemeClr val="tx2">
-                  <a:lumMod val="75000"/>
-                </a:schemeClr>
-              </a:solidFill>
-            </a:endParaRPr>
-          </a:p>
-          <a:p>
-            <a:pPr marL="0" indent="0">
-              <a:buNone/>
-            </a:pPr>
-            <a:r>
-              <a:rPr lang="en-US" dirty="0">
-                <a:solidFill>
-                  <a:schemeClr val="tx2">
-                    <a:lumMod val="75000"/>
-                  </a:schemeClr>
-                </a:solidFill>
-              </a:rPr>
-              <a:t> marketing tactics and consider even partnerships or niche</a:t>
-            </a:r>
-          </a:p>
-          <a:p>
-            <a:pPr marL="0" indent="0">
-              <a:buNone/>
-            </a:pPr>
-            <a:endParaRPr lang="en-US" dirty="0">
-              <a:solidFill>
-                <a:schemeClr val="tx2">
-                  <a:lumMod val="75000"/>
-                </a:schemeClr>
-              </a:solidFill>
-            </a:endParaRPr>
-          </a:p>
-          <a:p>
-            <a:pPr marL="0" indent="0">
-              <a:buNone/>
-            </a:pPr>
-            <a:r>
-              <a:rPr lang="en-US" dirty="0">
-                <a:solidFill>
-                  <a:schemeClr val="tx2">
-                    <a:lumMod val="75000"/>
-                  </a:schemeClr>
-                </a:solidFill>
-              </a:rPr>
-              <a:t> differentiation.</a:t>
-            </a:r>
-          </a:p>
-        </p:txBody>
-      </p:sp>
+        </p:nvPicPr>
+        <p:blipFill>
+          <a:blip r:embed="rId2">
+            <a:extLst>
+              <a:ext uri="{28A0092B-C50C-407E-A947-70E740481C1C}">
+                <a14:useLocalDpi xmlns:a14="http://schemas.microsoft.com/office/drawing/2010/main" val="0"/>
+              </a:ext>
+            </a:extLst>
+          </a:blip>
+          <a:srcRect/>
+          <a:stretch>
+            <a:fillRect/>
+          </a:stretch>
+        </p:blipFill>
+        <p:spPr bwMode="auto">
+          <a:xfrm>
+            <a:off x="2500829" y="1386163"/>
+            <a:ext cx="6192579" cy="5231474"/>
+          </a:xfrm>
+          <a:prstGeom prst="rect">
+            <a:avLst/>
+          </a:prstGeom>
+          <a:noFill/>
+          <a:extLst>
+            <a:ext uri="{909E8E84-426E-40DD-AFC4-6F175D3DCCD1}">
+              <a14:hiddenFill xmlns:a14="http://schemas.microsoft.com/office/drawing/2010/main">
+                <a:solidFill>
+                  <a:srgbClr val="FFFFFF"/>
+                </a:solidFill>
+              </a14:hiddenFill>
+            </a:ext>
+          </a:extLst>
+        </p:spPr>
+      </p:pic>
     </p:spTree>
     <p:extLst>
       <p:ext uri="{BB962C8B-B14F-4D97-AF65-F5344CB8AC3E}">
-        <p14:creationId xmlns:p14="http://schemas.microsoft.com/office/powerpoint/2010/main" val="3162715454"/>
+        <p14:creationId xmlns:p14="http://schemas.microsoft.com/office/powerpoint/2010/main" val="581383372"/>
       </p:ext>
     </p:extLst>
   </p:cSld>
@@ -5206,7 +5062,7 @@
           <p:cNvPr id="2" name="Title 1">
             <a:extLst>
               <a:ext uri="{FF2B5EF4-FFF2-40B4-BE49-F238E27FC236}">
-                <a16:creationId xmlns:a16="http://schemas.microsoft.com/office/drawing/2014/main" id="{37C99CE9-3446-EFCC-8AC3-AF877D9BC411}"/>
+                <a16:creationId xmlns:a16="http://schemas.microsoft.com/office/drawing/2014/main" id="{4DCD8B63-95DB-7B27-094C-C7F2F0F0D5DD}"/>
               </a:ext>
             </a:extLst>
           </p:cNvPr>
@@ -5219,24 +5075,18 @@
         </p:nvSpPr>
         <p:spPr/>
         <p:txBody>
-          <a:bodyPr>
-            <a:normAutofit fontScale="90000"/>
-          </a:bodyPr>
-          <a:lstStyle/>
-          <a:p>
-            <a:pPr marL="571500" indent="-571500">
-              <a:buFont typeface="Wingdings" panose="05000000000000000000" pitchFamily="2" charset="2"/>
-              <a:buChar char="q"/>
-            </a:pPr>
+          <a:bodyPr/>
+          <a:lstStyle/>
+          <a:p>
             <a:r>
               <a:rPr lang="en-US" dirty="0">
                 <a:solidFill>
-                  <a:schemeClr val="accent5">
+                  <a:schemeClr val="accent4">
                     <a:lumMod val="75000"/>
                   </a:schemeClr>
                 </a:solidFill>
               </a:rPr>
-              <a:t>Use Popularity Driven Data To Guide Greenlighting</a:t>
+              <a:t>Studio against Gross</a:t>
             </a:r>
             <a:br>
               <a:rPr lang="en-US" dirty="0"/>
@@ -5245,101 +5095,59 @@
           </a:p>
         </p:txBody>
       </p:sp>
-      <p:sp>
-        <p:nvSpPr>
-          <p:cNvPr id="3" name="Content Placeholder 2">
-            <a:extLst>
-              <a:ext uri="{FF2B5EF4-FFF2-40B4-BE49-F238E27FC236}">
-                <a16:creationId xmlns:a16="http://schemas.microsoft.com/office/drawing/2014/main" id="{D927CA4F-1D4F-7C07-E1E5-6D2F83E2F487}"/>
-              </a:ext>
-            </a:extLst>
-          </p:cNvPr>
-          <p:cNvSpPr>
-            <a:spLocks noGrp="1"/>
-          </p:cNvSpPr>
+      <p:pic>
+        <p:nvPicPr>
+          <p:cNvPr id="4098" name="Picture 2">
+            <a:extLst>
+              <a:ext uri="{FF2B5EF4-FFF2-40B4-BE49-F238E27FC236}">
+                <a16:creationId xmlns:a16="http://schemas.microsoft.com/office/drawing/2014/main" id="{B1952842-0FE6-54CE-D070-303E921CF2A8}"/>
+              </a:ext>
+            </a:extLst>
+          </p:cNvPr>
+          <p:cNvPicPr>
+            <a:picLocks noGrp="1" noChangeAspect="1" noChangeArrowheads="1"/>
+          </p:cNvPicPr>
           <p:nvPr>
             <p:ph idx="1"/>
           </p:nvPr>
-        </p:nvSpPr>
-        <p:spPr/>
-        <p:txBody>
-          <a:bodyPr/>
-          <a:lstStyle/>
-          <a:p>
-            <a:pPr marL="0" indent="0">
-              <a:buNone/>
-            </a:pPr>
-            <a:r>
-              <a:rPr lang="en-US" dirty="0">
-                <a:solidFill>
-                  <a:schemeClr val="tx2">
-                    <a:lumMod val="75000"/>
-                  </a:schemeClr>
-                </a:solidFill>
-              </a:rPr>
-              <a:t>The studio should incorporate pre-release popularity signals (social</a:t>
-            </a:r>
-          </a:p>
-          <a:p>
-            <a:pPr marL="0" indent="0">
-              <a:buNone/>
-            </a:pPr>
-            <a:endParaRPr lang="en-US" dirty="0">
-              <a:solidFill>
-                <a:schemeClr val="tx2">
-                  <a:lumMod val="75000"/>
-                </a:schemeClr>
-              </a:solidFill>
-            </a:endParaRPr>
-          </a:p>
-          <a:p>
-            <a:pPr marL="0" indent="0">
-              <a:buNone/>
-            </a:pPr>
-            <a:r>
-              <a:rPr lang="en-US" dirty="0">
-                <a:solidFill>
-                  <a:schemeClr val="tx2">
-                    <a:lumMod val="75000"/>
-                  </a:schemeClr>
-                </a:solidFill>
-              </a:rPr>
-              <a:t> buzz, early screenings, trailers, online engagement) into decision</a:t>
-            </a:r>
-          </a:p>
-          <a:p>
-            <a:pPr marL="0" indent="0">
-              <a:buNone/>
-            </a:pPr>
-            <a:endParaRPr lang="en-US" dirty="0">
-              <a:solidFill>
-                <a:schemeClr val="tx2">
-                  <a:lumMod val="75000"/>
-                </a:schemeClr>
-              </a:solidFill>
-            </a:endParaRPr>
-          </a:p>
-          <a:p>
-            <a:pPr marL="0" indent="0">
-              <a:buNone/>
-            </a:pPr>
-            <a:r>
-              <a:rPr lang="en-US" dirty="0">
-                <a:solidFill>
-                  <a:schemeClr val="tx2">
-                    <a:lumMod val="75000"/>
-                  </a:schemeClr>
-                </a:solidFill>
-              </a:rPr>
-              <a:t>-making when selecting projects.</a:t>
-            </a:r>
-          </a:p>
-        </p:txBody>
-      </p:sp>
+        </p:nvPicPr>
+        <p:blipFill>
+          <a:blip r:embed="rId2">
+            <a:extLst>
+              <a:ext uri="{28A0092B-C50C-407E-A947-70E740481C1C}">
+                <a14:useLocalDpi xmlns:a14="http://schemas.microsoft.com/office/drawing/2010/main" val="0"/>
+              </a:ext>
+            </a:extLst>
+          </a:blip>
+          <a:srcRect/>
+          <a:stretch>
+            <a:fillRect/>
+          </a:stretch>
+        </p:blipFill>
+        <p:spPr bwMode="auto">
+          <a:xfrm>
+            <a:off x="1509311" y="1287194"/>
+            <a:ext cx="8263458" cy="4889769"/>
+          </a:xfrm>
+          <a:prstGeom prst="rect">
+            <a:avLst/>
+          </a:prstGeom>
+          <a:noFill/>
+          <a:extLst>
+            <a:ext uri="{909E8E84-426E-40DD-AFC4-6F175D3DCCD1}">
+              <a14:hiddenFill xmlns:a14="http://schemas.microsoft.com/office/drawing/2010/main">
+                <a:solidFill>
+                  <a:srgbClr val="FFFFFF"/>
+                </a:solidFill>
+              </a14:hiddenFill>
+            </a:ext>
+          </a:extLst>
+        </p:spPr>
+      </p:pic>
     </p:spTree>
     <p:extLst>
       <p:ext uri="{BB962C8B-B14F-4D97-AF65-F5344CB8AC3E}">
-        <p14:creationId xmlns:p14="http://schemas.microsoft.com/office/powerpoint/2010/main" val="3037102945"/>
+        <p14:creationId xmlns:p14="http://schemas.microsoft.com/office/powerpoint/2010/main" val="4130733826"/>
       </p:ext>
     </p:extLst>
   </p:cSld>
@@ -5371,7 +5179,7 @@
           <p:cNvPr id="2" name="Title 1">
             <a:extLst>
               <a:ext uri="{FF2B5EF4-FFF2-40B4-BE49-F238E27FC236}">
-                <a16:creationId xmlns:a16="http://schemas.microsoft.com/office/drawing/2014/main" id="{6E0C14B4-E8B8-6C37-D786-A9DD692D98BB}"/>
+                <a16:creationId xmlns:a16="http://schemas.microsoft.com/office/drawing/2014/main" id="{5EC4920C-C463-7681-2F40-A22658645672}"/>
               </a:ext>
             </a:extLst>
           </p:cNvPr>
@@ -5387,19 +5195,15 @@
           <a:bodyPr/>
           <a:lstStyle/>
           <a:p>
-            <a:pPr marL="571500" indent="-571500">
-              <a:buFont typeface="Wingdings" panose="05000000000000000000" pitchFamily="2" charset="2"/>
-              <a:buChar char="q"/>
-            </a:pPr>
             <a:r>
               <a:rPr lang="en-US" dirty="0">
                 <a:solidFill>
-                  <a:schemeClr val="accent5">
+                  <a:schemeClr val="accent4">
                     <a:lumMod val="75000"/>
                   </a:schemeClr>
                 </a:solidFill>
               </a:rPr>
-              <a:t>Align Genre With Production Planning</a:t>
+              <a:t>Popularity against gross</a:t>
             </a:r>
             <a:br>
               <a:rPr lang="en-US" dirty="0"/>
@@ -5408,12 +5212,156 @@
           </a:p>
         </p:txBody>
       </p:sp>
+      <p:pic>
+        <p:nvPicPr>
+          <p:cNvPr id="5122" name="Picture 2">
+            <a:extLst>
+              <a:ext uri="{FF2B5EF4-FFF2-40B4-BE49-F238E27FC236}">
+                <a16:creationId xmlns:a16="http://schemas.microsoft.com/office/drawing/2014/main" id="{070C1CA4-F176-2229-3E80-F9AB81957625}"/>
+              </a:ext>
+            </a:extLst>
+          </p:cNvPr>
+          <p:cNvPicPr>
+            <a:picLocks noGrp="1" noChangeAspect="1" noChangeArrowheads="1"/>
+          </p:cNvPicPr>
+          <p:nvPr>
+            <p:ph idx="1"/>
+          </p:nvPr>
+        </p:nvPicPr>
+        <p:blipFill>
+          <a:blip r:embed="rId2">
+            <a:extLst>
+              <a:ext uri="{28A0092B-C50C-407E-A947-70E740481C1C}">
+                <a14:useLocalDpi xmlns:a14="http://schemas.microsoft.com/office/drawing/2010/main" val="0"/>
+              </a:ext>
+            </a:extLst>
+          </a:blip>
+          <a:srcRect/>
+          <a:stretch>
+            <a:fillRect/>
+          </a:stretch>
+        </p:blipFill>
+        <p:spPr bwMode="auto">
+          <a:xfrm>
+            <a:off x="2423712" y="1183602"/>
+            <a:ext cx="6383490" cy="4897956"/>
+          </a:xfrm>
+          <a:prstGeom prst="rect">
+            <a:avLst/>
+          </a:prstGeom>
+          <a:noFill/>
+          <a:extLst>
+            <a:ext uri="{909E8E84-426E-40DD-AFC4-6F175D3DCCD1}">
+              <a14:hiddenFill xmlns:a14="http://schemas.microsoft.com/office/drawing/2010/main">
+                <a:solidFill>
+                  <a:srgbClr val="FFFFFF"/>
+                </a:solidFill>
+              </a14:hiddenFill>
+            </a:ext>
+          </a:extLst>
+        </p:spPr>
+      </p:pic>
+    </p:spTree>
+    <p:extLst>
+      <p:ext uri="{BB962C8B-B14F-4D97-AF65-F5344CB8AC3E}">
+        <p14:creationId xmlns:p14="http://schemas.microsoft.com/office/powerpoint/2010/main" val="4266875337"/>
+      </p:ext>
+    </p:extLst>
+  </p:cSld>
+  <p:clrMapOvr>
+    <a:masterClrMapping/>
+  </p:clrMapOvr>
+</p:sld>
+</file>
+
+<file path=ppt/slides/slide24.xml><?xml version="1.0" encoding="utf-8"?>
+<p:sld xmlns:a="http://schemas.openxmlformats.org/drawingml/2006/main" xmlns:r="http://schemas.openxmlformats.org/officeDocument/2006/relationships" xmlns:p="http://schemas.openxmlformats.org/presentationml/2006/main">
+  <p:cSld>
+    <p:spTree>
+      <p:nvGrpSpPr>
+        <p:cNvPr id="1" name=""/>
+        <p:cNvGrpSpPr/>
+        <p:nvPr/>
+      </p:nvGrpSpPr>
+      <p:grpSpPr>
+        <a:xfrm>
+          <a:off x="0" y="0"/>
+          <a:ext cx="0" cy="0"/>
+          <a:chOff x="0" y="0"/>
+          <a:chExt cx="0" cy="0"/>
+        </a:xfrm>
+      </p:grpSpPr>
+      <p:sp>
+        <p:nvSpPr>
+          <p:cNvPr id="2" name="Title 1">
+            <a:extLst>
+              <a:ext uri="{FF2B5EF4-FFF2-40B4-BE49-F238E27FC236}">
+                <a16:creationId xmlns:a16="http://schemas.microsoft.com/office/drawing/2014/main" id="{518019E0-1CCD-7A16-873B-4F0105DA6B4E}"/>
+              </a:ext>
+            </a:extLst>
+          </p:cNvPr>
+          <p:cNvSpPr>
+            <a:spLocks noGrp="1"/>
+          </p:cNvSpPr>
+          <p:nvPr>
+            <p:ph type="title"/>
+          </p:nvPr>
+        </p:nvSpPr>
+        <p:spPr>
+          <a:xfrm>
+            <a:off x="529728" y="228600"/>
+            <a:ext cx="10515600" cy="1325563"/>
+          </a:xfrm>
+        </p:spPr>
+        <p:txBody>
+          <a:bodyPr>
+            <a:normAutofit fontScale="90000"/>
+          </a:bodyPr>
+          <a:lstStyle/>
+          <a:p>
+            <a:r>
+              <a:rPr lang="en-US" dirty="0">
+                <a:solidFill>
+                  <a:schemeClr val="accent1">
+                    <a:lumMod val="60000"/>
+                    <a:lumOff val="40000"/>
+                  </a:schemeClr>
+                </a:solidFill>
+              </a:rPr>
+              <a:t>Market Demand</a:t>
+            </a:r>
+            <a:br>
+              <a:rPr lang="en-US" dirty="0">
+                <a:solidFill>
+                  <a:schemeClr val="accent4">
+                    <a:lumMod val="75000"/>
+                  </a:schemeClr>
+                </a:solidFill>
+              </a:rPr>
+            </a:br>
+            <a:r>
+              <a:rPr lang="en-US" dirty="0">
+                <a:solidFill>
+                  <a:schemeClr val="accent4">
+                    <a:lumMod val="75000"/>
+                  </a:schemeClr>
+                </a:solidFill>
+              </a:rPr>
+              <a:t>Studio against ratings</a:t>
+            </a:r>
+            <a:br>
+              <a:rPr lang="en-US" dirty="0"/>
+            </a:br>
+            <a:endParaRPr lang="en-US" b="1" dirty="0"/>
+          </a:p>
+        </p:txBody>
+      </p:sp>
       <p:sp>
         <p:nvSpPr>
           <p:cNvPr id="3" name="Content Placeholder 2">
             <a:extLst>
               <a:ext uri="{FF2B5EF4-FFF2-40B4-BE49-F238E27FC236}">
-                <a16:creationId xmlns:a16="http://schemas.microsoft.com/office/drawing/2014/main" id="{F62450AB-4732-7BB1-D329-82552677C8EC}"/>
+                <a16:creationId xmlns:a16="http://schemas.microsoft.com/office/drawing/2014/main" id="{FCC4CD5D-FC84-853C-C6B0-6758885C2558}"/>
               </a:ext>
             </a:extLst>
           </p:cNvPr>
@@ -5428,81 +5376,1118 @@
         <p:txBody>
           <a:bodyPr/>
           <a:lstStyle/>
-          <a:p>
-            <a:pPr marL="0" indent="0">
-              <a:buNone/>
-            </a:pPr>
-            <a:r>
-              <a:rPr lang="en-US" dirty="0">
-                <a:solidFill>
-                  <a:schemeClr val="tx2">
-                    <a:lumMod val="75000"/>
-                  </a:schemeClr>
-                </a:solidFill>
-              </a:rPr>
-              <a:t>The head of the studio and the executive should plan budgets and</a:t>
-            </a:r>
-          </a:p>
           <a:p>
             <a:pPr marL="0" indent="0">
               <a:buNone/>
             </a:pPr>
             <a:endParaRPr lang="en-US" dirty="0">
               <a:solidFill>
-                <a:schemeClr val="tx2">
+                <a:schemeClr val="accent4">
                   <a:lumMod val="75000"/>
                 </a:schemeClr>
               </a:solidFill>
             </a:endParaRPr>
           </a:p>
           <a:p>
-            <a:pPr marL="0" indent="0">
-              <a:buNone/>
-            </a:pPr>
-            <a:r>
-              <a:rPr lang="en-US" dirty="0">
-                <a:solidFill>
-                  <a:schemeClr val="tx2">
-                    <a:lumMod val="75000"/>
-                  </a:schemeClr>
-                </a:solidFill>
-              </a:rPr>
-              <a:t> schedules according to genre expectations (e.g., longer runtimes for</a:t>
-            </a:r>
-          </a:p>
-          <a:p>
-            <a:pPr marL="0" indent="0">
-              <a:buNone/>
-            </a:pPr>
-            <a:endParaRPr lang="en-US" dirty="0">
-              <a:solidFill>
-                <a:schemeClr val="tx2">
-                  <a:lumMod val="75000"/>
-                </a:schemeClr>
-              </a:solidFill>
-            </a:endParaRPr>
-          </a:p>
-          <a:p>
-            <a:pPr marL="0" indent="0">
-              <a:buNone/>
-            </a:pPr>
-            <a:r>
-              <a:rPr lang="en-US" dirty="0">
-                <a:solidFill>
-                  <a:schemeClr val="tx2">
-                    <a:lumMod val="75000"/>
-                  </a:schemeClr>
-                </a:solidFill>
-              </a:rPr>
-              <a:t> action, adventure and Sci-fi).</a:t>
-            </a:r>
-          </a:p>
-        </p:txBody>
-      </p:sp>
+            <a:endParaRPr lang="en-US" dirty="0"/>
+          </a:p>
+        </p:txBody>
+      </p:sp>
+      <p:pic>
+        <p:nvPicPr>
+          <p:cNvPr id="6145" name="Picture 1">
+            <a:extLst>
+              <a:ext uri="{FF2B5EF4-FFF2-40B4-BE49-F238E27FC236}">
+                <a16:creationId xmlns:a16="http://schemas.microsoft.com/office/drawing/2014/main" id="{E08E33F4-81D3-1F3B-83FE-5DFB5031B0BB}"/>
+              </a:ext>
+            </a:extLst>
+          </p:cNvPr>
+          <p:cNvPicPr>
+            <a:picLocks noChangeAspect="1" noChangeArrowheads="1"/>
+          </p:cNvPicPr>
+          <p:nvPr/>
+        </p:nvPicPr>
+        <p:blipFill>
+          <a:blip r:embed="rId2">
+            <a:extLst>
+              <a:ext uri="{28A0092B-C50C-407E-A947-70E740481C1C}">
+                <a14:useLocalDpi xmlns:a14="http://schemas.microsoft.com/office/drawing/2010/main" val="0"/>
+              </a:ext>
+            </a:extLst>
+          </a:blip>
+          <a:srcRect/>
+          <a:stretch>
+            <a:fillRect/>
+          </a:stretch>
+        </p:blipFill>
+        <p:spPr bwMode="auto">
+          <a:xfrm>
+            <a:off x="2533880" y="1686946"/>
+            <a:ext cx="8165794" cy="4942454"/>
+          </a:xfrm>
+          <a:prstGeom prst="rect">
+            <a:avLst/>
+          </a:prstGeom>
+          <a:noFill/>
+          <a:extLst>
+            <a:ext uri="{909E8E84-426E-40DD-AFC4-6F175D3DCCD1}">
+              <a14:hiddenFill xmlns:a14="http://schemas.microsoft.com/office/drawing/2010/main">
+                <a:solidFill>
+                  <a:srgbClr val="FFFFFF"/>
+                </a:solidFill>
+              </a14:hiddenFill>
+            </a:ext>
+          </a:extLst>
+        </p:spPr>
+      </p:pic>
     </p:spTree>
     <p:extLst>
       <p:ext uri="{BB962C8B-B14F-4D97-AF65-F5344CB8AC3E}">
-        <p14:creationId xmlns:p14="http://schemas.microsoft.com/office/powerpoint/2010/main" val="1724323312"/>
+        <p14:creationId xmlns:p14="http://schemas.microsoft.com/office/powerpoint/2010/main" val="4276710146"/>
+      </p:ext>
+    </p:extLst>
+  </p:cSld>
+  <p:clrMapOvr>
+    <a:masterClrMapping/>
+  </p:clrMapOvr>
+</p:sld>
+</file>
+
+<file path=ppt/slides/slide25.xml><?xml version="1.0" encoding="utf-8"?>
+<p:sld xmlns:a="http://schemas.openxmlformats.org/drawingml/2006/main" xmlns:r="http://schemas.openxmlformats.org/officeDocument/2006/relationships" xmlns:p="http://schemas.openxmlformats.org/presentationml/2006/main">
+  <p:cSld>
+    <p:spTree>
+      <p:nvGrpSpPr>
+        <p:cNvPr id="1" name=""/>
+        <p:cNvGrpSpPr/>
+        <p:nvPr/>
+      </p:nvGrpSpPr>
+      <p:grpSpPr>
+        <a:xfrm>
+          <a:off x="0" y="0"/>
+          <a:ext cx="0" cy="0"/>
+          <a:chOff x="0" y="0"/>
+          <a:chExt cx="0" cy="0"/>
+        </a:xfrm>
+      </p:grpSpPr>
+      <p:sp>
+        <p:nvSpPr>
+          <p:cNvPr id="2" name="Title 1">
+            <a:extLst>
+              <a:ext uri="{FF2B5EF4-FFF2-40B4-BE49-F238E27FC236}">
+                <a16:creationId xmlns:a16="http://schemas.microsoft.com/office/drawing/2014/main" id="{AB452092-9FC0-2092-14D9-1296FD07D6E3}"/>
+              </a:ext>
+            </a:extLst>
+          </p:cNvPr>
+          <p:cNvSpPr>
+            <a:spLocks noGrp="1"/>
+          </p:cNvSpPr>
+          <p:nvPr>
+            <p:ph type="title"/>
+          </p:nvPr>
+        </p:nvSpPr>
+        <p:spPr/>
+        <p:txBody>
+          <a:bodyPr/>
+          <a:lstStyle/>
+          <a:p>
+            <a:r>
+              <a:rPr lang="en-US" dirty="0">
+                <a:solidFill>
+                  <a:schemeClr val="accent4">
+                    <a:lumMod val="75000"/>
+                  </a:schemeClr>
+                </a:solidFill>
+              </a:rPr>
+              <a:t>Genre against Popularity</a:t>
+            </a:r>
+            <a:br>
+              <a:rPr lang="en-US" dirty="0"/>
+            </a:br>
+            <a:endParaRPr lang="en-US" dirty="0"/>
+          </a:p>
+        </p:txBody>
+      </p:sp>
+      <p:pic>
+        <p:nvPicPr>
+          <p:cNvPr id="7171" name="Picture 3">
+            <a:extLst>
+              <a:ext uri="{FF2B5EF4-FFF2-40B4-BE49-F238E27FC236}">
+                <a16:creationId xmlns:a16="http://schemas.microsoft.com/office/drawing/2014/main" id="{085CA0FF-0B78-1E74-656E-CDE9FADCF7D8}"/>
+              </a:ext>
+            </a:extLst>
+          </p:cNvPr>
+          <p:cNvPicPr>
+            <a:picLocks noChangeAspect="1" noChangeArrowheads="1"/>
+          </p:cNvPicPr>
+          <p:nvPr/>
+        </p:nvPicPr>
+        <p:blipFill>
+          <a:blip r:embed="rId2">
+            <a:extLst>
+              <a:ext uri="{28A0092B-C50C-407E-A947-70E740481C1C}">
+                <a14:useLocalDpi xmlns:a14="http://schemas.microsoft.com/office/drawing/2010/main" val="0"/>
+              </a:ext>
+            </a:extLst>
+          </a:blip>
+          <a:srcRect/>
+          <a:stretch>
+            <a:fillRect/>
+          </a:stretch>
+        </p:blipFill>
+        <p:spPr bwMode="auto">
+          <a:xfrm>
+            <a:off x="1828800" y="1200150"/>
+            <a:ext cx="8143875" cy="5657850"/>
+          </a:xfrm>
+          <a:prstGeom prst="rect">
+            <a:avLst/>
+          </a:prstGeom>
+          <a:noFill/>
+          <a:extLst>
+            <a:ext uri="{909E8E84-426E-40DD-AFC4-6F175D3DCCD1}">
+              <a14:hiddenFill xmlns:a14="http://schemas.microsoft.com/office/drawing/2010/main">
+                <a:solidFill>
+                  <a:srgbClr val="FFFFFF"/>
+                </a:solidFill>
+              </a14:hiddenFill>
+            </a:ext>
+          </a:extLst>
+        </p:spPr>
+      </p:pic>
+      <p:sp>
+        <p:nvSpPr>
+          <p:cNvPr id="5" name="Rectangle 4">
+            <a:extLst>
+              <a:ext uri="{FF2B5EF4-FFF2-40B4-BE49-F238E27FC236}">
+                <a16:creationId xmlns:a16="http://schemas.microsoft.com/office/drawing/2014/main" id="{94131266-FDE5-32F6-53A4-3F7B5E6DDF05}"/>
+              </a:ext>
+            </a:extLst>
+          </p:cNvPr>
+          <p:cNvSpPr>
+            <a:spLocks noChangeArrowheads="1"/>
+          </p:cNvSpPr>
+          <p:nvPr/>
+        </p:nvSpPr>
+        <p:spPr bwMode="auto">
+          <a:xfrm>
+            <a:off x="1828800" y="1200150"/>
+            <a:ext cx="6838950" cy="0"/>
+          </a:xfrm>
+          <a:prstGeom prst="rect">
+            <a:avLst/>
+          </a:prstGeom>
+          <a:solidFill>
+            <a:srgbClr val="FFFFFF"/>
+          </a:solidFill>
+          <a:ln>
+            <a:noFill/>
+          </a:ln>
+          <a:effectLst/>
+          <a:extLst>
+            <a:ext uri="{91240B29-F687-4F45-9708-019B960494DF}">
+              <a14:hiddenLine xmlns:a14="http://schemas.microsoft.com/office/drawing/2010/main" w="9525">
+                <a:solidFill>
+                  <a:schemeClr val="tx1"/>
+                </a:solidFill>
+                <a:miter lim="800000"/>
+                <a:headEnd/>
+                <a:tailEnd/>
+              </a14:hiddenLine>
+            </a:ext>
+            <a:ext uri="{AF507438-7753-43E0-B8FC-AC1667EBCBE1}">
+              <a14:hiddenEffects xmlns:a14="http://schemas.microsoft.com/office/drawing/2010/main">
+                <a:effectLst>
+                  <a:outerShdw dist="35921" dir="2700000" algn="ctr" rotWithShape="0">
+                    <a:schemeClr val="bg2"/>
+                  </a:outerShdw>
+                </a:effectLst>
+              </a14:hiddenEffects>
+            </a:ext>
+          </a:extLst>
+        </p:spPr>
+        <p:txBody>
+          <a:bodyPr vert="horz" wrap="none" lIns="91440" tIns="0" rIns="91440" bIns="0" numCol="1" anchor="ctr" anchorCtr="0" compatLnSpc="1">
+            <a:prstTxWarp prst="textNoShape">
+              <a:avLst/>
+            </a:prstTxWarp>
+            <a:spAutoFit/>
+          </a:bodyPr>
+          <a:lstStyle/>
+          <a:p>
+            <a:pPr marL="0" marR="0" lvl="0" indent="0" algn="l" defTabSz="914400" rtl="0" eaLnBrk="0" fontAlgn="base" latinLnBrk="0" hangingPunct="0">
+              <a:lnSpc>
+                <a:spcPct val="100000"/>
+              </a:lnSpc>
+              <a:spcBef>
+                <a:spcPct val="0"/>
+              </a:spcBef>
+              <a:spcAft>
+                <a:spcPct val="0"/>
+              </a:spcAft>
+              <a:buClrTx/>
+              <a:buSzTx/>
+              <a:buFontTx/>
+              <a:buNone/>
+              <a:tabLst/>
+            </a:pPr>
+            <a:br>
+              <a:rPr kumimoji="0" lang="en-US" altLang="en-US" sz="1000" b="0" i="0" u="none" strike="noStrike" cap="none" normalizeH="0" baseline="0">
+                <a:ln>
+                  <a:noFill/>
+                </a:ln>
+                <a:solidFill>
+                  <a:schemeClr val="tx1"/>
+                </a:solidFill>
+                <a:effectLst/>
+                <a:latin typeface="system-ui"/>
+              </a:rPr>
+            </a:br>
+            <a:endParaRPr kumimoji="0" lang="en-US" altLang="en-US" sz="1800" b="0" i="0" u="none" strike="noStrike" cap="none" normalizeH="0" baseline="0">
+              <a:ln>
+                <a:noFill/>
+              </a:ln>
+              <a:solidFill>
+                <a:schemeClr val="tx1"/>
+              </a:solidFill>
+              <a:effectLst/>
+              <a:latin typeface="Arial" panose="020B0604020202020204" pitchFamily="34" charset="0"/>
+            </a:endParaRPr>
+          </a:p>
+        </p:txBody>
+      </p:sp>
+    </p:spTree>
+    <p:extLst>
+      <p:ext uri="{BB962C8B-B14F-4D97-AF65-F5344CB8AC3E}">
+        <p14:creationId xmlns:p14="http://schemas.microsoft.com/office/powerpoint/2010/main" val="1064380111"/>
+      </p:ext>
+    </p:extLst>
+  </p:cSld>
+  <p:clrMapOvr>
+    <a:masterClrMapping/>
+  </p:clrMapOvr>
+</p:sld>
+</file>
+
+<file path=ppt/slides/slide26.xml><?xml version="1.0" encoding="utf-8"?>
+<p:sld xmlns:a="http://schemas.openxmlformats.org/drawingml/2006/main" xmlns:r="http://schemas.openxmlformats.org/officeDocument/2006/relationships" xmlns:p="http://schemas.openxmlformats.org/presentationml/2006/main">
+  <p:cSld>
+    <p:spTree>
+      <p:nvGrpSpPr>
+        <p:cNvPr id="1" name=""/>
+        <p:cNvGrpSpPr/>
+        <p:nvPr/>
+      </p:nvGrpSpPr>
+      <p:grpSpPr>
+        <a:xfrm>
+          <a:off x="0" y="0"/>
+          <a:ext cx="0" cy="0"/>
+          <a:chOff x="0" y="0"/>
+          <a:chExt cx="0" cy="0"/>
+        </a:xfrm>
+      </p:grpSpPr>
+      <p:sp>
+        <p:nvSpPr>
+          <p:cNvPr id="2" name="Title 1">
+            <a:extLst>
+              <a:ext uri="{FF2B5EF4-FFF2-40B4-BE49-F238E27FC236}">
+                <a16:creationId xmlns:a16="http://schemas.microsoft.com/office/drawing/2014/main" id="{75B88D40-22B7-7098-B2E6-C8E63FF7A78D}"/>
+              </a:ext>
+            </a:extLst>
+          </p:cNvPr>
+          <p:cNvSpPr>
+            <a:spLocks noGrp="1"/>
+          </p:cNvSpPr>
+          <p:nvPr>
+            <p:ph type="title"/>
+          </p:nvPr>
+        </p:nvSpPr>
+        <p:spPr/>
+        <p:txBody>
+          <a:bodyPr/>
+          <a:lstStyle/>
+          <a:p>
+            <a:r>
+              <a:rPr lang="en-US" dirty="0">
+                <a:solidFill>
+                  <a:schemeClr val="accent4">
+                    <a:lumMod val="75000"/>
+                  </a:schemeClr>
+                </a:solidFill>
+              </a:rPr>
+              <a:t>Studio against Popularity</a:t>
+            </a:r>
+            <a:br>
+              <a:rPr lang="en-US" dirty="0"/>
+            </a:br>
+            <a:endParaRPr lang="en-US" dirty="0"/>
+          </a:p>
+        </p:txBody>
+      </p:sp>
+      <p:pic>
+        <p:nvPicPr>
+          <p:cNvPr id="8193" name="Picture 1">
+            <a:extLst>
+              <a:ext uri="{FF2B5EF4-FFF2-40B4-BE49-F238E27FC236}">
+                <a16:creationId xmlns:a16="http://schemas.microsoft.com/office/drawing/2014/main" id="{CED417E9-AF84-54FB-062F-783E2821C5CE}"/>
+              </a:ext>
+            </a:extLst>
+          </p:cNvPr>
+          <p:cNvPicPr>
+            <a:picLocks noChangeAspect="1" noChangeArrowheads="1"/>
+          </p:cNvPicPr>
+          <p:nvPr/>
+        </p:nvPicPr>
+        <p:blipFill>
+          <a:blip r:embed="rId2">
+            <a:extLst>
+              <a:ext uri="{28A0092B-C50C-407E-A947-70E740481C1C}">
+                <a14:useLocalDpi xmlns:a14="http://schemas.microsoft.com/office/drawing/2010/main" val="0"/>
+              </a:ext>
+            </a:extLst>
+          </a:blip>
+          <a:srcRect/>
+          <a:stretch>
+            <a:fillRect/>
+          </a:stretch>
+        </p:blipFill>
+        <p:spPr bwMode="auto">
+          <a:xfrm>
+            <a:off x="1432192" y="1171575"/>
+            <a:ext cx="8143875" cy="5686425"/>
+          </a:xfrm>
+          <a:prstGeom prst="rect">
+            <a:avLst/>
+          </a:prstGeom>
+          <a:noFill/>
+          <a:extLst>
+            <a:ext uri="{909E8E84-426E-40DD-AFC4-6F175D3DCCD1}">
+              <a14:hiddenFill xmlns:a14="http://schemas.microsoft.com/office/drawing/2010/main">
+                <a:solidFill>
+                  <a:srgbClr val="FFFFFF"/>
+                </a:solidFill>
+              </a14:hiddenFill>
+            </a:ext>
+          </a:extLst>
+        </p:spPr>
+      </p:pic>
+      <p:sp>
+        <p:nvSpPr>
+          <p:cNvPr id="4" name="Rectangle 2">
+            <a:extLst>
+              <a:ext uri="{FF2B5EF4-FFF2-40B4-BE49-F238E27FC236}">
+                <a16:creationId xmlns:a16="http://schemas.microsoft.com/office/drawing/2014/main" id="{F522C9D6-5D88-2D56-401D-C1387CB97292}"/>
+              </a:ext>
+            </a:extLst>
+          </p:cNvPr>
+          <p:cNvSpPr>
+            <a:spLocks noChangeArrowheads="1"/>
+          </p:cNvSpPr>
+          <p:nvPr/>
+        </p:nvSpPr>
+        <p:spPr bwMode="auto">
+          <a:xfrm>
+            <a:off x="1432192" y="1171575"/>
+            <a:ext cx="6838950" cy="0"/>
+          </a:xfrm>
+          <a:prstGeom prst="rect">
+            <a:avLst/>
+          </a:prstGeom>
+          <a:solidFill>
+            <a:srgbClr val="FFFFFF"/>
+          </a:solidFill>
+          <a:ln>
+            <a:noFill/>
+          </a:ln>
+          <a:effectLst/>
+          <a:extLst>
+            <a:ext uri="{91240B29-F687-4F45-9708-019B960494DF}">
+              <a14:hiddenLine xmlns:a14="http://schemas.microsoft.com/office/drawing/2010/main" w="9525">
+                <a:solidFill>
+                  <a:schemeClr val="tx1"/>
+                </a:solidFill>
+                <a:miter lim="800000"/>
+                <a:headEnd/>
+                <a:tailEnd/>
+              </a14:hiddenLine>
+            </a:ext>
+            <a:ext uri="{AF507438-7753-43E0-B8FC-AC1667EBCBE1}">
+              <a14:hiddenEffects xmlns:a14="http://schemas.microsoft.com/office/drawing/2010/main">
+                <a:effectLst>
+                  <a:outerShdw dist="35921" dir="2700000" algn="ctr" rotWithShape="0">
+                    <a:schemeClr val="bg2"/>
+                  </a:outerShdw>
+                </a:effectLst>
+              </a14:hiddenEffects>
+            </a:ext>
+          </a:extLst>
+        </p:spPr>
+        <p:txBody>
+          <a:bodyPr vert="horz" wrap="none" lIns="91440" tIns="0" rIns="91440" bIns="0" numCol="1" anchor="ctr" anchorCtr="0" compatLnSpc="1">
+            <a:prstTxWarp prst="textNoShape">
+              <a:avLst/>
+            </a:prstTxWarp>
+            <a:spAutoFit/>
+          </a:bodyPr>
+          <a:lstStyle/>
+          <a:p>
+            <a:pPr marL="0" marR="0" lvl="0" indent="0" algn="l" defTabSz="914400" rtl="0" eaLnBrk="0" fontAlgn="base" latinLnBrk="0" hangingPunct="0">
+              <a:lnSpc>
+                <a:spcPct val="100000"/>
+              </a:lnSpc>
+              <a:spcBef>
+                <a:spcPct val="0"/>
+              </a:spcBef>
+              <a:spcAft>
+                <a:spcPct val="0"/>
+              </a:spcAft>
+              <a:buClrTx/>
+              <a:buSzTx/>
+              <a:buFontTx/>
+              <a:buNone/>
+              <a:tabLst/>
+            </a:pPr>
+            <a:br>
+              <a:rPr kumimoji="0" lang="en-US" altLang="en-US" sz="1000" b="0" i="0" u="none" strike="noStrike" cap="none" normalizeH="0" baseline="0">
+                <a:ln>
+                  <a:noFill/>
+                </a:ln>
+                <a:solidFill>
+                  <a:schemeClr val="tx1"/>
+                </a:solidFill>
+                <a:effectLst/>
+                <a:latin typeface="system-ui"/>
+              </a:rPr>
+            </a:br>
+            <a:endParaRPr kumimoji="0" lang="en-US" altLang="en-US" sz="1800" b="0" i="0" u="none" strike="noStrike" cap="none" normalizeH="0" baseline="0">
+              <a:ln>
+                <a:noFill/>
+              </a:ln>
+              <a:solidFill>
+                <a:schemeClr val="tx1"/>
+              </a:solidFill>
+              <a:effectLst/>
+              <a:latin typeface="Arial" panose="020B0604020202020204" pitchFamily="34" charset="0"/>
+            </a:endParaRPr>
+          </a:p>
+        </p:txBody>
+      </p:sp>
+    </p:spTree>
+    <p:extLst>
+      <p:ext uri="{BB962C8B-B14F-4D97-AF65-F5344CB8AC3E}">
+        <p14:creationId xmlns:p14="http://schemas.microsoft.com/office/powerpoint/2010/main" val="1200267633"/>
+      </p:ext>
+    </p:extLst>
+  </p:cSld>
+  <p:clrMapOvr>
+    <a:masterClrMapping/>
+  </p:clrMapOvr>
+</p:sld>
+</file>
+
+<file path=ppt/slides/slide27.xml><?xml version="1.0" encoding="utf-8"?>
+<p:sld xmlns:a="http://schemas.openxmlformats.org/drawingml/2006/main" xmlns:r="http://schemas.openxmlformats.org/officeDocument/2006/relationships" xmlns:p="http://schemas.openxmlformats.org/presentationml/2006/main">
+  <p:cSld>
+    <p:spTree>
+      <p:nvGrpSpPr>
+        <p:cNvPr id="1" name=""/>
+        <p:cNvGrpSpPr/>
+        <p:nvPr/>
+      </p:nvGrpSpPr>
+      <p:grpSpPr>
+        <a:xfrm>
+          <a:off x="0" y="0"/>
+          <a:ext cx="0" cy="0"/>
+          <a:chOff x="0" y="0"/>
+          <a:chExt cx="0" cy="0"/>
+        </a:xfrm>
+      </p:grpSpPr>
+      <p:sp>
+        <p:nvSpPr>
+          <p:cNvPr id="2" name="Title 1">
+            <a:extLst>
+              <a:ext uri="{FF2B5EF4-FFF2-40B4-BE49-F238E27FC236}">
+                <a16:creationId xmlns:a16="http://schemas.microsoft.com/office/drawing/2014/main" id="{5E20045A-3104-683C-325B-5E0F31199C53}"/>
+              </a:ext>
+            </a:extLst>
+          </p:cNvPr>
+          <p:cNvSpPr>
+            <a:spLocks noGrp="1"/>
+          </p:cNvSpPr>
+          <p:nvPr>
+            <p:ph type="title"/>
+          </p:nvPr>
+        </p:nvSpPr>
+        <p:spPr/>
+        <p:txBody>
+          <a:bodyPr/>
+          <a:lstStyle/>
+          <a:p>
+            <a:r>
+              <a:rPr lang="en-US" dirty="0">
+                <a:solidFill>
+                  <a:schemeClr val="accent4">
+                    <a:lumMod val="75000"/>
+                  </a:schemeClr>
+                </a:solidFill>
+              </a:rPr>
+              <a:t>Runtime against Popularity</a:t>
+            </a:r>
+            <a:br>
+              <a:rPr lang="en-US" dirty="0"/>
+            </a:br>
+            <a:endParaRPr lang="en-US" dirty="0"/>
+          </a:p>
+        </p:txBody>
+      </p:sp>
+      <p:sp>
+        <p:nvSpPr>
+          <p:cNvPr id="4" name="Rectangle 2">
+            <a:extLst>
+              <a:ext uri="{FF2B5EF4-FFF2-40B4-BE49-F238E27FC236}">
+                <a16:creationId xmlns:a16="http://schemas.microsoft.com/office/drawing/2014/main" id="{A28E4BF5-9C8F-736B-49B3-107837532A78}"/>
+              </a:ext>
+            </a:extLst>
+          </p:cNvPr>
+          <p:cNvSpPr>
+            <a:spLocks noChangeArrowheads="1"/>
+          </p:cNvSpPr>
+          <p:nvPr/>
+        </p:nvSpPr>
+        <p:spPr bwMode="auto">
+          <a:xfrm>
+            <a:off x="1751682" y="1288973"/>
+            <a:ext cx="6838950" cy="0"/>
+          </a:xfrm>
+          <a:prstGeom prst="rect">
+            <a:avLst/>
+          </a:prstGeom>
+          <a:solidFill>
+            <a:srgbClr val="FFFFFF"/>
+          </a:solidFill>
+          <a:ln>
+            <a:noFill/>
+          </a:ln>
+          <a:effectLst/>
+          <a:extLst>
+            <a:ext uri="{91240B29-F687-4F45-9708-019B960494DF}">
+              <a14:hiddenLine xmlns:a14="http://schemas.microsoft.com/office/drawing/2010/main" w="9525">
+                <a:solidFill>
+                  <a:schemeClr val="tx1"/>
+                </a:solidFill>
+                <a:miter lim="800000"/>
+                <a:headEnd/>
+                <a:tailEnd/>
+              </a14:hiddenLine>
+            </a:ext>
+            <a:ext uri="{AF507438-7753-43E0-B8FC-AC1667EBCBE1}">
+              <a14:hiddenEffects xmlns:a14="http://schemas.microsoft.com/office/drawing/2010/main">
+                <a:effectLst>
+                  <a:outerShdw dist="35921" dir="2700000" algn="ctr" rotWithShape="0">
+                    <a:schemeClr val="bg2"/>
+                  </a:outerShdw>
+                </a:effectLst>
+              </a14:hiddenEffects>
+            </a:ext>
+          </a:extLst>
+        </p:spPr>
+        <p:txBody>
+          <a:bodyPr vert="horz" wrap="none" lIns="91440" tIns="0" rIns="91440" bIns="0" numCol="1" anchor="ctr" anchorCtr="0" compatLnSpc="1">
+            <a:prstTxWarp prst="textNoShape">
+              <a:avLst/>
+            </a:prstTxWarp>
+            <a:spAutoFit/>
+          </a:bodyPr>
+          <a:lstStyle/>
+          <a:p>
+            <a:pPr marL="0" marR="0" lvl="0" indent="0" algn="l" defTabSz="914400" rtl="0" eaLnBrk="0" fontAlgn="base" latinLnBrk="0" hangingPunct="0">
+              <a:lnSpc>
+                <a:spcPct val="100000"/>
+              </a:lnSpc>
+              <a:spcBef>
+                <a:spcPct val="0"/>
+              </a:spcBef>
+              <a:spcAft>
+                <a:spcPct val="0"/>
+              </a:spcAft>
+              <a:buClrTx/>
+              <a:buSzTx/>
+              <a:buFontTx/>
+              <a:buNone/>
+              <a:tabLst/>
+            </a:pPr>
+            <a:br>
+              <a:rPr kumimoji="0" lang="en-US" altLang="en-US" sz="1000" b="0" i="0" u="none" strike="noStrike" cap="none" normalizeH="0" baseline="0">
+                <a:ln>
+                  <a:noFill/>
+                </a:ln>
+                <a:solidFill>
+                  <a:schemeClr val="tx1"/>
+                </a:solidFill>
+                <a:effectLst/>
+                <a:latin typeface="system-ui"/>
+              </a:rPr>
+            </a:br>
+            <a:endParaRPr kumimoji="0" lang="en-US" altLang="en-US" sz="1800" b="0" i="0" u="none" strike="noStrike" cap="none" normalizeH="0" baseline="0">
+              <a:ln>
+                <a:noFill/>
+              </a:ln>
+              <a:solidFill>
+                <a:schemeClr val="tx1"/>
+              </a:solidFill>
+              <a:effectLst/>
+              <a:latin typeface="Arial" panose="020B0604020202020204" pitchFamily="34" charset="0"/>
+            </a:endParaRPr>
+          </a:p>
+        </p:txBody>
+      </p:sp>
+      <p:pic>
+        <p:nvPicPr>
+          <p:cNvPr id="9219" name="Picture 3">
+            <a:extLst>
+              <a:ext uri="{FF2B5EF4-FFF2-40B4-BE49-F238E27FC236}">
+                <a16:creationId xmlns:a16="http://schemas.microsoft.com/office/drawing/2014/main" id="{79ACBD80-A9E8-0A34-9148-D5C7D1088E27}"/>
+              </a:ext>
+            </a:extLst>
+          </p:cNvPr>
+          <p:cNvPicPr>
+            <a:picLocks noChangeAspect="1" noChangeArrowheads="1"/>
+          </p:cNvPicPr>
+          <p:nvPr/>
+        </p:nvPicPr>
+        <p:blipFill>
+          <a:blip r:embed="rId2">
+            <a:extLst>
+              <a:ext uri="{28A0092B-C50C-407E-A947-70E740481C1C}">
+                <a14:useLocalDpi xmlns:a14="http://schemas.microsoft.com/office/drawing/2010/main" val="0"/>
+              </a:ext>
+            </a:extLst>
+          </a:blip>
+          <a:srcRect/>
+          <a:stretch>
+            <a:fillRect/>
+          </a:stretch>
+        </p:blipFill>
+        <p:spPr bwMode="auto">
+          <a:xfrm>
+            <a:off x="949162" y="1532129"/>
+            <a:ext cx="6794606" cy="4562093"/>
+          </a:xfrm>
+          <a:prstGeom prst="rect">
+            <a:avLst/>
+          </a:prstGeom>
+          <a:noFill/>
+          <a:extLst>
+            <a:ext uri="{909E8E84-426E-40DD-AFC4-6F175D3DCCD1}">
+              <a14:hiddenFill xmlns:a14="http://schemas.microsoft.com/office/drawing/2010/main">
+                <a:solidFill>
+                  <a:srgbClr val="FFFFFF"/>
+                </a:solidFill>
+              </a14:hiddenFill>
+            </a:ext>
+          </a:extLst>
+        </p:spPr>
+      </p:pic>
+      <p:sp>
+        <p:nvSpPr>
+          <p:cNvPr id="5" name="Rectangle 4">
+            <a:extLst>
+              <a:ext uri="{FF2B5EF4-FFF2-40B4-BE49-F238E27FC236}">
+                <a16:creationId xmlns:a16="http://schemas.microsoft.com/office/drawing/2014/main" id="{A3B3230D-6FF0-0D9C-73CE-16BCBE9C31AB}"/>
+              </a:ext>
+            </a:extLst>
+          </p:cNvPr>
+          <p:cNvSpPr>
+            <a:spLocks noChangeArrowheads="1"/>
+          </p:cNvSpPr>
+          <p:nvPr/>
+        </p:nvSpPr>
+        <p:spPr bwMode="auto">
+          <a:xfrm flipV="1">
+            <a:off x="6007068" y="1217147"/>
+            <a:ext cx="1504641" cy="430887"/>
+          </a:xfrm>
+          <a:prstGeom prst="rect">
+            <a:avLst/>
+          </a:prstGeom>
+          <a:solidFill>
+            <a:srgbClr val="FFFFFF"/>
+          </a:solidFill>
+          <a:ln>
+            <a:noFill/>
+          </a:ln>
+          <a:effectLst/>
+          <a:extLst>
+            <a:ext uri="{91240B29-F687-4F45-9708-019B960494DF}">
+              <a14:hiddenLine xmlns:a14="http://schemas.microsoft.com/office/drawing/2010/main" w="9525">
+                <a:solidFill>
+                  <a:schemeClr val="tx1"/>
+                </a:solidFill>
+                <a:miter lim="800000"/>
+                <a:headEnd/>
+                <a:tailEnd/>
+              </a14:hiddenLine>
+            </a:ext>
+            <a:ext uri="{AF507438-7753-43E0-B8FC-AC1667EBCBE1}">
+              <a14:hiddenEffects xmlns:a14="http://schemas.microsoft.com/office/drawing/2010/main">
+                <a:effectLst>
+                  <a:outerShdw dist="35921" dir="2700000" algn="ctr" rotWithShape="0">
+                    <a:schemeClr val="bg2"/>
+                  </a:outerShdw>
+                </a:effectLst>
+              </a14:hiddenEffects>
+            </a:ext>
+          </a:extLst>
+        </p:spPr>
+        <p:txBody>
+          <a:bodyPr vert="horz" wrap="square" lIns="91440" tIns="0" rIns="91440" bIns="0" numCol="1" anchor="ctr" anchorCtr="0" compatLnSpc="1">
+            <a:prstTxWarp prst="textNoShape">
+              <a:avLst/>
+            </a:prstTxWarp>
+            <a:spAutoFit/>
+          </a:bodyPr>
+          <a:lstStyle/>
+          <a:p>
+            <a:pPr marL="0" marR="0" lvl="0" indent="0" algn="l" defTabSz="914400" rtl="0" eaLnBrk="0" fontAlgn="base" latinLnBrk="0" hangingPunct="0">
+              <a:lnSpc>
+                <a:spcPct val="100000"/>
+              </a:lnSpc>
+              <a:spcBef>
+                <a:spcPct val="0"/>
+              </a:spcBef>
+              <a:spcAft>
+                <a:spcPct val="0"/>
+              </a:spcAft>
+              <a:buClrTx/>
+              <a:buSzTx/>
+              <a:buFontTx/>
+              <a:buNone/>
+              <a:tabLst/>
+            </a:pPr>
+            <a:br>
+              <a:rPr kumimoji="0" lang="en-US" altLang="en-US" sz="1000" b="0" i="0" u="none" strike="noStrike" cap="none" normalizeH="0" baseline="0">
+                <a:ln>
+                  <a:noFill/>
+                </a:ln>
+                <a:solidFill>
+                  <a:schemeClr val="tx1"/>
+                </a:solidFill>
+                <a:effectLst/>
+                <a:latin typeface="system-ui"/>
+              </a:rPr>
+            </a:br>
+            <a:endParaRPr kumimoji="0" lang="en-US" altLang="en-US" sz="1800" b="0" i="0" u="none" strike="noStrike" cap="none" normalizeH="0" baseline="0">
+              <a:ln>
+                <a:noFill/>
+              </a:ln>
+              <a:solidFill>
+                <a:schemeClr val="tx1"/>
+              </a:solidFill>
+              <a:effectLst/>
+              <a:latin typeface="Arial" panose="020B0604020202020204" pitchFamily="34" charset="0"/>
+            </a:endParaRPr>
+          </a:p>
+        </p:txBody>
+      </p:sp>
+    </p:spTree>
+    <p:extLst>
+      <p:ext uri="{BB962C8B-B14F-4D97-AF65-F5344CB8AC3E}">
+        <p14:creationId xmlns:p14="http://schemas.microsoft.com/office/powerpoint/2010/main" val="4207303706"/>
+      </p:ext>
+    </p:extLst>
+  </p:cSld>
+  <p:clrMapOvr>
+    <a:masterClrMapping/>
+  </p:clrMapOvr>
+</p:sld>
+</file>
+
+<file path=ppt/slides/slide28.xml><?xml version="1.0" encoding="utf-8"?>
+<p:sld xmlns:a="http://schemas.openxmlformats.org/drawingml/2006/main" xmlns:r="http://schemas.openxmlformats.org/officeDocument/2006/relationships" xmlns:p="http://schemas.openxmlformats.org/presentationml/2006/main">
+  <p:cSld>
+    <p:spTree>
+      <p:nvGrpSpPr>
+        <p:cNvPr id="1" name=""/>
+        <p:cNvGrpSpPr/>
+        <p:nvPr/>
+      </p:nvGrpSpPr>
+      <p:grpSpPr>
+        <a:xfrm>
+          <a:off x="0" y="0"/>
+          <a:ext cx="0" cy="0"/>
+          <a:chOff x="0" y="0"/>
+          <a:chExt cx="0" cy="0"/>
+        </a:xfrm>
+      </p:grpSpPr>
+      <p:sp>
+        <p:nvSpPr>
+          <p:cNvPr id="2" name="Title 1">
+            <a:extLst>
+              <a:ext uri="{FF2B5EF4-FFF2-40B4-BE49-F238E27FC236}">
+                <a16:creationId xmlns:a16="http://schemas.microsoft.com/office/drawing/2014/main" id="{46154D70-20F4-10C4-1639-2808D00344B7}"/>
+              </a:ext>
+            </a:extLst>
+          </p:cNvPr>
+          <p:cNvSpPr>
+            <a:spLocks noGrp="1"/>
+          </p:cNvSpPr>
+          <p:nvPr>
+            <p:ph type="title"/>
+          </p:nvPr>
+        </p:nvSpPr>
+        <p:spPr/>
+        <p:txBody>
+          <a:bodyPr/>
+          <a:lstStyle/>
+          <a:p>
+            <a:r>
+              <a:rPr lang="en-US" dirty="0">
+                <a:solidFill>
+                  <a:schemeClr val="accent4">
+                    <a:lumMod val="75000"/>
+                  </a:schemeClr>
+                </a:solidFill>
+              </a:rPr>
+              <a:t>Genre against Runtime</a:t>
+            </a:r>
+            <a:br>
+              <a:rPr lang="en-US" dirty="0"/>
+            </a:br>
+            <a:endParaRPr lang="en-US" dirty="0"/>
+          </a:p>
+        </p:txBody>
+      </p:sp>
+      <p:pic>
+        <p:nvPicPr>
+          <p:cNvPr id="10241" name="Picture 1">
+            <a:extLst>
+              <a:ext uri="{FF2B5EF4-FFF2-40B4-BE49-F238E27FC236}">
+                <a16:creationId xmlns:a16="http://schemas.microsoft.com/office/drawing/2014/main" id="{911B4297-4E10-0BD4-DFAC-770CEDBF52A4}"/>
+              </a:ext>
+            </a:extLst>
+          </p:cNvPr>
+          <p:cNvPicPr>
+            <a:picLocks noChangeAspect="1" noChangeArrowheads="1"/>
+          </p:cNvPicPr>
+          <p:nvPr/>
+        </p:nvPicPr>
+        <p:blipFill>
+          <a:blip r:embed="rId2">
+            <a:extLst>
+              <a:ext uri="{28A0092B-C50C-407E-A947-70E740481C1C}">
+                <a14:useLocalDpi xmlns:a14="http://schemas.microsoft.com/office/drawing/2010/main" val="0"/>
+              </a:ext>
+            </a:extLst>
+          </a:blip>
+          <a:srcRect/>
+          <a:stretch>
+            <a:fillRect/>
+          </a:stretch>
+        </p:blipFill>
+        <p:spPr bwMode="auto">
+          <a:xfrm>
+            <a:off x="1814304" y="1027906"/>
+            <a:ext cx="8162925" cy="5810250"/>
+          </a:xfrm>
+          <a:prstGeom prst="rect">
+            <a:avLst/>
+          </a:prstGeom>
+          <a:noFill/>
+          <a:extLst>
+            <a:ext uri="{909E8E84-426E-40DD-AFC4-6F175D3DCCD1}">
+              <a14:hiddenFill xmlns:a14="http://schemas.microsoft.com/office/drawing/2010/main">
+                <a:solidFill>
+                  <a:srgbClr val="FFFFFF"/>
+                </a:solidFill>
+              </a14:hiddenFill>
+            </a:ext>
+          </a:extLst>
+        </p:spPr>
+      </p:pic>
+      <p:sp>
+        <p:nvSpPr>
+          <p:cNvPr id="4" name="Rectangle 2">
+            <a:extLst>
+              <a:ext uri="{FF2B5EF4-FFF2-40B4-BE49-F238E27FC236}">
+                <a16:creationId xmlns:a16="http://schemas.microsoft.com/office/drawing/2014/main" id="{992529AA-08DC-4AEC-5285-F506D097F9C7}"/>
+              </a:ext>
+            </a:extLst>
+          </p:cNvPr>
+          <p:cNvSpPr>
+            <a:spLocks noChangeArrowheads="1"/>
+          </p:cNvSpPr>
+          <p:nvPr/>
+        </p:nvSpPr>
+        <p:spPr bwMode="auto">
+          <a:xfrm>
+            <a:off x="1333040" y="1156771"/>
+            <a:ext cx="6838950" cy="0"/>
+          </a:xfrm>
+          <a:prstGeom prst="rect">
+            <a:avLst/>
+          </a:prstGeom>
+          <a:solidFill>
+            <a:srgbClr val="FFFFFF"/>
+          </a:solidFill>
+          <a:ln>
+            <a:noFill/>
+          </a:ln>
+          <a:effectLst/>
+          <a:extLst>
+            <a:ext uri="{91240B29-F687-4F45-9708-019B960494DF}">
+              <a14:hiddenLine xmlns:a14="http://schemas.microsoft.com/office/drawing/2010/main" w="9525">
+                <a:solidFill>
+                  <a:schemeClr val="tx1"/>
+                </a:solidFill>
+                <a:miter lim="800000"/>
+                <a:headEnd/>
+                <a:tailEnd/>
+              </a14:hiddenLine>
+            </a:ext>
+            <a:ext uri="{AF507438-7753-43E0-B8FC-AC1667EBCBE1}">
+              <a14:hiddenEffects xmlns:a14="http://schemas.microsoft.com/office/drawing/2010/main">
+                <a:effectLst>
+                  <a:outerShdw dist="35921" dir="2700000" algn="ctr" rotWithShape="0">
+                    <a:schemeClr val="bg2"/>
+                  </a:outerShdw>
+                </a:effectLst>
+              </a14:hiddenEffects>
+            </a:ext>
+          </a:extLst>
+        </p:spPr>
+        <p:txBody>
+          <a:bodyPr vert="horz" wrap="none" lIns="91440" tIns="0" rIns="91440" bIns="0" numCol="1" anchor="ctr" anchorCtr="0" compatLnSpc="1">
+            <a:prstTxWarp prst="textNoShape">
+              <a:avLst/>
+            </a:prstTxWarp>
+            <a:spAutoFit/>
+          </a:bodyPr>
+          <a:lstStyle/>
+          <a:p>
+            <a:pPr marL="0" marR="0" lvl="0" indent="0" algn="l" defTabSz="914400" rtl="0" eaLnBrk="0" fontAlgn="base" latinLnBrk="0" hangingPunct="0">
+              <a:lnSpc>
+                <a:spcPct val="100000"/>
+              </a:lnSpc>
+              <a:spcBef>
+                <a:spcPct val="0"/>
+              </a:spcBef>
+              <a:spcAft>
+                <a:spcPct val="0"/>
+              </a:spcAft>
+              <a:buClrTx/>
+              <a:buSzTx/>
+              <a:buFontTx/>
+              <a:buNone/>
+              <a:tabLst/>
+            </a:pPr>
+            <a:br>
+              <a:rPr kumimoji="0" lang="en-US" altLang="en-US" sz="1000" b="0" i="0" u="none" strike="noStrike" cap="none" normalizeH="0" baseline="0">
+                <a:ln>
+                  <a:noFill/>
+                </a:ln>
+                <a:solidFill>
+                  <a:schemeClr val="tx1"/>
+                </a:solidFill>
+                <a:effectLst/>
+                <a:latin typeface="system-ui"/>
+              </a:rPr>
+            </a:br>
+            <a:endParaRPr kumimoji="0" lang="en-US" altLang="en-US" sz="1800" b="0" i="0" u="none" strike="noStrike" cap="none" normalizeH="0" baseline="0">
+              <a:ln>
+                <a:noFill/>
+              </a:ln>
+              <a:solidFill>
+                <a:schemeClr val="tx1"/>
+              </a:solidFill>
+              <a:effectLst/>
+              <a:latin typeface="Arial" panose="020B0604020202020204" pitchFamily="34" charset="0"/>
+            </a:endParaRPr>
+          </a:p>
+        </p:txBody>
+      </p:sp>
+    </p:spTree>
+    <p:extLst>
+      <p:ext uri="{BB962C8B-B14F-4D97-AF65-F5344CB8AC3E}">
+        <p14:creationId xmlns:p14="http://schemas.microsoft.com/office/powerpoint/2010/main" val="1735564896"/>
+      </p:ext>
+    </p:extLst>
+  </p:cSld>
+  <p:clrMapOvr>
+    <a:masterClrMapping/>
+  </p:clrMapOvr>
+</p:sld>
+</file>
+
+<file path=ppt/slides/slide29.xml><?xml version="1.0" encoding="utf-8"?>
+<p:sld xmlns:a="http://schemas.openxmlformats.org/drawingml/2006/main" xmlns:r="http://schemas.openxmlformats.org/officeDocument/2006/relationships" xmlns:p="http://schemas.openxmlformats.org/presentationml/2006/main">
+  <p:cSld>
+    <p:spTree>
+      <p:nvGrpSpPr>
+        <p:cNvPr id="1" name=""/>
+        <p:cNvGrpSpPr/>
+        <p:nvPr/>
+      </p:nvGrpSpPr>
+      <p:grpSpPr>
+        <a:xfrm>
+          <a:off x="0" y="0"/>
+          <a:ext cx="0" cy="0"/>
+          <a:chOff x="0" y="0"/>
+          <a:chExt cx="0" cy="0"/>
+        </a:xfrm>
+      </p:grpSpPr>
+      <p:sp>
+        <p:nvSpPr>
+          <p:cNvPr id="2" name="Title 1">
+            <a:extLst>
+              <a:ext uri="{FF2B5EF4-FFF2-40B4-BE49-F238E27FC236}">
+                <a16:creationId xmlns:a16="http://schemas.microsoft.com/office/drawing/2014/main" id="{ED5532C6-14E9-121C-12CC-3EF372DD404B}"/>
+              </a:ext>
+            </a:extLst>
+          </p:cNvPr>
+          <p:cNvSpPr>
+            <a:spLocks noGrp="1"/>
+          </p:cNvSpPr>
+          <p:nvPr>
+            <p:ph type="title"/>
+          </p:nvPr>
+        </p:nvSpPr>
+        <p:spPr>
+          <a:xfrm>
+            <a:off x="838200" y="283029"/>
+            <a:ext cx="10515600" cy="4985657"/>
+          </a:xfrm>
+        </p:spPr>
+        <p:txBody>
+          <a:bodyPr/>
+          <a:lstStyle/>
+          <a:p>
+            <a:r>
+              <a:rPr lang="en-US" dirty="0">
+                <a:solidFill>
+                  <a:schemeClr val="accent4">
+                    <a:lumMod val="75000"/>
+                  </a:schemeClr>
+                </a:solidFill>
+              </a:rPr>
+              <a:t>                      </a:t>
+            </a:r>
+            <a:r>
+              <a:rPr lang="en-US" sz="4800" dirty="0">
+                <a:solidFill>
+                  <a:schemeClr val="accent4">
+                    <a:lumMod val="75000"/>
+                  </a:schemeClr>
+                </a:solidFill>
+              </a:rPr>
+              <a:t>RECOMMENDATIONS</a:t>
+            </a:r>
+          </a:p>
+        </p:txBody>
+      </p:sp>
+    </p:spTree>
+    <p:extLst>
+      <p:ext uri="{BB962C8B-B14F-4D97-AF65-F5344CB8AC3E}">
+        <p14:creationId xmlns:p14="http://schemas.microsoft.com/office/powerpoint/2010/main" val="2526137038"/>
       </p:ext>
     </p:extLst>
   </p:cSld>
@@ -5631,6 +6616,980 @@
     <p:extLst>
       <p:ext uri="{BB962C8B-B14F-4D97-AF65-F5344CB8AC3E}">
         <p14:creationId xmlns:p14="http://schemas.microsoft.com/office/powerpoint/2010/main" val="2858338989"/>
+      </p:ext>
+    </p:extLst>
+  </p:cSld>
+  <p:clrMapOvr>
+    <a:masterClrMapping/>
+  </p:clrMapOvr>
+</p:sld>
+</file>
+
+<file path=ppt/slides/slide30.xml><?xml version="1.0" encoding="utf-8"?>
+<p:sld xmlns:a="http://schemas.openxmlformats.org/drawingml/2006/main" xmlns:r="http://schemas.openxmlformats.org/officeDocument/2006/relationships" xmlns:p="http://schemas.openxmlformats.org/presentationml/2006/main">
+  <p:cSld>
+    <p:spTree>
+      <p:nvGrpSpPr>
+        <p:cNvPr id="1" name=""/>
+        <p:cNvGrpSpPr/>
+        <p:nvPr/>
+      </p:nvGrpSpPr>
+      <p:grpSpPr>
+        <a:xfrm>
+          <a:off x="0" y="0"/>
+          <a:ext cx="0" cy="0"/>
+          <a:chOff x="0" y="0"/>
+          <a:chExt cx="0" cy="0"/>
+        </a:xfrm>
+      </p:grpSpPr>
+      <p:sp>
+        <p:nvSpPr>
+          <p:cNvPr id="2" name="Title 1">
+            <a:extLst>
+              <a:ext uri="{FF2B5EF4-FFF2-40B4-BE49-F238E27FC236}">
+                <a16:creationId xmlns:a16="http://schemas.microsoft.com/office/drawing/2014/main" id="{EC012F02-B76B-411A-41A3-CFB779B747C3}"/>
+              </a:ext>
+            </a:extLst>
+          </p:cNvPr>
+          <p:cNvSpPr>
+            <a:spLocks noGrp="1"/>
+          </p:cNvSpPr>
+          <p:nvPr>
+            <p:ph type="title"/>
+          </p:nvPr>
+        </p:nvSpPr>
+        <p:spPr/>
+        <p:txBody>
+          <a:bodyPr/>
+          <a:lstStyle/>
+          <a:p>
+            <a:pPr marL="571500" indent="-571500">
+              <a:buFont typeface="Wingdings" panose="05000000000000000000" pitchFamily="2" charset="2"/>
+              <a:buChar char="q"/>
+            </a:pPr>
+            <a:r>
+              <a:rPr lang="en-US" dirty="0">
+                <a:solidFill>
+                  <a:schemeClr val="accent5">
+                    <a:lumMod val="75000"/>
+                  </a:schemeClr>
+                </a:solidFill>
+              </a:rPr>
+              <a:t>Prioritize High Grossing Genres</a:t>
+            </a:r>
+            <a:br>
+              <a:rPr lang="en-US" dirty="0"/>
+            </a:br>
+            <a:endParaRPr lang="en-US" dirty="0">
+              <a:solidFill>
+                <a:schemeClr val="accent4">
+                  <a:lumMod val="75000"/>
+                </a:schemeClr>
+              </a:solidFill>
+            </a:endParaRPr>
+          </a:p>
+        </p:txBody>
+      </p:sp>
+      <p:sp>
+        <p:nvSpPr>
+          <p:cNvPr id="3" name="Content Placeholder 2">
+            <a:extLst>
+              <a:ext uri="{FF2B5EF4-FFF2-40B4-BE49-F238E27FC236}">
+                <a16:creationId xmlns:a16="http://schemas.microsoft.com/office/drawing/2014/main" id="{63856592-4799-1B75-8AF4-01901E072B21}"/>
+              </a:ext>
+            </a:extLst>
+          </p:cNvPr>
+          <p:cNvSpPr>
+            <a:spLocks noGrp="1"/>
+          </p:cNvSpPr>
+          <p:nvPr>
+            <p:ph idx="1"/>
+          </p:nvPr>
+        </p:nvSpPr>
+        <p:spPr/>
+        <p:txBody>
+          <a:bodyPr/>
+          <a:lstStyle/>
+          <a:p>
+            <a:pPr marL="0" indent="0">
+              <a:buNone/>
+            </a:pPr>
+            <a:r>
+              <a:rPr lang="en-US" dirty="0">
+                <a:solidFill>
+                  <a:schemeClr val="tx2">
+                    <a:lumMod val="75000"/>
+                  </a:schemeClr>
+                </a:solidFill>
+              </a:rPr>
+              <a:t>The studio should prioritize producing films in these genres, particularly</a:t>
+            </a:r>
+          </a:p>
+          <a:p>
+            <a:pPr marL="0" indent="0">
+              <a:buNone/>
+            </a:pPr>
+            <a:endParaRPr lang="en-US" dirty="0">
+              <a:solidFill>
+                <a:schemeClr val="tx2">
+                  <a:lumMod val="75000"/>
+                </a:schemeClr>
+              </a:solidFill>
+            </a:endParaRPr>
+          </a:p>
+          <a:p>
+            <a:pPr marL="0" indent="0">
+              <a:buNone/>
+            </a:pPr>
+            <a:r>
+              <a:rPr lang="en-US" dirty="0">
+                <a:solidFill>
+                  <a:schemeClr val="tx2">
+                    <a:lumMod val="75000"/>
+                  </a:schemeClr>
+                </a:solidFill>
+              </a:rPr>
+              <a:t> for early releases, to maximize return on investment and attract </a:t>
+            </a:r>
+          </a:p>
+          <a:p>
+            <a:pPr marL="0" indent="0">
+              <a:buNone/>
+            </a:pPr>
+            <a:endParaRPr lang="en-US" dirty="0">
+              <a:solidFill>
+                <a:schemeClr val="tx2">
+                  <a:lumMod val="75000"/>
+                </a:schemeClr>
+              </a:solidFill>
+            </a:endParaRPr>
+          </a:p>
+          <a:p>
+            <a:pPr marL="0" indent="0">
+              <a:buNone/>
+            </a:pPr>
+            <a:r>
+              <a:rPr lang="en-US" dirty="0">
+                <a:solidFill>
+                  <a:schemeClr val="tx2">
+                    <a:lumMod val="75000"/>
+                  </a:schemeClr>
+                </a:solidFill>
+              </a:rPr>
+              <a:t> audiences.</a:t>
+            </a:r>
+          </a:p>
+          <a:p>
+            <a:pPr marL="0" indent="0">
+              <a:buNone/>
+            </a:pPr>
+            <a:endParaRPr lang="en-US" sz="2400" dirty="0">
+              <a:solidFill>
+                <a:schemeClr val="accent5">
+                  <a:lumMod val="75000"/>
+                </a:schemeClr>
+              </a:solidFill>
+            </a:endParaRPr>
+          </a:p>
+          <a:p>
+            <a:pPr marL="0" indent="0">
+              <a:buNone/>
+            </a:pPr>
+            <a:endParaRPr lang="en-US" dirty="0"/>
+          </a:p>
+        </p:txBody>
+      </p:sp>
+    </p:spTree>
+    <p:extLst>
+      <p:ext uri="{BB962C8B-B14F-4D97-AF65-F5344CB8AC3E}">
+        <p14:creationId xmlns:p14="http://schemas.microsoft.com/office/powerpoint/2010/main" val="2724402833"/>
+      </p:ext>
+    </p:extLst>
+  </p:cSld>
+  <p:clrMapOvr>
+    <a:masterClrMapping/>
+  </p:clrMapOvr>
+</p:sld>
+</file>
+
+<file path=ppt/slides/slide31.xml><?xml version="1.0" encoding="utf-8"?>
+<p:sld xmlns:a="http://schemas.openxmlformats.org/drawingml/2006/main" xmlns:r="http://schemas.openxmlformats.org/officeDocument/2006/relationships" xmlns:p="http://schemas.openxmlformats.org/presentationml/2006/main">
+  <p:cSld>
+    <p:spTree>
+      <p:nvGrpSpPr>
+        <p:cNvPr id="1" name=""/>
+        <p:cNvGrpSpPr/>
+        <p:nvPr/>
+      </p:nvGrpSpPr>
+      <p:grpSpPr>
+        <a:xfrm>
+          <a:off x="0" y="0"/>
+          <a:ext cx="0" cy="0"/>
+          <a:chOff x="0" y="0"/>
+          <a:chExt cx="0" cy="0"/>
+        </a:xfrm>
+      </p:grpSpPr>
+      <p:sp>
+        <p:nvSpPr>
+          <p:cNvPr id="2" name="Title 1">
+            <a:extLst>
+              <a:ext uri="{FF2B5EF4-FFF2-40B4-BE49-F238E27FC236}">
+                <a16:creationId xmlns:a16="http://schemas.microsoft.com/office/drawing/2014/main" id="{840B5D72-2416-B45F-B948-05A034179A71}"/>
+              </a:ext>
+            </a:extLst>
+          </p:cNvPr>
+          <p:cNvSpPr>
+            <a:spLocks noGrp="1"/>
+          </p:cNvSpPr>
+          <p:nvPr>
+            <p:ph type="title"/>
+          </p:nvPr>
+        </p:nvSpPr>
+        <p:spPr/>
+        <p:txBody>
+          <a:bodyPr/>
+          <a:lstStyle/>
+          <a:p>
+            <a:pPr marL="571500" indent="-571500">
+              <a:buFont typeface="Wingdings" panose="05000000000000000000" pitchFamily="2" charset="2"/>
+              <a:buChar char="q"/>
+            </a:pPr>
+            <a:r>
+              <a:rPr lang="en-US" dirty="0">
+                <a:solidFill>
+                  <a:schemeClr val="accent5">
+                    <a:lumMod val="75000"/>
+                  </a:schemeClr>
+                </a:solidFill>
+              </a:rPr>
+              <a:t>Invest in quality to drive revenue</a:t>
+            </a:r>
+            <a:br>
+              <a:rPr lang="en-US" dirty="0"/>
+            </a:br>
+            <a:endParaRPr lang="en-US" dirty="0"/>
+          </a:p>
+        </p:txBody>
+      </p:sp>
+      <p:sp>
+        <p:nvSpPr>
+          <p:cNvPr id="3" name="Content Placeholder 2">
+            <a:extLst>
+              <a:ext uri="{FF2B5EF4-FFF2-40B4-BE49-F238E27FC236}">
+                <a16:creationId xmlns:a16="http://schemas.microsoft.com/office/drawing/2014/main" id="{B2C93337-DB3A-8B05-5847-1984B6E26372}"/>
+              </a:ext>
+            </a:extLst>
+          </p:cNvPr>
+          <p:cNvSpPr>
+            <a:spLocks noGrp="1"/>
+          </p:cNvSpPr>
+          <p:nvPr>
+            <p:ph idx="1"/>
+          </p:nvPr>
+        </p:nvSpPr>
+        <p:spPr/>
+        <p:txBody>
+          <a:bodyPr/>
+          <a:lstStyle/>
+          <a:p>
+            <a:pPr marL="0" indent="0">
+              <a:buNone/>
+            </a:pPr>
+            <a:r>
+              <a:rPr lang="en-US" dirty="0">
+                <a:solidFill>
+                  <a:schemeClr val="tx2">
+                    <a:lumMod val="75000"/>
+                  </a:schemeClr>
+                </a:solidFill>
+              </a:rPr>
+              <a:t>Allocate budget toward strong scripts, experienced directors, and</a:t>
+            </a:r>
+          </a:p>
+          <a:p>
+            <a:pPr marL="0" indent="0">
+              <a:buNone/>
+            </a:pPr>
+            <a:endParaRPr lang="en-US" dirty="0">
+              <a:solidFill>
+                <a:schemeClr val="tx2">
+                  <a:lumMod val="75000"/>
+                </a:schemeClr>
+              </a:solidFill>
+            </a:endParaRPr>
+          </a:p>
+          <a:p>
+            <a:pPr marL="0" indent="0">
+              <a:buNone/>
+            </a:pPr>
+            <a:r>
+              <a:rPr lang="en-US" dirty="0">
+                <a:solidFill>
+                  <a:schemeClr val="tx2">
+                    <a:lumMod val="75000"/>
+                  </a:schemeClr>
+                </a:solidFill>
+              </a:rPr>
+              <a:t> higher production quality to improve audience satisfaction rather than</a:t>
+            </a:r>
+          </a:p>
+          <a:p>
+            <a:pPr marL="0" indent="0">
+              <a:buNone/>
+            </a:pPr>
+            <a:endParaRPr lang="en-US" dirty="0">
+              <a:solidFill>
+                <a:schemeClr val="tx2">
+                  <a:lumMod val="75000"/>
+                </a:schemeClr>
+              </a:solidFill>
+            </a:endParaRPr>
+          </a:p>
+          <a:p>
+            <a:pPr marL="0" indent="0">
+              <a:buNone/>
+            </a:pPr>
+            <a:r>
+              <a:rPr lang="en-US" dirty="0">
+                <a:solidFill>
+                  <a:schemeClr val="tx2">
+                    <a:lumMod val="75000"/>
+                  </a:schemeClr>
+                </a:solidFill>
+              </a:rPr>
+              <a:t> focusing solely on quantity of releases.</a:t>
+            </a:r>
+          </a:p>
+        </p:txBody>
+      </p:sp>
+    </p:spTree>
+    <p:extLst>
+      <p:ext uri="{BB962C8B-B14F-4D97-AF65-F5344CB8AC3E}">
+        <p14:creationId xmlns:p14="http://schemas.microsoft.com/office/powerpoint/2010/main" val="3286068616"/>
+      </p:ext>
+    </p:extLst>
+  </p:cSld>
+  <p:clrMapOvr>
+    <a:masterClrMapping/>
+  </p:clrMapOvr>
+</p:sld>
+</file>
+
+<file path=ppt/slides/slide32.xml><?xml version="1.0" encoding="utf-8"?>
+<p:sld xmlns:a="http://schemas.openxmlformats.org/drawingml/2006/main" xmlns:r="http://schemas.openxmlformats.org/officeDocument/2006/relationships" xmlns:p="http://schemas.openxmlformats.org/presentationml/2006/main">
+  <p:cSld>
+    <p:spTree>
+      <p:nvGrpSpPr>
+        <p:cNvPr id="1" name=""/>
+        <p:cNvGrpSpPr/>
+        <p:nvPr/>
+      </p:nvGrpSpPr>
+      <p:grpSpPr>
+        <a:xfrm>
+          <a:off x="0" y="0"/>
+          <a:ext cx="0" cy="0"/>
+          <a:chOff x="0" y="0"/>
+          <a:chExt cx="0" cy="0"/>
+        </a:xfrm>
+      </p:grpSpPr>
+      <p:sp>
+        <p:nvSpPr>
+          <p:cNvPr id="2" name="Title 1">
+            <a:extLst>
+              <a:ext uri="{FF2B5EF4-FFF2-40B4-BE49-F238E27FC236}">
+                <a16:creationId xmlns:a16="http://schemas.microsoft.com/office/drawing/2014/main" id="{AB02EB96-F72C-9C20-89D7-9F66B8907C05}"/>
+              </a:ext>
+            </a:extLst>
+          </p:cNvPr>
+          <p:cNvSpPr>
+            <a:spLocks noGrp="1"/>
+          </p:cNvSpPr>
+          <p:nvPr>
+            <p:ph type="title"/>
+          </p:nvPr>
+        </p:nvSpPr>
+        <p:spPr/>
+        <p:txBody>
+          <a:bodyPr/>
+          <a:lstStyle/>
+          <a:p>
+            <a:pPr marL="571500" indent="-571500">
+              <a:buFont typeface="Wingdings" panose="05000000000000000000" pitchFamily="2" charset="2"/>
+              <a:buChar char="q"/>
+            </a:pPr>
+            <a:r>
+              <a:rPr lang="en-US" dirty="0">
+                <a:solidFill>
+                  <a:schemeClr val="accent5">
+                    <a:lumMod val="75000"/>
+                  </a:schemeClr>
+                </a:solidFill>
+              </a:rPr>
+              <a:t> Target Optimal Movie Runtime</a:t>
+            </a:r>
+            <a:br>
+              <a:rPr lang="en-US" dirty="0"/>
+            </a:br>
+            <a:endParaRPr lang="en-US" dirty="0"/>
+          </a:p>
+        </p:txBody>
+      </p:sp>
+      <p:sp>
+        <p:nvSpPr>
+          <p:cNvPr id="3" name="Content Placeholder 2">
+            <a:extLst>
+              <a:ext uri="{FF2B5EF4-FFF2-40B4-BE49-F238E27FC236}">
+                <a16:creationId xmlns:a16="http://schemas.microsoft.com/office/drawing/2014/main" id="{5909B97E-EB9F-7D6F-6A36-C9F46B8839EC}"/>
+              </a:ext>
+            </a:extLst>
+          </p:cNvPr>
+          <p:cNvSpPr>
+            <a:spLocks noGrp="1"/>
+          </p:cNvSpPr>
+          <p:nvPr>
+            <p:ph idx="1"/>
+          </p:nvPr>
+        </p:nvSpPr>
+        <p:spPr/>
+        <p:txBody>
+          <a:bodyPr/>
+          <a:lstStyle/>
+          <a:p>
+            <a:pPr marL="0" indent="0">
+              <a:buNone/>
+            </a:pPr>
+            <a:r>
+              <a:rPr lang="en-US" dirty="0">
+                <a:solidFill>
+                  <a:schemeClr val="tx2">
+                    <a:lumMod val="75000"/>
+                  </a:schemeClr>
+                </a:solidFill>
+              </a:rPr>
+              <a:t>The studio should aim to keep most productions over the 120 minute</a:t>
+            </a:r>
+          </a:p>
+          <a:p>
+            <a:pPr marL="0" indent="0">
+              <a:buNone/>
+            </a:pPr>
+            <a:endParaRPr lang="en-US" dirty="0">
+              <a:solidFill>
+                <a:schemeClr val="tx2">
+                  <a:lumMod val="75000"/>
+                </a:schemeClr>
+              </a:solidFill>
+            </a:endParaRPr>
+          </a:p>
+          <a:p>
+            <a:pPr marL="0" indent="0">
+              <a:buNone/>
+            </a:pPr>
+            <a:r>
+              <a:rPr lang="en-US" dirty="0">
+                <a:solidFill>
+                  <a:schemeClr val="tx2">
+                    <a:lumMod val="75000"/>
+                  </a:schemeClr>
+                </a:solidFill>
+              </a:rPr>
+              <a:t> range to balance storytelling, viewer attention, and production costs.</a:t>
+            </a:r>
+          </a:p>
+        </p:txBody>
+      </p:sp>
+    </p:spTree>
+    <p:extLst>
+      <p:ext uri="{BB962C8B-B14F-4D97-AF65-F5344CB8AC3E}">
+        <p14:creationId xmlns:p14="http://schemas.microsoft.com/office/powerpoint/2010/main" val="1728616449"/>
+      </p:ext>
+    </p:extLst>
+  </p:cSld>
+  <p:clrMapOvr>
+    <a:masterClrMapping/>
+  </p:clrMapOvr>
+</p:sld>
+</file>
+
+<file path=ppt/slides/slide33.xml><?xml version="1.0" encoding="utf-8"?>
+<p:sld xmlns:a="http://schemas.openxmlformats.org/drawingml/2006/main" xmlns:r="http://schemas.openxmlformats.org/officeDocument/2006/relationships" xmlns:p="http://schemas.openxmlformats.org/presentationml/2006/main">
+  <p:cSld>
+    <p:spTree>
+      <p:nvGrpSpPr>
+        <p:cNvPr id="1" name=""/>
+        <p:cNvGrpSpPr/>
+        <p:nvPr/>
+      </p:nvGrpSpPr>
+      <p:grpSpPr>
+        <a:xfrm>
+          <a:off x="0" y="0"/>
+          <a:ext cx="0" cy="0"/>
+          <a:chOff x="0" y="0"/>
+          <a:chExt cx="0" cy="0"/>
+        </a:xfrm>
+      </p:grpSpPr>
+      <p:sp>
+        <p:nvSpPr>
+          <p:cNvPr id="2" name="Title 1">
+            <a:extLst>
+              <a:ext uri="{FF2B5EF4-FFF2-40B4-BE49-F238E27FC236}">
+                <a16:creationId xmlns:a16="http://schemas.microsoft.com/office/drawing/2014/main" id="{5FBF754A-ED9F-D10D-CEEA-B0D595B8D739}"/>
+              </a:ext>
+            </a:extLst>
+          </p:cNvPr>
+          <p:cNvSpPr>
+            <a:spLocks noGrp="1"/>
+          </p:cNvSpPr>
+          <p:nvPr>
+            <p:ph type="title"/>
+          </p:nvPr>
+        </p:nvSpPr>
+        <p:spPr/>
+        <p:txBody>
+          <a:bodyPr/>
+          <a:lstStyle/>
+          <a:p>
+            <a:pPr marL="571500" indent="-571500">
+              <a:buFont typeface="Wingdings" panose="05000000000000000000" pitchFamily="2" charset="2"/>
+              <a:buChar char="q"/>
+            </a:pPr>
+            <a:r>
+              <a:rPr lang="en-US" dirty="0">
+                <a:solidFill>
+                  <a:schemeClr val="accent5">
+                    <a:lumMod val="75000"/>
+                  </a:schemeClr>
+                </a:solidFill>
+              </a:rPr>
+              <a:t>Learning From Top Studios</a:t>
+            </a:r>
+            <a:br>
+              <a:rPr lang="en-US" dirty="0"/>
+            </a:br>
+            <a:endParaRPr lang="en-US" dirty="0"/>
+          </a:p>
+        </p:txBody>
+      </p:sp>
+      <p:sp>
+        <p:nvSpPr>
+          <p:cNvPr id="3" name="Content Placeholder 2">
+            <a:extLst>
+              <a:ext uri="{FF2B5EF4-FFF2-40B4-BE49-F238E27FC236}">
+                <a16:creationId xmlns:a16="http://schemas.microsoft.com/office/drawing/2014/main" id="{AEA9A0E9-8B33-9757-4622-3876C9F66E20}"/>
+              </a:ext>
+            </a:extLst>
+          </p:cNvPr>
+          <p:cNvSpPr>
+            <a:spLocks noGrp="1"/>
+          </p:cNvSpPr>
+          <p:nvPr>
+            <p:ph idx="1"/>
+          </p:nvPr>
+        </p:nvSpPr>
+        <p:spPr/>
+        <p:txBody>
+          <a:bodyPr/>
+          <a:lstStyle/>
+          <a:p>
+            <a:pPr marL="0" indent="0">
+              <a:buNone/>
+            </a:pPr>
+            <a:r>
+              <a:rPr lang="en-US" dirty="0">
+                <a:solidFill>
+                  <a:schemeClr val="tx2">
+                    <a:lumMod val="75000"/>
+                  </a:schemeClr>
+                </a:solidFill>
+              </a:rPr>
+              <a:t>The studio should study their genre focus, franchise development,</a:t>
+            </a:r>
+          </a:p>
+          <a:p>
+            <a:endParaRPr lang="en-US" dirty="0">
+              <a:solidFill>
+                <a:schemeClr val="tx2">
+                  <a:lumMod val="75000"/>
+                </a:schemeClr>
+              </a:solidFill>
+            </a:endParaRPr>
+          </a:p>
+          <a:p>
+            <a:pPr marL="0" indent="0">
+              <a:buNone/>
+            </a:pPr>
+            <a:r>
+              <a:rPr lang="en-US" dirty="0">
+                <a:solidFill>
+                  <a:schemeClr val="tx2">
+                    <a:lumMod val="75000"/>
+                  </a:schemeClr>
+                </a:solidFill>
+              </a:rPr>
+              <a:t> marketing tactics and consider even partnerships or niche</a:t>
+            </a:r>
+          </a:p>
+          <a:p>
+            <a:pPr marL="0" indent="0">
+              <a:buNone/>
+            </a:pPr>
+            <a:endParaRPr lang="en-US" dirty="0">
+              <a:solidFill>
+                <a:schemeClr val="tx2">
+                  <a:lumMod val="75000"/>
+                </a:schemeClr>
+              </a:solidFill>
+            </a:endParaRPr>
+          </a:p>
+          <a:p>
+            <a:pPr marL="0" indent="0">
+              <a:buNone/>
+            </a:pPr>
+            <a:r>
+              <a:rPr lang="en-US" dirty="0">
+                <a:solidFill>
+                  <a:schemeClr val="tx2">
+                    <a:lumMod val="75000"/>
+                  </a:schemeClr>
+                </a:solidFill>
+              </a:rPr>
+              <a:t> differentiation.</a:t>
+            </a:r>
+          </a:p>
+        </p:txBody>
+      </p:sp>
+    </p:spTree>
+    <p:extLst>
+      <p:ext uri="{BB962C8B-B14F-4D97-AF65-F5344CB8AC3E}">
+        <p14:creationId xmlns:p14="http://schemas.microsoft.com/office/powerpoint/2010/main" val="3162715454"/>
+      </p:ext>
+    </p:extLst>
+  </p:cSld>
+  <p:clrMapOvr>
+    <a:masterClrMapping/>
+  </p:clrMapOvr>
+</p:sld>
+</file>
+
+<file path=ppt/slides/slide34.xml><?xml version="1.0" encoding="utf-8"?>
+<p:sld xmlns:a="http://schemas.openxmlformats.org/drawingml/2006/main" xmlns:r="http://schemas.openxmlformats.org/officeDocument/2006/relationships" xmlns:p="http://schemas.openxmlformats.org/presentationml/2006/main">
+  <p:cSld>
+    <p:spTree>
+      <p:nvGrpSpPr>
+        <p:cNvPr id="1" name=""/>
+        <p:cNvGrpSpPr/>
+        <p:nvPr/>
+      </p:nvGrpSpPr>
+      <p:grpSpPr>
+        <a:xfrm>
+          <a:off x="0" y="0"/>
+          <a:ext cx="0" cy="0"/>
+          <a:chOff x="0" y="0"/>
+          <a:chExt cx="0" cy="0"/>
+        </a:xfrm>
+      </p:grpSpPr>
+      <p:sp>
+        <p:nvSpPr>
+          <p:cNvPr id="2" name="Title 1">
+            <a:extLst>
+              <a:ext uri="{FF2B5EF4-FFF2-40B4-BE49-F238E27FC236}">
+                <a16:creationId xmlns:a16="http://schemas.microsoft.com/office/drawing/2014/main" id="{37C99CE9-3446-EFCC-8AC3-AF877D9BC411}"/>
+              </a:ext>
+            </a:extLst>
+          </p:cNvPr>
+          <p:cNvSpPr>
+            <a:spLocks noGrp="1"/>
+          </p:cNvSpPr>
+          <p:nvPr>
+            <p:ph type="title"/>
+          </p:nvPr>
+        </p:nvSpPr>
+        <p:spPr/>
+        <p:txBody>
+          <a:bodyPr>
+            <a:normAutofit fontScale="90000"/>
+          </a:bodyPr>
+          <a:lstStyle/>
+          <a:p>
+            <a:pPr marL="571500" indent="-571500">
+              <a:buFont typeface="Wingdings" panose="05000000000000000000" pitchFamily="2" charset="2"/>
+              <a:buChar char="q"/>
+            </a:pPr>
+            <a:r>
+              <a:rPr lang="en-US" dirty="0">
+                <a:solidFill>
+                  <a:schemeClr val="accent5">
+                    <a:lumMod val="75000"/>
+                  </a:schemeClr>
+                </a:solidFill>
+              </a:rPr>
+              <a:t>Use Popularity Driven Data To Guide Greenlighting</a:t>
+            </a:r>
+            <a:br>
+              <a:rPr lang="en-US" dirty="0"/>
+            </a:br>
+            <a:endParaRPr lang="en-US" dirty="0"/>
+          </a:p>
+        </p:txBody>
+      </p:sp>
+      <p:sp>
+        <p:nvSpPr>
+          <p:cNvPr id="3" name="Content Placeholder 2">
+            <a:extLst>
+              <a:ext uri="{FF2B5EF4-FFF2-40B4-BE49-F238E27FC236}">
+                <a16:creationId xmlns:a16="http://schemas.microsoft.com/office/drawing/2014/main" id="{D927CA4F-1D4F-7C07-E1E5-6D2F83E2F487}"/>
+              </a:ext>
+            </a:extLst>
+          </p:cNvPr>
+          <p:cNvSpPr>
+            <a:spLocks noGrp="1"/>
+          </p:cNvSpPr>
+          <p:nvPr>
+            <p:ph idx="1"/>
+          </p:nvPr>
+        </p:nvSpPr>
+        <p:spPr/>
+        <p:txBody>
+          <a:bodyPr/>
+          <a:lstStyle/>
+          <a:p>
+            <a:pPr marL="0" indent="0">
+              <a:buNone/>
+            </a:pPr>
+            <a:r>
+              <a:rPr lang="en-US" dirty="0">
+                <a:solidFill>
+                  <a:schemeClr val="tx2">
+                    <a:lumMod val="75000"/>
+                  </a:schemeClr>
+                </a:solidFill>
+              </a:rPr>
+              <a:t>The studio should incorporate pre-release popularity signals (social</a:t>
+            </a:r>
+          </a:p>
+          <a:p>
+            <a:pPr marL="0" indent="0">
+              <a:buNone/>
+            </a:pPr>
+            <a:endParaRPr lang="en-US" dirty="0">
+              <a:solidFill>
+                <a:schemeClr val="tx2">
+                  <a:lumMod val="75000"/>
+                </a:schemeClr>
+              </a:solidFill>
+            </a:endParaRPr>
+          </a:p>
+          <a:p>
+            <a:pPr marL="0" indent="0">
+              <a:buNone/>
+            </a:pPr>
+            <a:r>
+              <a:rPr lang="en-US" dirty="0">
+                <a:solidFill>
+                  <a:schemeClr val="tx2">
+                    <a:lumMod val="75000"/>
+                  </a:schemeClr>
+                </a:solidFill>
+              </a:rPr>
+              <a:t> buzz, early screenings, trailers, online engagement) into decision</a:t>
+            </a:r>
+          </a:p>
+          <a:p>
+            <a:pPr marL="0" indent="0">
+              <a:buNone/>
+            </a:pPr>
+            <a:endParaRPr lang="en-US" dirty="0">
+              <a:solidFill>
+                <a:schemeClr val="tx2">
+                  <a:lumMod val="75000"/>
+                </a:schemeClr>
+              </a:solidFill>
+            </a:endParaRPr>
+          </a:p>
+          <a:p>
+            <a:pPr marL="0" indent="0">
+              <a:buNone/>
+            </a:pPr>
+            <a:r>
+              <a:rPr lang="en-US" dirty="0">
+                <a:solidFill>
+                  <a:schemeClr val="tx2">
+                    <a:lumMod val="75000"/>
+                  </a:schemeClr>
+                </a:solidFill>
+              </a:rPr>
+              <a:t>-making when selecting projects.</a:t>
+            </a:r>
+          </a:p>
+        </p:txBody>
+      </p:sp>
+    </p:spTree>
+    <p:extLst>
+      <p:ext uri="{BB962C8B-B14F-4D97-AF65-F5344CB8AC3E}">
+        <p14:creationId xmlns:p14="http://schemas.microsoft.com/office/powerpoint/2010/main" val="3037102945"/>
+      </p:ext>
+    </p:extLst>
+  </p:cSld>
+  <p:clrMapOvr>
+    <a:masterClrMapping/>
+  </p:clrMapOvr>
+</p:sld>
+</file>
+
+<file path=ppt/slides/slide35.xml><?xml version="1.0" encoding="utf-8"?>
+<p:sld xmlns:a="http://schemas.openxmlformats.org/drawingml/2006/main" xmlns:r="http://schemas.openxmlformats.org/officeDocument/2006/relationships" xmlns:p="http://schemas.openxmlformats.org/presentationml/2006/main">
+  <p:cSld>
+    <p:spTree>
+      <p:nvGrpSpPr>
+        <p:cNvPr id="1" name=""/>
+        <p:cNvGrpSpPr/>
+        <p:nvPr/>
+      </p:nvGrpSpPr>
+      <p:grpSpPr>
+        <a:xfrm>
+          <a:off x="0" y="0"/>
+          <a:ext cx="0" cy="0"/>
+          <a:chOff x="0" y="0"/>
+          <a:chExt cx="0" cy="0"/>
+        </a:xfrm>
+      </p:grpSpPr>
+      <p:sp>
+        <p:nvSpPr>
+          <p:cNvPr id="2" name="Title 1">
+            <a:extLst>
+              <a:ext uri="{FF2B5EF4-FFF2-40B4-BE49-F238E27FC236}">
+                <a16:creationId xmlns:a16="http://schemas.microsoft.com/office/drawing/2014/main" id="{6E0C14B4-E8B8-6C37-D786-A9DD692D98BB}"/>
+              </a:ext>
+            </a:extLst>
+          </p:cNvPr>
+          <p:cNvSpPr>
+            <a:spLocks noGrp="1"/>
+          </p:cNvSpPr>
+          <p:nvPr>
+            <p:ph type="title"/>
+          </p:nvPr>
+        </p:nvSpPr>
+        <p:spPr/>
+        <p:txBody>
+          <a:bodyPr/>
+          <a:lstStyle/>
+          <a:p>
+            <a:pPr marL="571500" indent="-571500">
+              <a:buFont typeface="Wingdings" panose="05000000000000000000" pitchFamily="2" charset="2"/>
+              <a:buChar char="q"/>
+            </a:pPr>
+            <a:r>
+              <a:rPr lang="en-US" dirty="0">
+                <a:solidFill>
+                  <a:schemeClr val="accent5">
+                    <a:lumMod val="75000"/>
+                  </a:schemeClr>
+                </a:solidFill>
+              </a:rPr>
+              <a:t>Align Genre With Production Planning</a:t>
+            </a:r>
+            <a:br>
+              <a:rPr lang="en-US" dirty="0"/>
+            </a:br>
+            <a:endParaRPr lang="en-US" dirty="0"/>
+          </a:p>
+        </p:txBody>
+      </p:sp>
+      <p:sp>
+        <p:nvSpPr>
+          <p:cNvPr id="3" name="Content Placeholder 2">
+            <a:extLst>
+              <a:ext uri="{FF2B5EF4-FFF2-40B4-BE49-F238E27FC236}">
+                <a16:creationId xmlns:a16="http://schemas.microsoft.com/office/drawing/2014/main" id="{F62450AB-4732-7BB1-D329-82552677C8EC}"/>
+              </a:ext>
+            </a:extLst>
+          </p:cNvPr>
+          <p:cNvSpPr>
+            <a:spLocks noGrp="1"/>
+          </p:cNvSpPr>
+          <p:nvPr>
+            <p:ph idx="1"/>
+          </p:nvPr>
+        </p:nvSpPr>
+        <p:spPr/>
+        <p:txBody>
+          <a:bodyPr/>
+          <a:lstStyle/>
+          <a:p>
+            <a:pPr marL="0" indent="0">
+              <a:buNone/>
+            </a:pPr>
+            <a:r>
+              <a:rPr lang="en-US" dirty="0">
+                <a:solidFill>
+                  <a:schemeClr val="tx2">
+                    <a:lumMod val="75000"/>
+                  </a:schemeClr>
+                </a:solidFill>
+              </a:rPr>
+              <a:t>The head of the studio and the executive should plan budgets and</a:t>
+            </a:r>
+          </a:p>
+          <a:p>
+            <a:pPr marL="0" indent="0">
+              <a:buNone/>
+            </a:pPr>
+            <a:endParaRPr lang="en-US" dirty="0">
+              <a:solidFill>
+                <a:schemeClr val="tx2">
+                  <a:lumMod val="75000"/>
+                </a:schemeClr>
+              </a:solidFill>
+            </a:endParaRPr>
+          </a:p>
+          <a:p>
+            <a:pPr marL="0" indent="0">
+              <a:buNone/>
+            </a:pPr>
+            <a:r>
+              <a:rPr lang="en-US" dirty="0">
+                <a:solidFill>
+                  <a:schemeClr val="tx2">
+                    <a:lumMod val="75000"/>
+                  </a:schemeClr>
+                </a:solidFill>
+              </a:rPr>
+              <a:t> schedules according to genre expectations (e.g., longer runtimes for</a:t>
+            </a:r>
+          </a:p>
+          <a:p>
+            <a:pPr marL="0" indent="0">
+              <a:buNone/>
+            </a:pPr>
+            <a:endParaRPr lang="en-US" dirty="0">
+              <a:solidFill>
+                <a:schemeClr val="tx2">
+                  <a:lumMod val="75000"/>
+                </a:schemeClr>
+              </a:solidFill>
+            </a:endParaRPr>
+          </a:p>
+          <a:p>
+            <a:pPr marL="0" indent="0">
+              <a:buNone/>
+            </a:pPr>
+            <a:r>
+              <a:rPr lang="en-US" dirty="0">
+                <a:solidFill>
+                  <a:schemeClr val="tx2">
+                    <a:lumMod val="75000"/>
+                  </a:schemeClr>
+                </a:solidFill>
+              </a:rPr>
+              <a:t> action, adventure and Sci-fi).</a:t>
+            </a:r>
+          </a:p>
+        </p:txBody>
+      </p:sp>
+    </p:spTree>
+    <p:extLst>
+      <p:ext uri="{BB962C8B-B14F-4D97-AF65-F5344CB8AC3E}">
+        <p14:creationId xmlns:p14="http://schemas.microsoft.com/office/powerpoint/2010/main" val="1724323312"/>
       </p:ext>
     </p:extLst>
   </p:cSld>

--- a/project.pptx
+++ b/project.pptx
@@ -24,22 +24,33 @@
     <p:sldId id="280" r:id="rId18"/>
     <p:sldId id="281" r:id="rId19"/>
     <p:sldId id="282" r:id="rId20"/>
-    <p:sldId id="283" r:id="rId21"/>
-    <p:sldId id="284" r:id="rId22"/>
-    <p:sldId id="285" r:id="rId23"/>
-    <p:sldId id="286" r:id="rId24"/>
-    <p:sldId id="287" r:id="rId25"/>
-    <p:sldId id="288" r:id="rId26"/>
-    <p:sldId id="289" r:id="rId27"/>
-    <p:sldId id="290" r:id="rId28"/>
-    <p:sldId id="291" r:id="rId29"/>
-    <p:sldId id="269" r:id="rId30"/>
-    <p:sldId id="267" r:id="rId31"/>
-    <p:sldId id="268" r:id="rId32"/>
-    <p:sldId id="270" r:id="rId33"/>
-    <p:sldId id="271" r:id="rId34"/>
-    <p:sldId id="273" r:id="rId35"/>
-    <p:sldId id="272" r:id="rId36"/>
+    <p:sldId id="293" r:id="rId21"/>
+    <p:sldId id="283" r:id="rId22"/>
+    <p:sldId id="294" r:id="rId23"/>
+    <p:sldId id="284" r:id="rId24"/>
+    <p:sldId id="295" r:id="rId25"/>
+    <p:sldId id="285" r:id="rId26"/>
+    <p:sldId id="296" r:id="rId27"/>
+    <p:sldId id="286" r:id="rId28"/>
+    <p:sldId id="297" r:id="rId29"/>
+    <p:sldId id="287" r:id="rId30"/>
+    <p:sldId id="298" r:id="rId31"/>
+    <p:sldId id="288" r:id="rId32"/>
+    <p:sldId id="299" r:id="rId33"/>
+    <p:sldId id="289" r:id="rId34"/>
+    <p:sldId id="300" r:id="rId35"/>
+    <p:sldId id="290" r:id="rId36"/>
+    <p:sldId id="301" r:id="rId37"/>
+    <p:sldId id="291" r:id="rId38"/>
+    <p:sldId id="302" r:id="rId39"/>
+    <p:sldId id="269" r:id="rId40"/>
+    <p:sldId id="267" r:id="rId41"/>
+    <p:sldId id="268" r:id="rId42"/>
+    <p:sldId id="270" r:id="rId43"/>
+    <p:sldId id="271" r:id="rId44"/>
+    <p:sldId id="273" r:id="rId45"/>
+    <p:sldId id="272" r:id="rId46"/>
+    <p:sldId id="292" r:id="rId47"/>
   </p:sldIdLst>
   <p:sldSz cx="12192000" cy="6858000"/>
   <p:notesSz cx="6858000" cy="9144000"/>
@@ -3479,13 +3490,24 @@
             <p:ph idx="1"/>
           </p:nvPr>
         </p:nvSpPr>
-        <p:spPr/>
-        <p:txBody>
-          <a:bodyPr/>
-          <a:lstStyle/>
-          <a:p>
-            <a:r>
-              <a:rPr lang="en-US" dirty="0"/>
+        <p:spPr>
+          <a:xfrm>
+            <a:off x="838200" y="1789530"/>
+            <a:ext cx="10515600" cy="4351338"/>
+          </a:xfrm>
+        </p:spPr>
+        <p:txBody>
+          <a:bodyPr/>
+          <a:lstStyle/>
+          <a:p>
+            <a:r>
+              <a:rPr lang="en-US" dirty="0">
+                <a:solidFill>
+                  <a:schemeClr val="tx2">
+                    <a:lumMod val="75000"/>
+                  </a:schemeClr>
+                </a:solidFill>
+              </a:rPr>
               <a:t>The IMDB data is stored in a SQLite database. </a:t>
             </a:r>
           </a:p>
@@ -3493,27 +3515,37 @@
             <a:pPr marL="0" indent="0">
               <a:buNone/>
             </a:pPr>
-            <a:endParaRPr lang="en-US" dirty="0"/>
-          </a:p>
-          <a:p>
-            <a:r>
-              <a:rPr lang="en-US" dirty="0"/>
-              <a:t>The database contains multiple </a:t>
-            </a:r>
-            <a:r>
-              <a:rPr lang="en-US" dirty="0" err="1"/>
-              <a:t>tables;however</a:t>
-            </a:r>
-            <a:r>
-              <a:rPr lang="en-US" dirty="0"/>
-              <a:t> this analysis focuses on:</a:t>
+            <a:endParaRPr lang="en-US" dirty="0">
+              <a:solidFill>
+                <a:schemeClr val="tx2">
+                  <a:lumMod val="75000"/>
+                </a:schemeClr>
+              </a:solidFill>
+            </a:endParaRPr>
+          </a:p>
+          <a:p>
+            <a:r>
+              <a:rPr lang="en-US" dirty="0">
+                <a:solidFill>
+                  <a:schemeClr val="tx2">
+                    <a:lumMod val="75000"/>
+                  </a:schemeClr>
+                </a:solidFill>
+              </a:rPr>
+              <a:t>The database contains multiple tables; however this analysis focuses on:</a:t>
             </a:r>
           </a:p>
           <a:p>
             <a:pPr marL="0" indent="0">
               <a:buNone/>
             </a:pPr>
-            <a:endParaRPr lang="en-US" dirty="0"/>
+            <a:endParaRPr lang="en-US" dirty="0">
+              <a:solidFill>
+                <a:schemeClr val="tx2">
+                  <a:lumMod val="75000"/>
+                </a:schemeClr>
+              </a:solidFill>
+            </a:endParaRPr>
           </a:p>
           <a:p>
             <a:pPr marL="514350" indent="-514350">
@@ -3521,24 +3553,54 @@
               <a:buAutoNum type="alphaLcParenR"/>
             </a:pPr>
             <a:r>
-              <a:rPr lang="en-US" dirty="0" err="1"/>
+              <a:rPr lang="en-US" dirty="0" err="1">
+                <a:solidFill>
+                  <a:schemeClr val="tx2">
+                    <a:lumMod val="75000"/>
+                  </a:schemeClr>
+                </a:solidFill>
+              </a:rPr>
               <a:t>movie_basics</a:t>
             </a:r>
-            <a:endParaRPr lang="en-US" dirty="0"/>
+            <a:endParaRPr lang="en-US" dirty="0">
+              <a:solidFill>
+                <a:schemeClr val="tx2">
+                  <a:lumMod val="75000"/>
+                </a:schemeClr>
+              </a:solidFill>
+            </a:endParaRPr>
           </a:p>
           <a:p>
             <a:pPr marL="0" indent="0">
               <a:buNone/>
             </a:pPr>
             <a:r>
-              <a:rPr lang="en-US" dirty="0"/>
+              <a:rPr lang="en-US" dirty="0">
+                <a:solidFill>
+                  <a:schemeClr val="tx2">
+                    <a:lumMod val="75000"/>
+                  </a:schemeClr>
+                </a:solidFill>
+              </a:rPr>
               <a:t>b)  </a:t>
             </a:r>
             <a:r>
-              <a:rPr lang="en-US" dirty="0" err="1"/>
+              <a:rPr lang="en-US" dirty="0" err="1">
+                <a:solidFill>
+                  <a:schemeClr val="tx2">
+                    <a:lumMod val="75000"/>
+                  </a:schemeClr>
+                </a:solidFill>
+              </a:rPr>
               <a:t>movie_ratings</a:t>
             </a:r>
-            <a:endParaRPr lang="en-US" dirty="0"/>
+            <a:endParaRPr lang="en-US" dirty="0">
+              <a:solidFill>
+                <a:schemeClr val="tx2">
+                  <a:lumMod val="75000"/>
+                </a:schemeClr>
+              </a:solidFill>
+            </a:endParaRPr>
           </a:p>
           <a:p>
             <a:endParaRPr lang="en-US" dirty="0"/>
@@ -3631,7 +3693,13 @@
           <a:lstStyle/>
           <a:p>
             <a:r>
-              <a:rPr lang="en-US" dirty="0"/>
+              <a:rPr lang="en-US" dirty="0">
+                <a:solidFill>
+                  <a:schemeClr val="tx2">
+                    <a:lumMod val="75000"/>
+                  </a:schemeClr>
+                </a:solidFill>
+              </a:rPr>
               <a:t>The TMDB dataset provides detailed information about movies,</a:t>
             </a:r>
           </a:p>
@@ -3640,13 +3708,25 @@
               <a:buNone/>
             </a:pPr>
             <a:r>
-              <a:rPr lang="en-US" dirty="0"/>
+              <a:rPr lang="en-US" dirty="0">
+                <a:solidFill>
+                  <a:schemeClr val="tx2">
+                    <a:lumMod val="75000"/>
+                  </a:schemeClr>
+                </a:solidFill>
+              </a:rPr>
               <a:t> including popularity metrics and audience ratings.</a:t>
             </a:r>
           </a:p>
           <a:p>
             <a:r>
-              <a:rPr lang="en-US" dirty="0"/>
+              <a:rPr lang="en-US" dirty="0">
+                <a:solidFill>
+                  <a:schemeClr val="tx2">
+                    <a:lumMod val="75000"/>
+                  </a:schemeClr>
+                </a:solidFill>
+              </a:rPr>
               <a:t> This dataset perfectly complements the IMDB and Box Office Mojo</a:t>
             </a:r>
           </a:p>
@@ -3655,7 +3735,13 @@
               <a:buNone/>
             </a:pPr>
             <a:r>
-              <a:rPr lang="en-US" dirty="0"/>
+              <a:rPr lang="en-US" dirty="0">
+                <a:solidFill>
+                  <a:schemeClr val="tx2">
+                    <a:lumMod val="75000"/>
+                  </a:schemeClr>
+                </a:solidFill>
+              </a:rPr>
               <a:t> datasets.</a:t>
             </a:r>
           </a:p>
@@ -3829,15 +3915,33 @@
           <a:lstStyle/>
           <a:p>
             <a:r>
-              <a:rPr lang="en-US" dirty="0"/>
+              <a:rPr lang="en-US" dirty="0">
+                <a:solidFill>
+                  <a:schemeClr val="tx2">
+                    <a:lumMod val="75000"/>
+                  </a:schemeClr>
+                </a:solidFill>
+              </a:rPr>
               <a:t>All null values were removed from the </a:t>
             </a:r>
             <a:r>
-              <a:rPr lang="en-US" dirty="0" err="1"/>
+              <a:rPr lang="en-US" dirty="0" err="1">
+                <a:solidFill>
+                  <a:schemeClr val="tx2">
+                    <a:lumMod val="75000"/>
+                  </a:schemeClr>
+                </a:solidFill>
+              </a:rPr>
               <a:t>movie_basics</a:t>
             </a:r>
             <a:r>
-              <a:rPr lang="en-US" dirty="0"/>
+              <a:rPr lang="en-US" dirty="0">
+                <a:solidFill>
+                  <a:schemeClr val="tx2">
+                    <a:lumMod val="75000"/>
+                  </a:schemeClr>
+                </a:solidFill>
+              </a:rPr>
               <a:t> dataset.</a:t>
             </a:r>
           </a:p>
@@ -3845,19 +3949,43 @@
             <a:pPr marL="0" indent="0">
               <a:buNone/>
             </a:pPr>
-            <a:endParaRPr lang="en-US" dirty="0"/>
-          </a:p>
-          <a:p>
-            <a:r>
-              <a:rPr lang="en-US" dirty="0"/>
+            <a:endParaRPr lang="en-US" dirty="0">
+              <a:solidFill>
+                <a:schemeClr val="tx2">
+                  <a:lumMod val="75000"/>
+                </a:schemeClr>
+              </a:solidFill>
+            </a:endParaRPr>
+          </a:p>
+          <a:p>
+            <a:r>
+              <a:rPr lang="en-US" dirty="0">
+                <a:solidFill>
+                  <a:schemeClr val="tx2">
+                    <a:lumMod val="75000"/>
+                  </a:schemeClr>
+                </a:solidFill>
+              </a:rPr>
               <a:t>The </a:t>
             </a:r>
             <a:r>
-              <a:rPr lang="en-US" dirty="0" err="1"/>
+              <a:rPr lang="en-US" dirty="0" err="1">
+                <a:solidFill>
+                  <a:schemeClr val="tx2">
+                    <a:lumMod val="75000"/>
+                  </a:schemeClr>
+                </a:solidFill>
+              </a:rPr>
               <a:t>original_title</a:t>
             </a:r>
             <a:r>
-              <a:rPr lang="en-US" dirty="0"/>
+              <a:rPr lang="en-US" dirty="0">
+                <a:solidFill>
+                  <a:schemeClr val="tx2">
+                    <a:lumMod val="75000"/>
+                  </a:schemeClr>
+                </a:solidFill>
+              </a:rPr>
               <a:t> column was removed as it held no significance in </a:t>
             </a:r>
           </a:p>
@@ -3866,7 +3994,13 @@
               <a:buNone/>
             </a:pPr>
             <a:r>
-              <a:rPr lang="en-US" dirty="0"/>
+              <a:rPr lang="en-US" dirty="0">
+                <a:solidFill>
+                  <a:schemeClr val="tx2">
+                    <a:lumMod val="75000"/>
+                  </a:schemeClr>
+                </a:solidFill>
+              </a:rPr>
               <a:t>the analysis.</a:t>
             </a:r>
           </a:p>
@@ -3874,11 +4008,23 @@
             <a:pPr marL="0" indent="0">
               <a:buNone/>
             </a:pPr>
-            <a:endParaRPr lang="en-US" dirty="0"/>
-          </a:p>
-          <a:p>
-            <a:r>
-              <a:rPr lang="en-US" dirty="0"/>
+            <a:endParaRPr lang="en-US" dirty="0">
+              <a:solidFill>
+                <a:schemeClr val="tx2">
+                  <a:lumMod val="75000"/>
+                </a:schemeClr>
+              </a:solidFill>
+            </a:endParaRPr>
+          </a:p>
+          <a:p>
+            <a:r>
+              <a:rPr lang="en-US" dirty="0">
+                <a:solidFill>
+                  <a:schemeClr val="tx2">
+                    <a:lumMod val="75000"/>
+                  </a:schemeClr>
+                </a:solidFill>
+              </a:rPr>
               <a:t>The dataset did not contain any duplicates.</a:t>
             </a:r>
           </a:p>
@@ -3982,40 +4128,94 @@
           <a:lstStyle/>
           <a:p>
             <a:r>
-              <a:rPr lang="en-US" dirty="0"/>
+              <a:rPr lang="en-US" dirty="0">
+                <a:solidFill>
+                  <a:schemeClr val="tx2">
+                    <a:lumMod val="75000"/>
+                  </a:schemeClr>
+                </a:solidFill>
+              </a:rPr>
               <a:t>The </a:t>
             </a:r>
             <a:r>
-              <a:rPr lang="en-US" dirty="0" err="1"/>
+              <a:rPr lang="en-US" dirty="0" err="1">
+                <a:solidFill>
+                  <a:schemeClr val="tx2">
+                    <a:lumMod val="75000"/>
+                  </a:schemeClr>
+                </a:solidFill>
+              </a:rPr>
               <a:t>movie_ratings</a:t>
             </a:r>
             <a:r>
-              <a:rPr lang="en-US" dirty="0"/>
+              <a:rPr lang="en-US" dirty="0">
+                <a:solidFill>
+                  <a:schemeClr val="tx2">
+                    <a:lumMod val="75000"/>
+                  </a:schemeClr>
+                </a:solidFill>
+              </a:rPr>
               <a:t> dataset did not contain any null values.</a:t>
             </a:r>
           </a:p>
           <a:p>
-            <a:endParaRPr lang="en-US" dirty="0"/>
-          </a:p>
-          <a:p>
-            <a:r>
-              <a:rPr lang="en-US" dirty="0"/>
+            <a:endParaRPr lang="en-US" dirty="0">
+              <a:solidFill>
+                <a:schemeClr val="tx2">
+                  <a:lumMod val="75000"/>
+                </a:schemeClr>
+              </a:solidFill>
+            </a:endParaRPr>
+          </a:p>
+          <a:p>
+            <a:r>
+              <a:rPr lang="en-US" dirty="0">
+                <a:solidFill>
+                  <a:schemeClr val="tx2">
+                    <a:lumMod val="75000"/>
+                  </a:schemeClr>
+                </a:solidFill>
+              </a:rPr>
               <a:t>The </a:t>
             </a:r>
             <a:r>
-              <a:rPr lang="en-US" dirty="0" err="1"/>
+              <a:rPr lang="en-US" dirty="0" err="1">
+                <a:solidFill>
+                  <a:schemeClr val="tx2">
+                    <a:lumMod val="75000"/>
+                  </a:schemeClr>
+                </a:solidFill>
+              </a:rPr>
               <a:t>movie_basics</a:t>
             </a:r>
             <a:r>
-              <a:rPr lang="en-US" dirty="0"/>
+              <a:rPr lang="en-US" dirty="0">
+                <a:solidFill>
+                  <a:schemeClr val="tx2">
+                    <a:lumMod val="75000"/>
+                  </a:schemeClr>
+                </a:solidFill>
+              </a:rPr>
               <a:t> and </a:t>
             </a:r>
             <a:r>
-              <a:rPr lang="en-US" dirty="0" err="1"/>
+              <a:rPr lang="en-US" dirty="0" err="1">
+                <a:solidFill>
+                  <a:schemeClr val="tx2">
+                    <a:lumMod val="75000"/>
+                  </a:schemeClr>
+                </a:solidFill>
+              </a:rPr>
               <a:t>movie_ratings</a:t>
             </a:r>
             <a:r>
-              <a:rPr lang="en-US" dirty="0"/>
+              <a:rPr lang="en-US" dirty="0">
+                <a:solidFill>
+                  <a:schemeClr val="tx2">
+                    <a:lumMod val="75000"/>
+                  </a:schemeClr>
+                </a:solidFill>
+              </a:rPr>
               <a:t> were merged using the common</a:t>
             </a:r>
           </a:p>
@@ -4023,22 +4223,46 @@
             <a:pPr marL="0" indent="0">
               <a:buNone/>
             </a:pPr>
-            <a:endParaRPr lang="en-US" dirty="0"/>
+            <a:endParaRPr lang="en-US" dirty="0">
+              <a:solidFill>
+                <a:schemeClr val="tx2">
+                  <a:lumMod val="75000"/>
+                </a:schemeClr>
+              </a:solidFill>
+            </a:endParaRPr>
           </a:p>
           <a:p>
             <a:pPr marL="0" indent="0">
               <a:buNone/>
             </a:pPr>
             <a:r>
-              <a:rPr lang="en-US" dirty="0"/>
+              <a:rPr lang="en-US" dirty="0">
+                <a:solidFill>
+                  <a:schemeClr val="tx2">
+                    <a:lumMod val="75000"/>
+                  </a:schemeClr>
+                </a:solidFill>
+              </a:rPr>
               <a:t> column being </a:t>
             </a:r>
             <a:r>
-              <a:rPr lang="en-US" i="1" dirty="0" err="1"/>
+              <a:rPr lang="en-US" i="1" dirty="0" err="1">
+                <a:solidFill>
+                  <a:schemeClr val="tx2">
+                    <a:lumMod val="75000"/>
+                  </a:schemeClr>
+                </a:solidFill>
+              </a:rPr>
               <a:t>movie_id</a:t>
             </a:r>
             <a:r>
-              <a:rPr lang="en-US" dirty="0"/>
+              <a:rPr lang="en-US" dirty="0">
+                <a:solidFill>
+                  <a:schemeClr val="tx2">
+                    <a:lumMod val="75000"/>
+                  </a:schemeClr>
+                </a:solidFill>
+              </a:rPr>
               <a:t> which resulted in rows with</a:t>
             </a:r>
           </a:p>
@@ -4046,22 +4270,46 @@
             <a:pPr marL="0" indent="0">
               <a:buNone/>
             </a:pPr>
-            <a:endParaRPr lang="en-US" dirty="0"/>
+            <a:endParaRPr lang="en-US" dirty="0">
+              <a:solidFill>
+                <a:schemeClr val="tx2">
+                  <a:lumMod val="75000"/>
+                </a:schemeClr>
+              </a:solidFill>
+            </a:endParaRPr>
           </a:p>
           <a:p>
             <a:pPr marL="0" indent="0">
               <a:buNone/>
             </a:pPr>
             <a:r>
-              <a:rPr lang="en-US" dirty="0"/>
+              <a:rPr lang="en-US" dirty="0">
+                <a:solidFill>
+                  <a:schemeClr val="tx2">
+                    <a:lumMod val="75000"/>
+                  </a:schemeClr>
+                </a:solidFill>
+              </a:rPr>
               <a:t> matching  </a:t>
             </a:r>
             <a:r>
-              <a:rPr lang="en-US" i="1" dirty="0" err="1"/>
+              <a:rPr lang="en-US" i="1" dirty="0" err="1">
+                <a:solidFill>
+                  <a:schemeClr val="tx2">
+                    <a:lumMod val="75000"/>
+                  </a:schemeClr>
+                </a:solidFill>
+              </a:rPr>
               <a:t>movie_id</a:t>
             </a:r>
             <a:r>
-              <a:rPr lang="en-US" dirty="0"/>
+              <a:rPr lang="en-US" dirty="0">
+                <a:solidFill>
+                  <a:schemeClr val="tx2">
+                    <a:lumMod val="75000"/>
+                  </a:schemeClr>
+                </a:solidFill>
+              </a:rPr>
               <a:t> to be chosen and resulted in</a:t>
             </a:r>
           </a:p>
@@ -4069,22 +4317,46 @@
             <a:pPr marL="0" indent="0">
               <a:buNone/>
             </a:pPr>
-            <a:endParaRPr lang="en-US" dirty="0"/>
+            <a:endParaRPr lang="en-US" dirty="0">
+              <a:solidFill>
+                <a:schemeClr val="tx2">
+                  <a:lumMod val="75000"/>
+                </a:schemeClr>
+              </a:solidFill>
+            </a:endParaRPr>
           </a:p>
           <a:p>
             <a:pPr marL="0" indent="0">
               <a:buNone/>
             </a:pPr>
             <a:r>
-              <a:rPr lang="en-US" dirty="0"/>
+              <a:rPr lang="en-US" dirty="0">
+                <a:solidFill>
+                  <a:schemeClr val="tx2">
+                    <a:lumMod val="75000"/>
+                  </a:schemeClr>
+                </a:solidFill>
+              </a:rPr>
               <a:t> the </a:t>
             </a:r>
             <a:r>
-              <a:rPr lang="en-US" dirty="0" err="1"/>
+              <a:rPr lang="en-US" dirty="0" err="1">
+                <a:solidFill>
+                  <a:schemeClr val="tx2">
+                    <a:lumMod val="75000"/>
+                  </a:schemeClr>
+                </a:solidFill>
+              </a:rPr>
               <a:t>merged_imdb</a:t>
             </a:r>
             <a:r>
-              <a:rPr lang="en-US" dirty="0"/>
+              <a:rPr lang="en-US" dirty="0">
+                <a:solidFill>
+                  <a:schemeClr val="tx2">
+                    <a:lumMod val="75000"/>
+                  </a:schemeClr>
+                </a:solidFill>
+              </a:rPr>
               <a:t> dataset.</a:t>
             </a:r>
           </a:p>
@@ -4180,36 +4452,78 @@
           <a:lstStyle/>
           <a:p>
             <a:r>
-              <a:rPr lang="en-US" dirty="0"/>
+              <a:rPr lang="en-US" dirty="0">
+                <a:solidFill>
+                  <a:schemeClr val="tx2">
+                    <a:lumMod val="75000"/>
+                  </a:schemeClr>
+                </a:solidFill>
+              </a:rPr>
               <a:t>All null values were removed from the gross dataset.</a:t>
             </a:r>
           </a:p>
           <a:p>
-            <a:endParaRPr lang="en-US" dirty="0"/>
-          </a:p>
-          <a:p>
-            <a:r>
-              <a:rPr lang="en-US" dirty="0"/>
+            <a:endParaRPr lang="en-US" dirty="0">
+              <a:solidFill>
+                <a:schemeClr val="tx2">
+                  <a:lumMod val="75000"/>
+                </a:schemeClr>
+              </a:solidFill>
+            </a:endParaRPr>
+          </a:p>
+          <a:p>
+            <a:r>
+              <a:rPr lang="en-US" dirty="0">
+                <a:solidFill>
+                  <a:schemeClr val="tx2">
+                    <a:lumMod val="75000"/>
+                  </a:schemeClr>
+                </a:solidFill>
+              </a:rPr>
               <a:t>The domestic and foreign gross columns were merged and dropped</a:t>
             </a:r>
           </a:p>
           <a:p>
-            <a:endParaRPr lang="en-US" dirty="0"/>
+            <a:endParaRPr lang="en-US" dirty="0">
+              <a:solidFill>
+                <a:schemeClr val="tx2">
+                  <a:lumMod val="75000"/>
+                </a:schemeClr>
+              </a:solidFill>
+            </a:endParaRPr>
           </a:p>
           <a:p>
             <a:pPr marL="0" indent="0">
               <a:buNone/>
             </a:pPr>
             <a:r>
-              <a:rPr lang="en-US" dirty="0"/>
+              <a:rPr lang="en-US" dirty="0">
+                <a:solidFill>
+                  <a:schemeClr val="tx2">
+                    <a:lumMod val="75000"/>
+                  </a:schemeClr>
+                </a:solidFill>
+              </a:rPr>
               <a:t> to form a </a:t>
             </a:r>
             <a:r>
-              <a:rPr lang="en-US" i="1" dirty="0" err="1"/>
+              <a:rPr lang="en-US" i="1" dirty="0" err="1">
+                <a:solidFill>
+                  <a:schemeClr val="tx2">
+                    <a:lumMod val="75000"/>
+                  </a:schemeClr>
+                </a:solidFill>
+              </a:rPr>
               <a:t>total_gross</a:t>
             </a:r>
             <a:r>
-              <a:rPr lang="en-US" dirty="0"/>
+              <a:rPr lang="en-US" dirty="0">
+                <a:solidFill>
+                  <a:schemeClr val="tx2">
+                    <a:lumMod val="75000"/>
+                  </a:schemeClr>
+                </a:solidFill>
+              </a:rPr>
               <a:t> column.</a:t>
             </a:r>
           </a:p>
@@ -4330,7 +4644,13 @@
           <a:lstStyle/>
           <a:p>
             <a:r>
-              <a:rPr lang="en-US" dirty="0"/>
+              <a:rPr lang="en-US" dirty="0">
+                <a:solidFill>
+                  <a:schemeClr val="tx2">
+                    <a:lumMod val="75000"/>
+                  </a:schemeClr>
+                </a:solidFill>
+              </a:rPr>
               <a:t>This TMDB dataset did not contain any null values.</a:t>
             </a:r>
           </a:p>
@@ -4338,11 +4658,23 @@
             <a:pPr marL="0" indent="0">
               <a:buNone/>
             </a:pPr>
-            <a:endParaRPr lang="en-US" dirty="0"/>
-          </a:p>
-          <a:p>
-            <a:r>
-              <a:rPr lang="en-US" dirty="0"/>
+            <a:endParaRPr lang="en-US" dirty="0">
+              <a:solidFill>
+                <a:schemeClr val="tx2">
+                  <a:lumMod val="75000"/>
+                </a:schemeClr>
+              </a:solidFill>
+            </a:endParaRPr>
+          </a:p>
+          <a:p>
+            <a:r>
+              <a:rPr lang="en-US" dirty="0">
+                <a:solidFill>
+                  <a:schemeClr val="tx2">
+                    <a:lumMod val="75000"/>
+                  </a:schemeClr>
+                </a:solidFill>
+              </a:rPr>
               <a:t>The IMDB and gross datasets were merged using the common</a:t>
             </a:r>
           </a:p>
@@ -4350,14 +4682,26 @@
             <a:pPr marL="0" indent="0">
               <a:buNone/>
             </a:pPr>
-            <a:endParaRPr lang="en-US" dirty="0"/>
+            <a:endParaRPr lang="en-US" dirty="0">
+              <a:solidFill>
+                <a:schemeClr val="tx2">
+                  <a:lumMod val="75000"/>
+                </a:schemeClr>
+              </a:solidFill>
+            </a:endParaRPr>
           </a:p>
           <a:p>
             <a:pPr marL="0" indent="0">
               <a:buNone/>
             </a:pPr>
             <a:r>
-              <a:rPr lang="en-US" dirty="0"/>
+              <a:rPr lang="en-US" dirty="0">
+                <a:solidFill>
+                  <a:schemeClr val="tx2">
+                    <a:lumMod val="75000"/>
+                  </a:schemeClr>
+                </a:solidFill>
+              </a:rPr>
               <a:t> columns, title and year, found in both datasets.</a:t>
             </a:r>
           </a:p>
@@ -4365,11 +4709,23 @@
             <a:pPr marL="0" indent="0">
               <a:buNone/>
             </a:pPr>
-            <a:endParaRPr lang="en-US" dirty="0"/>
-          </a:p>
-          <a:p>
-            <a:r>
-              <a:rPr lang="en-US" dirty="0"/>
+            <a:endParaRPr lang="en-US" dirty="0">
+              <a:solidFill>
+                <a:schemeClr val="tx2">
+                  <a:lumMod val="75000"/>
+                </a:schemeClr>
+              </a:solidFill>
+            </a:endParaRPr>
+          </a:p>
+          <a:p>
+            <a:r>
+              <a:rPr lang="en-US" dirty="0">
+                <a:solidFill>
+                  <a:schemeClr val="tx2">
+                    <a:lumMod val="75000"/>
+                  </a:schemeClr>
+                </a:solidFill>
+              </a:rPr>
               <a:t>The title column of the TMDB dataset was also merged.</a:t>
             </a:r>
           </a:p>
@@ -4377,11 +4733,23 @@
             <a:pPr marL="0" indent="0">
               <a:buNone/>
             </a:pPr>
-            <a:endParaRPr lang="en-US" dirty="0"/>
-          </a:p>
-          <a:p>
-            <a:r>
-              <a:rPr lang="en-US" dirty="0"/>
+            <a:endParaRPr lang="en-US" dirty="0">
+              <a:solidFill>
+                <a:schemeClr val="tx2">
+                  <a:lumMod val="75000"/>
+                </a:schemeClr>
+              </a:solidFill>
+            </a:endParaRPr>
+          </a:p>
+          <a:p>
+            <a:r>
+              <a:rPr lang="en-US" dirty="0">
+                <a:solidFill>
+                  <a:schemeClr val="tx2">
+                    <a:lumMod val="75000"/>
+                  </a:schemeClr>
+                </a:solidFill>
+              </a:rPr>
               <a:t>The final merge resulted in 1424 rows and 9 handpicked columns.</a:t>
             </a:r>
           </a:p>
@@ -4828,7 +5196,7 @@
           <p:cNvPr id="2" name="Title 1">
             <a:extLst>
               <a:ext uri="{FF2B5EF4-FFF2-40B4-BE49-F238E27FC236}">
-                <a16:creationId xmlns:a16="http://schemas.microsoft.com/office/drawing/2014/main" id="{2A475C49-C1C2-9E36-D560-9DE82BF40407}"/>
+                <a16:creationId xmlns:a16="http://schemas.microsoft.com/office/drawing/2014/main" id="{967A9B90-FEC1-433F-A4C7-4EFA15AECD93}"/>
               </a:ext>
             </a:extLst>
           </p:cNvPr>
@@ -4852,68 +5220,71 @@
                   </a:schemeClr>
                 </a:solidFill>
               </a:rPr>
-              <a:t>Genre against gross</a:t>
-            </a:r>
-            <a:br>
-              <a:rPr lang="en-US" dirty="0"/>
-            </a:br>
-            <a:endParaRPr lang="en-US" dirty="0"/>
-          </a:p>
-        </p:txBody>
-      </p:sp>
-      <p:pic>
-        <p:nvPicPr>
-          <p:cNvPr id="2050" name="Picture 2">
-            <a:extLst>
-              <a:ext uri="{FF2B5EF4-FFF2-40B4-BE49-F238E27FC236}">
-                <a16:creationId xmlns:a16="http://schemas.microsoft.com/office/drawing/2014/main" id="{1906EAAA-FB19-2204-0A50-D9AC5D907DAD}"/>
-              </a:ext>
-            </a:extLst>
-          </p:cNvPr>
-          <p:cNvPicPr>
-            <a:picLocks noGrp="1" noChangeAspect="1" noChangeArrowheads="1"/>
-          </p:cNvPicPr>
+              <a:t>Finding</a:t>
+            </a:r>
+          </a:p>
+        </p:txBody>
+      </p:sp>
+      <p:sp>
+        <p:nvSpPr>
+          <p:cNvPr id="3" name="Content Placeholder 2">
+            <a:extLst>
+              <a:ext uri="{FF2B5EF4-FFF2-40B4-BE49-F238E27FC236}">
+                <a16:creationId xmlns:a16="http://schemas.microsoft.com/office/drawing/2014/main" id="{1338544B-2D69-C84A-6A5D-BC7BDB50EB19}"/>
+              </a:ext>
+            </a:extLst>
+          </p:cNvPr>
+          <p:cNvSpPr>
+            <a:spLocks noGrp="1"/>
+          </p:cNvSpPr>
           <p:nvPr>
             <p:ph idx="1"/>
           </p:nvPr>
-        </p:nvPicPr>
-        <p:blipFill>
-          <a:blip r:embed="rId2">
-            <a:extLst>
-              <a:ext uri="{28A0092B-C50C-407E-A947-70E740481C1C}">
-                <a14:useLocalDpi xmlns:a14="http://schemas.microsoft.com/office/drawing/2010/main" val="0"/>
-              </a:ext>
-            </a:extLst>
-          </a:blip>
-          <a:srcRect/>
-          <a:stretch>
-            <a:fillRect/>
-          </a:stretch>
-        </p:blipFill>
-        <p:spPr bwMode="auto">
+        </p:nvSpPr>
+        <p:spPr>
           <a:xfrm>
-            <a:off x="2005582" y="1377108"/>
-            <a:ext cx="9024080" cy="4799855"/>
+            <a:off x="838200" y="1690688"/>
+            <a:ext cx="10515600" cy="4351338"/>
           </a:xfrm>
-          <a:prstGeom prst="rect">
-            <a:avLst/>
-          </a:prstGeom>
-          <a:noFill/>
-          <a:extLst>
-            <a:ext uri="{909E8E84-426E-40DD-AFC4-6F175D3DCCD1}">
-              <a14:hiddenFill xmlns:a14="http://schemas.microsoft.com/office/drawing/2010/main">
-                <a:solidFill>
-                  <a:srgbClr val="FFFFFF"/>
-                </a:solidFill>
-              </a14:hiddenFill>
-            </a:ext>
-          </a:extLst>
         </p:spPr>
-      </p:pic>
+        <p:txBody>
+          <a:bodyPr>
+            <a:normAutofit/>
+          </a:bodyPr>
+          <a:lstStyle/>
+          <a:p>
+            <a:r>
+              <a:rPr lang="en-US" sz="3600" dirty="0">
+                <a:solidFill>
+                  <a:schemeClr val="tx2">
+                    <a:lumMod val="75000"/>
+                  </a:schemeClr>
+                </a:solidFill>
+              </a:rPr>
+              <a:t>Films with an average rating of 7 do very well in terms</a:t>
+            </a:r>
+          </a:p>
+          <a:p>
+            <a:pPr marL="0" indent="0">
+              <a:buNone/>
+            </a:pPr>
+            <a:r>
+              <a:rPr lang="en-US" sz="3600" dirty="0">
+                <a:solidFill>
+                  <a:schemeClr val="tx2">
+                    <a:lumMod val="75000"/>
+                  </a:schemeClr>
+                </a:solidFill>
+              </a:rPr>
+              <a:t> of gross.</a:t>
+            </a:r>
+          </a:p>
+        </p:txBody>
+      </p:sp>
     </p:spTree>
     <p:extLst>
       <p:ext uri="{BB962C8B-B14F-4D97-AF65-F5344CB8AC3E}">
-        <p14:creationId xmlns:p14="http://schemas.microsoft.com/office/powerpoint/2010/main" val="2764557826"/>
+        <p14:creationId xmlns:p14="http://schemas.microsoft.com/office/powerpoint/2010/main" val="711086422"/>
       </p:ext>
     </p:extLst>
   </p:cSld>
@@ -4945,7 +5316,7 @@
           <p:cNvPr id="2" name="Title 1">
             <a:extLst>
               <a:ext uri="{FF2B5EF4-FFF2-40B4-BE49-F238E27FC236}">
-                <a16:creationId xmlns:a16="http://schemas.microsoft.com/office/drawing/2014/main" id="{53382040-9276-357B-F06B-7D818EBF9A23}"/>
+                <a16:creationId xmlns:a16="http://schemas.microsoft.com/office/drawing/2014/main" id="{2A475C49-C1C2-9E36-D560-9DE82BF40407}"/>
               </a:ext>
             </a:extLst>
           </p:cNvPr>
@@ -4969,7 +5340,7 @@
                   </a:schemeClr>
                 </a:solidFill>
               </a:rPr>
-              <a:t>Runtime against Gross</a:t>
+              <a:t>Genre against gross</a:t>
             </a:r>
             <a:br>
               <a:rPr lang="en-US" dirty="0"/>
@@ -4980,10 +5351,10 @@
       </p:sp>
       <p:pic>
         <p:nvPicPr>
-          <p:cNvPr id="3074" name="Picture 2">
-            <a:extLst>
-              <a:ext uri="{FF2B5EF4-FFF2-40B4-BE49-F238E27FC236}">
-                <a16:creationId xmlns:a16="http://schemas.microsoft.com/office/drawing/2014/main" id="{49E8B760-68B7-348B-EF1D-ADE028525787}"/>
+          <p:cNvPr id="2050" name="Picture 2">
+            <a:extLst>
+              <a:ext uri="{FF2B5EF4-FFF2-40B4-BE49-F238E27FC236}">
+                <a16:creationId xmlns:a16="http://schemas.microsoft.com/office/drawing/2014/main" id="{1906EAAA-FB19-2204-0A50-D9AC5D907DAD}"/>
               </a:ext>
             </a:extLst>
           </p:cNvPr>
@@ -5009,8 +5380,8 @@
         </p:blipFill>
         <p:spPr bwMode="auto">
           <a:xfrm>
-            <a:off x="2500829" y="1386163"/>
-            <a:ext cx="6192579" cy="5231474"/>
+            <a:off x="2005582" y="1377108"/>
+            <a:ext cx="9024080" cy="4799855"/>
           </a:xfrm>
           <a:prstGeom prst="rect">
             <a:avLst/>
@@ -5030,7 +5401,7 @@
     </p:spTree>
     <p:extLst>
       <p:ext uri="{BB962C8B-B14F-4D97-AF65-F5344CB8AC3E}">
-        <p14:creationId xmlns:p14="http://schemas.microsoft.com/office/powerpoint/2010/main" val="581383372"/>
+        <p14:creationId xmlns:p14="http://schemas.microsoft.com/office/powerpoint/2010/main" val="2764557826"/>
       </p:ext>
     </p:extLst>
   </p:cSld>
@@ -5062,7 +5433,7 @@
           <p:cNvPr id="2" name="Title 1">
             <a:extLst>
               <a:ext uri="{FF2B5EF4-FFF2-40B4-BE49-F238E27FC236}">
-                <a16:creationId xmlns:a16="http://schemas.microsoft.com/office/drawing/2014/main" id="{4DCD8B63-95DB-7B27-094C-C7F2F0F0D5DD}"/>
+                <a16:creationId xmlns:a16="http://schemas.microsoft.com/office/drawing/2014/main" id="{F05462E4-E142-44C0-311D-CEE7154E82D8}"/>
               </a:ext>
             </a:extLst>
           </p:cNvPr>
@@ -5086,68 +5457,81 @@
                   </a:schemeClr>
                 </a:solidFill>
               </a:rPr>
-              <a:t>Studio against Gross</a:t>
-            </a:r>
-            <a:br>
-              <a:rPr lang="en-US" dirty="0"/>
-            </a:br>
-            <a:endParaRPr lang="en-US" dirty="0"/>
-          </a:p>
-        </p:txBody>
-      </p:sp>
-      <p:pic>
-        <p:nvPicPr>
-          <p:cNvPr id="4098" name="Picture 2">
-            <a:extLst>
-              <a:ext uri="{FF2B5EF4-FFF2-40B4-BE49-F238E27FC236}">
-                <a16:creationId xmlns:a16="http://schemas.microsoft.com/office/drawing/2014/main" id="{B1952842-0FE6-54CE-D070-303E921CF2A8}"/>
-              </a:ext>
-            </a:extLst>
-          </p:cNvPr>
-          <p:cNvPicPr>
-            <a:picLocks noGrp="1" noChangeAspect="1" noChangeArrowheads="1"/>
-          </p:cNvPicPr>
+              <a:t>Finding</a:t>
+            </a:r>
+          </a:p>
+        </p:txBody>
+      </p:sp>
+      <p:sp>
+        <p:nvSpPr>
+          <p:cNvPr id="3" name="Content Placeholder 2">
+            <a:extLst>
+              <a:ext uri="{FF2B5EF4-FFF2-40B4-BE49-F238E27FC236}">
+                <a16:creationId xmlns:a16="http://schemas.microsoft.com/office/drawing/2014/main" id="{307EA5DA-9A33-8B9E-63C9-29CF3621656D}"/>
+              </a:ext>
+            </a:extLst>
+          </p:cNvPr>
+          <p:cNvSpPr>
+            <a:spLocks noGrp="1"/>
+          </p:cNvSpPr>
           <p:nvPr>
             <p:ph idx="1"/>
           </p:nvPr>
-        </p:nvPicPr>
-        <p:blipFill>
-          <a:blip r:embed="rId2">
-            <a:extLst>
-              <a:ext uri="{28A0092B-C50C-407E-A947-70E740481C1C}">
-                <a14:useLocalDpi xmlns:a14="http://schemas.microsoft.com/office/drawing/2010/main" val="0"/>
-              </a:ext>
-            </a:extLst>
-          </a:blip>
-          <a:srcRect/>
-          <a:stretch>
-            <a:fillRect/>
-          </a:stretch>
-        </p:blipFill>
-        <p:spPr bwMode="auto">
-          <a:xfrm>
-            <a:off x="1509311" y="1287194"/>
-            <a:ext cx="8263458" cy="4889769"/>
-          </a:xfrm>
-          <a:prstGeom prst="rect">
-            <a:avLst/>
-          </a:prstGeom>
-          <a:noFill/>
-          <a:extLst>
-            <a:ext uri="{909E8E84-426E-40DD-AFC4-6F175D3DCCD1}">
-              <a14:hiddenFill xmlns:a14="http://schemas.microsoft.com/office/drawing/2010/main">
-                <a:solidFill>
-                  <a:srgbClr val="FFFFFF"/>
-                </a:solidFill>
-              </a14:hiddenFill>
-            </a:ext>
-          </a:extLst>
-        </p:spPr>
-      </p:pic>
+        </p:nvSpPr>
+        <p:spPr/>
+        <p:txBody>
+          <a:bodyPr>
+            <a:normAutofit/>
+          </a:bodyPr>
+          <a:lstStyle/>
+          <a:p>
+            <a:r>
+              <a:rPr lang="en-US" sz="3600" dirty="0">
+                <a:solidFill>
+                  <a:schemeClr val="tx2">
+                    <a:lumMod val="75000"/>
+                  </a:schemeClr>
+                </a:solidFill>
+              </a:rPr>
+              <a:t>Movies with genres centered</a:t>
+            </a:r>
+          </a:p>
+          <a:p>
+            <a:pPr marL="0" indent="0">
+              <a:buNone/>
+            </a:pPr>
+            <a:r>
+              <a:rPr lang="en-US" sz="3600" dirty="0">
+                <a:solidFill>
+                  <a:schemeClr val="tx2">
+                    <a:lumMod val="75000"/>
+                  </a:schemeClr>
+                </a:solidFill>
+              </a:rPr>
+              <a:t> around Action and Adventure generally attain a high</a:t>
+            </a:r>
+          </a:p>
+          <a:p>
+            <a:pPr marL="0" indent="0">
+              <a:buNone/>
+            </a:pPr>
+            <a:r>
+              <a:rPr lang="en-US" sz="3600" dirty="0">
+                <a:solidFill>
+                  <a:schemeClr val="tx2">
+                    <a:lumMod val="75000"/>
+                  </a:schemeClr>
+                </a:solidFill>
+              </a:rPr>
+              <a:t> gross.</a:t>
+            </a:r>
+          </a:p>
+        </p:txBody>
+      </p:sp>
     </p:spTree>
     <p:extLst>
       <p:ext uri="{BB962C8B-B14F-4D97-AF65-F5344CB8AC3E}">
-        <p14:creationId xmlns:p14="http://schemas.microsoft.com/office/powerpoint/2010/main" val="4130733826"/>
+        <p14:creationId xmlns:p14="http://schemas.microsoft.com/office/powerpoint/2010/main" val="3551711069"/>
       </p:ext>
     </p:extLst>
   </p:cSld>
@@ -5179,7 +5563,7 @@
           <p:cNvPr id="2" name="Title 1">
             <a:extLst>
               <a:ext uri="{FF2B5EF4-FFF2-40B4-BE49-F238E27FC236}">
-                <a16:creationId xmlns:a16="http://schemas.microsoft.com/office/drawing/2014/main" id="{5EC4920C-C463-7681-2F40-A22658645672}"/>
+                <a16:creationId xmlns:a16="http://schemas.microsoft.com/office/drawing/2014/main" id="{53382040-9276-357B-F06B-7D818EBF9A23}"/>
               </a:ext>
             </a:extLst>
           </p:cNvPr>
@@ -5203,7 +5587,7 @@
                   </a:schemeClr>
                 </a:solidFill>
               </a:rPr>
-              <a:t>Popularity against gross</a:t>
+              <a:t>Runtime against Gross</a:t>
             </a:r>
             <a:br>
               <a:rPr lang="en-US" dirty="0"/>
@@ -5214,10 +5598,10 @@
       </p:sp>
       <p:pic>
         <p:nvPicPr>
-          <p:cNvPr id="5122" name="Picture 2">
-            <a:extLst>
-              <a:ext uri="{FF2B5EF4-FFF2-40B4-BE49-F238E27FC236}">
-                <a16:creationId xmlns:a16="http://schemas.microsoft.com/office/drawing/2014/main" id="{070C1CA4-F176-2229-3E80-F9AB81957625}"/>
+          <p:cNvPr id="3074" name="Picture 2">
+            <a:extLst>
+              <a:ext uri="{FF2B5EF4-FFF2-40B4-BE49-F238E27FC236}">
+                <a16:creationId xmlns:a16="http://schemas.microsoft.com/office/drawing/2014/main" id="{49E8B760-68B7-348B-EF1D-ADE028525787}"/>
               </a:ext>
             </a:extLst>
           </p:cNvPr>
@@ -5243,8 +5627,8 @@
         </p:blipFill>
         <p:spPr bwMode="auto">
           <a:xfrm>
-            <a:off x="2423712" y="1183602"/>
-            <a:ext cx="6383490" cy="4897956"/>
+            <a:off x="2500829" y="1386163"/>
+            <a:ext cx="6192579" cy="5231474"/>
           </a:xfrm>
           <a:prstGeom prst="rect">
             <a:avLst/>
@@ -5264,7 +5648,7 @@
     </p:spTree>
     <p:extLst>
       <p:ext uri="{BB962C8B-B14F-4D97-AF65-F5344CB8AC3E}">
-        <p14:creationId xmlns:p14="http://schemas.microsoft.com/office/powerpoint/2010/main" val="4266875337"/>
+        <p14:creationId xmlns:p14="http://schemas.microsoft.com/office/powerpoint/2010/main" val="581383372"/>
       </p:ext>
     </p:extLst>
   </p:cSld>
@@ -5296,7 +5680,7 @@
           <p:cNvPr id="2" name="Title 1">
             <a:extLst>
               <a:ext uri="{FF2B5EF4-FFF2-40B4-BE49-F238E27FC236}">
-                <a16:creationId xmlns:a16="http://schemas.microsoft.com/office/drawing/2014/main" id="{518019E0-1CCD-7A16-873B-4F0105DA6B4E}"/>
+                <a16:creationId xmlns:a16="http://schemas.microsoft.com/office/drawing/2014/main" id="{E82A5BFB-7E41-5C44-B244-BC5DC4A211C4}"/>
               </a:ext>
             </a:extLst>
           </p:cNvPr>
@@ -5307,143 +5691,79 @@
             <p:ph type="title"/>
           </p:nvPr>
         </p:nvSpPr>
-        <p:spPr>
-          <a:xfrm>
-            <a:off x="529728" y="228600"/>
-            <a:ext cx="10515600" cy="1325563"/>
-          </a:xfrm>
-        </p:spPr>
+        <p:spPr/>
+        <p:txBody>
+          <a:bodyPr/>
+          <a:lstStyle/>
+          <a:p>
+            <a:r>
+              <a:rPr lang="en-US" dirty="0">
+                <a:solidFill>
+                  <a:schemeClr val="accent4">
+                    <a:lumMod val="75000"/>
+                  </a:schemeClr>
+                </a:solidFill>
+              </a:rPr>
+              <a:t>Finding</a:t>
+            </a:r>
+          </a:p>
+        </p:txBody>
+      </p:sp>
+      <p:sp>
+        <p:nvSpPr>
+          <p:cNvPr id="3" name="Content Placeholder 2">
+            <a:extLst>
+              <a:ext uri="{FF2B5EF4-FFF2-40B4-BE49-F238E27FC236}">
+                <a16:creationId xmlns:a16="http://schemas.microsoft.com/office/drawing/2014/main" id="{E662AE9A-CB91-0D95-F2A1-DDC3273D4405}"/>
+              </a:ext>
+            </a:extLst>
+          </p:cNvPr>
+          <p:cNvSpPr>
+            <a:spLocks noGrp="1"/>
+          </p:cNvSpPr>
+          <p:nvPr>
+            <p:ph idx="1"/>
+          </p:nvPr>
+        </p:nvSpPr>
+        <p:spPr/>
         <p:txBody>
           <a:bodyPr>
-            <a:normAutofit fontScale="90000"/>
+            <a:normAutofit/>
           </a:bodyPr>
           <a:lstStyle/>
           <a:p>
             <a:r>
-              <a:rPr lang="en-US" dirty="0">
-                <a:solidFill>
-                  <a:schemeClr val="accent1">
-                    <a:lumMod val="60000"/>
-                    <a:lumOff val="40000"/>
-                  </a:schemeClr>
-                </a:solidFill>
-              </a:rPr>
-              <a:t>Market Demand</a:t>
-            </a:r>
-            <a:br>
-              <a:rPr lang="en-US" dirty="0">
-                <a:solidFill>
-                  <a:schemeClr val="accent4">
-                    <a:lumMod val="75000"/>
-                  </a:schemeClr>
-                </a:solidFill>
-              </a:rPr>
-            </a:br>
-            <a:r>
-              <a:rPr lang="en-US" dirty="0">
-                <a:solidFill>
-                  <a:schemeClr val="accent4">
-                    <a:lumMod val="75000"/>
-                  </a:schemeClr>
-                </a:solidFill>
-              </a:rPr>
-              <a:t>Studio against ratings</a:t>
-            </a:r>
-            <a:br>
-              <a:rPr lang="en-US" dirty="0"/>
-            </a:br>
-            <a:endParaRPr lang="en-US" b="1" dirty="0"/>
-          </a:p>
-        </p:txBody>
-      </p:sp>
-      <p:sp>
-        <p:nvSpPr>
-          <p:cNvPr id="3" name="Content Placeholder 2">
-            <a:extLst>
-              <a:ext uri="{FF2B5EF4-FFF2-40B4-BE49-F238E27FC236}">
-                <a16:creationId xmlns:a16="http://schemas.microsoft.com/office/drawing/2014/main" id="{FCC4CD5D-FC84-853C-C6B0-6758885C2558}"/>
-              </a:ext>
-            </a:extLst>
-          </p:cNvPr>
-          <p:cNvSpPr>
-            <a:spLocks noGrp="1"/>
-          </p:cNvSpPr>
-          <p:nvPr>
-            <p:ph idx="1"/>
-          </p:nvPr>
-        </p:nvSpPr>
-        <p:spPr/>
-        <p:txBody>
-          <a:bodyPr/>
-          <a:lstStyle/>
+              <a:rPr lang="en-US" sz="3600" dirty="0">
+                <a:solidFill>
+                  <a:schemeClr val="tx2">
+                    <a:lumMod val="75000"/>
+                  </a:schemeClr>
+                </a:solidFill>
+              </a:rPr>
+              <a:t>Movies with a runtime of  100 - 150 minutes are akin</a:t>
+            </a:r>
+          </a:p>
           <a:p>
             <a:pPr marL="0" indent="0">
               <a:buNone/>
             </a:pPr>
-            <a:endParaRPr lang="en-US" dirty="0">
-              <a:solidFill>
-                <a:schemeClr val="accent4">
-                  <a:lumMod val="75000"/>
-                </a:schemeClr>
-              </a:solidFill>
-            </a:endParaRPr>
-          </a:p>
-          <a:p>
-            <a:endParaRPr lang="en-US" dirty="0"/>
-          </a:p>
-        </p:txBody>
-      </p:sp>
-      <p:pic>
-        <p:nvPicPr>
-          <p:cNvPr id="6145" name="Picture 1">
-            <a:extLst>
-              <a:ext uri="{FF2B5EF4-FFF2-40B4-BE49-F238E27FC236}">
-                <a16:creationId xmlns:a16="http://schemas.microsoft.com/office/drawing/2014/main" id="{E08E33F4-81D3-1F3B-83FE-5DFB5031B0BB}"/>
-              </a:ext>
-            </a:extLst>
-          </p:cNvPr>
-          <p:cNvPicPr>
-            <a:picLocks noChangeAspect="1" noChangeArrowheads="1"/>
-          </p:cNvPicPr>
-          <p:nvPr/>
-        </p:nvPicPr>
-        <p:blipFill>
-          <a:blip r:embed="rId2">
-            <a:extLst>
-              <a:ext uri="{28A0092B-C50C-407E-A947-70E740481C1C}">
-                <a14:useLocalDpi xmlns:a14="http://schemas.microsoft.com/office/drawing/2010/main" val="0"/>
-              </a:ext>
-            </a:extLst>
-          </a:blip>
-          <a:srcRect/>
-          <a:stretch>
-            <a:fillRect/>
-          </a:stretch>
-        </p:blipFill>
-        <p:spPr bwMode="auto">
-          <a:xfrm>
-            <a:off x="2533880" y="1686946"/>
-            <a:ext cx="8165794" cy="4942454"/>
-          </a:xfrm>
-          <a:prstGeom prst="rect">
-            <a:avLst/>
-          </a:prstGeom>
-          <a:noFill/>
-          <a:extLst>
-            <a:ext uri="{909E8E84-426E-40DD-AFC4-6F175D3DCCD1}">
-              <a14:hiddenFill xmlns:a14="http://schemas.microsoft.com/office/drawing/2010/main">
-                <a:solidFill>
-                  <a:srgbClr val="FFFFFF"/>
-                </a:solidFill>
-              </a14:hiddenFill>
-            </a:ext>
-          </a:extLst>
-        </p:spPr>
-      </p:pic>
+            <a:r>
+              <a:rPr lang="en-US" sz="3600" dirty="0">
+                <a:solidFill>
+                  <a:schemeClr val="tx2">
+                    <a:lumMod val="75000"/>
+                  </a:schemeClr>
+                </a:solidFill>
+              </a:rPr>
+              <a:t> to  a good grossing movie.</a:t>
+            </a:r>
+          </a:p>
+        </p:txBody>
+      </p:sp>
     </p:spTree>
     <p:extLst>
       <p:ext uri="{BB962C8B-B14F-4D97-AF65-F5344CB8AC3E}">
-        <p14:creationId xmlns:p14="http://schemas.microsoft.com/office/powerpoint/2010/main" val="4276710146"/>
+        <p14:creationId xmlns:p14="http://schemas.microsoft.com/office/powerpoint/2010/main" val="1646905372"/>
       </p:ext>
     </p:extLst>
   </p:cSld>
@@ -5475,7 +5795,7 @@
           <p:cNvPr id="2" name="Title 1">
             <a:extLst>
               <a:ext uri="{FF2B5EF4-FFF2-40B4-BE49-F238E27FC236}">
-                <a16:creationId xmlns:a16="http://schemas.microsoft.com/office/drawing/2014/main" id="{AB452092-9FC0-2092-14D9-1296FD07D6E3}"/>
+                <a16:creationId xmlns:a16="http://schemas.microsoft.com/office/drawing/2014/main" id="{4DCD8B63-95DB-7B27-094C-C7F2F0F0D5DD}"/>
               </a:ext>
             </a:extLst>
           </p:cNvPr>
@@ -5499,7 +5819,7 @@
                   </a:schemeClr>
                 </a:solidFill>
               </a:rPr>
-              <a:t>Genre against Popularity</a:t>
+              <a:t>Studio against Gross</a:t>
             </a:r>
             <a:br>
               <a:rPr lang="en-US" dirty="0"/>
@@ -5510,17 +5830,19 @@
       </p:sp>
       <p:pic>
         <p:nvPicPr>
-          <p:cNvPr id="7171" name="Picture 3">
-            <a:extLst>
-              <a:ext uri="{FF2B5EF4-FFF2-40B4-BE49-F238E27FC236}">
-                <a16:creationId xmlns:a16="http://schemas.microsoft.com/office/drawing/2014/main" id="{085CA0FF-0B78-1E74-656E-CDE9FADCF7D8}"/>
+          <p:cNvPr id="4098" name="Picture 2">
+            <a:extLst>
+              <a:ext uri="{FF2B5EF4-FFF2-40B4-BE49-F238E27FC236}">
+                <a16:creationId xmlns:a16="http://schemas.microsoft.com/office/drawing/2014/main" id="{B1952842-0FE6-54CE-D070-303E921CF2A8}"/>
               </a:ext>
             </a:extLst>
           </p:cNvPr>
           <p:cNvPicPr>
-            <a:picLocks noChangeAspect="1" noChangeArrowheads="1"/>
+            <a:picLocks noGrp="1" noChangeAspect="1" noChangeArrowheads="1"/>
           </p:cNvPicPr>
-          <p:nvPr/>
+          <p:nvPr>
+            <p:ph idx="1"/>
+          </p:nvPr>
         </p:nvPicPr>
         <p:blipFill>
           <a:blip r:embed="rId2">
@@ -5537,8 +5859,8 @@
         </p:blipFill>
         <p:spPr bwMode="auto">
           <a:xfrm>
-            <a:off x="1828800" y="1200150"/>
-            <a:ext cx="8143875" cy="5657850"/>
+            <a:off x="1509311" y="1287194"/>
+            <a:ext cx="8263458" cy="4889769"/>
           </a:xfrm>
           <a:prstGeom prst="rect">
             <a:avLst/>
@@ -5555,111 +5877,10 @@
           </a:extLst>
         </p:spPr>
       </p:pic>
-      <p:sp>
-        <p:nvSpPr>
-          <p:cNvPr id="5" name="Rectangle 4">
-            <a:extLst>
-              <a:ext uri="{FF2B5EF4-FFF2-40B4-BE49-F238E27FC236}">
-                <a16:creationId xmlns:a16="http://schemas.microsoft.com/office/drawing/2014/main" id="{94131266-FDE5-32F6-53A4-3F7B5E6DDF05}"/>
-              </a:ext>
-            </a:extLst>
-          </p:cNvPr>
-          <p:cNvSpPr>
-            <a:spLocks noChangeArrowheads="1"/>
-          </p:cNvSpPr>
-          <p:nvPr/>
-        </p:nvSpPr>
-        <p:spPr bwMode="auto">
-          <a:xfrm>
-            <a:off x="1828800" y="1200150"/>
-            <a:ext cx="6838950" cy="0"/>
-          </a:xfrm>
-          <a:prstGeom prst="rect">
-            <a:avLst/>
-          </a:prstGeom>
-          <a:solidFill>
-            <a:srgbClr val="FFFFFF"/>
-          </a:solidFill>
-          <a:ln>
-            <a:noFill/>
-          </a:ln>
-          <a:effectLst/>
-          <a:extLst>
-            <a:ext uri="{91240B29-F687-4F45-9708-019B960494DF}">
-              <a14:hiddenLine xmlns:a14="http://schemas.microsoft.com/office/drawing/2010/main" w="9525">
-                <a:solidFill>
-                  <a:schemeClr val="tx1"/>
-                </a:solidFill>
-                <a:miter lim="800000"/>
-                <a:headEnd/>
-                <a:tailEnd/>
-              </a14:hiddenLine>
-            </a:ext>
-            <a:ext uri="{AF507438-7753-43E0-B8FC-AC1667EBCBE1}">
-              <a14:hiddenEffects xmlns:a14="http://schemas.microsoft.com/office/drawing/2010/main">
-                <a:effectLst>
-                  <a:outerShdw dist="35921" dir="2700000" algn="ctr" rotWithShape="0">
-                    <a:schemeClr val="bg2"/>
-                  </a:outerShdw>
-                </a:effectLst>
-              </a14:hiddenEffects>
-            </a:ext>
-          </a:extLst>
-        </p:spPr>
-        <p:txBody>
-          <a:bodyPr vert="horz" wrap="none" lIns="91440" tIns="0" rIns="91440" bIns="0" numCol="1" anchor="ctr" anchorCtr="0" compatLnSpc="1">
-            <a:prstTxWarp prst="textNoShape">
-              <a:avLst/>
-            </a:prstTxWarp>
-            <a:spAutoFit/>
-          </a:bodyPr>
-          <a:lstStyle/>
-          <a:p>
-            <a:pPr marL="0" marR="0" lvl="0" indent="0" algn="l" defTabSz="914400" rtl="0" eaLnBrk="0" fontAlgn="base" latinLnBrk="0" hangingPunct="0">
-              <a:lnSpc>
-                <a:spcPct val="100000"/>
-              </a:lnSpc>
-              <a:spcBef>
-                <a:spcPct val="0"/>
-              </a:spcBef>
-              <a:spcAft>
-                <a:spcPct val="0"/>
-              </a:spcAft>
-              <a:buClrTx/>
-              <a:buSzTx/>
-              <a:buFontTx/>
-              <a:buNone/>
-              <a:tabLst/>
-            </a:pPr>
-            <a:br>
-              <a:rPr kumimoji="0" lang="en-US" altLang="en-US" sz="1000" b="0" i="0" u="none" strike="noStrike" cap="none" normalizeH="0" baseline="0">
-                <a:ln>
-                  <a:noFill/>
-                </a:ln>
-                <a:solidFill>
-                  <a:schemeClr val="tx1"/>
-                </a:solidFill>
-                <a:effectLst/>
-                <a:latin typeface="system-ui"/>
-              </a:rPr>
-            </a:br>
-            <a:endParaRPr kumimoji="0" lang="en-US" altLang="en-US" sz="1800" b="0" i="0" u="none" strike="noStrike" cap="none" normalizeH="0" baseline="0">
-              <a:ln>
-                <a:noFill/>
-              </a:ln>
-              <a:solidFill>
-                <a:schemeClr val="tx1"/>
-              </a:solidFill>
-              <a:effectLst/>
-              <a:latin typeface="Arial" panose="020B0604020202020204" pitchFamily="34" charset="0"/>
-            </a:endParaRPr>
-          </a:p>
-        </p:txBody>
-      </p:sp>
     </p:spTree>
     <p:extLst>
       <p:ext uri="{BB962C8B-B14F-4D97-AF65-F5344CB8AC3E}">
-        <p14:creationId xmlns:p14="http://schemas.microsoft.com/office/powerpoint/2010/main" val="1064380111"/>
+        <p14:creationId xmlns:p14="http://schemas.microsoft.com/office/powerpoint/2010/main" val="4130733826"/>
       </p:ext>
     </p:extLst>
   </p:cSld>
@@ -5691,7 +5912,7 @@
           <p:cNvPr id="2" name="Title 1">
             <a:extLst>
               <a:ext uri="{FF2B5EF4-FFF2-40B4-BE49-F238E27FC236}">
-                <a16:creationId xmlns:a16="http://schemas.microsoft.com/office/drawing/2014/main" id="{75B88D40-22B7-7098-B2E6-C8E63FF7A78D}"/>
+                <a16:creationId xmlns:a16="http://schemas.microsoft.com/office/drawing/2014/main" id="{19A46DA8-A269-CDDB-FFF8-5AD1B97303FF}"/>
               </a:ext>
             </a:extLst>
           </p:cNvPr>
@@ -5715,167 +5936,126 @@
                   </a:schemeClr>
                 </a:solidFill>
               </a:rPr>
-              <a:t>Studio against Popularity</a:t>
-            </a:r>
-            <a:br>
-              <a:rPr lang="en-US" dirty="0"/>
-            </a:br>
-            <a:endParaRPr lang="en-US" dirty="0"/>
-          </a:p>
-        </p:txBody>
-      </p:sp>
-      <p:pic>
-        <p:nvPicPr>
-          <p:cNvPr id="8193" name="Picture 1">
-            <a:extLst>
-              <a:ext uri="{FF2B5EF4-FFF2-40B4-BE49-F238E27FC236}">
-                <a16:creationId xmlns:a16="http://schemas.microsoft.com/office/drawing/2014/main" id="{CED417E9-AF84-54FB-062F-783E2821C5CE}"/>
-              </a:ext>
-            </a:extLst>
-          </p:cNvPr>
-          <p:cNvPicPr>
-            <a:picLocks noChangeAspect="1" noChangeArrowheads="1"/>
-          </p:cNvPicPr>
-          <p:nvPr/>
-        </p:nvPicPr>
-        <p:blipFill>
-          <a:blip r:embed="rId2">
-            <a:extLst>
-              <a:ext uri="{28A0092B-C50C-407E-A947-70E740481C1C}">
-                <a14:useLocalDpi xmlns:a14="http://schemas.microsoft.com/office/drawing/2010/main" val="0"/>
-              </a:ext>
-            </a:extLst>
-          </a:blip>
-          <a:srcRect/>
-          <a:stretch>
-            <a:fillRect/>
-          </a:stretch>
-        </p:blipFill>
-        <p:spPr bwMode="auto">
-          <a:xfrm>
-            <a:off x="1432192" y="1171575"/>
-            <a:ext cx="8143875" cy="5686425"/>
-          </a:xfrm>
-          <a:prstGeom prst="rect">
-            <a:avLst/>
-          </a:prstGeom>
-          <a:noFill/>
-          <a:extLst>
-            <a:ext uri="{909E8E84-426E-40DD-AFC4-6F175D3DCCD1}">
-              <a14:hiddenFill xmlns:a14="http://schemas.microsoft.com/office/drawing/2010/main">
-                <a:solidFill>
-                  <a:srgbClr val="FFFFFF"/>
-                </a:solidFill>
-              </a14:hiddenFill>
-            </a:ext>
-          </a:extLst>
-        </p:spPr>
-      </p:pic>
-      <p:sp>
-        <p:nvSpPr>
-          <p:cNvPr id="4" name="Rectangle 2">
-            <a:extLst>
-              <a:ext uri="{FF2B5EF4-FFF2-40B4-BE49-F238E27FC236}">
-                <a16:creationId xmlns:a16="http://schemas.microsoft.com/office/drawing/2014/main" id="{F522C9D6-5D88-2D56-401D-C1387CB97292}"/>
-              </a:ext>
-            </a:extLst>
-          </p:cNvPr>
-          <p:cNvSpPr>
-            <a:spLocks noChangeArrowheads="1"/>
-          </p:cNvSpPr>
-          <p:nvPr/>
-        </p:nvSpPr>
-        <p:spPr bwMode="auto">
-          <a:xfrm>
-            <a:off x="1432192" y="1171575"/>
-            <a:ext cx="6838950" cy="0"/>
-          </a:xfrm>
-          <a:prstGeom prst="rect">
-            <a:avLst/>
-          </a:prstGeom>
-          <a:solidFill>
-            <a:srgbClr val="FFFFFF"/>
-          </a:solidFill>
-          <a:ln>
-            <a:noFill/>
-          </a:ln>
-          <a:effectLst/>
-          <a:extLst>
-            <a:ext uri="{91240B29-F687-4F45-9708-019B960494DF}">
-              <a14:hiddenLine xmlns:a14="http://schemas.microsoft.com/office/drawing/2010/main" w="9525">
-                <a:solidFill>
-                  <a:schemeClr val="tx1"/>
-                </a:solidFill>
-                <a:miter lim="800000"/>
-                <a:headEnd/>
-                <a:tailEnd/>
-              </a14:hiddenLine>
-            </a:ext>
-            <a:ext uri="{AF507438-7753-43E0-B8FC-AC1667EBCBE1}">
-              <a14:hiddenEffects xmlns:a14="http://schemas.microsoft.com/office/drawing/2010/main">
-                <a:effectLst>
-                  <a:outerShdw dist="35921" dir="2700000" algn="ctr" rotWithShape="0">
-                    <a:schemeClr val="bg2"/>
-                  </a:outerShdw>
-                </a:effectLst>
-              </a14:hiddenEffects>
-            </a:ext>
-          </a:extLst>
-        </p:spPr>
-        <p:txBody>
-          <a:bodyPr vert="horz" wrap="none" lIns="91440" tIns="0" rIns="91440" bIns="0" numCol="1" anchor="ctr" anchorCtr="0" compatLnSpc="1">
-            <a:prstTxWarp prst="textNoShape">
-              <a:avLst/>
-            </a:prstTxWarp>
-            <a:spAutoFit/>
+              <a:t>Finding</a:t>
+            </a:r>
+          </a:p>
+        </p:txBody>
+      </p:sp>
+      <p:sp>
+        <p:nvSpPr>
+          <p:cNvPr id="3" name="Content Placeholder 2">
+            <a:extLst>
+              <a:ext uri="{FF2B5EF4-FFF2-40B4-BE49-F238E27FC236}">
+                <a16:creationId xmlns:a16="http://schemas.microsoft.com/office/drawing/2014/main" id="{315514F8-9444-EA7A-9292-73AE5106B468}"/>
+              </a:ext>
+            </a:extLst>
+          </p:cNvPr>
+          <p:cNvSpPr>
+            <a:spLocks noGrp="1"/>
+          </p:cNvSpPr>
+          <p:nvPr>
+            <p:ph idx="1"/>
+          </p:nvPr>
+        </p:nvSpPr>
+        <p:spPr/>
+        <p:txBody>
+          <a:bodyPr>
+            <a:normAutofit/>
           </a:bodyPr>
           <a:lstStyle/>
           <a:p>
-            <a:pPr marL="0" marR="0" lvl="0" indent="0" algn="l" defTabSz="914400" rtl="0" eaLnBrk="0" fontAlgn="base" latinLnBrk="0" hangingPunct="0">
-              <a:lnSpc>
-                <a:spcPct val="100000"/>
-              </a:lnSpc>
-              <a:spcBef>
-                <a:spcPct val="0"/>
-              </a:spcBef>
-              <a:spcAft>
-                <a:spcPct val="0"/>
-              </a:spcAft>
-              <a:buClrTx/>
-              <a:buSzTx/>
-              <a:buFontTx/>
-              <a:buNone/>
-              <a:tabLst/>
+            <a:r>
+              <a:rPr lang="en-US" sz="3600" dirty="0">
+                <a:solidFill>
+                  <a:schemeClr val="tx2">
+                    <a:lumMod val="75000"/>
+                  </a:schemeClr>
+                </a:solidFill>
+              </a:rPr>
+              <a:t>DreamWorks Pictures(</a:t>
+            </a:r>
+            <a:r>
+              <a:rPr lang="en-US" sz="3600" i="1" dirty="0">
+                <a:solidFill>
+                  <a:schemeClr val="tx2">
+                    <a:lumMod val="75000"/>
+                  </a:schemeClr>
+                </a:solidFill>
+              </a:rPr>
+              <a:t>P/DW</a:t>
+            </a:r>
+            <a:r>
+              <a:rPr lang="en-US" sz="3600" dirty="0">
+                <a:solidFill>
+                  <a:schemeClr val="tx2">
+                    <a:lumMod val="75000"/>
+                  </a:schemeClr>
+                </a:solidFill>
+              </a:rPr>
+              <a:t>) , BV Studios(</a:t>
+            </a:r>
+            <a:r>
+              <a:rPr lang="en-US" sz="3600" i="1" dirty="0">
+                <a:solidFill>
+                  <a:schemeClr val="tx2">
+                    <a:lumMod val="75000"/>
+                  </a:schemeClr>
+                </a:solidFill>
+              </a:rPr>
+              <a:t>BV</a:t>
+            </a:r>
+            <a:r>
+              <a:rPr lang="en-US" sz="3600" dirty="0">
+                <a:solidFill>
+                  <a:schemeClr val="tx2">
+                    <a:lumMod val="75000"/>
+                  </a:schemeClr>
+                </a:solidFill>
+              </a:rPr>
+              <a:t> )</a:t>
+            </a:r>
+          </a:p>
+          <a:p>
+            <a:pPr marL="0" indent="0">
+              <a:buNone/>
             </a:pPr>
-            <a:br>
-              <a:rPr kumimoji="0" lang="en-US" altLang="en-US" sz="1000" b="0" i="0" u="none" strike="noStrike" cap="none" normalizeH="0" baseline="0">
-                <a:ln>
-                  <a:noFill/>
-                </a:ln>
-                <a:solidFill>
-                  <a:schemeClr val="tx1"/>
-                </a:solidFill>
-                <a:effectLst/>
-                <a:latin typeface="system-ui"/>
-              </a:rPr>
-            </a:br>
-            <a:endParaRPr kumimoji="0" lang="en-US" altLang="en-US" sz="1800" b="0" i="0" u="none" strike="noStrike" cap="none" normalizeH="0" baseline="0">
-              <a:ln>
-                <a:noFill/>
-              </a:ln>
-              <a:solidFill>
-                <a:schemeClr val="tx1"/>
-              </a:solidFill>
-              <a:effectLst/>
-              <a:latin typeface="Arial" panose="020B0604020202020204" pitchFamily="34" charset="0"/>
-            </a:endParaRPr>
+            <a:r>
+              <a:rPr lang="en-US" sz="3600" dirty="0">
+                <a:solidFill>
+                  <a:schemeClr val="tx2">
+                    <a:lumMod val="75000"/>
+                  </a:schemeClr>
+                </a:solidFill>
+              </a:rPr>
+              <a:t> and </a:t>
+            </a:r>
+            <a:r>
+              <a:rPr lang="en-US" sz="3600" dirty="0" err="1">
+                <a:solidFill>
+                  <a:schemeClr val="tx2">
+                    <a:lumMod val="75000"/>
+                  </a:schemeClr>
+                </a:solidFill>
+              </a:rPr>
+              <a:t>GrtIndia</a:t>
+            </a:r>
+            <a:r>
+              <a:rPr lang="en-US" sz="3600" dirty="0">
+                <a:solidFill>
+                  <a:schemeClr val="tx2">
+                    <a:lumMod val="75000"/>
+                  </a:schemeClr>
+                </a:solidFill>
+              </a:rPr>
+              <a:t> consistently produce high grossing films.</a:t>
+            </a:r>
           </a:p>
         </p:txBody>
       </p:sp>
     </p:spTree>
     <p:extLst>
       <p:ext uri="{BB962C8B-B14F-4D97-AF65-F5344CB8AC3E}">
-        <p14:creationId xmlns:p14="http://schemas.microsoft.com/office/powerpoint/2010/main" val="1200267633"/>
+        <p14:creationId xmlns:p14="http://schemas.microsoft.com/office/powerpoint/2010/main" val="1142697987"/>
       </p:ext>
     </p:extLst>
   </p:cSld>
@@ -5907,7 +6087,7 @@
           <p:cNvPr id="2" name="Title 1">
             <a:extLst>
               <a:ext uri="{FF2B5EF4-FFF2-40B4-BE49-F238E27FC236}">
-                <a16:creationId xmlns:a16="http://schemas.microsoft.com/office/drawing/2014/main" id="{5E20045A-3104-683C-325B-5E0F31199C53}"/>
+                <a16:creationId xmlns:a16="http://schemas.microsoft.com/office/drawing/2014/main" id="{5EC4920C-C463-7681-2F40-A22658645672}"/>
               </a:ext>
             </a:extLst>
           </p:cNvPr>
@@ -5931,7 +6111,7 @@
                   </a:schemeClr>
                 </a:solidFill>
               </a:rPr>
-              <a:t>Runtime against Popularity</a:t>
+              <a:t>Popularity against gross</a:t>
             </a:r>
             <a:br>
               <a:rPr lang="en-US" dirty="0"/>
@@ -5940,120 +6120,21 @@
           </a:p>
         </p:txBody>
       </p:sp>
-      <p:sp>
-        <p:nvSpPr>
-          <p:cNvPr id="4" name="Rectangle 2">
-            <a:extLst>
-              <a:ext uri="{FF2B5EF4-FFF2-40B4-BE49-F238E27FC236}">
-                <a16:creationId xmlns:a16="http://schemas.microsoft.com/office/drawing/2014/main" id="{A28E4BF5-9C8F-736B-49B3-107837532A78}"/>
-              </a:ext>
-            </a:extLst>
-          </p:cNvPr>
-          <p:cNvSpPr>
-            <a:spLocks noChangeArrowheads="1"/>
-          </p:cNvSpPr>
-          <p:nvPr/>
-        </p:nvSpPr>
-        <p:spPr bwMode="auto">
-          <a:xfrm>
-            <a:off x="1751682" y="1288973"/>
-            <a:ext cx="6838950" cy="0"/>
-          </a:xfrm>
-          <a:prstGeom prst="rect">
-            <a:avLst/>
-          </a:prstGeom>
-          <a:solidFill>
-            <a:srgbClr val="FFFFFF"/>
-          </a:solidFill>
-          <a:ln>
-            <a:noFill/>
-          </a:ln>
-          <a:effectLst/>
-          <a:extLst>
-            <a:ext uri="{91240B29-F687-4F45-9708-019B960494DF}">
-              <a14:hiddenLine xmlns:a14="http://schemas.microsoft.com/office/drawing/2010/main" w="9525">
-                <a:solidFill>
-                  <a:schemeClr val="tx1"/>
-                </a:solidFill>
-                <a:miter lim="800000"/>
-                <a:headEnd/>
-                <a:tailEnd/>
-              </a14:hiddenLine>
-            </a:ext>
-            <a:ext uri="{AF507438-7753-43E0-B8FC-AC1667EBCBE1}">
-              <a14:hiddenEffects xmlns:a14="http://schemas.microsoft.com/office/drawing/2010/main">
-                <a:effectLst>
-                  <a:outerShdw dist="35921" dir="2700000" algn="ctr" rotWithShape="0">
-                    <a:schemeClr val="bg2"/>
-                  </a:outerShdw>
-                </a:effectLst>
-              </a14:hiddenEffects>
-            </a:ext>
-          </a:extLst>
-        </p:spPr>
-        <p:txBody>
-          <a:bodyPr vert="horz" wrap="none" lIns="91440" tIns="0" rIns="91440" bIns="0" numCol="1" anchor="ctr" anchorCtr="0" compatLnSpc="1">
-            <a:prstTxWarp prst="textNoShape">
-              <a:avLst/>
-            </a:prstTxWarp>
-            <a:spAutoFit/>
-          </a:bodyPr>
-          <a:lstStyle/>
-          <a:p>
-            <a:pPr marL="0" marR="0" lvl="0" indent="0" algn="l" defTabSz="914400" rtl="0" eaLnBrk="0" fontAlgn="base" latinLnBrk="0" hangingPunct="0">
-              <a:lnSpc>
-                <a:spcPct val="100000"/>
-              </a:lnSpc>
-              <a:spcBef>
-                <a:spcPct val="0"/>
-              </a:spcBef>
-              <a:spcAft>
-                <a:spcPct val="0"/>
-              </a:spcAft>
-              <a:buClrTx/>
-              <a:buSzTx/>
-              <a:buFontTx/>
-              <a:buNone/>
-              <a:tabLst/>
-            </a:pPr>
-            <a:br>
-              <a:rPr kumimoji="0" lang="en-US" altLang="en-US" sz="1000" b="0" i="0" u="none" strike="noStrike" cap="none" normalizeH="0" baseline="0">
-                <a:ln>
-                  <a:noFill/>
-                </a:ln>
-                <a:solidFill>
-                  <a:schemeClr val="tx1"/>
-                </a:solidFill>
-                <a:effectLst/>
-                <a:latin typeface="system-ui"/>
-              </a:rPr>
-            </a:br>
-            <a:endParaRPr kumimoji="0" lang="en-US" altLang="en-US" sz="1800" b="0" i="0" u="none" strike="noStrike" cap="none" normalizeH="0" baseline="0">
-              <a:ln>
-                <a:noFill/>
-              </a:ln>
-              <a:solidFill>
-                <a:schemeClr val="tx1"/>
-              </a:solidFill>
-              <a:effectLst/>
-              <a:latin typeface="Arial" panose="020B0604020202020204" pitchFamily="34" charset="0"/>
-            </a:endParaRPr>
-          </a:p>
-        </p:txBody>
-      </p:sp>
       <p:pic>
         <p:nvPicPr>
-          <p:cNvPr id="9219" name="Picture 3">
-            <a:extLst>
-              <a:ext uri="{FF2B5EF4-FFF2-40B4-BE49-F238E27FC236}">
-                <a16:creationId xmlns:a16="http://schemas.microsoft.com/office/drawing/2014/main" id="{79ACBD80-A9E8-0A34-9148-D5C7D1088E27}"/>
+          <p:cNvPr id="5122" name="Picture 2">
+            <a:extLst>
+              <a:ext uri="{FF2B5EF4-FFF2-40B4-BE49-F238E27FC236}">
+                <a16:creationId xmlns:a16="http://schemas.microsoft.com/office/drawing/2014/main" id="{070C1CA4-F176-2229-3E80-F9AB81957625}"/>
               </a:ext>
             </a:extLst>
           </p:cNvPr>
           <p:cNvPicPr>
-            <a:picLocks noChangeAspect="1" noChangeArrowheads="1"/>
+            <a:picLocks noGrp="1" noChangeAspect="1" noChangeArrowheads="1"/>
           </p:cNvPicPr>
-          <p:nvPr/>
+          <p:nvPr>
+            <p:ph idx="1"/>
+          </p:nvPr>
         </p:nvPicPr>
         <p:blipFill>
           <a:blip r:embed="rId2">
@@ -6070,8 +6151,8 @@
         </p:blipFill>
         <p:spPr bwMode="auto">
           <a:xfrm>
-            <a:off x="949162" y="1532129"/>
-            <a:ext cx="6794606" cy="4562093"/>
+            <a:off x="2423712" y="1183602"/>
+            <a:ext cx="6383490" cy="4897956"/>
           </a:xfrm>
           <a:prstGeom prst="rect">
             <a:avLst/>
@@ -6088,111 +6169,10 @@
           </a:extLst>
         </p:spPr>
       </p:pic>
-      <p:sp>
-        <p:nvSpPr>
-          <p:cNvPr id="5" name="Rectangle 4">
-            <a:extLst>
-              <a:ext uri="{FF2B5EF4-FFF2-40B4-BE49-F238E27FC236}">
-                <a16:creationId xmlns:a16="http://schemas.microsoft.com/office/drawing/2014/main" id="{A3B3230D-6FF0-0D9C-73CE-16BCBE9C31AB}"/>
-              </a:ext>
-            </a:extLst>
-          </p:cNvPr>
-          <p:cNvSpPr>
-            <a:spLocks noChangeArrowheads="1"/>
-          </p:cNvSpPr>
-          <p:nvPr/>
-        </p:nvSpPr>
-        <p:spPr bwMode="auto">
-          <a:xfrm flipV="1">
-            <a:off x="6007068" y="1217147"/>
-            <a:ext cx="1504641" cy="430887"/>
-          </a:xfrm>
-          <a:prstGeom prst="rect">
-            <a:avLst/>
-          </a:prstGeom>
-          <a:solidFill>
-            <a:srgbClr val="FFFFFF"/>
-          </a:solidFill>
-          <a:ln>
-            <a:noFill/>
-          </a:ln>
-          <a:effectLst/>
-          <a:extLst>
-            <a:ext uri="{91240B29-F687-4F45-9708-019B960494DF}">
-              <a14:hiddenLine xmlns:a14="http://schemas.microsoft.com/office/drawing/2010/main" w="9525">
-                <a:solidFill>
-                  <a:schemeClr val="tx1"/>
-                </a:solidFill>
-                <a:miter lim="800000"/>
-                <a:headEnd/>
-                <a:tailEnd/>
-              </a14:hiddenLine>
-            </a:ext>
-            <a:ext uri="{AF507438-7753-43E0-B8FC-AC1667EBCBE1}">
-              <a14:hiddenEffects xmlns:a14="http://schemas.microsoft.com/office/drawing/2010/main">
-                <a:effectLst>
-                  <a:outerShdw dist="35921" dir="2700000" algn="ctr" rotWithShape="0">
-                    <a:schemeClr val="bg2"/>
-                  </a:outerShdw>
-                </a:effectLst>
-              </a14:hiddenEffects>
-            </a:ext>
-          </a:extLst>
-        </p:spPr>
-        <p:txBody>
-          <a:bodyPr vert="horz" wrap="square" lIns="91440" tIns="0" rIns="91440" bIns="0" numCol="1" anchor="ctr" anchorCtr="0" compatLnSpc="1">
-            <a:prstTxWarp prst="textNoShape">
-              <a:avLst/>
-            </a:prstTxWarp>
-            <a:spAutoFit/>
-          </a:bodyPr>
-          <a:lstStyle/>
-          <a:p>
-            <a:pPr marL="0" marR="0" lvl="0" indent="0" algn="l" defTabSz="914400" rtl="0" eaLnBrk="0" fontAlgn="base" latinLnBrk="0" hangingPunct="0">
-              <a:lnSpc>
-                <a:spcPct val="100000"/>
-              </a:lnSpc>
-              <a:spcBef>
-                <a:spcPct val="0"/>
-              </a:spcBef>
-              <a:spcAft>
-                <a:spcPct val="0"/>
-              </a:spcAft>
-              <a:buClrTx/>
-              <a:buSzTx/>
-              <a:buFontTx/>
-              <a:buNone/>
-              <a:tabLst/>
-            </a:pPr>
-            <a:br>
-              <a:rPr kumimoji="0" lang="en-US" altLang="en-US" sz="1000" b="0" i="0" u="none" strike="noStrike" cap="none" normalizeH="0" baseline="0">
-                <a:ln>
-                  <a:noFill/>
-                </a:ln>
-                <a:solidFill>
-                  <a:schemeClr val="tx1"/>
-                </a:solidFill>
-                <a:effectLst/>
-                <a:latin typeface="system-ui"/>
-              </a:rPr>
-            </a:br>
-            <a:endParaRPr kumimoji="0" lang="en-US" altLang="en-US" sz="1800" b="0" i="0" u="none" strike="noStrike" cap="none" normalizeH="0" baseline="0">
-              <a:ln>
-                <a:noFill/>
-              </a:ln>
-              <a:solidFill>
-                <a:schemeClr val="tx1"/>
-              </a:solidFill>
-              <a:effectLst/>
-              <a:latin typeface="Arial" panose="020B0604020202020204" pitchFamily="34" charset="0"/>
-            </a:endParaRPr>
-          </a:p>
-        </p:txBody>
-      </p:sp>
     </p:spTree>
     <p:extLst>
       <p:ext uri="{BB962C8B-B14F-4D97-AF65-F5344CB8AC3E}">
-        <p14:creationId xmlns:p14="http://schemas.microsoft.com/office/powerpoint/2010/main" val="4207303706"/>
+        <p14:creationId xmlns:p14="http://schemas.microsoft.com/office/powerpoint/2010/main" val="4266875337"/>
       </p:ext>
     </p:extLst>
   </p:cSld>
@@ -6224,7 +6204,7 @@
           <p:cNvPr id="2" name="Title 1">
             <a:extLst>
               <a:ext uri="{FF2B5EF4-FFF2-40B4-BE49-F238E27FC236}">
-                <a16:creationId xmlns:a16="http://schemas.microsoft.com/office/drawing/2014/main" id="{46154D70-20F4-10C4-1639-2808D00344B7}"/>
+                <a16:creationId xmlns:a16="http://schemas.microsoft.com/office/drawing/2014/main" id="{68028918-4EFC-6311-3305-84190A97E153}"/>
               </a:ext>
             </a:extLst>
           </p:cNvPr>
@@ -6248,167 +6228,66 @@
                   </a:schemeClr>
                 </a:solidFill>
               </a:rPr>
-              <a:t>Genre against Runtime</a:t>
-            </a:r>
-            <a:br>
-              <a:rPr lang="en-US" dirty="0"/>
-            </a:br>
-            <a:endParaRPr lang="en-US" dirty="0"/>
-          </a:p>
-        </p:txBody>
-      </p:sp>
-      <p:pic>
-        <p:nvPicPr>
-          <p:cNvPr id="10241" name="Picture 1">
-            <a:extLst>
-              <a:ext uri="{FF2B5EF4-FFF2-40B4-BE49-F238E27FC236}">
-                <a16:creationId xmlns:a16="http://schemas.microsoft.com/office/drawing/2014/main" id="{911B4297-4E10-0BD4-DFAC-770CEDBF52A4}"/>
-              </a:ext>
-            </a:extLst>
-          </p:cNvPr>
-          <p:cNvPicPr>
-            <a:picLocks noChangeAspect="1" noChangeArrowheads="1"/>
-          </p:cNvPicPr>
-          <p:nvPr/>
-        </p:nvPicPr>
-        <p:blipFill>
-          <a:blip r:embed="rId2">
-            <a:extLst>
-              <a:ext uri="{28A0092B-C50C-407E-A947-70E740481C1C}">
-                <a14:useLocalDpi xmlns:a14="http://schemas.microsoft.com/office/drawing/2010/main" val="0"/>
-              </a:ext>
-            </a:extLst>
-          </a:blip>
-          <a:srcRect/>
-          <a:stretch>
-            <a:fillRect/>
-          </a:stretch>
-        </p:blipFill>
-        <p:spPr bwMode="auto">
-          <a:xfrm>
-            <a:off x="1814304" y="1027906"/>
-            <a:ext cx="8162925" cy="5810250"/>
-          </a:xfrm>
-          <a:prstGeom prst="rect">
-            <a:avLst/>
-          </a:prstGeom>
-          <a:noFill/>
-          <a:extLst>
-            <a:ext uri="{909E8E84-426E-40DD-AFC4-6F175D3DCCD1}">
-              <a14:hiddenFill xmlns:a14="http://schemas.microsoft.com/office/drawing/2010/main">
-                <a:solidFill>
-                  <a:srgbClr val="FFFFFF"/>
-                </a:solidFill>
-              </a14:hiddenFill>
-            </a:ext>
-          </a:extLst>
-        </p:spPr>
-      </p:pic>
-      <p:sp>
-        <p:nvSpPr>
-          <p:cNvPr id="4" name="Rectangle 2">
-            <a:extLst>
-              <a:ext uri="{FF2B5EF4-FFF2-40B4-BE49-F238E27FC236}">
-                <a16:creationId xmlns:a16="http://schemas.microsoft.com/office/drawing/2014/main" id="{992529AA-08DC-4AEC-5285-F506D097F9C7}"/>
-              </a:ext>
-            </a:extLst>
-          </p:cNvPr>
-          <p:cNvSpPr>
-            <a:spLocks noChangeArrowheads="1"/>
-          </p:cNvSpPr>
-          <p:nvPr/>
-        </p:nvSpPr>
-        <p:spPr bwMode="auto">
-          <a:xfrm>
-            <a:off x="1333040" y="1156771"/>
-            <a:ext cx="6838950" cy="0"/>
-          </a:xfrm>
-          <a:prstGeom prst="rect">
-            <a:avLst/>
-          </a:prstGeom>
-          <a:solidFill>
-            <a:srgbClr val="FFFFFF"/>
-          </a:solidFill>
-          <a:ln>
-            <a:noFill/>
-          </a:ln>
-          <a:effectLst/>
-          <a:extLst>
-            <a:ext uri="{91240B29-F687-4F45-9708-019B960494DF}">
-              <a14:hiddenLine xmlns:a14="http://schemas.microsoft.com/office/drawing/2010/main" w="9525">
-                <a:solidFill>
-                  <a:schemeClr val="tx1"/>
-                </a:solidFill>
-                <a:miter lim="800000"/>
-                <a:headEnd/>
-                <a:tailEnd/>
-              </a14:hiddenLine>
-            </a:ext>
-            <a:ext uri="{AF507438-7753-43E0-B8FC-AC1667EBCBE1}">
-              <a14:hiddenEffects xmlns:a14="http://schemas.microsoft.com/office/drawing/2010/main">
-                <a:effectLst>
-                  <a:outerShdw dist="35921" dir="2700000" algn="ctr" rotWithShape="0">
-                    <a:schemeClr val="bg2"/>
-                  </a:outerShdw>
-                </a:effectLst>
-              </a14:hiddenEffects>
-            </a:ext>
-          </a:extLst>
-        </p:spPr>
-        <p:txBody>
-          <a:bodyPr vert="horz" wrap="none" lIns="91440" tIns="0" rIns="91440" bIns="0" numCol="1" anchor="ctr" anchorCtr="0" compatLnSpc="1">
-            <a:prstTxWarp prst="textNoShape">
-              <a:avLst/>
-            </a:prstTxWarp>
-            <a:spAutoFit/>
+              <a:t>Finding</a:t>
+            </a:r>
+          </a:p>
+        </p:txBody>
+      </p:sp>
+      <p:sp>
+        <p:nvSpPr>
+          <p:cNvPr id="3" name="Content Placeholder 2">
+            <a:extLst>
+              <a:ext uri="{FF2B5EF4-FFF2-40B4-BE49-F238E27FC236}">
+                <a16:creationId xmlns:a16="http://schemas.microsoft.com/office/drawing/2014/main" id="{D2F18E79-AC30-4F2F-F935-B751B086ABC1}"/>
+              </a:ext>
+            </a:extLst>
+          </p:cNvPr>
+          <p:cNvSpPr>
+            <a:spLocks noGrp="1"/>
+          </p:cNvSpPr>
+          <p:nvPr>
+            <p:ph idx="1"/>
+          </p:nvPr>
+        </p:nvSpPr>
+        <p:spPr/>
+        <p:txBody>
+          <a:bodyPr>
+            <a:normAutofit/>
           </a:bodyPr>
           <a:lstStyle/>
           <a:p>
-            <a:pPr marL="0" marR="0" lvl="0" indent="0" algn="l" defTabSz="914400" rtl="0" eaLnBrk="0" fontAlgn="base" latinLnBrk="0" hangingPunct="0">
-              <a:lnSpc>
-                <a:spcPct val="100000"/>
-              </a:lnSpc>
-              <a:spcBef>
-                <a:spcPct val="0"/>
-              </a:spcBef>
-              <a:spcAft>
-                <a:spcPct val="0"/>
-              </a:spcAft>
-              <a:buClrTx/>
-              <a:buSzTx/>
-              <a:buFontTx/>
-              <a:buNone/>
-              <a:tabLst/>
+            <a:r>
+              <a:rPr lang="en-US" sz="3600" dirty="0">
+                <a:solidFill>
+                  <a:schemeClr val="tx2">
+                    <a:lumMod val="75000"/>
+                  </a:schemeClr>
+                </a:solidFill>
+              </a:rPr>
+              <a:t>Movies with a popularity of 30 and higher attain a</a:t>
+            </a:r>
+          </a:p>
+          <a:p>
+            <a:pPr marL="0" indent="0">
+              <a:buNone/>
             </a:pPr>
-            <a:br>
-              <a:rPr kumimoji="0" lang="en-US" altLang="en-US" sz="1000" b="0" i="0" u="none" strike="noStrike" cap="none" normalizeH="0" baseline="0">
-                <a:ln>
-                  <a:noFill/>
-                </a:ln>
-                <a:solidFill>
-                  <a:schemeClr val="tx1"/>
-                </a:solidFill>
-                <a:effectLst/>
-                <a:latin typeface="system-ui"/>
-              </a:rPr>
-            </a:br>
-            <a:endParaRPr kumimoji="0" lang="en-US" altLang="en-US" sz="1800" b="0" i="0" u="none" strike="noStrike" cap="none" normalizeH="0" baseline="0">
-              <a:ln>
-                <a:noFill/>
-              </a:ln>
-              <a:solidFill>
-                <a:schemeClr val="tx1"/>
-              </a:solidFill>
-              <a:effectLst/>
-              <a:latin typeface="Arial" panose="020B0604020202020204" pitchFamily="34" charset="0"/>
-            </a:endParaRPr>
+            <a:r>
+              <a:rPr lang="en-US" sz="3600" dirty="0">
+                <a:solidFill>
+                  <a:schemeClr val="tx2">
+                    <a:lumMod val="75000"/>
+                  </a:schemeClr>
+                </a:solidFill>
+              </a:rPr>
+              <a:t> high grossing.</a:t>
+            </a:r>
           </a:p>
         </p:txBody>
       </p:sp>
     </p:spTree>
     <p:extLst>
       <p:ext uri="{BB962C8B-B14F-4D97-AF65-F5344CB8AC3E}">
-        <p14:creationId xmlns:p14="http://schemas.microsoft.com/office/powerpoint/2010/main" val="1735564896"/>
+        <p14:creationId xmlns:p14="http://schemas.microsoft.com/office/powerpoint/2010/main" val="1450263756"/>
       </p:ext>
     </p:extLst>
   </p:cSld>
@@ -6440,7 +6319,7 @@
           <p:cNvPr id="2" name="Title 1">
             <a:extLst>
               <a:ext uri="{FF2B5EF4-FFF2-40B4-BE49-F238E27FC236}">
-                <a16:creationId xmlns:a16="http://schemas.microsoft.com/office/drawing/2014/main" id="{ED5532C6-14E9-121C-12CC-3EF372DD404B}"/>
+                <a16:creationId xmlns:a16="http://schemas.microsoft.com/office/drawing/2014/main" id="{518019E0-1CCD-7A16-873B-4F0105DA6B4E}"/>
               </a:ext>
             </a:extLst>
           </p:cNvPr>
@@ -6453,15 +6332,28 @@
         </p:nvSpPr>
         <p:spPr>
           <a:xfrm>
-            <a:off x="838200" y="283029"/>
-            <a:ext cx="10515600" cy="4985657"/>
+            <a:off x="529728" y="228600"/>
+            <a:ext cx="10515600" cy="1325563"/>
           </a:xfrm>
         </p:spPr>
         <p:txBody>
-          <a:bodyPr/>
-          <a:lstStyle/>
-          <a:p>
-            <a:r>
+          <a:bodyPr>
+            <a:normAutofit fontScale="90000"/>
+          </a:bodyPr>
+          <a:lstStyle/>
+          <a:p>
+            <a:r>
+              <a:rPr lang="en-US" dirty="0">
+                <a:solidFill>
+                  <a:schemeClr val="accent1">
+                    <a:lumMod val="60000"/>
+                    <a:lumOff val="40000"/>
+                  </a:schemeClr>
+                </a:solidFill>
+              </a:rPr>
+              <a:t>Market Demand</a:t>
+            </a:r>
+            <a:br>
               <a:rPr lang="en-US" dirty="0">
                 <a:solidFill>
                   <a:schemeClr val="accent4">
@@ -6469,25 +6361,112 @@
                   </a:schemeClr>
                 </a:solidFill>
               </a:rPr>
-              <a:t>                      </a:t>
-            </a:r>
-            <a:r>
-              <a:rPr lang="en-US" sz="4800" dirty="0">
+            </a:br>
+            <a:r>
+              <a:rPr lang="en-US" dirty="0">
                 <a:solidFill>
                   <a:schemeClr val="accent4">
                     <a:lumMod val="75000"/>
                   </a:schemeClr>
                 </a:solidFill>
               </a:rPr>
-              <a:t>RECOMMENDATIONS</a:t>
-            </a:r>
-          </a:p>
-        </p:txBody>
-      </p:sp>
+              <a:t>Studio against ratings</a:t>
+            </a:r>
+            <a:br>
+              <a:rPr lang="en-US" dirty="0"/>
+            </a:br>
+            <a:endParaRPr lang="en-US" b="1" dirty="0"/>
+          </a:p>
+        </p:txBody>
+      </p:sp>
+      <p:sp>
+        <p:nvSpPr>
+          <p:cNvPr id="3" name="Content Placeholder 2">
+            <a:extLst>
+              <a:ext uri="{FF2B5EF4-FFF2-40B4-BE49-F238E27FC236}">
+                <a16:creationId xmlns:a16="http://schemas.microsoft.com/office/drawing/2014/main" id="{FCC4CD5D-FC84-853C-C6B0-6758885C2558}"/>
+              </a:ext>
+            </a:extLst>
+          </p:cNvPr>
+          <p:cNvSpPr>
+            <a:spLocks noGrp="1"/>
+          </p:cNvSpPr>
+          <p:nvPr>
+            <p:ph idx="1"/>
+          </p:nvPr>
+        </p:nvSpPr>
+        <p:spPr/>
+        <p:txBody>
+          <a:bodyPr/>
+          <a:lstStyle/>
+          <a:p>
+            <a:pPr marL="0" indent="0">
+              <a:buNone/>
+            </a:pPr>
+            <a:endParaRPr lang="en-US" dirty="0">
+              <a:solidFill>
+                <a:schemeClr val="accent4">
+                  <a:lumMod val="75000"/>
+                </a:schemeClr>
+              </a:solidFill>
+            </a:endParaRPr>
+          </a:p>
+          <a:p>
+            <a:endParaRPr lang="en-US" dirty="0"/>
+          </a:p>
+        </p:txBody>
+      </p:sp>
+      <p:pic>
+        <p:nvPicPr>
+          <p:cNvPr id="6145" name="Picture 1">
+            <a:extLst>
+              <a:ext uri="{FF2B5EF4-FFF2-40B4-BE49-F238E27FC236}">
+                <a16:creationId xmlns:a16="http://schemas.microsoft.com/office/drawing/2014/main" id="{E08E33F4-81D3-1F3B-83FE-5DFB5031B0BB}"/>
+              </a:ext>
+            </a:extLst>
+          </p:cNvPr>
+          <p:cNvPicPr>
+            <a:picLocks noChangeAspect="1" noChangeArrowheads="1"/>
+          </p:cNvPicPr>
+          <p:nvPr/>
+        </p:nvPicPr>
+        <p:blipFill>
+          <a:blip r:embed="rId2">
+            <a:extLst>
+              <a:ext uri="{28A0092B-C50C-407E-A947-70E740481C1C}">
+                <a14:useLocalDpi xmlns:a14="http://schemas.microsoft.com/office/drawing/2010/main" val="0"/>
+              </a:ext>
+            </a:extLst>
+          </a:blip>
+          <a:srcRect/>
+          <a:stretch>
+            <a:fillRect/>
+          </a:stretch>
+        </p:blipFill>
+        <p:spPr bwMode="auto">
+          <a:xfrm>
+            <a:off x="2533880" y="1686946"/>
+            <a:ext cx="8165794" cy="4942454"/>
+          </a:xfrm>
+          <a:prstGeom prst="rect">
+            <a:avLst/>
+          </a:prstGeom>
+          <a:noFill/>
+          <a:extLst>
+            <a:ext uri="{909E8E84-426E-40DD-AFC4-6F175D3DCCD1}">
+              <a14:hiddenFill xmlns:a14="http://schemas.microsoft.com/office/drawing/2010/main">
+                <a:solidFill>
+                  <a:srgbClr val="FFFFFF"/>
+                </a:solidFill>
+              </a14:hiddenFill>
+            </a:ext>
+          </a:extLst>
+        </p:spPr>
+      </p:pic>
     </p:spTree>
     <p:extLst>
       <p:ext uri="{BB962C8B-B14F-4D97-AF65-F5344CB8AC3E}">
-        <p14:creationId xmlns:p14="http://schemas.microsoft.com/office/powerpoint/2010/main" val="2526137038"/>
+        <p14:creationId xmlns:p14="http://schemas.microsoft.com/office/powerpoint/2010/main" val="4276710146"/>
       </p:ext>
     </p:extLst>
   </p:cSld>
@@ -6647,7 +6626,7 @@
           <p:cNvPr id="2" name="Title 1">
             <a:extLst>
               <a:ext uri="{FF2B5EF4-FFF2-40B4-BE49-F238E27FC236}">
-                <a16:creationId xmlns:a16="http://schemas.microsoft.com/office/drawing/2014/main" id="{EC012F02-B76B-411A-41A3-CFB779B747C3}"/>
+                <a16:creationId xmlns:a16="http://schemas.microsoft.com/office/drawing/2014/main" id="{D2790361-74AC-E846-67D1-8C36489D14A3}"/>
               </a:ext>
             </a:extLst>
           </p:cNvPr>
@@ -6663,146 +6642,104 @@
           <a:bodyPr/>
           <a:lstStyle/>
           <a:p>
-            <a:pPr marL="571500" indent="-571500">
-              <a:buFont typeface="Wingdings" panose="05000000000000000000" pitchFamily="2" charset="2"/>
-              <a:buChar char="q"/>
+            <a:r>
+              <a:rPr lang="en-US" dirty="0">
+                <a:solidFill>
+                  <a:schemeClr val="accent4">
+                    <a:lumMod val="75000"/>
+                  </a:schemeClr>
+                </a:solidFill>
+              </a:rPr>
+              <a:t>Findings</a:t>
+            </a:r>
+          </a:p>
+        </p:txBody>
+      </p:sp>
+      <p:sp>
+        <p:nvSpPr>
+          <p:cNvPr id="3" name="Content Placeholder 2">
+            <a:extLst>
+              <a:ext uri="{FF2B5EF4-FFF2-40B4-BE49-F238E27FC236}">
+                <a16:creationId xmlns:a16="http://schemas.microsoft.com/office/drawing/2014/main" id="{C85D65F5-59B4-B8F9-6E31-95506FD5E9D3}"/>
+              </a:ext>
+            </a:extLst>
+          </p:cNvPr>
+          <p:cNvSpPr>
+            <a:spLocks noGrp="1"/>
+          </p:cNvSpPr>
+          <p:nvPr>
+            <p:ph idx="1"/>
+          </p:nvPr>
+        </p:nvSpPr>
+        <p:spPr/>
+        <p:txBody>
+          <a:bodyPr>
+            <a:normAutofit/>
+          </a:bodyPr>
+          <a:lstStyle/>
+          <a:p>
+            <a:r>
+              <a:rPr lang="en-US" sz="3600" dirty="0" err="1">
+                <a:solidFill>
+                  <a:schemeClr val="tx2">
+                    <a:lumMod val="75000"/>
+                  </a:schemeClr>
+                </a:solidFill>
+              </a:rPr>
+              <a:t>GrtIndia</a:t>
+            </a:r>
+            <a:r>
+              <a:rPr lang="en-US" sz="3600" dirty="0">
+                <a:solidFill>
+                  <a:schemeClr val="tx2">
+                    <a:lumMod val="75000"/>
+                  </a:schemeClr>
+                </a:solidFill>
+              </a:rPr>
+              <a:t>, DreamWorks Pictures(</a:t>
+            </a:r>
+            <a:r>
+              <a:rPr lang="en-US" sz="3600" i="1" dirty="0">
+                <a:solidFill>
+                  <a:schemeClr val="tx2">
+                    <a:lumMod val="75000"/>
+                  </a:schemeClr>
+                </a:solidFill>
+              </a:rPr>
+              <a:t>P/DW</a:t>
+            </a:r>
+            <a:r>
+              <a:rPr lang="en-US" sz="3600" dirty="0">
+                <a:solidFill>
+                  <a:schemeClr val="tx2">
+                    <a:lumMod val="75000"/>
+                  </a:schemeClr>
+                </a:solidFill>
+              </a:rPr>
+              <a:t>) and Arth</a:t>
+            </a:r>
+          </a:p>
+          <a:p>
+            <a:pPr marL="0" indent="0">
+              <a:buNone/>
             </a:pPr>
             <a:r>
-              <a:rPr lang="en-US" dirty="0">
-                <a:solidFill>
-                  <a:schemeClr val="accent5">
-                    <a:lumMod val="75000"/>
-                  </a:schemeClr>
-                </a:solidFill>
-              </a:rPr>
-              <a:t>Prioritize High Grossing Genres</a:t>
-            </a:r>
-            <a:br>
-              <a:rPr lang="en-US" dirty="0"/>
-            </a:br>
-            <a:endParaRPr lang="en-US" dirty="0">
-              <a:solidFill>
-                <a:schemeClr val="accent4">
-                  <a:lumMod val="75000"/>
-                </a:schemeClr>
-              </a:solidFill>
-            </a:endParaRPr>
-          </a:p>
-        </p:txBody>
-      </p:sp>
-      <p:sp>
-        <p:nvSpPr>
-          <p:cNvPr id="3" name="Content Placeholder 2">
-            <a:extLst>
-              <a:ext uri="{FF2B5EF4-FFF2-40B4-BE49-F238E27FC236}">
-                <a16:creationId xmlns:a16="http://schemas.microsoft.com/office/drawing/2014/main" id="{63856592-4799-1B75-8AF4-01901E072B21}"/>
-              </a:ext>
-            </a:extLst>
-          </p:cNvPr>
-          <p:cNvSpPr>
-            <a:spLocks noGrp="1"/>
-          </p:cNvSpPr>
-          <p:nvPr>
-            <p:ph idx="1"/>
-          </p:nvPr>
-        </p:nvSpPr>
-        <p:spPr/>
-        <p:txBody>
-          <a:bodyPr/>
-          <a:lstStyle/>
-          <a:p>
-            <a:pPr marL="0" indent="0">
-              <a:buNone/>
-            </a:pPr>
-            <a:r>
-              <a:rPr lang="en-US" dirty="0">
-                <a:solidFill>
-                  <a:schemeClr val="tx2">
-                    <a:lumMod val="75000"/>
-                  </a:schemeClr>
-                </a:solidFill>
-              </a:rPr>
-              <a:t>The studio should prioritize producing films in these genres, particularly</a:t>
-            </a:r>
-          </a:p>
-          <a:p>
-            <a:pPr marL="0" indent="0">
-              <a:buNone/>
-            </a:pPr>
-            <a:endParaRPr lang="en-US" dirty="0">
-              <a:solidFill>
-                <a:schemeClr val="tx2">
-                  <a:lumMod val="75000"/>
-                </a:schemeClr>
-              </a:solidFill>
-            </a:endParaRPr>
-          </a:p>
-          <a:p>
-            <a:pPr marL="0" indent="0">
-              <a:buNone/>
-            </a:pPr>
-            <a:r>
-              <a:rPr lang="en-US" dirty="0">
-                <a:solidFill>
-                  <a:schemeClr val="tx2">
-                    <a:lumMod val="75000"/>
-                  </a:schemeClr>
-                </a:solidFill>
-              </a:rPr>
-              <a:t> for early releases, to maximize return on investment and attract </a:t>
-            </a:r>
-          </a:p>
-          <a:p>
-            <a:pPr marL="0" indent="0">
-              <a:buNone/>
-            </a:pPr>
-            <a:endParaRPr lang="en-US" dirty="0">
-              <a:solidFill>
-                <a:schemeClr val="tx2">
-                  <a:lumMod val="75000"/>
-                </a:schemeClr>
-              </a:solidFill>
-            </a:endParaRPr>
-          </a:p>
-          <a:p>
-            <a:pPr marL="0" indent="0">
-              <a:buNone/>
-            </a:pPr>
-            <a:r>
-              <a:rPr lang="en-US" dirty="0">
-                <a:solidFill>
-                  <a:schemeClr val="tx2">
-                    <a:lumMod val="75000"/>
-                  </a:schemeClr>
-                </a:solidFill>
-              </a:rPr>
-              <a:t> audiences.</a:t>
-            </a:r>
-          </a:p>
-          <a:p>
-            <a:pPr marL="0" indent="0">
-              <a:buNone/>
-            </a:pPr>
-            <a:endParaRPr lang="en-US" sz="2400" dirty="0">
-              <a:solidFill>
-                <a:schemeClr val="accent5">
-                  <a:lumMod val="75000"/>
-                </a:schemeClr>
-              </a:solidFill>
-            </a:endParaRPr>
-          </a:p>
-          <a:p>
-            <a:pPr marL="0" indent="0">
-              <a:buNone/>
-            </a:pPr>
-            <a:endParaRPr lang="en-US" dirty="0"/>
+              <a:rPr lang="en-US" sz="3600" dirty="0">
+                <a:solidFill>
+                  <a:schemeClr val="tx2">
+                    <a:lumMod val="75000"/>
+                  </a:schemeClr>
+                </a:solidFill>
+              </a:rPr>
+              <a:t> Studios have the best ratings from movies they have produced</a:t>
+            </a:r>
           </a:p>
         </p:txBody>
       </p:sp>
     </p:spTree>
     <p:extLst>
       <p:ext uri="{BB962C8B-B14F-4D97-AF65-F5344CB8AC3E}">
-        <p14:creationId xmlns:p14="http://schemas.microsoft.com/office/powerpoint/2010/main" val="2724402833"/>
+        <p14:creationId xmlns:p14="http://schemas.microsoft.com/office/powerpoint/2010/main" val="441203217"/>
       </p:ext>
     </p:extLst>
   </p:cSld>
@@ -6834,7 +6771,7 @@
           <p:cNvPr id="2" name="Title 1">
             <a:extLst>
               <a:ext uri="{FF2B5EF4-FFF2-40B4-BE49-F238E27FC236}">
-                <a16:creationId xmlns:a16="http://schemas.microsoft.com/office/drawing/2014/main" id="{840B5D72-2416-B45F-B948-05A034179A71}"/>
+                <a16:creationId xmlns:a16="http://schemas.microsoft.com/office/drawing/2014/main" id="{AB452092-9FC0-2092-14D9-1296FD07D6E3}"/>
               </a:ext>
             </a:extLst>
           </p:cNvPr>
@@ -6850,19 +6787,15 @@
           <a:bodyPr/>
           <a:lstStyle/>
           <a:p>
-            <a:pPr marL="571500" indent="-571500">
-              <a:buFont typeface="Wingdings" panose="05000000000000000000" pitchFamily="2" charset="2"/>
-              <a:buChar char="q"/>
-            </a:pPr>
-            <a:r>
-              <a:rPr lang="en-US" dirty="0">
-                <a:solidFill>
-                  <a:schemeClr val="accent5">
-                    <a:lumMod val="75000"/>
-                  </a:schemeClr>
-                </a:solidFill>
-              </a:rPr>
-              <a:t>Invest in quality to drive revenue</a:t>
+            <a:r>
+              <a:rPr lang="en-US" dirty="0">
+                <a:solidFill>
+                  <a:schemeClr val="accent4">
+                    <a:lumMod val="75000"/>
+                  </a:schemeClr>
+                </a:solidFill>
+              </a:rPr>
+              <a:t>Genre against Popularity</a:t>
             </a:r>
             <a:br>
               <a:rPr lang="en-US" dirty="0"/>
@@ -6871,101 +6804,158 @@
           </a:p>
         </p:txBody>
       </p:sp>
-      <p:sp>
-        <p:nvSpPr>
-          <p:cNvPr id="3" name="Content Placeholder 2">
-            <a:extLst>
-              <a:ext uri="{FF2B5EF4-FFF2-40B4-BE49-F238E27FC236}">
-                <a16:creationId xmlns:a16="http://schemas.microsoft.com/office/drawing/2014/main" id="{B2C93337-DB3A-8B05-5847-1984B6E26372}"/>
-              </a:ext>
-            </a:extLst>
-          </p:cNvPr>
-          <p:cNvSpPr>
-            <a:spLocks noGrp="1"/>
-          </p:cNvSpPr>
-          <p:nvPr>
-            <p:ph idx="1"/>
-          </p:nvPr>
-        </p:nvSpPr>
-        <p:spPr/>
-        <p:txBody>
-          <a:bodyPr/>
-          <a:lstStyle/>
-          <a:p>
-            <a:pPr marL="0" indent="0">
-              <a:buNone/>
+      <p:pic>
+        <p:nvPicPr>
+          <p:cNvPr id="7171" name="Picture 3">
+            <a:extLst>
+              <a:ext uri="{FF2B5EF4-FFF2-40B4-BE49-F238E27FC236}">
+                <a16:creationId xmlns:a16="http://schemas.microsoft.com/office/drawing/2014/main" id="{085CA0FF-0B78-1E74-656E-CDE9FADCF7D8}"/>
+              </a:ext>
+            </a:extLst>
+          </p:cNvPr>
+          <p:cNvPicPr>
+            <a:picLocks noChangeAspect="1" noChangeArrowheads="1"/>
+          </p:cNvPicPr>
+          <p:nvPr/>
+        </p:nvPicPr>
+        <p:blipFill>
+          <a:blip r:embed="rId2">
+            <a:extLst>
+              <a:ext uri="{28A0092B-C50C-407E-A947-70E740481C1C}">
+                <a14:useLocalDpi xmlns:a14="http://schemas.microsoft.com/office/drawing/2010/main" val="0"/>
+              </a:ext>
+            </a:extLst>
+          </a:blip>
+          <a:srcRect/>
+          <a:stretch>
+            <a:fillRect/>
+          </a:stretch>
+        </p:blipFill>
+        <p:spPr bwMode="auto">
+          <a:xfrm>
+            <a:off x="1828800" y="1200150"/>
+            <a:ext cx="8143875" cy="5657850"/>
+          </a:xfrm>
+          <a:prstGeom prst="rect">
+            <a:avLst/>
+          </a:prstGeom>
+          <a:noFill/>
+          <a:extLst>
+            <a:ext uri="{909E8E84-426E-40DD-AFC4-6F175D3DCCD1}">
+              <a14:hiddenFill xmlns:a14="http://schemas.microsoft.com/office/drawing/2010/main">
+                <a:solidFill>
+                  <a:srgbClr val="FFFFFF"/>
+                </a:solidFill>
+              </a14:hiddenFill>
+            </a:ext>
+          </a:extLst>
+        </p:spPr>
+      </p:pic>
+      <p:sp>
+        <p:nvSpPr>
+          <p:cNvPr id="5" name="Rectangle 4">
+            <a:extLst>
+              <a:ext uri="{FF2B5EF4-FFF2-40B4-BE49-F238E27FC236}">
+                <a16:creationId xmlns:a16="http://schemas.microsoft.com/office/drawing/2014/main" id="{94131266-FDE5-32F6-53A4-3F7B5E6DDF05}"/>
+              </a:ext>
+            </a:extLst>
+          </p:cNvPr>
+          <p:cNvSpPr>
+            <a:spLocks noChangeArrowheads="1"/>
+          </p:cNvSpPr>
+          <p:nvPr/>
+        </p:nvSpPr>
+        <p:spPr bwMode="auto">
+          <a:xfrm>
+            <a:off x="1828800" y="1200150"/>
+            <a:ext cx="6838950" cy="0"/>
+          </a:xfrm>
+          <a:prstGeom prst="rect">
+            <a:avLst/>
+          </a:prstGeom>
+          <a:solidFill>
+            <a:srgbClr val="FFFFFF"/>
+          </a:solidFill>
+          <a:ln>
+            <a:noFill/>
+          </a:ln>
+          <a:effectLst/>
+          <a:extLst>
+            <a:ext uri="{91240B29-F687-4F45-9708-019B960494DF}">
+              <a14:hiddenLine xmlns:a14="http://schemas.microsoft.com/office/drawing/2010/main" w="9525">
+                <a:solidFill>
+                  <a:schemeClr val="tx1"/>
+                </a:solidFill>
+                <a:miter lim="800000"/>
+                <a:headEnd/>
+                <a:tailEnd/>
+              </a14:hiddenLine>
+            </a:ext>
+            <a:ext uri="{AF507438-7753-43E0-B8FC-AC1667EBCBE1}">
+              <a14:hiddenEffects xmlns:a14="http://schemas.microsoft.com/office/drawing/2010/main">
+                <a:effectLst>
+                  <a:outerShdw dist="35921" dir="2700000" algn="ctr" rotWithShape="0">
+                    <a:schemeClr val="bg2"/>
+                  </a:outerShdw>
+                </a:effectLst>
+              </a14:hiddenEffects>
+            </a:ext>
+          </a:extLst>
+        </p:spPr>
+        <p:txBody>
+          <a:bodyPr vert="horz" wrap="none" lIns="91440" tIns="0" rIns="91440" bIns="0" numCol="1" anchor="ctr" anchorCtr="0" compatLnSpc="1">
+            <a:prstTxWarp prst="textNoShape">
+              <a:avLst/>
+            </a:prstTxWarp>
+            <a:spAutoFit/>
+          </a:bodyPr>
+          <a:lstStyle/>
+          <a:p>
+            <a:pPr marL="0" marR="0" lvl="0" indent="0" algn="l" defTabSz="914400" rtl="0" eaLnBrk="0" fontAlgn="base" latinLnBrk="0" hangingPunct="0">
+              <a:lnSpc>
+                <a:spcPct val="100000"/>
+              </a:lnSpc>
+              <a:spcBef>
+                <a:spcPct val="0"/>
+              </a:spcBef>
+              <a:spcAft>
+                <a:spcPct val="0"/>
+              </a:spcAft>
+              <a:buClrTx/>
+              <a:buSzTx/>
+              <a:buFontTx/>
+              <a:buNone/>
+              <a:tabLst/>
             </a:pPr>
-            <a:r>
-              <a:rPr lang="en-US" dirty="0">
-                <a:solidFill>
-                  <a:schemeClr val="tx2">
-                    <a:lumMod val="75000"/>
-                  </a:schemeClr>
-                </a:solidFill>
-              </a:rPr>
-              <a:t>Allocate budget toward strong scripts, experienced directors, and</a:t>
-            </a:r>
-          </a:p>
-          <a:p>
-            <a:pPr marL="0" indent="0">
-              <a:buNone/>
-            </a:pPr>
-            <a:endParaRPr lang="en-US" dirty="0">
+            <a:br>
+              <a:rPr kumimoji="0" lang="en-US" altLang="en-US" sz="1000" b="0" i="0" u="none" strike="noStrike" cap="none" normalizeH="0" baseline="0">
+                <a:ln>
+                  <a:noFill/>
+                </a:ln>
+                <a:solidFill>
+                  <a:schemeClr val="tx1"/>
+                </a:solidFill>
+                <a:effectLst/>
+                <a:latin typeface="system-ui"/>
+              </a:rPr>
+            </a:br>
+            <a:endParaRPr kumimoji="0" lang="en-US" altLang="en-US" sz="1800" b="0" i="0" u="none" strike="noStrike" cap="none" normalizeH="0" baseline="0">
+              <a:ln>
+                <a:noFill/>
+              </a:ln>
               <a:solidFill>
-                <a:schemeClr val="tx2">
-                  <a:lumMod val="75000"/>
-                </a:schemeClr>
+                <a:schemeClr val="tx1"/>
               </a:solidFill>
+              <a:effectLst/>
+              <a:latin typeface="Arial" panose="020B0604020202020204" pitchFamily="34" charset="0"/>
             </a:endParaRPr>
-          </a:p>
-          <a:p>
-            <a:pPr marL="0" indent="0">
-              <a:buNone/>
-            </a:pPr>
-            <a:r>
-              <a:rPr lang="en-US" dirty="0">
-                <a:solidFill>
-                  <a:schemeClr val="tx2">
-                    <a:lumMod val="75000"/>
-                  </a:schemeClr>
-                </a:solidFill>
-              </a:rPr>
-              <a:t> higher production quality to improve audience satisfaction rather than</a:t>
-            </a:r>
-          </a:p>
-          <a:p>
-            <a:pPr marL="0" indent="0">
-              <a:buNone/>
-            </a:pPr>
-            <a:endParaRPr lang="en-US" dirty="0">
-              <a:solidFill>
-                <a:schemeClr val="tx2">
-                  <a:lumMod val="75000"/>
-                </a:schemeClr>
-              </a:solidFill>
-            </a:endParaRPr>
-          </a:p>
-          <a:p>
-            <a:pPr marL="0" indent="0">
-              <a:buNone/>
-            </a:pPr>
-            <a:r>
-              <a:rPr lang="en-US" dirty="0">
-                <a:solidFill>
-                  <a:schemeClr val="tx2">
-                    <a:lumMod val="75000"/>
-                  </a:schemeClr>
-                </a:solidFill>
-              </a:rPr>
-              <a:t> focusing solely on quantity of releases.</a:t>
-            </a:r>
           </a:p>
         </p:txBody>
       </p:sp>
     </p:spTree>
     <p:extLst>
       <p:ext uri="{BB962C8B-B14F-4D97-AF65-F5344CB8AC3E}">
-        <p14:creationId xmlns:p14="http://schemas.microsoft.com/office/powerpoint/2010/main" val="3286068616"/>
+        <p14:creationId xmlns:p14="http://schemas.microsoft.com/office/powerpoint/2010/main" val="1064380111"/>
       </p:ext>
     </p:extLst>
   </p:cSld>
@@ -6997,7 +6987,7 @@
           <p:cNvPr id="2" name="Title 1">
             <a:extLst>
               <a:ext uri="{FF2B5EF4-FFF2-40B4-BE49-F238E27FC236}">
-                <a16:creationId xmlns:a16="http://schemas.microsoft.com/office/drawing/2014/main" id="{AB02EB96-F72C-9C20-89D7-9F66B8907C05}"/>
+                <a16:creationId xmlns:a16="http://schemas.microsoft.com/office/drawing/2014/main" id="{F11D2E2A-A35C-3161-F5D1-EA9BF376F0FE}"/>
               </a:ext>
             </a:extLst>
           </p:cNvPr>
@@ -7013,87 +7003,116 @@
           <a:bodyPr/>
           <a:lstStyle/>
           <a:p>
-            <a:pPr marL="571500" indent="-571500">
-              <a:buFont typeface="Wingdings" panose="05000000000000000000" pitchFamily="2" charset="2"/>
-              <a:buChar char="q"/>
+            <a:r>
+              <a:rPr lang="en-US" dirty="0">
+                <a:solidFill>
+                  <a:schemeClr val="accent4">
+                    <a:lumMod val="75000"/>
+                  </a:schemeClr>
+                </a:solidFill>
+              </a:rPr>
+              <a:t>Findings</a:t>
+            </a:r>
+          </a:p>
+        </p:txBody>
+      </p:sp>
+      <p:sp>
+        <p:nvSpPr>
+          <p:cNvPr id="3" name="Content Placeholder 2">
+            <a:extLst>
+              <a:ext uri="{FF2B5EF4-FFF2-40B4-BE49-F238E27FC236}">
+                <a16:creationId xmlns:a16="http://schemas.microsoft.com/office/drawing/2014/main" id="{EFDA06CB-C38E-EBE4-81AF-F56058D268B3}"/>
+              </a:ext>
+            </a:extLst>
+          </p:cNvPr>
+          <p:cNvSpPr>
+            <a:spLocks noGrp="1"/>
+          </p:cNvSpPr>
+          <p:nvPr>
+            <p:ph idx="1"/>
+          </p:nvPr>
+        </p:nvSpPr>
+        <p:spPr/>
+        <p:txBody>
+          <a:bodyPr>
+            <a:normAutofit/>
+          </a:bodyPr>
+          <a:lstStyle/>
+          <a:p>
+            <a:r>
+              <a:rPr lang="en-US" sz="3600" i="1" dirty="0">
+                <a:solidFill>
+                  <a:schemeClr val="tx2">
+                    <a:lumMod val="75000"/>
+                  </a:schemeClr>
+                </a:solidFill>
+              </a:rPr>
+              <a:t>Sci-fi</a:t>
+            </a:r>
+            <a:r>
+              <a:rPr lang="en-US" sz="3600" dirty="0">
+                <a:solidFill>
+                  <a:schemeClr val="tx2">
+                    <a:lumMod val="75000"/>
+                  </a:schemeClr>
+                </a:solidFill>
+              </a:rPr>
+              <a:t> , </a:t>
+            </a:r>
+            <a:r>
+              <a:rPr lang="en-US" sz="3600" i="1" dirty="0">
+                <a:solidFill>
+                  <a:schemeClr val="tx2">
+                    <a:lumMod val="75000"/>
+                  </a:schemeClr>
+                </a:solidFill>
+              </a:rPr>
+              <a:t>Adventure</a:t>
+            </a:r>
+            <a:r>
+              <a:rPr lang="en-US" sz="3600" dirty="0">
+                <a:solidFill>
+                  <a:schemeClr val="tx2">
+                    <a:lumMod val="75000"/>
+                  </a:schemeClr>
+                </a:solidFill>
+              </a:rPr>
+              <a:t> and </a:t>
+            </a:r>
+            <a:r>
+              <a:rPr lang="en-US" sz="3600" i="1" dirty="0">
+                <a:solidFill>
+                  <a:schemeClr val="tx2">
+                    <a:lumMod val="75000"/>
+                  </a:schemeClr>
+                </a:solidFill>
+              </a:rPr>
+              <a:t>Action</a:t>
+            </a:r>
+            <a:r>
+              <a:rPr lang="en-US" sz="3600" dirty="0">
+                <a:solidFill>
+                  <a:schemeClr val="tx2">
+                    <a:lumMod val="75000"/>
+                  </a:schemeClr>
+                </a:solidFill>
+              </a:rPr>
+              <a:t> movies tend to gain the</a:t>
+            </a:r>
+          </a:p>
+          <a:p>
+            <a:pPr marL="0" indent="0">
+              <a:buNone/>
             </a:pPr>
             <a:r>
-              <a:rPr lang="en-US" dirty="0">
-                <a:solidFill>
-                  <a:schemeClr val="accent5">
-                    <a:lumMod val="75000"/>
-                  </a:schemeClr>
-                </a:solidFill>
-              </a:rPr>
-              <a:t> Target Optimal Movie Runtime</a:t>
-            </a:r>
-            <a:br>
-              <a:rPr lang="en-US" dirty="0"/>
-            </a:br>
-            <a:endParaRPr lang="en-US" dirty="0"/>
-          </a:p>
-        </p:txBody>
-      </p:sp>
-      <p:sp>
-        <p:nvSpPr>
-          <p:cNvPr id="3" name="Content Placeholder 2">
-            <a:extLst>
-              <a:ext uri="{FF2B5EF4-FFF2-40B4-BE49-F238E27FC236}">
-                <a16:creationId xmlns:a16="http://schemas.microsoft.com/office/drawing/2014/main" id="{5909B97E-EB9F-7D6F-6A36-C9F46B8839EC}"/>
-              </a:ext>
-            </a:extLst>
-          </p:cNvPr>
-          <p:cNvSpPr>
-            <a:spLocks noGrp="1"/>
-          </p:cNvSpPr>
-          <p:nvPr>
-            <p:ph idx="1"/>
-          </p:nvPr>
-        </p:nvSpPr>
-        <p:spPr/>
-        <p:txBody>
-          <a:bodyPr/>
-          <a:lstStyle/>
-          <a:p>
-            <a:pPr marL="0" indent="0">
-              <a:buNone/>
-            </a:pPr>
-            <a:r>
-              <a:rPr lang="en-US" dirty="0">
-                <a:solidFill>
-                  <a:schemeClr val="tx2">
-                    <a:lumMod val="75000"/>
-                  </a:schemeClr>
-                </a:solidFill>
-              </a:rPr>
-              <a:t>The studio should aim to keep most productions over the 120 minute</a:t>
-            </a:r>
-          </a:p>
-          <a:p>
-            <a:pPr marL="0" indent="0">
-              <a:buNone/>
-            </a:pPr>
-            <a:endParaRPr lang="en-US" dirty="0">
-              <a:solidFill>
-                <a:schemeClr val="tx2">
-                  <a:lumMod val="75000"/>
-                </a:schemeClr>
-              </a:solidFill>
-            </a:endParaRPr>
-          </a:p>
-          <a:p>
-            <a:pPr marL="0" indent="0">
-              <a:buNone/>
-            </a:pPr>
-            <a:r>
-              <a:rPr lang="en-US" dirty="0">
-                <a:solidFill>
-                  <a:schemeClr val="tx2">
-                    <a:lumMod val="75000"/>
-                  </a:schemeClr>
-                </a:solidFill>
-              </a:rPr>
-              <a:t> range to balance storytelling, viewer attention, and production costs.</a:t>
+              <a:rPr lang="en-US" sz="3600" dirty="0">
+                <a:solidFill>
+                  <a:schemeClr val="tx2">
+                    <a:lumMod val="75000"/>
+                  </a:schemeClr>
+                </a:solidFill>
+              </a:rPr>
+              <a:t> most attention from the audience</a:t>
             </a:r>
           </a:p>
         </p:txBody>
@@ -7101,7 +7120,7 @@
     </p:spTree>
     <p:extLst>
       <p:ext uri="{BB962C8B-B14F-4D97-AF65-F5344CB8AC3E}">
-        <p14:creationId xmlns:p14="http://schemas.microsoft.com/office/powerpoint/2010/main" val="1728616449"/>
+        <p14:creationId xmlns:p14="http://schemas.microsoft.com/office/powerpoint/2010/main" val="2533656850"/>
       </p:ext>
     </p:extLst>
   </p:cSld>
@@ -7133,7 +7152,7 @@
           <p:cNvPr id="2" name="Title 1">
             <a:extLst>
               <a:ext uri="{FF2B5EF4-FFF2-40B4-BE49-F238E27FC236}">
-                <a16:creationId xmlns:a16="http://schemas.microsoft.com/office/drawing/2014/main" id="{5FBF754A-ED9F-D10D-CEEA-B0D595B8D739}"/>
+                <a16:creationId xmlns:a16="http://schemas.microsoft.com/office/drawing/2014/main" id="{75B88D40-22B7-7098-B2E6-C8E63FF7A78D}"/>
               </a:ext>
             </a:extLst>
           </p:cNvPr>
@@ -7149,19 +7168,15 @@
           <a:bodyPr/>
           <a:lstStyle/>
           <a:p>
-            <a:pPr marL="571500" indent="-571500">
-              <a:buFont typeface="Wingdings" panose="05000000000000000000" pitchFamily="2" charset="2"/>
-              <a:buChar char="q"/>
-            </a:pPr>
-            <a:r>
-              <a:rPr lang="en-US" dirty="0">
-                <a:solidFill>
-                  <a:schemeClr val="accent5">
-                    <a:lumMod val="75000"/>
-                  </a:schemeClr>
-                </a:solidFill>
-              </a:rPr>
-              <a:t>Learning From Top Studios</a:t>
+            <a:r>
+              <a:rPr lang="en-US" dirty="0">
+                <a:solidFill>
+                  <a:schemeClr val="accent4">
+                    <a:lumMod val="75000"/>
+                  </a:schemeClr>
+                </a:solidFill>
+              </a:rPr>
+              <a:t>Studio against Popularity</a:t>
             </a:r>
             <a:br>
               <a:rPr lang="en-US" dirty="0"/>
@@ -7170,98 +7185,158 @@
           </a:p>
         </p:txBody>
       </p:sp>
-      <p:sp>
-        <p:nvSpPr>
-          <p:cNvPr id="3" name="Content Placeholder 2">
-            <a:extLst>
-              <a:ext uri="{FF2B5EF4-FFF2-40B4-BE49-F238E27FC236}">
-                <a16:creationId xmlns:a16="http://schemas.microsoft.com/office/drawing/2014/main" id="{AEA9A0E9-8B33-9757-4622-3876C9F66E20}"/>
-              </a:ext>
-            </a:extLst>
-          </p:cNvPr>
-          <p:cNvSpPr>
-            <a:spLocks noGrp="1"/>
-          </p:cNvSpPr>
-          <p:nvPr>
-            <p:ph idx="1"/>
-          </p:nvPr>
-        </p:nvSpPr>
-        <p:spPr/>
-        <p:txBody>
-          <a:bodyPr/>
-          <a:lstStyle/>
-          <a:p>
-            <a:pPr marL="0" indent="0">
-              <a:buNone/>
+      <p:pic>
+        <p:nvPicPr>
+          <p:cNvPr id="8193" name="Picture 1">
+            <a:extLst>
+              <a:ext uri="{FF2B5EF4-FFF2-40B4-BE49-F238E27FC236}">
+                <a16:creationId xmlns:a16="http://schemas.microsoft.com/office/drawing/2014/main" id="{CED417E9-AF84-54FB-062F-783E2821C5CE}"/>
+              </a:ext>
+            </a:extLst>
+          </p:cNvPr>
+          <p:cNvPicPr>
+            <a:picLocks noChangeAspect="1" noChangeArrowheads="1"/>
+          </p:cNvPicPr>
+          <p:nvPr/>
+        </p:nvPicPr>
+        <p:blipFill>
+          <a:blip r:embed="rId2">
+            <a:extLst>
+              <a:ext uri="{28A0092B-C50C-407E-A947-70E740481C1C}">
+                <a14:useLocalDpi xmlns:a14="http://schemas.microsoft.com/office/drawing/2010/main" val="0"/>
+              </a:ext>
+            </a:extLst>
+          </a:blip>
+          <a:srcRect/>
+          <a:stretch>
+            <a:fillRect/>
+          </a:stretch>
+        </p:blipFill>
+        <p:spPr bwMode="auto">
+          <a:xfrm>
+            <a:off x="1432192" y="1171575"/>
+            <a:ext cx="8143875" cy="5686425"/>
+          </a:xfrm>
+          <a:prstGeom prst="rect">
+            <a:avLst/>
+          </a:prstGeom>
+          <a:noFill/>
+          <a:extLst>
+            <a:ext uri="{909E8E84-426E-40DD-AFC4-6F175D3DCCD1}">
+              <a14:hiddenFill xmlns:a14="http://schemas.microsoft.com/office/drawing/2010/main">
+                <a:solidFill>
+                  <a:srgbClr val="FFFFFF"/>
+                </a:solidFill>
+              </a14:hiddenFill>
+            </a:ext>
+          </a:extLst>
+        </p:spPr>
+      </p:pic>
+      <p:sp>
+        <p:nvSpPr>
+          <p:cNvPr id="4" name="Rectangle 2">
+            <a:extLst>
+              <a:ext uri="{FF2B5EF4-FFF2-40B4-BE49-F238E27FC236}">
+                <a16:creationId xmlns:a16="http://schemas.microsoft.com/office/drawing/2014/main" id="{F522C9D6-5D88-2D56-401D-C1387CB97292}"/>
+              </a:ext>
+            </a:extLst>
+          </p:cNvPr>
+          <p:cNvSpPr>
+            <a:spLocks noChangeArrowheads="1"/>
+          </p:cNvSpPr>
+          <p:nvPr/>
+        </p:nvSpPr>
+        <p:spPr bwMode="auto">
+          <a:xfrm>
+            <a:off x="1432192" y="1171575"/>
+            <a:ext cx="6838950" cy="0"/>
+          </a:xfrm>
+          <a:prstGeom prst="rect">
+            <a:avLst/>
+          </a:prstGeom>
+          <a:solidFill>
+            <a:srgbClr val="FFFFFF"/>
+          </a:solidFill>
+          <a:ln>
+            <a:noFill/>
+          </a:ln>
+          <a:effectLst/>
+          <a:extLst>
+            <a:ext uri="{91240B29-F687-4F45-9708-019B960494DF}">
+              <a14:hiddenLine xmlns:a14="http://schemas.microsoft.com/office/drawing/2010/main" w="9525">
+                <a:solidFill>
+                  <a:schemeClr val="tx1"/>
+                </a:solidFill>
+                <a:miter lim="800000"/>
+                <a:headEnd/>
+                <a:tailEnd/>
+              </a14:hiddenLine>
+            </a:ext>
+            <a:ext uri="{AF507438-7753-43E0-B8FC-AC1667EBCBE1}">
+              <a14:hiddenEffects xmlns:a14="http://schemas.microsoft.com/office/drawing/2010/main">
+                <a:effectLst>
+                  <a:outerShdw dist="35921" dir="2700000" algn="ctr" rotWithShape="0">
+                    <a:schemeClr val="bg2"/>
+                  </a:outerShdw>
+                </a:effectLst>
+              </a14:hiddenEffects>
+            </a:ext>
+          </a:extLst>
+        </p:spPr>
+        <p:txBody>
+          <a:bodyPr vert="horz" wrap="none" lIns="91440" tIns="0" rIns="91440" bIns="0" numCol="1" anchor="ctr" anchorCtr="0" compatLnSpc="1">
+            <a:prstTxWarp prst="textNoShape">
+              <a:avLst/>
+            </a:prstTxWarp>
+            <a:spAutoFit/>
+          </a:bodyPr>
+          <a:lstStyle/>
+          <a:p>
+            <a:pPr marL="0" marR="0" lvl="0" indent="0" algn="l" defTabSz="914400" rtl="0" eaLnBrk="0" fontAlgn="base" latinLnBrk="0" hangingPunct="0">
+              <a:lnSpc>
+                <a:spcPct val="100000"/>
+              </a:lnSpc>
+              <a:spcBef>
+                <a:spcPct val="0"/>
+              </a:spcBef>
+              <a:spcAft>
+                <a:spcPct val="0"/>
+              </a:spcAft>
+              <a:buClrTx/>
+              <a:buSzTx/>
+              <a:buFontTx/>
+              <a:buNone/>
+              <a:tabLst/>
             </a:pPr>
-            <a:r>
-              <a:rPr lang="en-US" dirty="0">
-                <a:solidFill>
-                  <a:schemeClr val="tx2">
-                    <a:lumMod val="75000"/>
-                  </a:schemeClr>
-                </a:solidFill>
-              </a:rPr>
-              <a:t>The studio should study their genre focus, franchise development,</a:t>
-            </a:r>
-          </a:p>
-          <a:p>
-            <a:endParaRPr lang="en-US" dirty="0">
+            <a:br>
+              <a:rPr kumimoji="0" lang="en-US" altLang="en-US" sz="1000" b="0" i="0" u="none" strike="noStrike" cap="none" normalizeH="0" baseline="0">
+                <a:ln>
+                  <a:noFill/>
+                </a:ln>
+                <a:solidFill>
+                  <a:schemeClr val="tx1"/>
+                </a:solidFill>
+                <a:effectLst/>
+                <a:latin typeface="system-ui"/>
+              </a:rPr>
+            </a:br>
+            <a:endParaRPr kumimoji="0" lang="en-US" altLang="en-US" sz="1800" b="0" i="0" u="none" strike="noStrike" cap="none" normalizeH="0" baseline="0">
+              <a:ln>
+                <a:noFill/>
+              </a:ln>
               <a:solidFill>
-                <a:schemeClr val="tx2">
-                  <a:lumMod val="75000"/>
-                </a:schemeClr>
+                <a:schemeClr val="tx1"/>
               </a:solidFill>
+              <a:effectLst/>
+              <a:latin typeface="Arial" panose="020B0604020202020204" pitchFamily="34" charset="0"/>
             </a:endParaRPr>
-          </a:p>
-          <a:p>
-            <a:pPr marL="0" indent="0">
-              <a:buNone/>
-            </a:pPr>
-            <a:r>
-              <a:rPr lang="en-US" dirty="0">
-                <a:solidFill>
-                  <a:schemeClr val="tx2">
-                    <a:lumMod val="75000"/>
-                  </a:schemeClr>
-                </a:solidFill>
-              </a:rPr>
-              <a:t> marketing tactics and consider even partnerships or niche</a:t>
-            </a:r>
-          </a:p>
-          <a:p>
-            <a:pPr marL="0" indent="0">
-              <a:buNone/>
-            </a:pPr>
-            <a:endParaRPr lang="en-US" dirty="0">
-              <a:solidFill>
-                <a:schemeClr val="tx2">
-                  <a:lumMod val="75000"/>
-                </a:schemeClr>
-              </a:solidFill>
-            </a:endParaRPr>
-          </a:p>
-          <a:p>
-            <a:pPr marL="0" indent="0">
-              <a:buNone/>
-            </a:pPr>
-            <a:r>
-              <a:rPr lang="en-US" dirty="0">
-                <a:solidFill>
-                  <a:schemeClr val="tx2">
-                    <a:lumMod val="75000"/>
-                  </a:schemeClr>
-                </a:solidFill>
-              </a:rPr>
-              <a:t> differentiation.</a:t>
-            </a:r>
           </a:p>
         </p:txBody>
       </p:sp>
     </p:spTree>
     <p:extLst>
       <p:ext uri="{BB962C8B-B14F-4D97-AF65-F5344CB8AC3E}">
-        <p14:creationId xmlns:p14="http://schemas.microsoft.com/office/powerpoint/2010/main" val="3162715454"/>
+        <p14:creationId xmlns:p14="http://schemas.microsoft.com/office/powerpoint/2010/main" val="1200267633"/>
       </p:ext>
     </p:extLst>
   </p:cSld>
@@ -7293,7 +7368,7 @@
           <p:cNvPr id="2" name="Title 1">
             <a:extLst>
               <a:ext uri="{FF2B5EF4-FFF2-40B4-BE49-F238E27FC236}">
-                <a16:creationId xmlns:a16="http://schemas.microsoft.com/office/drawing/2014/main" id="{37C99CE9-3446-EFCC-8AC3-AF877D9BC411}"/>
+                <a16:creationId xmlns:a16="http://schemas.microsoft.com/office/drawing/2014/main" id="{DFA0BD4B-1D96-BF27-7009-913868488AB6}"/>
               </a:ext>
             </a:extLst>
           </p:cNvPr>
@@ -7306,119 +7381,124 @@
         </p:nvSpPr>
         <p:spPr/>
         <p:txBody>
+          <a:bodyPr/>
+          <a:lstStyle/>
+          <a:p>
+            <a:r>
+              <a:rPr lang="en-US" dirty="0">
+                <a:solidFill>
+                  <a:schemeClr val="accent4">
+                    <a:lumMod val="75000"/>
+                  </a:schemeClr>
+                </a:solidFill>
+              </a:rPr>
+              <a:t>Findings</a:t>
+            </a:r>
+          </a:p>
+        </p:txBody>
+      </p:sp>
+      <p:sp>
+        <p:nvSpPr>
+          <p:cNvPr id="3" name="Content Placeholder 2">
+            <a:extLst>
+              <a:ext uri="{FF2B5EF4-FFF2-40B4-BE49-F238E27FC236}">
+                <a16:creationId xmlns:a16="http://schemas.microsoft.com/office/drawing/2014/main" id="{B9543DFE-0CC7-D886-D66B-25F2591B29E1}"/>
+              </a:ext>
+            </a:extLst>
+          </p:cNvPr>
+          <p:cNvSpPr>
+            <a:spLocks noGrp="1"/>
+          </p:cNvSpPr>
+          <p:nvPr>
+            <p:ph idx="1"/>
+          </p:nvPr>
+        </p:nvSpPr>
+        <p:spPr/>
+        <p:txBody>
           <a:bodyPr>
-            <a:normAutofit fontScale="90000"/>
+            <a:normAutofit/>
           </a:bodyPr>
           <a:lstStyle/>
           <a:p>
-            <a:pPr marL="571500" indent="-571500">
-              <a:buFont typeface="Wingdings" panose="05000000000000000000" pitchFamily="2" charset="2"/>
-              <a:buChar char="q"/>
+            <a:r>
+              <a:rPr lang="en-US" sz="3600" dirty="0">
+                <a:solidFill>
+                  <a:schemeClr val="tx2">
+                    <a:lumMod val="75000"/>
+                  </a:schemeClr>
+                </a:solidFill>
+              </a:rPr>
+              <a:t>BV Studios, Metro-Goldwyn-Mayer(</a:t>
+            </a:r>
+            <a:r>
+              <a:rPr lang="en-US" sz="3600" i="1" dirty="0">
+                <a:solidFill>
+                  <a:schemeClr val="tx2">
+                    <a:lumMod val="75000"/>
+                  </a:schemeClr>
+                </a:solidFill>
+              </a:rPr>
+              <a:t>MGM</a:t>
+            </a:r>
+            <a:r>
+              <a:rPr lang="en-US" sz="3600" dirty="0">
+                <a:solidFill>
+                  <a:schemeClr val="tx2">
+                    <a:lumMod val="75000"/>
+                  </a:schemeClr>
+                </a:solidFill>
+              </a:rPr>
+              <a:t>)</a:t>
+            </a:r>
+          </a:p>
+          <a:p>
+            <a:pPr marL="0" indent="0">
+              <a:buNone/>
             </a:pPr>
             <a:r>
-              <a:rPr lang="en-US" dirty="0">
-                <a:solidFill>
-                  <a:schemeClr val="accent5">
-                    <a:lumMod val="75000"/>
-                  </a:schemeClr>
-                </a:solidFill>
-              </a:rPr>
-              <a:t>Use Popularity Driven Data To Guide Greenlighting</a:t>
-            </a:r>
-            <a:br>
-              <a:rPr lang="en-US" dirty="0"/>
-            </a:br>
-            <a:endParaRPr lang="en-US" dirty="0"/>
-          </a:p>
-        </p:txBody>
-      </p:sp>
-      <p:sp>
-        <p:nvSpPr>
-          <p:cNvPr id="3" name="Content Placeholder 2">
-            <a:extLst>
-              <a:ext uri="{FF2B5EF4-FFF2-40B4-BE49-F238E27FC236}">
-                <a16:creationId xmlns:a16="http://schemas.microsoft.com/office/drawing/2014/main" id="{D927CA4F-1D4F-7C07-E1E5-6D2F83E2F487}"/>
-              </a:ext>
-            </a:extLst>
-          </p:cNvPr>
-          <p:cNvSpPr>
-            <a:spLocks noGrp="1"/>
-          </p:cNvSpPr>
-          <p:nvPr>
-            <p:ph idx="1"/>
-          </p:nvPr>
-        </p:nvSpPr>
-        <p:spPr/>
-        <p:txBody>
-          <a:bodyPr/>
-          <a:lstStyle/>
+              <a:rPr lang="en-US" sz="3600" dirty="0">
+                <a:solidFill>
+                  <a:schemeClr val="tx2">
+                    <a:lumMod val="75000"/>
+                  </a:schemeClr>
+                </a:solidFill>
+              </a:rPr>
+              <a:t> and Warner Bros(</a:t>
+            </a:r>
+            <a:r>
+              <a:rPr lang="en-US" sz="3600" i="1" dirty="0">
+                <a:solidFill>
+                  <a:schemeClr val="tx2">
+                    <a:lumMod val="75000"/>
+                  </a:schemeClr>
+                </a:solidFill>
+              </a:rPr>
+              <a:t>WB</a:t>
+            </a:r>
+            <a:r>
+              <a:rPr lang="en-US" sz="3600" dirty="0">
+                <a:solidFill>
+                  <a:schemeClr val="tx2">
+                    <a:lumMod val="75000"/>
+                  </a:schemeClr>
+                </a:solidFill>
+              </a:rPr>
+              <a:t>) dominate the audiences’</a:t>
+            </a:r>
+          </a:p>
           <a:p>
             <a:pPr marL="0" indent="0">
               <a:buNone/>
             </a:pPr>
             <a:r>
-              <a:rPr lang="en-US" dirty="0">
-                <a:solidFill>
-                  <a:schemeClr val="tx2">
-                    <a:lumMod val="75000"/>
-                  </a:schemeClr>
-                </a:solidFill>
-              </a:rPr>
-              <a:t>The studio should incorporate pre-release popularity signals (social</a:t>
-            </a:r>
-          </a:p>
-          <a:p>
-            <a:pPr marL="0" indent="0">
-              <a:buNone/>
-            </a:pPr>
-            <a:endParaRPr lang="en-US" dirty="0">
-              <a:solidFill>
-                <a:schemeClr val="tx2">
-                  <a:lumMod val="75000"/>
-                </a:schemeClr>
-              </a:solidFill>
-            </a:endParaRPr>
-          </a:p>
-          <a:p>
-            <a:pPr marL="0" indent="0">
-              <a:buNone/>
-            </a:pPr>
-            <a:r>
-              <a:rPr lang="en-US" dirty="0">
-                <a:solidFill>
-                  <a:schemeClr val="tx2">
-                    <a:lumMod val="75000"/>
-                  </a:schemeClr>
-                </a:solidFill>
-              </a:rPr>
-              <a:t> buzz, early screenings, trailers, online engagement) into decision</a:t>
-            </a:r>
-          </a:p>
-          <a:p>
-            <a:pPr marL="0" indent="0">
-              <a:buNone/>
-            </a:pPr>
-            <a:endParaRPr lang="en-US" dirty="0">
-              <a:solidFill>
-                <a:schemeClr val="tx2">
-                  <a:lumMod val="75000"/>
-                </a:schemeClr>
-              </a:solidFill>
-            </a:endParaRPr>
-          </a:p>
-          <a:p>
-            <a:pPr marL="0" indent="0">
-              <a:buNone/>
-            </a:pPr>
-            <a:r>
-              <a:rPr lang="en-US" dirty="0">
-                <a:solidFill>
-                  <a:schemeClr val="tx2">
-                    <a:lumMod val="75000"/>
-                  </a:schemeClr>
-                </a:solidFill>
-              </a:rPr>
-              <a:t>-making when selecting projects.</a:t>
+              <a:rPr lang="en-US" sz="3600" dirty="0">
+                <a:solidFill>
+                  <a:schemeClr val="tx2">
+                    <a:lumMod val="75000"/>
+                  </a:schemeClr>
+                </a:solidFill>
+              </a:rPr>
+              <a:t> attention.</a:t>
             </a:r>
           </a:p>
         </p:txBody>
@@ -7426,7 +7506,7 @@
     </p:spTree>
     <p:extLst>
       <p:ext uri="{BB962C8B-B14F-4D97-AF65-F5344CB8AC3E}">
-        <p14:creationId xmlns:p14="http://schemas.microsoft.com/office/powerpoint/2010/main" val="3037102945"/>
+        <p14:creationId xmlns:p14="http://schemas.microsoft.com/office/powerpoint/2010/main" val="1694491561"/>
       </p:ext>
     </p:extLst>
   </p:cSld>
@@ -7458,7 +7538,7 @@
           <p:cNvPr id="2" name="Title 1">
             <a:extLst>
               <a:ext uri="{FF2B5EF4-FFF2-40B4-BE49-F238E27FC236}">
-                <a16:creationId xmlns:a16="http://schemas.microsoft.com/office/drawing/2014/main" id="{6E0C14B4-E8B8-6C37-D786-A9DD692D98BB}"/>
+                <a16:creationId xmlns:a16="http://schemas.microsoft.com/office/drawing/2014/main" id="{5E20045A-3104-683C-325B-5E0F31199C53}"/>
               </a:ext>
             </a:extLst>
           </p:cNvPr>
@@ -7474,19 +7554,15 @@
           <a:bodyPr/>
           <a:lstStyle/>
           <a:p>
-            <a:pPr marL="571500" indent="-571500">
-              <a:buFont typeface="Wingdings" panose="05000000000000000000" pitchFamily="2" charset="2"/>
-              <a:buChar char="q"/>
-            </a:pPr>
-            <a:r>
-              <a:rPr lang="en-US" dirty="0">
-                <a:solidFill>
-                  <a:schemeClr val="accent5">
-                    <a:lumMod val="75000"/>
-                  </a:schemeClr>
-                </a:solidFill>
-              </a:rPr>
-              <a:t>Align Genre With Production Planning</a:t>
+            <a:r>
+              <a:rPr lang="en-US" dirty="0">
+                <a:solidFill>
+                  <a:schemeClr val="accent4">
+                    <a:lumMod val="75000"/>
+                  </a:schemeClr>
+                </a:solidFill>
+              </a:rPr>
+              <a:t>Runtime against Popularity</a:t>
             </a:r>
             <a:br>
               <a:rPr lang="en-US" dirty="0"/>
@@ -7497,99 +7573,830 @@
       </p:sp>
       <p:sp>
         <p:nvSpPr>
-          <p:cNvPr id="3" name="Content Placeholder 2">
-            <a:extLst>
-              <a:ext uri="{FF2B5EF4-FFF2-40B4-BE49-F238E27FC236}">
-                <a16:creationId xmlns:a16="http://schemas.microsoft.com/office/drawing/2014/main" id="{F62450AB-4732-7BB1-D329-82552677C8EC}"/>
-              </a:ext>
-            </a:extLst>
-          </p:cNvPr>
-          <p:cNvSpPr>
-            <a:spLocks noGrp="1"/>
-          </p:cNvSpPr>
-          <p:nvPr>
-            <p:ph idx="1"/>
-          </p:nvPr>
-        </p:nvSpPr>
-        <p:spPr/>
-        <p:txBody>
-          <a:bodyPr/>
-          <a:lstStyle/>
-          <a:p>
-            <a:pPr marL="0" indent="0">
-              <a:buNone/>
+          <p:cNvPr id="4" name="Rectangle 2">
+            <a:extLst>
+              <a:ext uri="{FF2B5EF4-FFF2-40B4-BE49-F238E27FC236}">
+                <a16:creationId xmlns:a16="http://schemas.microsoft.com/office/drawing/2014/main" id="{A28E4BF5-9C8F-736B-49B3-107837532A78}"/>
+              </a:ext>
+            </a:extLst>
+          </p:cNvPr>
+          <p:cNvSpPr>
+            <a:spLocks noChangeArrowheads="1"/>
+          </p:cNvSpPr>
+          <p:nvPr/>
+        </p:nvSpPr>
+        <p:spPr bwMode="auto">
+          <a:xfrm>
+            <a:off x="1751682" y="1288973"/>
+            <a:ext cx="6838950" cy="0"/>
+          </a:xfrm>
+          <a:prstGeom prst="rect">
+            <a:avLst/>
+          </a:prstGeom>
+          <a:solidFill>
+            <a:srgbClr val="FFFFFF"/>
+          </a:solidFill>
+          <a:ln>
+            <a:noFill/>
+          </a:ln>
+          <a:effectLst/>
+          <a:extLst>
+            <a:ext uri="{91240B29-F687-4F45-9708-019B960494DF}">
+              <a14:hiddenLine xmlns:a14="http://schemas.microsoft.com/office/drawing/2010/main" w="9525">
+                <a:solidFill>
+                  <a:schemeClr val="tx1"/>
+                </a:solidFill>
+                <a:miter lim="800000"/>
+                <a:headEnd/>
+                <a:tailEnd/>
+              </a14:hiddenLine>
+            </a:ext>
+            <a:ext uri="{AF507438-7753-43E0-B8FC-AC1667EBCBE1}">
+              <a14:hiddenEffects xmlns:a14="http://schemas.microsoft.com/office/drawing/2010/main">
+                <a:effectLst>
+                  <a:outerShdw dist="35921" dir="2700000" algn="ctr" rotWithShape="0">
+                    <a:schemeClr val="bg2"/>
+                  </a:outerShdw>
+                </a:effectLst>
+              </a14:hiddenEffects>
+            </a:ext>
+          </a:extLst>
+        </p:spPr>
+        <p:txBody>
+          <a:bodyPr vert="horz" wrap="none" lIns="91440" tIns="0" rIns="91440" bIns="0" numCol="1" anchor="ctr" anchorCtr="0" compatLnSpc="1">
+            <a:prstTxWarp prst="textNoShape">
+              <a:avLst/>
+            </a:prstTxWarp>
+            <a:spAutoFit/>
+          </a:bodyPr>
+          <a:lstStyle/>
+          <a:p>
+            <a:pPr marL="0" marR="0" lvl="0" indent="0" algn="l" defTabSz="914400" rtl="0" eaLnBrk="0" fontAlgn="base" latinLnBrk="0" hangingPunct="0">
+              <a:lnSpc>
+                <a:spcPct val="100000"/>
+              </a:lnSpc>
+              <a:spcBef>
+                <a:spcPct val="0"/>
+              </a:spcBef>
+              <a:spcAft>
+                <a:spcPct val="0"/>
+              </a:spcAft>
+              <a:buClrTx/>
+              <a:buSzTx/>
+              <a:buFontTx/>
+              <a:buNone/>
+              <a:tabLst/>
             </a:pPr>
-            <a:r>
-              <a:rPr lang="en-US" dirty="0">
-                <a:solidFill>
-                  <a:schemeClr val="tx2">
-                    <a:lumMod val="75000"/>
-                  </a:schemeClr>
-                </a:solidFill>
-              </a:rPr>
-              <a:t>The head of the studio and the executive should plan budgets and</a:t>
-            </a:r>
-          </a:p>
-          <a:p>
-            <a:pPr marL="0" indent="0">
-              <a:buNone/>
+            <a:br>
+              <a:rPr kumimoji="0" lang="en-US" altLang="en-US" sz="1000" b="0" i="0" u="none" strike="noStrike" cap="none" normalizeH="0" baseline="0">
+                <a:ln>
+                  <a:noFill/>
+                </a:ln>
+                <a:solidFill>
+                  <a:schemeClr val="tx1"/>
+                </a:solidFill>
+                <a:effectLst/>
+                <a:latin typeface="system-ui"/>
+              </a:rPr>
+            </a:br>
+            <a:endParaRPr kumimoji="0" lang="en-US" altLang="en-US" sz="1800" b="0" i="0" u="none" strike="noStrike" cap="none" normalizeH="0" baseline="0">
+              <a:ln>
+                <a:noFill/>
+              </a:ln>
+              <a:solidFill>
+                <a:schemeClr val="tx1"/>
+              </a:solidFill>
+              <a:effectLst/>
+              <a:latin typeface="Arial" panose="020B0604020202020204" pitchFamily="34" charset="0"/>
+            </a:endParaRPr>
+          </a:p>
+        </p:txBody>
+      </p:sp>
+      <p:pic>
+        <p:nvPicPr>
+          <p:cNvPr id="9219" name="Picture 3">
+            <a:extLst>
+              <a:ext uri="{FF2B5EF4-FFF2-40B4-BE49-F238E27FC236}">
+                <a16:creationId xmlns:a16="http://schemas.microsoft.com/office/drawing/2014/main" id="{79ACBD80-A9E8-0A34-9148-D5C7D1088E27}"/>
+              </a:ext>
+            </a:extLst>
+          </p:cNvPr>
+          <p:cNvPicPr>
+            <a:picLocks noChangeAspect="1" noChangeArrowheads="1"/>
+          </p:cNvPicPr>
+          <p:nvPr/>
+        </p:nvPicPr>
+        <p:blipFill>
+          <a:blip r:embed="rId2">
+            <a:extLst>
+              <a:ext uri="{28A0092B-C50C-407E-A947-70E740481C1C}">
+                <a14:useLocalDpi xmlns:a14="http://schemas.microsoft.com/office/drawing/2010/main" val="0"/>
+              </a:ext>
+            </a:extLst>
+          </a:blip>
+          <a:srcRect/>
+          <a:stretch>
+            <a:fillRect/>
+          </a:stretch>
+        </p:blipFill>
+        <p:spPr bwMode="auto">
+          <a:xfrm>
+            <a:off x="949162" y="1532129"/>
+            <a:ext cx="6794606" cy="4562093"/>
+          </a:xfrm>
+          <a:prstGeom prst="rect">
+            <a:avLst/>
+          </a:prstGeom>
+          <a:noFill/>
+          <a:extLst>
+            <a:ext uri="{909E8E84-426E-40DD-AFC4-6F175D3DCCD1}">
+              <a14:hiddenFill xmlns:a14="http://schemas.microsoft.com/office/drawing/2010/main">
+                <a:solidFill>
+                  <a:srgbClr val="FFFFFF"/>
+                </a:solidFill>
+              </a14:hiddenFill>
+            </a:ext>
+          </a:extLst>
+        </p:spPr>
+      </p:pic>
+      <p:sp>
+        <p:nvSpPr>
+          <p:cNvPr id="5" name="Rectangle 4">
+            <a:extLst>
+              <a:ext uri="{FF2B5EF4-FFF2-40B4-BE49-F238E27FC236}">
+                <a16:creationId xmlns:a16="http://schemas.microsoft.com/office/drawing/2014/main" id="{A3B3230D-6FF0-0D9C-73CE-16BCBE9C31AB}"/>
+              </a:ext>
+            </a:extLst>
+          </p:cNvPr>
+          <p:cNvSpPr>
+            <a:spLocks noChangeArrowheads="1"/>
+          </p:cNvSpPr>
+          <p:nvPr/>
+        </p:nvSpPr>
+        <p:spPr bwMode="auto">
+          <a:xfrm flipV="1">
+            <a:off x="6007068" y="1217147"/>
+            <a:ext cx="1504641" cy="430887"/>
+          </a:xfrm>
+          <a:prstGeom prst="rect">
+            <a:avLst/>
+          </a:prstGeom>
+          <a:solidFill>
+            <a:srgbClr val="FFFFFF"/>
+          </a:solidFill>
+          <a:ln>
+            <a:noFill/>
+          </a:ln>
+          <a:effectLst/>
+          <a:extLst>
+            <a:ext uri="{91240B29-F687-4F45-9708-019B960494DF}">
+              <a14:hiddenLine xmlns:a14="http://schemas.microsoft.com/office/drawing/2010/main" w="9525">
+                <a:solidFill>
+                  <a:schemeClr val="tx1"/>
+                </a:solidFill>
+                <a:miter lim="800000"/>
+                <a:headEnd/>
+                <a:tailEnd/>
+              </a14:hiddenLine>
+            </a:ext>
+            <a:ext uri="{AF507438-7753-43E0-B8FC-AC1667EBCBE1}">
+              <a14:hiddenEffects xmlns:a14="http://schemas.microsoft.com/office/drawing/2010/main">
+                <a:effectLst>
+                  <a:outerShdw dist="35921" dir="2700000" algn="ctr" rotWithShape="0">
+                    <a:schemeClr val="bg2"/>
+                  </a:outerShdw>
+                </a:effectLst>
+              </a14:hiddenEffects>
+            </a:ext>
+          </a:extLst>
+        </p:spPr>
+        <p:txBody>
+          <a:bodyPr vert="horz" wrap="square" lIns="91440" tIns="0" rIns="91440" bIns="0" numCol="1" anchor="ctr" anchorCtr="0" compatLnSpc="1">
+            <a:prstTxWarp prst="textNoShape">
+              <a:avLst/>
+            </a:prstTxWarp>
+            <a:spAutoFit/>
+          </a:bodyPr>
+          <a:lstStyle/>
+          <a:p>
+            <a:pPr marL="0" marR="0" lvl="0" indent="0" algn="l" defTabSz="914400" rtl="0" eaLnBrk="0" fontAlgn="base" latinLnBrk="0" hangingPunct="0">
+              <a:lnSpc>
+                <a:spcPct val="100000"/>
+              </a:lnSpc>
+              <a:spcBef>
+                <a:spcPct val="0"/>
+              </a:spcBef>
+              <a:spcAft>
+                <a:spcPct val="0"/>
+              </a:spcAft>
+              <a:buClrTx/>
+              <a:buSzTx/>
+              <a:buFontTx/>
+              <a:buNone/>
+              <a:tabLst/>
             </a:pPr>
-            <a:endParaRPr lang="en-US" dirty="0">
+            <a:br>
+              <a:rPr kumimoji="0" lang="en-US" altLang="en-US" sz="1000" b="0" i="0" u="none" strike="noStrike" cap="none" normalizeH="0" baseline="0">
+                <a:ln>
+                  <a:noFill/>
+                </a:ln>
+                <a:solidFill>
+                  <a:schemeClr val="tx1"/>
+                </a:solidFill>
+                <a:effectLst/>
+                <a:latin typeface="system-ui"/>
+              </a:rPr>
+            </a:br>
+            <a:endParaRPr kumimoji="0" lang="en-US" altLang="en-US" sz="1800" b="0" i="0" u="none" strike="noStrike" cap="none" normalizeH="0" baseline="0">
+              <a:ln>
+                <a:noFill/>
+              </a:ln>
               <a:solidFill>
-                <a:schemeClr val="tx2">
-                  <a:lumMod val="75000"/>
-                </a:schemeClr>
+                <a:schemeClr val="tx1"/>
               </a:solidFill>
+              <a:effectLst/>
+              <a:latin typeface="Arial" panose="020B0604020202020204" pitchFamily="34" charset="0"/>
             </a:endParaRPr>
-          </a:p>
-          <a:p>
-            <a:pPr marL="0" indent="0">
-              <a:buNone/>
-            </a:pPr>
-            <a:r>
-              <a:rPr lang="en-US" dirty="0">
-                <a:solidFill>
-                  <a:schemeClr val="tx2">
-                    <a:lumMod val="75000"/>
-                  </a:schemeClr>
-                </a:solidFill>
-              </a:rPr>
-              <a:t> schedules according to genre expectations (e.g., longer runtimes for</a:t>
-            </a:r>
-          </a:p>
-          <a:p>
-            <a:pPr marL="0" indent="0">
-              <a:buNone/>
-            </a:pPr>
-            <a:endParaRPr lang="en-US" dirty="0">
-              <a:solidFill>
-                <a:schemeClr val="tx2">
-                  <a:lumMod val="75000"/>
-                </a:schemeClr>
-              </a:solidFill>
-            </a:endParaRPr>
-          </a:p>
-          <a:p>
-            <a:pPr marL="0" indent="0">
-              <a:buNone/>
-            </a:pPr>
-            <a:r>
-              <a:rPr lang="en-US" dirty="0">
-                <a:solidFill>
-                  <a:schemeClr val="tx2">
-                    <a:lumMod val="75000"/>
-                  </a:schemeClr>
-                </a:solidFill>
-              </a:rPr>
-              <a:t> action, adventure and Sci-fi).</a:t>
-            </a:r>
           </a:p>
         </p:txBody>
       </p:sp>
     </p:spTree>
     <p:extLst>
       <p:ext uri="{BB962C8B-B14F-4D97-AF65-F5344CB8AC3E}">
-        <p14:creationId xmlns:p14="http://schemas.microsoft.com/office/powerpoint/2010/main" val="1724323312"/>
+        <p14:creationId xmlns:p14="http://schemas.microsoft.com/office/powerpoint/2010/main" val="4207303706"/>
+      </p:ext>
+    </p:extLst>
+  </p:cSld>
+  <p:clrMapOvr>
+    <a:masterClrMapping/>
+  </p:clrMapOvr>
+</p:sld>
+</file>
+
+<file path=ppt/slides/slide36.xml><?xml version="1.0" encoding="utf-8"?>
+<p:sld xmlns:a="http://schemas.openxmlformats.org/drawingml/2006/main" xmlns:r="http://schemas.openxmlformats.org/officeDocument/2006/relationships" xmlns:p="http://schemas.openxmlformats.org/presentationml/2006/main">
+  <p:cSld>
+    <p:spTree>
+      <p:nvGrpSpPr>
+        <p:cNvPr id="1" name=""/>
+        <p:cNvGrpSpPr/>
+        <p:nvPr/>
+      </p:nvGrpSpPr>
+      <p:grpSpPr>
+        <a:xfrm>
+          <a:off x="0" y="0"/>
+          <a:ext cx="0" cy="0"/>
+          <a:chOff x="0" y="0"/>
+          <a:chExt cx="0" cy="0"/>
+        </a:xfrm>
+      </p:grpSpPr>
+      <p:sp>
+        <p:nvSpPr>
+          <p:cNvPr id="2" name="Title 1">
+            <a:extLst>
+              <a:ext uri="{FF2B5EF4-FFF2-40B4-BE49-F238E27FC236}">
+                <a16:creationId xmlns:a16="http://schemas.microsoft.com/office/drawing/2014/main" id="{5833CC6E-B731-E516-158C-5BCEB98C045A}"/>
+              </a:ext>
+            </a:extLst>
+          </p:cNvPr>
+          <p:cNvSpPr>
+            <a:spLocks noGrp="1"/>
+          </p:cNvSpPr>
+          <p:nvPr>
+            <p:ph type="title"/>
+          </p:nvPr>
+        </p:nvSpPr>
+        <p:spPr/>
+        <p:txBody>
+          <a:bodyPr/>
+          <a:lstStyle/>
+          <a:p>
+            <a:r>
+              <a:rPr lang="en-US" dirty="0">
+                <a:solidFill>
+                  <a:schemeClr val="accent4">
+                    <a:lumMod val="75000"/>
+                  </a:schemeClr>
+                </a:solidFill>
+              </a:rPr>
+              <a:t>Findings</a:t>
+            </a:r>
+          </a:p>
+        </p:txBody>
+      </p:sp>
+      <p:sp>
+        <p:nvSpPr>
+          <p:cNvPr id="3" name="Content Placeholder 2">
+            <a:extLst>
+              <a:ext uri="{FF2B5EF4-FFF2-40B4-BE49-F238E27FC236}">
+                <a16:creationId xmlns:a16="http://schemas.microsoft.com/office/drawing/2014/main" id="{DE53FEA6-17C0-37A9-8642-D0A05B6DC30F}"/>
+              </a:ext>
+            </a:extLst>
+          </p:cNvPr>
+          <p:cNvSpPr>
+            <a:spLocks noGrp="1"/>
+          </p:cNvSpPr>
+          <p:nvPr>
+            <p:ph idx="1"/>
+          </p:nvPr>
+        </p:nvSpPr>
+        <p:spPr/>
+        <p:txBody>
+          <a:bodyPr/>
+          <a:lstStyle/>
+          <a:p>
+            <a:r>
+              <a:rPr lang="en-US" dirty="0">
+                <a:solidFill>
+                  <a:schemeClr val="tx2">
+                    <a:lumMod val="75000"/>
+                  </a:schemeClr>
+                </a:solidFill>
+              </a:rPr>
+              <a:t>Movies with a runtime of 120 and higher are found more popular by</a:t>
+            </a:r>
+          </a:p>
+          <a:p>
+            <a:pPr marL="0" indent="0">
+              <a:buNone/>
+            </a:pPr>
+            <a:r>
+              <a:rPr lang="en-US" dirty="0">
+                <a:solidFill>
+                  <a:schemeClr val="tx2">
+                    <a:lumMod val="75000"/>
+                  </a:schemeClr>
+                </a:solidFill>
+              </a:rPr>
+              <a:t> the audience</a:t>
+            </a:r>
+          </a:p>
+        </p:txBody>
+      </p:sp>
+    </p:spTree>
+    <p:extLst>
+      <p:ext uri="{BB962C8B-B14F-4D97-AF65-F5344CB8AC3E}">
+        <p14:creationId xmlns:p14="http://schemas.microsoft.com/office/powerpoint/2010/main" val="2792573909"/>
+      </p:ext>
+    </p:extLst>
+  </p:cSld>
+  <p:clrMapOvr>
+    <a:masterClrMapping/>
+  </p:clrMapOvr>
+</p:sld>
+</file>
+
+<file path=ppt/slides/slide37.xml><?xml version="1.0" encoding="utf-8"?>
+<p:sld xmlns:a="http://schemas.openxmlformats.org/drawingml/2006/main" xmlns:r="http://schemas.openxmlformats.org/officeDocument/2006/relationships" xmlns:p="http://schemas.openxmlformats.org/presentationml/2006/main">
+  <p:cSld>
+    <p:spTree>
+      <p:nvGrpSpPr>
+        <p:cNvPr id="1" name=""/>
+        <p:cNvGrpSpPr/>
+        <p:nvPr/>
+      </p:nvGrpSpPr>
+      <p:grpSpPr>
+        <a:xfrm>
+          <a:off x="0" y="0"/>
+          <a:ext cx="0" cy="0"/>
+          <a:chOff x="0" y="0"/>
+          <a:chExt cx="0" cy="0"/>
+        </a:xfrm>
+      </p:grpSpPr>
+      <p:sp>
+        <p:nvSpPr>
+          <p:cNvPr id="2" name="Title 1">
+            <a:extLst>
+              <a:ext uri="{FF2B5EF4-FFF2-40B4-BE49-F238E27FC236}">
+                <a16:creationId xmlns:a16="http://schemas.microsoft.com/office/drawing/2014/main" id="{46154D70-20F4-10C4-1639-2808D00344B7}"/>
+              </a:ext>
+            </a:extLst>
+          </p:cNvPr>
+          <p:cNvSpPr>
+            <a:spLocks noGrp="1"/>
+          </p:cNvSpPr>
+          <p:nvPr>
+            <p:ph type="title"/>
+          </p:nvPr>
+        </p:nvSpPr>
+        <p:spPr/>
+        <p:txBody>
+          <a:bodyPr/>
+          <a:lstStyle/>
+          <a:p>
+            <a:r>
+              <a:rPr lang="en-US" dirty="0">
+                <a:solidFill>
+                  <a:schemeClr val="accent4">
+                    <a:lumMod val="75000"/>
+                  </a:schemeClr>
+                </a:solidFill>
+              </a:rPr>
+              <a:t>Genre against Runtime</a:t>
+            </a:r>
+            <a:br>
+              <a:rPr lang="en-US" dirty="0"/>
+            </a:br>
+            <a:endParaRPr lang="en-US" dirty="0"/>
+          </a:p>
+        </p:txBody>
+      </p:sp>
+      <p:pic>
+        <p:nvPicPr>
+          <p:cNvPr id="10241" name="Picture 1">
+            <a:extLst>
+              <a:ext uri="{FF2B5EF4-FFF2-40B4-BE49-F238E27FC236}">
+                <a16:creationId xmlns:a16="http://schemas.microsoft.com/office/drawing/2014/main" id="{911B4297-4E10-0BD4-DFAC-770CEDBF52A4}"/>
+              </a:ext>
+            </a:extLst>
+          </p:cNvPr>
+          <p:cNvPicPr>
+            <a:picLocks noChangeAspect="1" noChangeArrowheads="1"/>
+          </p:cNvPicPr>
+          <p:nvPr/>
+        </p:nvPicPr>
+        <p:blipFill>
+          <a:blip r:embed="rId2">
+            <a:extLst>
+              <a:ext uri="{28A0092B-C50C-407E-A947-70E740481C1C}">
+                <a14:useLocalDpi xmlns:a14="http://schemas.microsoft.com/office/drawing/2010/main" val="0"/>
+              </a:ext>
+            </a:extLst>
+          </a:blip>
+          <a:srcRect/>
+          <a:stretch>
+            <a:fillRect/>
+          </a:stretch>
+        </p:blipFill>
+        <p:spPr bwMode="auto">
+          <a:xfrm>
+            <a:off x="1814304" y="1027906"/>
+            <a:ext cx="8162925" cy="5810250"/>
+          </a:xfrm>
+          <a:prstGeom prst="rect">
+            <a:avLst/>
+          </a:prstGeom>
+          <a:noFill/>
+          <a:extLst>
+            <a:ext uri="{909E8E84-426E-40DD-AFC4-6F175D3DCCD1}">
+              <a14:hiddenFill xmlns:a14="http://schemas.microsoft.com/office/drawing/2010/main">
+                <a:solidFill>
+                  <a:srgbClr val="FFFFFF"/>
+                </a:solidFill>
+              </a14:hiddenFill>
+            </a:ext>
+          </a:extLst>
+        </p:spPr>
+      </p:pic>
+      <p:sp>
+        <p:nvSpPr>
+          <p:cNvPr id="4" name="Rectangle 2">
+            <a:extLst>
+              <a:ext uri="{FF2B5EF4-FFF2-40B4-BE49-F238E27FC236}">
+                <a16:creationId xmlns:a16="http://schemas.microsoft.com/office/drawing/2014/main" id="{992529AA-08DC-4AEC-5285-F506D097F9C7}"/>
+              </a:ext>
+            </a:extLst>
+          </p:cNvPr>
+          <p:cNvSpPr>
+            <a:spLocks noChangeArrowheads="1"/>
+          </p:cNvSpPr>
+          <p:nvPr/>
+        </p:nvSpPr>
+        <p:spPr bwMode="auto">
+          <a:xfrm>
+            <a:off x="1333040" y="1156771"/>
+            <a:ext cx="6838950" cy="0"/>
+          </a:xfrm>
+          <a:prstGeom prst="rect">
+            <a:avLst/>
+          </a:prstGeom>
+          <a:solidFill>
+            <a:srgbClr val="FFFFFF"/>
+          </a:solidFill>
+          <a:ln>
+            <a:noFill/>
+          </a:ln>
+          <a:effectLst/>
+          <a:extLst>
+            <a:ext uri="{91240B29-F687-4F45-9708-019B960494DF}">
+              <a14:hiddenLine xmlns:a14="http://schemas.microsoft.com/office/drawing/2010/main" w="9525">
+                <a:solidFill>
+                  <a:schemeClr val="tx1"/>
+                </a:solidFill>
+                <a:miter lim="800000"/>
+                <a:headEnd/>
+                <a:tailEnd/>
+              </a14:hiddenLine>
+            </a:ext>
+            <a:ext uri="{AF507438-7753-43E0-B8FC-AC1667EBCBE1}">
+              <a14:hiddenEffects xmlns:a14="http://schemas.microsoft.com/office/drawing/2010/main">
+                <a:effectLst>
+                  <a:outerShdw dist="35921" dir="2700000" algn="ctr" rotWithShape="0">
+                    <a:schemeClr val="bg2"/>
+                  </a:outerShdw>
+                </a:effectLst>
+              </a14:hiddenEffects>
+            </a:ext>
+          </a:extLst>
+        </p:spPr>
+        <p:txBody>
+          <a:bodyPr vert="horz" wrap="none" lIns="91440" tIns="0" rIns="91440" bIns="0" numCol="1" anchor="ctr" anchorCtr="0" compatLnSpc="1">
+            <a:prstTxWarp prst="textNoShape">
+              <a:avLst/>
+            </a:prstTxWarp>
+            <a:spAutoFit/>
+          </a:bodyPr>
+          <a:lstStyle/>
+          <a:p>
+            <a:pPr marL="0" marR="0" lvl="0" indent="0" algn="l" defTabSz="914400" rtl="0" eaLnBrk="0" fontAlgn="base" latinLnBrk="0" hangingPunct="0">
+              <a:lnSpc>
+                <a:spcPct val="100000"/>
+              </a:lnSpc>
+              <a:spcBef>
+                <a:spcPct val="0"/>
+              </a:spcBef>
+              <a:spcAft>
+                <a:spcPct val="0"/>
+              </a:spcAft>
+              <a:buClrTx/>
+              <a:buSzTx/>
+              <a:buFontTx/>
+              <a:buNone/>
+              <a:tabLst/>
+            </a:pPr>
+            <a:br>
+              <a:rPr kumimoji="0" lang="en-US" altLang="en-US" sz="1000" b="0" i="0" u="none" strike="noStrike" cap="none" normalizeH="0" baseline="0">
+                <a:ln>
+                  <a:noFill/>
+                </a:ln>
+                <a:solidFill>
+                  <a:schemeClr val="tx1"/>
+                </a:solidFill>
+                <a:effectLst/>
+                <a:latin typeface="system-ui"/>
+              </a:rPr>
+            </a:br>
+            <a:endParaRPr kumimoji="0" lang="en-US" altLang="en-US" sz="1800" b="0" i="0" u="none" strike="noStrike" cap="none" normalizeH="0" baseline="0">
+              <a:ln>
+                <a:noFill/>
+              </a:ln>
+              <a:solidFill>
+                <a:schemeClr val="tx1"/>
+              </a:solidFill>
+              <a:effectLst/>
+              <a:latin typeface="Arial" panose="020B0604020202020204" pitchFamily="34" charset="0"/>
+            </a:endParaRPr>
+          </a:p>
+        </p:txBody>
+      </p:sp>
+    </p:spTree>
+    <p:extLst>
+      <p:ext uri="{BB962C8B-B14F-4D97-AF65-F5344CB8AC3E}">
+        <p14:creationId xmlns:p14="http://schemas.microsoft.com/office/powerpoint/2010/main" val="1735564896"/>
+      </p:ext>
+    </p:extLst>
+  </p:cSld>
+  <p:clrMapOvr>
+    <a:masterClrMapping/>
+  </p:clrMapOvr>
+</p:sld>
+</file>
+
+<file path=ppt/slides/slide38.xml><?xml version="1.0" encoding="utf-8"?>
+<p:sld xmlns:a="http://schemas.openxmlformats.org/drawingml/2006/main" xmlns:r="http://schemas.openxmlformats.org/officeDocument/2006/relationships" xmlns:p="http://schemas.openxmlformats.org/presentationml/2006/main">
+  <p:cSld>
+    <p:spTree>
+      <p:nvGrpSpPr>
+        <p:cNvPr id="1" name=""/>
+        <p:cNvGrpSpPr/>
+        <p:nvPr/>
+      </p:nvGrpSpPr>
+      <p:grpSpPr>
+        <a:xfrm>
+          <a:off x="0" y="0"/>
+          <a:ext cx="0" cy="0"/>
+          <a:chOff x="0" y="0"/>
+          <a:chExt cx="0" cy="0"/>
+        </a:xfrm>
+      </p:grpSpPr>
+      <p:sp>
+        <p:nvSpPr>
+          <p:cNvPr id="2" name="Title 1">
+            <a:extLst>
+              <a:ext uri="{FF2B5EF4-FFF2-40B4-BE49-F238E27FC236}">
+                <a16:creationId xmlns:a16="http://schemas.microsoft.com/office/drawing/2014/main" id="{D1D77108-F768-DF47-73AA-000A716F275F}"/>
+              </a:ext>
+            </a:extLst>
+          </p:cNvPr>
+          <p:cNvSpPr>
+            <a:spLocks noGrp="1"/>
+          </p:cNvSpPr>
+          <p:nvPr>
+            <p:ph type="title"/>
+          </p:nvPr>
+        </p:nvSpPr>
+        <p:spPr/>
+        <p:txBody>
+          <a:bodyPr/>
+          <a:lstStyle/>
+          <a:p>
+            <a:r>
+              <a:rPr lang="en-US" dirty="0">
+                <a:solidFill>
+                  <a:schemeClr val="accent4">
+                    <a:lumMod val="75000"/>
+                  </a:schemeClr>
+                </a:solidFill>
+              </a:rPr>
+              <a:t>Findings</a:t>
+            </a:r>
+          </a:p>
+        </p:txBody>
+      </p:sp>
+      <p:sp>
+        <p:nvSpPr>
+          <p:cNvPr id="3" name="Content Placeholder 2">
+            <a:extLst>
+              <a:ext uri="{FF2B5EF4-FFF2-40B4-BE49-F238E27FC236}">
+                <a16:creationId xmlns:a16="http://schemas.microsoft.com/office/drawing/2014/main" id="{F5FBE620-832C-3A66-D62F-4D4A81440A42}"/>
+              </a:ext>
+            </a:extLst>
+          </p:cNvPr>
+          <p:cNvSpPr>
+            <a:spLocks noGrp="1"/>
+          </p:cNvSpPr>
+          <p:nvPr>
+            <p:ph idx="1"/>
+          </p:nvPr>
+        </p:nvSpPr>
+        <p:spPr/>
+        <p:txBody>
+          <a:bodyPr>
+            <a:normAutofit/>
+          </a:bodyPr>
+          <a:lstStyle/>
+          <a:p>
+            <a:r>
+              <a:rPr lang="en-US" sz="3600" i="1" dirty="0">
+                <a:solidFill>
+                  <a:schemeClr val="tx2">
+                    <a:lumMod val="75000"/>
+                  </a:schemeClr>
+                </a:solidFill>
+              </a:rPr>
+              <a:t>Action</a:t>
+            </a:r>
+            <a:r>
+              <a:rPr lang="en-US" sz="3600" dirty="0">
+                <a:solidFill>
+                  <a:schemeClr val="tx2">
+                    <a:lumMod val="75000"/>
+                  </a:schemeClr>
+                </a:solidFill>
+              </a:rPr>
+              <a:t>, </a:t>
+            </a:r>
+            <a:r>
+              <a:rPr lang="en-US" sz="3600" i="1" dirty="0">
+                <a:solidFill>
+                  <a:schemeClr val="tx2">
+                    <a:lumMod val="75000"/>
+                  </a:schemeClr>
+                </a:solidFill>
+              </a:rPr>
+              <a:t>Adventure</a:t>
+            </a:r>
+            <a:r>
+              <a:rPr lang="en-US" sz="3600" dirty="0">
+                <a:solidFill>
+                  <a:schemeClr val="tx2">
+                    <a:lumMod val="75000"/>
+                  </a:schemeClr>
+                </a:solidFill>
+              </a:rPr>
+              <a:t> and </a:t>
+            </a:r>
+            <a:r>
+              <a:rPr lang="en-US" sz="3600" i="1" dirty="0">
+                <a:solidFill>
+                  <a:schemeClr val="tx2">
+                    <a:lumMod val="75000"/>
+                  </a:schemeClr>
+                </a:solidFill>
+              </a:rPr>
+              <a:t>Sci-fi</a:t>
+            </a:r>
+            <a:r>
+              <a:rPr lang="en-US" sz="3600" dirty="0">
+                <a:solidFill>
+                  <a:schemeClr val="tx2">
+                    <a:lumMod val="75000"/>
+                  </a:schemeClr>
+                </a:solidFill>
+              </a:rPr>
+              <a:t> movies  tend to have a</a:t>
+            </a:r>
+          </a:p>
+          <a:p>
+            <a:pPr marL="0" indent="0">
+              <a:buNone/>
+            </a:pPr>
+            <a:r>
+              <a:rPr lang="en-US" sz="3600" dirty="0">
+                <a:solidFill>
+                  <a:schemeClr val="tx2">
+                    <a:lumMod val="75000"/>
+                  </a:schemeClr>
+                </a:solidFill>
+              </a:rPr>
+              <a:t> runtime  longer than 100 minutes</a:t>
+            </a:r>
+          </a:p>
+        </p:txBody>
+      </p:sp>
+    </p:spTree>
+    <p:extLst>
+      <p:ext uri="{BB962C8B-B14F-4D97-AF65-F5344CB8AC3E}">
+        <p14:creationId xmlns:p14="http://schemas.microsoft.com/office/powerpoint/2010/main" val="884913816"/>
+      </p:ext>
+    </p:extLst>
+  </p:cSld>
+  <p:clrMapOvr>
+    <a:masterClrMapping/>
+  </p:clrMapOvr>
+</p:sld>
+</file>
+
+<file path=ppt/slides/slide39.xml><?xml version="1.0" encoding="utf-8"?>
+<p:sld xmlns:a="http://schemas.openxmlformats.org/drawingml/2006/main" xmlns:r="http://schemas.openxmlformats.org/officeDocument/2006/relationships" xmlns:p="http://schemas.openxmlformats.org/presentationml/2006/main">
+  <p:cSld>
+    <p:spTree>
+      <p:nvGrpSpPr>
+        <p:cNvPr id="1" name=""/>
+        <p:cNvGrpSpPr/>
+        <p:nvPr/>
+      </p:nvGrpSpPr>
+      <p:grpSpPr>
+        <a:xfrm>
+          <a:off x="0" y="0"/>
+          <a:ext cx="0" cy="0"/>
+          <a:chOff x="0" y="0"/>
+          <a:chExt cx="0" cy="0"/>
+        </a:xfrm>
+      </p:grpSpPr>
+      <p:sp>
+        <p:nvSpPr>
+          <p:cNvPr id="2" name="Title 1">
+            <a:extLst>
+              <a:ext uri="{FF2B5EF4-FFF2-40B4-BE49-F238E27FC236}">
+                <a16:creationId xmlns:a16="http://schemas.microsoft.com/office/drawing/2014/main" id="{ED5532C6-14E9-121C-12CC-3EF372DD404B}"/>
+              </a:ext>
+            </a:extLst>
+          </p:cNvPr>
+          <p:cNvSpPr>
+            <a:spLocks noGrp="1"/>
+          </p:cNvSpPr>
+          <p:nvPr>
+            <p:ph type="title"/>
+          </p:nvPr>
+        </p:nvSpPr>
+        <p:spPr>
+          <a:xfrm>
+            <a:off x="838200" y="283029"/>
+            <a:ext cx="10515600" cy="4985657"/>
+          </a:xfrm>
+        </p:spPr>
+        <p:txBody>
+          <a:bodyPr/>
+          <a:lstStyle/>
+          <a:p>
+            <a:r>
+              <a:rPr lang="en-US" dirty="0">
+                <a:solidFill>
+                  <a:schemeClr val="accent4">
+                    <a:lumMod val="75000"/>
+                  </a:schemeClr>
+                </a:solidFill>
+              </a:rPr>
+              <a:t>                      </a:t>
+            </a:r>
+            <a:r>
+              <a:rPr lang="en-US" sz="4800" dirty="0">
+                <a:solidFill>
+                  <a:schemeClr val="accent4">
+                    <a:lumMod val="75000"/>
+                  </a:schemeClr>
+                </a:solidFill>
+              </a:rPr>
+              <a:t>RECOMMENDATIONS</a:t>
+            </a:r>
+          </a:p>
+        </p:txBody>
+      </p:sp>
+    </p:spTree>
+    <p:extLst>
+      <p:ext uri="{BB962C8B-B14F-4D97-AF65-F5344CB8AC3E}">
+        <p14:creationId xmlns:p14="http://schemas.microsoft.com/office/powerpoint/2010/main" val="2526137038"/>
       </p:ext>
     </p:extLst>
   </p:cSld>
@@ -7775,6 +8582,1069 @@
     <p:extLst>
       <p:ext uri="{BB962C8B-B14F-4D97-AF65-F5344CB8AC3E}">
         <p14:creationId xmlns:p14="http://schemas.microsoft.com/office/powerpoint/2010/main" val="3014249985"/>
+      </p:ext>
+    </p:extLst>
+  </p:cSld>
+  <p:clrMapOvr>
+    <a:masterClrMapping/>
+  </p:clrMapOvr>
+</p:sld>
+</file>
+
+<file path=ppt/slides/slide40.xml><?xml version="1.0" encoding="utf-8"?>
+<p:sld xmlns:a="http://schemas.openxmlformats.org/drawingml/2006/main" xmlns:r="http://schemas.openxmlformats.org/officeDocument/2006/relationships" xmlns:p="http://schemas.openxmlformats.org/presentationml/2006/main">
+  <p:cSld>
+    <p:spTree>
+      <p:nvGrpSpPr>
+        <p:cNvPr id="1" name=""/>
+        <p:cNvGrpSpPr/>
+        <p:nvPr/>
+      </p:nvGrpSpPr>
+      <p:grpSpPr>
+        <a:xfrm>
+          <a:off x="0" y="0"/>
+          <a:ext cx="0" cy="0"/>
+          <a:chOff x="0" y="0"/>
+          <a:chExt cx="0" cy="0"/>
+        </a:xfrm>
+      </p:grpSpPr>
+      <p:sp>
+        <p:nvSpPr>
+          <p:cNvPr id="2" name="Title 1">
+            <a:extLst>
+              <a:ext uri="{FF2B5EF4-FFF2-40B4-BE49-F238E27FC236}">
+                <a16:creationId xmlns:a16="http://schemas.microsoft.com/office/drawing/2014/main" id="{EC012F02-B76B-411A-41A3-CFB779B747C3}"/>
+              </a:ext>
+            </a:extLst>
+          </p:cNvPr>
+          <p:cNvSpPr>
+            <a:spLocks noGrp="1"/>
+          </p:cNvSpPr>
+          <p:nvPr>
+            <p:ph type="title"/>
+          </p:nvPr>
+        </p:nvSpPr>
+        <p:spPr/>
+        <p:txBody>
+          <a:bodyPr/>
+          <a:lstStyle/>
+          <a:p>
+            <a:pPr marL="571500" indent="-571500">
+              <a:buFont typeface="Wingdings" panose="05000000000000000000" pitchFamily="2" charset="2"/>
+              <a:buChar char="q"/>
+            </a:pPr>
+            <a:r>
+              <a:rPr lang="en-US" dirty="0">
+                <a:solidFill>
+                  <a:schemeClr val="accent5">
+                    <a:lumMod val="75000"/>
+                  </a:schemeClr>
+                </a:solidFill>
+              </a:rPr>
+              <a:t>Prioritize High Grossing Genres</a:t>
+            </a:r>
+            <a:br>
+              <a:rPr lang="en-US" dirty="0"/>
+            </a:br>
+            <a:endParaRPr lang="en-US" dirty="0">
+              <a:solidFill>
+                <a:schemeClr val="accent4">
+                  <a:lumMod val="75000"/>
+                </a:schemeClr>
+              </a:solidFill>
+            </a:endParaRPr>
+          </a:p>
+        </p:txBody>
+      </p:sp>
+      <p:sp>
+        <p:nvSpPr>
+          <p:cNvPr id="3" name="Content Placeholder 2">
+            <a:extLst>
+              <a:ext uri="{FF2B5EF4-FFF2-40B4-BE49-F238E27FC236}">
+                <a16:creationId xmlns:a16="http://schemas.microsoft.com/office/drawing/2014/main" id="{63856592-4799-1B75-8AF4-01901E072B21}"/>
+              </a:ext>
+            </a:extLst>
+          </p:cNvPr>
+          <p:cNvSpPr>
+            <a:spLocks noGrp="1"/>
+          </p:cNvSpPr>
+          <p:nvPr>
+            <p:ph idx="1"/>
+          </p:nvPr>
+        </p:nvSpPr>
+        <p:spPr/>
+        <p:txBody>
+          <a:bodyPr/>
+          <a:lstStyle/>
+          <a:p>
+            <a:pPr marL="0" indent="0">
+              <a:buNone/>
+            </a:pPr>
+            <a:r>
+              <a:rPr lang="en-US" dirty="0">
+                <a:solidFill>
+                  <a:schemeClr val="tx2">
+                    <a:lumMod val="75000"/>
+                  </a:schemeClr>
+                </a:solidFill>
+              </a:rPr>
+              <a:t>The studio should prioritize producing films in these genres, particularly</a:t>
+            </a:r>
+          </a:p>
+          <a:p>
+            <a:pPr marL="0" indent="0">
+              <a:buNone/>
+            </a:pPr>
+            <a:endParaRPr lang="en-US" dirty="0">
+              <a:solidFill>
+                <a:schemeClr val="tx2">
+                  <a:lumMod val="75000"/>
+                </a:schemeClr>
+              </a:solidFill>
+            </a:endParaRPr>
+          </a:p>
+          <a:p>
+            <a:pPr marL="0" indent="0">
+              <a:buNone/>
+            </a:pPr>
+            <a:r>
+              <a:rPr lang="en-US" dirty="0">
+                <a:solidFill>
+                  <a:schemeClr val="tx2">
+                    <a:lumMod val="75000"/>
+                  </a:schemeClr>
+                </a:solidFill>
+              </a:rPr>
+              <a:t> for early releases, to maximize return on investment and attract </a:t>
+            </a:r>
+          </a:p>
+          <a:p>
+            <a:pPr marL="0" indent="0">
+              <a:buNone/>
+            </a:pPr>
+            <a:endParaRPr lang="en-US" dirty="0">
+              <a:solidFill>
+                <a:schemeClr val="tx2">
+                  <a:lumMod val="75000"/>
+                </a:schemeClr>
+              </a:solidFill>
+            </a:endParaRPr>
+          </a:p>
+          <a:p>
+            <a:pPr marL="0" indent="0">
+              <a:buNone/>
+            </a:pPr>
+            <a:r>
+              <a:rPr lang="en-US" dirty="0">
+                <a:solidFill>
+                  <a:schemeClr val="tx2">
+                    <a:lumMod val="75000"/>
+                  </a:schemeClr>
+                </a:solidFill>
+              </a:rPr>
+              <a:t> audiences.</a:t>
+            </a:r>
+          </a:p>
+          <a:p>
+            <a:pPr marL="0" indent="0">
+              <a:buNone/>
+            </a:pPr>
+            <a:endParaRPr lang="en-US" sz="2400" dirty="0">
+              <a:solidFill>
+                <a:schemeClr val="accent5">
+                  <a:lumMod val="75000"/>
+                </a:schemeClr>
+              </a:solidFill>
+            </a:endParaRPr>
+          </a:p>
+          <a:p>
+            <a:pPr marL="0" indent="0">
+              <a:buNone/>
+            </a:pPr>
+            <a:endParaRPr lang="en-US" dirty="0"/>
+          </a:p>
+        </p:txBody>
+      </p:sp>
+    </p:spTree>
+    <p:extLst>
+      <p:ext uri="{BB962C8B-B14F-4D97-AF65-F5344CB8AC3E}">
+        <p14:creationId xmlns:p14="http://schemas.microsoft.com/office/powerpoint/2010/main" val="2724402833"/>
+      </p:ext>
+    </p:extLst>
+  </p:cSld>
+  <p:clrMapOvr>
+    <a:masterClrMapping/>
+  </p:clrMapOvr>
+</p:sld>
+</file>
+
+<file path=ppt/slides/slide41.xml><?xml version="1.0" encoding="utf-8"?>
+<p:sld xmlns:a="http://schemas.openxmlformats.org/drawingml/2006/main" xmlns:r="http://schemas.openxmlformats.org/officeDocument/2006/relationships" xmlns:p="http://schemas.openxmlformats.org/presentationml/2006/main">
+  <p:cSld>
+    <p:spTree>
+      <p:nvGrpSpPr>
+        <p:cNvPr id="1" name=""/>
+        <p:cNvGrpSpPr/>
+        <p:nvPr/>
+      </p:nvGrpSpPr>
+      <p:grpSpPr>
+        <a:xfrm>
+          <a:off x="0" y="0"/>
+          <a:ext cx="0" cy="0"/>
+          <a:chOff x="0" y="0"/>
+          <a:chExt cx="0" cy="0"/>
+        </a:xfrm>
+      </p:grpSpPr>
+      <p:sp>
+        <p:nvSpPr>
+          <p:cNvPr id="2" name="Title 1">
+            <a:extLst>
+              <a:ext uri="{FF2B5EF4-FFF2-40B4-BE49-F238E27FC236}">
+                <a16:creationId xmlns:a16="http://schemas.microsoft.com/office/drawing/2014/main" id="{840B5D72-2416-B45F-B948-05A034179A71}"/>
+              </a:ext>
+            </a:extLst>
+          </p:cNvPr>
+          <p:cNvSpPr>
+            <a:spLocks noGrp="1"/>
+          </p:cNvSpPr>
+          <p:nvPr>
+            <p:ph type="title"/>
+          </p:nvPr>
+        </p:nvSpPr>
+        <p:spPr/>
+        <p:txBody>
+          <a:bodyPr/>
+          <a:lstStyle/>
+          <a:p>
+            <a:pPr marL="571500" indent="-571500">
+              <a:buFont typeface="Wingdings" panose="05000000000000000000" pitchFamily="2" charset="2"/>
+              <a:buChar char="q"/>
+            </a:pPr>
+            <a:r>
+              <a:rPr lang="en-US" dirty="0">
+                <a:solidFill>
+                  <a:schemeClr val="accent5">
+                    <a:lumMod val="75000"/>
+                  </a:schemeClr>
+                </a:solidFill>
+              </a:rPr>
+              <a:t>Invest in quality to drive revenue</a:t>
+            </a:r>
+            <a:br>
+              <a:rPr lang="en-US" dirty="0"/>
+            </a:br>
+            <a:endParaRPr lang="en-US" dirty="0"/>
+          </a:p>
+        </p:txBody>
+      </p:sp>
+      <p:sp>
+        <p:nvSpPr>
+          <p:cNvPr id="3" name="Content Placeholder 2">
+            <a:extLst>
+              <a:ext uri="{FF2B5EF4-FFF2-40B4-BE49-F238E27FC236}">
+                <a16:creationId xmlns:a16="http://schemas.microsoft.com/office/drawing/2014/main" id="{B2C93337-DB3A-8B05-5847-1984B6E26372}"/>
+              </a:ext>
+            </a:extLst>
+          </p:cNvPr>
+          <p:cNvSpPr>
+            <a:spLocks noGrp="1"/>
+          </p:cNvSpPr>
+          <p:nvPr>
+            <p:ph idx="1"/>
+          </p:nvPr>
+        </p:nvSpPr>
+        <p:spPr/>
+        <p:txBody>
+          <a:bodyPr/>
+          <a:lstStyle/>
+          <a:p>
+            <a:pPr marL="0" indent="0">
+              <a:buNone/>
+            </a:pPr>
+            <a:r>
+              <a:rPr lang="en-US" dirty="0">
+                <a:solidFill>
+                  <a:schemeClr val="tx2">
+                    <a:lumMod val="75000"/>
+                  </a:schemeClr>
+                </a:solidFill>
+              </a:rPr>
+              <a:t>Allocate budget toward strong scripts, experienced directors, and</a:t>
+            </a:r>
+          </a:p>
+          <a:p>
+            <a:pPr marL="0" indent="0">
+              <a:buNone/>
+            </a:pPr>
+            <a:endParaRPr lang="en-US" dirty="0">
+              <a:solidFill>
+                <a:schemeClr val="tx2">
+                  <a:lumMod val="75000"/>
+                </a:schemeClr>
+              </a:solidFill>
+            </a:endParaRPr>
+          </a:p>
+          <a:p>
+            <a:pPr marL="0" indent="0">
+              <a:buNone/>
+            </a:pPr>
+            <a:r>
+              <a:rPr lang="en-US" dirty="0">
+                <a:solidFill>
+                  <a:schemeClr val="tx2">
+                    <a:lumMod val="75000"/>
+                  </a:schemeClr>
+                </a:solidFill>
+              </a:rPr>
+              <a:t> higher production quality to improve audience satisfaction rather than</a:t>
+            </a:r>
+          </a:p>
+          <a:p>
+            <a:pPr marL="0" indent="0">
+              <a:buNone/>
+            </a:pPr>
+            <a:endParaRPr lang="en-US" dirty="0">
+              <a:solidFill>
+                <a:schemeClr val="tx2">
+                  <a:lumMod val="75000"/>
+                </a:schemeClr>
+              </a:solidFill>
+            </a:endParaRPr>
+          </a:p>
+          <a:p>
+            <a:pPr marL="0" indent="0">
+              <a:buNone/>
+            </a:pPr>
+            <a:r>
+              <a:rPr lang="en-US" dirty="0">
+                <a:solidFill>
+                  <a:schemeClr val="tx2">
+                    <a:lumMod val="75000"/>
+                  </a:schemeClr>
+                </a:solidFill>
+              </a:rPr>
+              <a:t> focusing solely on quantity of releases.</a:t>
+            </a:r>
+          </a:p>
+        </p:txBody>
+      </p:sp>
+    </p:spTree>
+    <p:extLst>
+      <p:ext uri="{BB962C8B-B14F-4D97-AF65-F5344CB8AC3E}">
+        <p14:creationId xmlns:p14="http://schemas.microsoft.com/office/powerpoint/2010/main" val="3286068616"/>
+      </p:ext>
+    </p:extLst>
+  </p:cSld>
+  <p:clrMapOvr>
+    <a:masterClrMapping/>
+  </p:clrMapOvr>
+</p:sld>
+</file>
+
+<file path=ppt/slides/slide42.xml><?xml version="1.0" encoding="utf-8"?>
+<p:sld xmlns:a="http://schemas.openxmlformats.org/drawingml/2006/main" xmlns:r="http://schemas.openxmlformats.org/officeDocument/2006/relationships" xmlns:p="http://schemas.openxmlformats.org/presentationml/2006/main">
+  <p:cSld>
+    <p:spTree>
+      <p:nvGrpSpPr>
+        <p:cNvPr id="1" name=""/>
+        <p:cNvGrpSpPr/>
+        <p:nvPr/>
+      </p:nvGrpSpPr>
+      <p:grpSpPr>
+        <a:xfrm>
+          <a:off x="0" y="0"/>
+          <a:ext cx="0" cy="0"/>
+          <a:chOff x="0" y="0"/>
+          <a:chExt cx="0" cy="0"/>
+        </a:xfrm>
+      </p:grpSpPr>
+      <p:sp>
+        <p:nvSpPr>
+          <p:cNvPr id="2" name="Title 1">
+            <a:extLst>
+              <a:ext uri="{FF2B5EF4-FFF2-40B4-BE49-F238E27FC236}">
+                <a16:creationId xmlns:a16="http://schemas.microsoft.com/office/drawing/2014/main" id="{AB02EB96-F72C-9C20-89D7-9F66B8907C05}"/>
+              </a:ext>
+            </a:extLst>
+          </p:cNvPr>
+          <p:cNvSpPr>
+            <a:spLocks noGrp="1"/>
+          </p:cNvSpPr>
+          <p:nvPr>
+            <p:ph type="title"/>
+          </p:nvPr>
+        </p:nvSpPr>
+        <p:spPr/>
+        <p:txBody>
+          <a:bodyPr/>
+          <a:lstStyle/>
+          <a:p>
+            <a:pPr marL="571500" indent="-571500">
+              <a:buFont typeface="Wingdings" panose="05000000000000000000" pitchFamily="2" charset="2"/>
+              <a:buChar char="q"/>
+            </a:pPr>
+            <a:r>
+              <a:rPr lang="en-US" dirty="0">
+                <a:solidFill>
+                  <a:schemeClr val="accent5">
+                    <a:lumMod val="75000"/>
+                  </a:schemeClr>
+                </a:solidFill>
+              </a:rPr>
+              <a:t> Target Optimal Movie Runtime</a:t>
+            </a:r>
+            <a:br>
+              <a:rPr lang="en-US" dirty="0"/>
+            </a:br>
+            <a:endParaRPr lang="en-US" dirty="0"/>
+          </a:p>
+        </p:txBody>
+      </p:sp>
+      <p:sp>
+        <p:nvSpPr>
+          <p:cNvPr id="3" name="Content Placeholder 2">
+            <a:extLst>
+              <a:ext uri="{FF2B5EF4-FFF2-40B4-BE49-F238E27FC236}">
+                <a16:creationId xmlns:a16="http://schemas.microsoft.com/office/drawing/2014/main" id="{5909B97E-EB9F-7D6F-6A36-C9F46B8839EC}"/>
+              </a:ext>
+            </a:extLst>
+          </p:cNvPr>
+          <p:cNvSpPr>
+            <a:spLocks noGrp="1"/>
+          </p:cNvSpPr>
+          <p:nvPr>
+            <p:ph idx="1"/>
+          </p:nvPr>
+        </p:nvSpPr>
+        <p:spPr/>
+        <p:txBody>
+          <a:bodyPr/>
+          <a:lstStyle/>
+          <a:p>
+            <a:pPr marL="0" indent="0">
+              <a:buNone/>
+            </a:pPr>
+            <a:r>
+              <a:rPr lang="en-US" dirty="0">
+                <a:solidFill>
+                  <a:schemeClr val="tx2">
+                    <a:lumMod val="75000"/>
+                  </a:schemeClr>
+                </a:solidFill>
+              </a:rPr>
+              <a:t>The studio should aim to keep most productions over the 120 minute</a:t>
+            </a:r>
+          </a:p>
+          <a:p>
+            <a:pPr marL="0" indent="0">
+              <a:buNone/>
+            </a:pPr>
+            <a:endParaRPr lang="en-US" dirty="0">
+              <a:solidFill>
+                <a:schemeClr val="tx2">
+                  <a:lumMod val="75000"/>
+                </a:schemeClr>
+              </a:solidFill>
+            </a:endParaRPr>
+          </a:p>
+          <a:p>
+            <a:pPr marL="0" indent="0">
+              <a:buNone/>
+            </a:pPr>
+            <a:r>
+              <a:rPr lang="en-US" dirty="0">
+                <a:solidFill>
+                  <a:schemeClr val="tx2">
+                    <a:lumMod val="75000"/>
+                  </a:schemeClr>
+                </a:solidFill>
+              </a:rPr>
+              <a:t> range to balance storytelling, viewer attention, and production costs.</a:t>
+            </a:r>
+          </a:p>
+        </p:txBody>
+      </p:sp>
+    </p:spTree>
+    <p:extLst>
+      <p:ext uri="{BB962C8B-B14F-4D97-AF65-F5344CB8AC3E}">
+        <p14:creationId xmlns:p14="http://schemas.microsoft.com/office/powerpoint/2010/main" val="1728616449"/>
+      </p:ext>
+    </p:extLst>
+  </p:cSld>
+  <p:clrMapOvr>
+    <a:masterClrMapping/>
+  </p:clrMapOvr>
+</p:sld>
+</file>
+
+<file path=ppt/slides/slide43.xml><?xml version="1.0" encoding="utf-8"?>
+<p:sld xmlns:a="http://schemas.openxmlformats.org/drawingml/2006/main" xmlns:r="http://schemas.openxmlformats.org/officeDocument/2006/relationships" xmlns:p="http://schemas.openxmlformats.org/presentationml/2006/main">
+  <p:cSld>
+    <p:spTree>
+      <p:nvGrpSpPr>
+        <p:cNvPr id="1" name=""/>
+        <p:cNvGrpSpPr/>
+        <p:nvPr/>
+      </p:nvGrpSpPr>
+      <p:grpSpPr>
+        <a:xfrm>
+          <a:off x="0" y="0"/>
+          <a:ext cx="0" cy="0"/>
+          <a:chOff x="0" y="0"/>
+          <a:chExt cx="0" cy="0"/>
+        </a:xfrm>
+      </p:grpSpPr>
+      <p:sp>
+        <p:nvSpPr>
+          <p:cNvPr id="2" name="Title 1">
+            <a:extLst>
+              <a:ext uri="{FF2B5EF4-FFF2-40B4-BE49-F238E27FC236}">
+                <a16:creationId xmlns:a16="http://schemas.microsoft.com/office/drawing/2014/main" id="{5FBF754A-ED9F-D10D-CEEA-B0D595B8D739}"/>
+              </a:ext>
+            </a:extLst>
+          </p:cNvPr>
+          <p:cNvSpPr>
+            <a:spLocks noGrp="1"/>
+          </p:cNvSpPr>
+          <p:nvPr>
+            <p:ph type="title"/>
+          </p:nvPr>
+        </p:nvSpPr>
+        <p:spPr/>
+        <p:txBody>
+          <a:bodyPr/>
+          <a:lstStyle/>
+          <a:p>
+            <a:pPr marL="571500" indent="-571500">
+              <a:buFont typeface="Wingdings" panose="05000000000000000000" pitchFamily="2" charset="2"/>
+              <a:buChar char="q"/>
+            </a:pPr>
+            <a:r>
+              <a:rPr lang="en-US" dirty="0">
+                <a:solidFill>
+                  <a:schemeClr val="accent5">
+                    <a:lumMod val="75000"/>
+                  </a:schemeClr>
+                </a:solidFill>
+              </a:rPr>
+              <a:t>Learning From Top Studios</a:t>
+            </a:r>
+            <a:br>
+              <a:rPr lang="en-US" dirty="0"/>
+            </a:br>
+            <a:endParaRPr lang="en-US" dirty="0"/>
+          </a:p>
+        </p:txBody>
+      </p:sp>
+      <p:sp>
+        <p:nvSpPr>
+          <p:cNvPr id="3" name="Content Placeholder 2">
+            <a:extLst>
+              <a:ext uri="{FF2B5EF4-FFF2-40B4-BE49-F238E27FC236}">
+                <a16:creationId xmlns:a16="http://schemas.microsoft.com/office/drawing/2014/main" id="{AEA9A0E9-8B33-9757-4622-3876C9F66E20}"/>
+              </a:ext>
+            </a:extLst>
+          </p:cNvPr>
+          <p:cNvSpPr>
+            <a:spLocks noGrp="1"/>
+          </p:cNvSpPr>
+          <p:nvPr>
+            <p:ph idx="1"/>
+          </p:nvPr>
+        </p:nvSpPr>
+        <p:spPr/>
+        <p:txBody>
+          <a:bodyPr/>
+          <a:lstStyle/>
+          <a:p>
+            <a:pPr marL="0" indent="0">
+              <a:buNone/>
+            </a:pPr>
+            <a:r>
+              <a:rPr lang="en-US" dirty="0">
+                <a:solidFill>
+                  <a:schemeClr val="tx2">
+                    <a:lumMod val="75000"/>
+                  </a:schemeClr>
+                </a:solidFill>
+              </a:rPr>
+              <a:t>The studio should study their genre focus, franchise development,</a:t>
+            </a:r>
+          </a:p>
+          <a:p>
+            <a:endParaRPr lang="en-US" dirty="0">
+              <a:solidFill>
+                <a:schemeClr val="tx2">
+                  <a:lumMod val="75000"/>
+                </a:schemeClr>
+              </a:solidFill>
+            </a:endParaRPr>
+          </a:p>
+          <a:p>
+            <a:pPr marL="0" indent="0">
+              <a:buNone/>
+            </a:pPr>
+            <a:r>
+              <a:rPr lang="en-US" dirty="0">
+                <a:solidFill>
+                  <a:schemeClr val="tx2">
+                    <a:lumMod val="75000"/>
+                  </a:schemeClr>
+                </a:solidFill>
+              </a:rPr>
+              <a:t> marketing tactics and consider even partnerships or niche</a:t>
+            </a:r>
+          </a:p>
+          <a:p>
+            <a:pPr marL="0" indent="0">
+              <a:buNone/>
+            </a:pPr>
+            <a:endParaRPr lang="en-US" dirty="0">
+              <a:solidFill>
+                <a:schemeClr val="tx2">
+                  <a:lumMod val="75000"/>
+                </a:schemeClr>
+              </a:solidFill>
+            </a:endParaRPr>
+          </a:p>
+          <a:p>
+            <a:pPr marL="0" indent="0">
+              <a:buNone/>
+            </a:pPr>
+            <a:r>
+              <a:rPr lang="en-US" dirty="0">
+                <a:solidFill>
+                  <a:schemeClr val="tx2">
+                    <a:lumMod val="75000"/>
+                  </a:schemeClr>
+                </a:solidFill>
+              </a:rPr>
+              <a:t> differentiation.</a:t>
+            </a:r>
+          </a:p>
+        </p:txBody>
+      </p:sp>
+    </p:spTree>
+    <p:extLst>
+      <p:ext uri="{BB962C8B-B14F-4D97-AF65-F5344CB8AC3E}">
+        <p14:creationId xmlns:p14="http://schemas.microsoft.com/office/powerpoint/2010/main" val="3162715454"/>
+      </p:ext>
+    </p:extLst>
+  </p:cSld>
+  <p:clrMapOvr>
+    <a:masterClrMapping/>
+  </p:clrMapOvr>
+</p:sld>
+</file>
+
+<file path=ppt/slides/slide44.xml><?xml version="1.0" encoding="utf-8"?>
+<p:sld xmlns:a="http://schemas.openxmlformats.org/drawingml/2006/main" xmlns:r="http://schemas.openxmlformats.org/officeDocument/2006/relationships" xmlns:p="http://schemas.openxmlformats.org/presentationml/2006/main">
+  <p:cSld>
+    <p:spTree>
+      <p:nvGrpSpPr>
+        <p:cNvPr id="1" name=""/>
+        <p:cNvGrpSpPr/>
+        <p:nvPr/>
+      </p:nvGrpSpPr>
+      <p:grpSpPr>
+        <a:xfrm>
+          <a:off x="0" y="0"/>
+          <a:ext cx="0" cy="0"/>
+          <a:chOff x="0" y="0"/>
+          <a:chExt cx="0" cy="0"/>
+        </a:xfrm>
+      </p:grpSpPr>
+      <p:sp>
+        <p:nvSpPr>
+          <p:cNvPr id="2" name="Title 1">
+            <a:extLst>
+              <a:ext uri="{FF2B5EF4-FFF2-40B4-BE49-F238E27FC236}">
+                <a16:creationId xmlns:a16="http://schemas.microsoft.com/office/drawing/2014/main" id="{37C99CE9-3446-EFCC-8AC3-AF877D9BC411}"/>
+              </a:ext>
+            </a:extLst>
+          </p:cNvPr>
+          <p:cNvSpPr>
+            <a:spLocks noGrp="1"/>
+          </p:cNvSpPr>
+          <p:nvPr>
+            <p:ph type="title"/>
+          </p:nvPr>
+        </p:nvSpPr>
+        <p:spPr/>
+        <p:txBody>
+          <a:bodyPr>
+            <a:normAutofit fontScale="90000"/>
+          </a:bodyPr>
+          <a:lstStyle/>
+          <a:p>
+            <a:pPr marL="571500" indent="-571500">
+              <a:buFont typeface="Wingdings" panose="05000000000000000000" pitchFamily="2" charset="2"/>
+              <a:buChar char="q"/>
+            </a:pPr>
+            <a:r>
+              <a:rPr lang="en-US" dirty="0">
+                <a:solidFill>
+                  <a:schemeClr val="accent5">
+                    <a:lumMod val="75000"/>
+                  </a:schemeClr>
+                </a:solidFill>
+              </a:rPr>
+              <a:t>Use Popularity Driven Data To Guide Greenlighting</a:t>
+            </a:r>
+            <a:br>
+              <a:rPr lang="en-US" dirty="0"/>
+            </a:br>
+            <a:endParaRPr lang="en-US" dirty="0"/>
+          </a:p>
+        </p:txBody>
+      </p:sp>
+      <p:sp>
+        <p:nvSpPr>
+          <p:cNvPr id="3" name="Content Placeholder 2">
+            <a:extLst>
+              <a:ext uri="{FF2B5EF4-FFF2-40B4-BE49-F238E27FC236}">
+                <a16:creationId xmlns:a16="http://schemas.microsoft.com/office/drawing/2014/main" id="{D927CA4F-1D4F-7C07-E1E5-6D2F83E2F487}"/>
+              </a:ext>
+            </a:extLst>
+          </p:cNvPr>
+          <p:cNvSpPr>
+            <a:spLocks noGrp="1"/>
+          </p:cNvSpPr>
+          <p:nvPr>
+            <p:ph idx="1"/>
+          </p:nvPr>
+        </p:nvSpPr>
+        <p:spPr/>
+        <p:txBody>
+          <a:bodyPr/>
+          <a:lstStyle/>
+          <a:p>
+            <a:pPr marL="0" indent="0">
+              <a:buNone/>
+            </a:pPr>
+            <a:r>
+              <a:rPr lang="en-US" dirty="0">
+                <a:solidFill>
+                  <a:schemeClr val="tx2">
+                    <a:lumMod val="75000"/>
+                  </a:schemeClr>
+                </a:solidFill>
+              </a:rPr>
+              <a:t>The studio should incorporate pre-release popularity signals (social</a:t>
+            </a:r>
+          </a:p>
+          <a:p>
+            <a:pPr marL="0" indent="0">
+              <a:buNone/>
+            </a:pPr>
+            <a:endParaRPr lang="en-US" dirty="0">
+              <a:solidFill>
+                <a:schemeClr val="tx2">
+                  <a:lumMod val="75000"/>
+                </a:schemeClr>
+              </a:solidFill>
+            </a:endParaRPr>
+          </a:p>
+          <a:p>
+            <a:pPr marL="0" indent="0">
+              <a:buNone/>
+            </a:pPr>
+            <a:r>
+              <a:rPr lang="en-US" dirty="0">
+                <a:solidFill>
+                  <a:schemeClr val="tx2">
+                    <a:lumMod val="75000"/>
+                  </a:schemeClr>
+                </a:solidFill>
+              </a:rPr>
+              <a:t> buzz, early screenings, trailers, online engagement) into decision</a:t>
+            </a:r>
+          </a:p>
+          <a:p>
+            <a:pPr marL="0" indent="0">
+              <a:buNone/>
+            </a:pPr>
+            <a:endParaRPr lang="en-US" dirty="0">
+              <a:solidFill>
+                <a:schemeClr val="tx2">
+                  <a:lumMod val="75000"/>
+                </a:schemeClr>
+              </a:solidFill>
+            </a:endParaRPr>
+          </a:p>
+          <a:p>
+            <a:pPr marL="0" indent="0">
+              <a:buNone/>
+            </a:pPr>
+            <a:r>
+              <a:rPr lang="en-US" dirty="0">
+                <a:solidFill>
+                  <a:schemeClr val="tx2">
+                    <a:lumMod val="75000"/>
+                  </a:schemeClr>
+                </a:solidFill>
+              </a:rPr>
+              <a:t>-making when selecting projects.</a:t>
+            </a:r>
+          </a:p>
+        </p:txBody>
+      </p:sp>
+    </p:spTree>
+    <p:extLst>
+      <p:ext uri="{BB962C8B-B14F-4D97-AF65-F5344CB8AC3E}">
+        <p14:creationId xmlns:p14="http://schemas.microsoft.com/office/powerpoint/2010/main" val="3037102945"/>
+      </p:ext>
+    </p:extLst>
+  </p:cSld>
+  <p:clrMapOvr>
+    <a:masterClrMapping/>
+  </p:clrMapOvr>
+</p:sld>
+</file>
+
+<file path=ppt/slides/slide45.xml><?xml version="1.0" encoding="utf-8"?>
+<p:sld xmlns:a="http://schemas.openxmlformats.org/drawingml/2006/main" xmlns:r="http://schemas.openxmlformats.org/officeDocument/2006/relationships" xmlns:p="http://schemas.openxmlformats.org/presentationml/2006/main">
+  <p:cSld>
+    <p:spTree>
+      <p:nvGrpSpPr>
+        <p:cNvPr id="1" name=""/>
+        <p:cNvGrpSpPr/>
+        <p:nvPr/>
+      </p:nvGrpSpPr>
+      <p:grpSpPr>
+        <a:xfrm>
+          <a:off x="0" y="0"/>
+          <a:ext cx="0" cy="0"/>
+          <a:chOff x="0" y="0"/>
+          <a:chExt cx="0" cy="0"/>
+        </a:xfrm>
+      </p:grpSpPr>
+      <p:sp>
+        <p:nvSpPr>
+          <p:cNvPr id="2" name="Title 1">
+            <a:extLst>
+              <a:ext uri="{FF2B5EF4-FFF2-40B4-BE49-F238E27FC236}">
+                <a16:creationId xmlns:a16="http://schemas.microsoft.com/office/drawing/2014/main" id="{6E0C14B4-E8B8-6C37-D786-A9DD692D98BB}"/>
+              </a:ext>
+            </a:extLst>
+          </p:cNvPr>
+          <p:cNvSpPr>
+            <a:spLocks noGrp="1"/>
+          </p:cNvSpPr>
+          <p:nvPr>
+            <p:ph type="title"/>
+          </p:nvPr>
+        </p:nvSpPr>
+        <p:spPr/>
+        <p:txBody>
+          <a:bodyPr/>
+          <a:lstStyle/>
+          <a:p>
+            <a:pPr marL="571500" indent="-571500">
+              <a:buFont typeface="Wingdings" panose="05000000000000000000" pitchFamily="2" charset="2"/>
+              <a:buChar char="q"/>
+            </a:pPr>
+            <a:r>
+              <a:rPr lang="en-US" dirty="0">
+                <a:solidFill>
+                  <a:schemeClr val="accent5">
+                    <a:lumMod val="75000"/>
+                  </a:schemeClr>
+                </a:solidFill>
+              </a:rPr>
+              <a:t>Align Genre With Production Planning</a:t>
+            </a:r>
+            <a:br>
+              <a:rPr lang="en-US" dirty="0"/>
+            </a:br>
+            <a:endParaRPr lang="en-US" dirty="0"/>
+          </a:p>
+        </p:txBody>
+      </p:sp>
+      <p:sp>
+        <p:nvSpPr>
+          <p:cNvPr id="3" name="Content Placeholder 2">
+            <a:extLst>
+              <a:ext uri="{FF2B5EF4-FFF2-40B4-BE49-F238E27FC236}">
+                <a16:creationId xmlns:a16="http://schemas.microsoft.com/office/drawing/2014/main" id="{F62450AB-4732-7BB1-D329-82552677C8EC}"/>
+              </a:ext>
+            </a:extLst>
+          </p:cNvPr>
+          <p:cNvSpPr>
+            <a:spLocks noGrp="1"/>
+          </p:cNvSpPr>
+          <p:nvPr>
+            <p:ph idx="1"/>
+          </p:nvPr>
+        </p:nvSpPr>
+        <p:spPr/>
+        <p:txBody>
+          <a:bodyPr/>
+          <a:lstStyle/>
+          <a:p>
+            <a:pPr marL="0" indent="0">
+              <a:buNone/>
+            </a:pPr>
+            <a:r>
+              <a:rPr lang="en-US" dirty="0">
+                <a:solidFill>
+                  <a:schemeClr val="tx2">
+                    <a:lumMod val="75000"/>
+                  </a:schemeClr>
+                </a:solidFill>
+              </a:rPr>
+              <a:t>The head of the studio and the executive should plan budgets and</a:t>
+            </a:r>
+          </a:p>
+          <a:p>
+            <a:pPr marL="0" indent="0">
+              <a:buNone/>
+            </a:pPr>
+            <a:endParaRPr lang="en-US" dirty="0">
+              <a:solidFill>
+                <a:schemeClr val="tx2">
+                  <a:lumMod val="75000"/>
+                </a:schemeClr>
+              </a:solidFill>
+            </a:endParaRPr>
+          </a:p>
+          <a:p>
+            <a:pPr marL="0" indent="0">
+              <a:buNone/>
+            </a:pPr>
+            <a:r>
+              <a:rPr lang="en-US" dirty="0">
+                <a:solidFill>
+                  <a:schemeClr val="tx2">
+                    <a:lumMod val="75000"/>
+                  </a:schemeClr>
+                </a:solidFill>
+              </a:rPr>
+              <a:t> schedules according to genre expectations (e.g., longer runtimes for</a:t>
+            </a:r>
+          </a:p>
+          <a:p>
+            <a:pPr marL="0" indent="0">
+              <a:buNone/>
+            </a:pPr>
+            <a:endParaRPr lang="en-US" dirty="0">
+              <a:solidFill>
+                <a:schemeClr val="tx2">
+                  <a:lumMod val="75000"/>
+                </a:schemeClr>
+              </a:solidFill>
+            </a:endParaRPr>
+          </a:p>
+          <a:p>
+            <a:pPr marL="0" indent="0">
+              <a:buNone/>
+            </a:pPr>
+            <a:r>
+              <a:rPr lang="en-US" dirty="0">
+                <a:solidFill>
+                  <a:schemeClr val="tx2">
+                    <a:lumMod val="75000"/>
+                  </a:schemeClr>
+                </a:solidFill>
+              </a:rPr>
+              <a:t> action, adventure and Sci-fi).</a:t>
+            </a:r>
+          </a:p>
+        </p:txBody>
+      </p:sp>
+    </p:spTree>
+    <p:extLst>
+      <p:ext uri="{BB962C8B-B14F-4D97-AF65-F5344CB8AC3E}">
+        <p14:creationId xmlns:p14="http://schemas.microsoft.com/office/powerpoint/2010/main" val="1724323312"/>
+      </p:ext>
+    </p:extLst>
+  </p:cSld>
+  <p:clrMapOvr>
+    <a:masterClrMapping/>
+  </p:clrMapOvr>
+</p:sld>
+</file>
+
+<file path=ppt/slides/slide46.xml><?xml version="1.0" encoding="utf-8"?>
+<p:sld xmlns:a="http://schemas.openxmlformats.org/drawingml/2006/main" xmlns:r="http://schemas.openxmlformats.org/officeDocument/2006/relationships" xmlns:p="http://schemas.openxmlformats.org/presentationml/2006/main">
+  <p:cSld>
+    <p:spTree>
+      <p:nvGrpSpPr>
+        <p:cNvPr id="1" name=""/>
+        <p:cNvGrpSpPr/>
+        <p:nvPr/>
+      </p:nvGrpSpPr>
+      <p:grpSpPr>
+        <a:xfrm>
+          <a:off x="0" y="0"/>
+          <a:ext cx="0" cy="0"/>
+          <a:chOff x="0" y="0"/>
+          <a:chExt cx="0" cy="0"/>
+        </a:xfrm>
+      </p:grpSpPr>
+      <p:sp>
+        <p:nvSpPr>
+          <p:cNvPr id="2" name="Title 1">
+            <a:extLst>
+              <a:ext uri="{FF2B5EF4-FFF2-40B4-BE49-F238E27FC236}">
+                <a16:creationId xmlns:a16="http://schemas.microsoft.com/office/drawing/2014/main" id="{4ABA50DE-2866-E863-FCA5-A14BF4BA23A2}"/>
+              </a:ext>
+            </a:extLst>
+          </p:cNvPr>
+          <p:cNvSpPr>
+            <a:spLocks noGrp="1"/>
+          </p:cNvSpPr>
+          <p:nvPr>
+            <p:ph type="title"/>
+          </p:nvPr>
+        </p:nvSpPr>
+        <p:spPr/>
+        <p:txBody>
+          <a:bodyPr/>
+          <a:lstStyle/>
+          <a:p>
+            <a:r>
+              <a:rPr lang="en-US" dirty="0">
+                <a:solidFill>
+                  <a:schemeClr val="accent4">
+                    <a:lumMod val="75000"/>
+                  </a:schemeClr>
+                </a:solidFill>
+              </a:rPr>
+              <a:t>Future actions</a:t>
+            </a:r>
+          </a:p>
+        </p:txBody>
+      </p:sp>
+      <p:sp>
+        <p:nvSpPr>
+          <p:cNvPr id="3" name="Content Placeholder 2">
+            <a:extLst>
+              <a:ext uri="{FF2B5EF4-FFF2-40B4-BE49-F238E27FC236}">
+                <a16:creationId xmlns:a16="http://schemas.microsoft.com/office/drawing/2014/main" id="{35F1F716-E2CB-484E-9237-017C2434E14B}"/>
+              </a:ext>
+            </a:extLst>
+          </p:cNvPr>
+          <p:cNvSpPr>
+            <a:spLocks noGrp="1"/>
+          </p:cNvSpPr>
+          <p:nvPr>
+            <p:ph idx="1"/>
+          </p:nvPr>
+        </p:nvSpPr>
+        <p:spPr/>
+        <p:txBody>
+          <a:bodyPr/>
+          <a:lstStyle/>
+          <a:p>
+            <a:endParaRPr lang="en-US" dirty="0"/>
+          </a:p>
+        </p:txBody>
+      </p:sp>
+    </p:spTree>
+    <p:extLst>
+      <p:ext uri="{BB962C8B-B14F-4D97-AF65-F5344CB8AC3E}">
+        <p14:creationId xmlns:p14="http://schemas.microsoft.com/office/powerpoint/2010/main" val="2662953764"/>
       </p:ext>
     </p:extLst>
   </p:cSld>
@@ -8436,7 +10306,13 @@
           <a:lstStyle/>
           <a:p>
             <a:r>
-              <a:rPr lang="en-US" dirty="0"/>
+              <a:rPr lang="en-US" dirty="0">
+                <a:solidFill>
+                  <a:schemeClr val="tx2">
+                    <a:lumMod val="75000"/>
+                  </a:schemeClr>
+                </a:solidFill>
+              </a:rPr>
               <a:t>This dataset contains box office revenue data for movies.</a:t>
             </a:r>
           </a:p>
@@ -8444,11 +10320,23 @@
             <a:pPr marL="0" indent="0">
               <a:buNone/>
             </a:pPr>
-            <a:endParaRPr lang="en-US" dirty="0"/>
-          </a:p>
-          <a:p>
-            <a:r>
-              <a:rPr lang="en-US" dirty="0"/>
+            <a:endParaRPr lang="en-US" dirty="0">
+              <a:solidFill>
+                <a:schemeClr val="tx2">
+                  <a:lumMod val="75000"/>
+                </a:schemeClr>
+              </a:solidFill>
+            </a:endParaRPr>
+          </a:p>
+          <a:p>
+            <a:r>
+              <a:rPr lang="en-US" dirty="0">
+                <a:solidFill>
+                  <a:schemeClr val="tx2">
+                    <a:lumMod val="75000"/>
+                  </a:schemeClr>
+                </a:solidFill>
+              </a:rPr>
               <a:t>These are movies that were  released domestically and internationally.</a:t>
             </a:r>
           </a:p>

--- a/project.pptx
+++ b/project.pptx
@@ -9637,6 +9637,57 @@
           <a:bodyPr/>
           <a:lstStyle/>
           <a:p>
+            <a:r>
+              <a:rPr lang="en-US" dirty="0">
+                <a:solidFill>
+                  <a:schemeClr val="tx2">
+                    <a:lumMod val="75000"/>
+                  </a:schemeClr>
+                </a:solidFill>
+              </a:rPr>
+              <a:t>Benchmark from top studios</a:t>
+            </a:r>
+          </a:p>
+          <a:p>
+            <a:r>
+              <a:rPr lang="en-US" dirty="0">
+                <a:solidFill>
+                  <a:schemeClr val="tx2">
+                    <a:lumMod val="75000"/>
+                  </a:schemeClr>
+                </a:solidFill>
+              </a:rPr>
+              <a:t>Keep an eye out for genre trends to predict future demand</a:t>
+            </a:r>
+          </a:p>
+          <a:p>
+            <a:r>
+              <a:rPr lang="en-US" dirty="0">
+                <a:solidFill>
+                  <a:schemeClr val="tx2">
+                    <a:lumMod val="75000"/>
+                  </a:schemeClr>
+                </a:solidFill>
+              </a:rPr>
+              <a:t>Come up with a runtime guidelines for each genre</a:t>
+            </a:r>
+          </a:p>
+          <a:p>
+            <a:r>
+              <a:rPr lang="en-US" dirty="0">
+                <a:solidFill>
+                  <a:schemeClr val="tx2">
+                    <a:lumMod val="75000"/>
+                  </a:schemeClr>
+                </a:solidFill>
+              </a:rPr>
+              <a:t>Track trailer views, social media mentions, search trends, and ratings.</a:t>
+            </a:r>
+          </a:p>
+          <a:p>
+            <a:pPr marL="0" indent="0">
+              <a:buNone/>
+            </a:pPr>
             <a:endParaRPr lang="en-US" dirty="0"/>
           </a:p>
         </p:txBody>

--- a/project.pptx
+++ b/project.pptx
@@ -51,6 +51,8 @@
     <p:sldId id="273" r:id="rId45"/>
     <p:sldId id="272" r:id="rId46"/>
     <p:sldId id="292" r:id="rId47"/>
+    <p:sldId id="303" r:id="rId48"/>
+    <p:sldId id="304" r:id="rId49"/>
   </p:sldIdLst>
   <p:sldSz cx="12192000" cy="6858000"/>
   <p:notesSz cx="6858000" cy="9144000"/>
@@ -9705,6 +9707,144 @@
 </p:sld>
 </file>
 
+<file path=ppt/slides/slide47.xml><?xml version="1.0" encoding="utf-8"?>
+<p:sld xmlns:a="http://schemas.openxmlformats.org/drawingml/2006/main" xmlns:r="http://schemas.openxmlformats.org/officeDocument/2006/relationships" xmlns:p="http://schemas.openxmlformats.org/presentationml/2006/main">
+  <p:cSld>
+    <p:spTree>
+      <p:nvGrpSpPr>
+        <p:cNvPr id="1" name=""/>
+        <p:cNvGrpSpPr/>
+        <p:nvPr/>
+      </p:nvGrpSpPr>
+      <p:grpSpPr>
+        <a:xfrm>
+          <a:off x="0" y="0"/>
+          <a:ext cx="0" cy="0"/>
+          <a:chOff x="0" y="0"/>
+          <a:chExt cx="0" cy="0"/>
+        </a:xfrm>
+      </p:grpSpPr>
+      <p:pic>
+        <p:nvPicPr>
+          <p:cNvPr id="3" name="Picture 2">
+            <a:extLst>
+              <a:ext uri="{FF2B5EF4-FFF2-40B4-BE49-F238E27FC236}">
+                <a16:creationId xmlns:a16="http://schemas.microsoft.com/office/drawing/2014/main" id="{76EC543F-6C7F-AA0F-47F9-B6A117E29A81}"/>
+              </a:ext>
+            </a:extLst>
+          </p:cNvPr>
+          <p:cNvPicPr>
+            <a:picLocks noChangeAspect="1"/>
+          </p:cNvPicPr>
+          <p:nvPr/>
+        </p:nvPicPr>
+        <p:blipFill>
+          <a:blip r:embed="rId2">
+            <a:extLst>
+              <a:ext uri="{28A0092B-C50C-407E-A947-70E740481C1C}">
+                <a14:useLocalDpi xmlns:a14="http://schemas.microsoft.com/office/drawing/2010/main" val="0"/>
+              </a:ext>
+              <a:ext uri="{837473B0-CC2E-450A-ABE3-18F120FF3D39}">
+                <a1611:picAttrSrcUrl xmlns:a1611="http://schemas.microsoft.com/office/drawing/2016/11/main" r:id="rId3"/>
+              </a:ext>
+            </a:extLst>
+          </a:blip>
+          <a:stretch>
+            <a:fillRect/>
+          </a:stretch>
+        </p:blipFill>
+        <p:spPr>
+          <a:xfrm>
+            <a:off x="0" y="0"/>
+            <a:ext cx="12192000" cy="6858000"/>
+          </a:xfrm>
+          <a:prstGeom prst="rect">
+            <a:avLst/>
+          </a:prstGeom>
+        </p:spPr>
+      </p:pic>
+    </p:spTree>
+    <p:extLst>
+      <p:ext uri="{BB962C8B-B14F-4D97-AF65-F5344CB8AC3E}">
+        <p14:creationId xmlns:p14="http://schemas.microsoft.com/office/powerpoint/2010/main" val="2179797312"/>
+      </p:ext>
+    </p:extLst>
+  </p:cSld>
+  <p:clrMapOvr>
+    <a:masterClrMapping/>
+  </p:clrMapOvr>
+</p:sld>
+</file>
+
+<file path=ppt/slides/slide48.xml><?xml version="1.0" encoding="utf-8"?>
+<p:sld xmlns:a="http://schemas.openxmlformats.org/drawingml/2006/main" xmlns:r="http://schemas.openxmlformats.org/officeDocument/2006/relationships" xmlns:p="http://schemas.openxmlformats.org/presentationml/2006/main">
+  <p:cSld>
+    <p:spTree>
+      <p:nvGrpSpPr>
+        <p:cNvPr id="1" name=""/>
+        <p:cNvGrpSpPr/>
+        <p:nvPr/>
+      </p:nvGrpSpPr>
+      <p:grpSpPr>
+        <a:xfrm>
+          <a:off x="0" y="0"/>
+          <a:ext cx="0" cy="0"/>
+          <a:chOff x="0" y="0"/>
+          <a:chExt cx="0" cy="0"/>
+        </a:xfrm>
+      </p:grpSpPr>
+      <p:pic>
+        <p:nvPicPr>
+          <p:cNvPr id="3" name="Picture 2">
+            <a:extLst>
+              <a:ext uri="{FF2B5EF4-FFF2-40B4-BE49-F238E27FC236}">
+                <a16:creationId xmlns:a16="http://schemas.microsoft.com/office/drawing/2014/main" id="{0C60AE4A-F65A-9A95-2E46-5F458B9DE7DE}"/>
+              </a:ext>
+            </a:extLst>
+          </p:cNvPr>
+          <p:cNvPicPr>
+            <a:picLocks noChangeAspect="1"/>
+          </p:cNvPicPr>
+          <p:nvPr/>
+        </p:nvPicPr>
+        <p:blipFill>
+          <a:blip r:embed="rId2">
+            <a:extLst>
+              <a:ext uri="{28A0092B-C50C-407E-A947-70E740481C1C}">
+                <a14:useLocalDpi xmlns:a14="http://schemas.microsoft.com/office/drawing/2010/main" val="0"/>
+              </a:ext>
+              <a:ext uri="{837473B0-CC2E-450A-ABE3-18F120FF3D39}">
+                <a1611:picAttrSrcUrl xmlns:a1611="http://schemas.microsoft.com/office/drawing/2016/11/main" r:id="rId3"/>
+              </a:ext>
+            </a:extLst>
+          </a:blip>
+          <a:stretch>
+            <a:fillRect/>
+          </a:stretch>
+        </p:blipFill>
+        <p:spPr>
+          <a:xfrm>
+            <a:off x="0" y="0"/>
+            <a:ext cx="12192000" cy="6858000"/>
+          </a:xfrm>
+          <a:prstGeom prst="rect">
+            <a:avLst/>
+          </a:prstGeom>
+        </p:spPr>
+      </p:pic>
+    </p:spTree>
+    <p:extLst>
+      <p:ext uri="{BB962C8B-B14F-4D97-AF65-F5344CB8AC3E}">
+        <p14:creationId xmlns:p14="http://schemas.microsoft.com/office/powerpoint/2010/main" val="1276925648"/>
+      </p:ext>
+    </p:extLst>
+  </p:cSld>
+  <p:clrMapOvr>
+    <a:masterClrMapping/>
+  </p:clrMapOvr>
+</p:sld>
+</file>
+
 <file path=ppt/slides/slide5.xml><?xml version="1.0" encoding="utf-8"?>
 <p:sld xmlns:a="http://schemas.openxmlformats.org/drawingml/2006/main" xmlns:r="http://schemas.openxmlformats.org/officeDocument/2006/relationships" xmlns:p="http://schemas.openxmlformats.org/presentationml/2006/main">
   <p:cSld>
